--- a/BÁO CÁO THỰC TẬP.pptx
+++ b/BÁO CÁO THỰC TẬP.pptx
@@ -10,8 +10,9 @@
     <p:sldId id="258" r:id="rId4"/>
     <p:sldId id="259" r:id="rId5"/>
     <p:sldId id="260" r:id="rId6"/>
-    <p:sldId id="261" r:id="rId7"/>
-    <p:sldId id="262" r:id="rId8"/>
+    <p:sldId id="263" r:id="rId7"/>
+    <p:sldId id="261" r:id="rId8"/>
+    <p:sldId id="262" r:id="rId9"/>
   </p:sldIdLst>
   <p:sldSz cx="12192000" cy="6858000"/>
   <p:notesSz cx="6858000" cy="9144000"/>
@@ -110,6 +111,11 @@
       </a:defRPr>
     </a:lvl9pPr>
   </p:defaultTextStyle>
+  <p:extLst>
+    <p:ext uri="{EFAFB233-063F-42B5-8137-9DF3F51BA10A}">
+      <p15:sldGuideLst xmlns:p15="http://schemas.microsoft.com/office/powerpoint/2012/main"/>
+    </p:ext>
+  </p:extLst>
 </p:presentation>
 </file>
 
@@ -3394,6 +3400,87 @@
           <a:p>
             <a:r>
               <a:rPr lang="en-US" smtClean="0"/>
+              <a:t>Dashboard</a:t>
+            </a:r>
+            <a:endParaRPr lang="en-US"/>
+          </a:p>
+        </p:txBody>
+      </p:sp>
+      <p:sp>
+        <p:nvSpPr>
+          <p:cNvPr id="3" name="Content Placeholder 2"/>
+          <p:cNvSpPr>
+            <a:spLocks noGrp="1"/>
+          </p:cNvSpPr>
+          <p:nvPr>
+            <p:ph idx="1"/>
+          </p:nvPr>
+        </p:nvSpPr>
+        <p:spPr/>
+        <p:txBody>
+          <a:bodyPr/>
+          <a:lstStyle/>
+          <a:p>
+            <a:r>
+              <a:rPr lang="en-US" smtClean="0"/>
+              <a:t>Trải nghiệm người dùng</a:t>
+            </a:r>
+          </a:p>
+          <a:p>
+            <a:pPr marL="0" indent="0">
+              <a:buNone/>
+            </a:pPr>
+            <a:endParaRPr lang="en-US"/>
+          </a:p>
+        </p:txBody>
+      </p:sp>
+    </p:spTree>
+    <p:extLst>
+      <p:ext uri="{BB962C8B-B14F-4D97-AF65-F5344CB8AC3E}">
+        <p14:creationId xmlns:p14="http://schemas.microsoft.com/office/powerpoint/2010/main" val="238977092"/>
+      </p:ext>
+    </p:extLst>
+  </p:cSld>
+  <p:clrMapOvr>
+    <a:masterClrMapping/>
+  </p:clrMapOvr>
+</p:sld>
+</file>
+
+<file path=ppt/slides/slide7.xml><?xml version="1.0" encoding="utf-8"?>
+<p:sld xmlns:a="http://schemas.openxmlformats.org/drawingml/2006/main" xmlns:r="http://schemas.openxmlformats.org/officeDocument/2006/relationships" xmlns:p="http://schemas.openxmlformats.org/presentationml/2006/main">
+  <p:cSld>
+    <p:spTree>
+      <p:nvGrpSpPr>
+        <p:cNvPr id="1" name=""/>
+        <p:cNvGrpSpPr/>
+        <p:nvPr/>
+      </p:nvGrpSpPr>
+      <p:grpSpPr>
+        <a:xfrm>
+          <a:off x="0" y="0"/>
+          <a:ext cx="0" cy="0"/>
+          <a:chOff x="0" y="0"/>
+          <a:chExt cx="0" cy="0"/>
+        </a:xfrm>
+      </p:grpSpPr>
+      <p:sp>
+        <p:nvSpPr>
+          <p:cNvPr id="2" name="Title 1"/>
+          <p:cNvSpPr>
+            <a:spLocks noGrp="1"/>
+          </p:cNvSpPr>
+          <p:nvPr>
+            <p:ph type="title"/>
+          </p:nvPr>
+        </p:nvSpPr>
+        <p:spPr/>
+        <p:txBody>
+          <a:bodyPr/>
+          <a:lstStyle/>
+          <a:p>
+            <a:r>
+              <a:rPr lang="en-US" smtClean="0"/>
               <a:t>Phân tích dữ liệu</a:t>
             </a:r>
             <a:endParaRPr lang="en-US"/>
@@ -3432,7 +3519,7 @@
 </p:sld>
 </file>
 
-<file path=ppt/slides/slide7.xml><?xml version="1.0" encoding="utf-8"?>
+<file path=ppt/slides/slide8.xml><?xml version="1.0" encoding="utf-8"?>
 <p:sld xmlns:a="http://schemas.openxmlformats.org/drawingml/2006/main" xmlns:r="http://schemas.openxmlformats.org/officeDocument/2006/relationships" xmlns:p="http://schemas.openxmlformats.org/presentationml/2006/main">
   <p:cSld>
     <p:spTree>

--- a/BÁO CÁO THỰC TẬP.pptx
+++ b/BÁO CÁO THỰC TẬP.pptx
@@ -12,7 +12,13 @@
     <p:sldId id="260" r:id="rId6"/>
     <p:sldId id="263" r:id="rId7"/>
     <p:sldId id="261" r:id="rId8"/>
-    <p:sldId id="262" r:id="rId9"/>
+    <p:sldId id="264" r:id="rId9"/>
+    <p:sldId id="266" r:id="rId10"/>
+    <p:sldId id="265" r:id="rId11"/>
+    <p:sldId id="268" r:id="rId12"/>
+    <p:sldId id="267" r:id="rId13"/>
+    <p:sldId id="269" r:id="rId14"/>
+    <p:sldId id="262" r:id="rId15"/>
   </p:sldIdLst>
   <p:sldSz cx="12192000" cy="6858000"/>
   <p:notesSz cx="6858000" cy="9144000"/>
@@ -3038,6 +3044,751 @@
 </p:sld>
 </file>
 
+<file path=ppt/slides/slide10.xml><?xml version="1.0" encoding="utf-8"?>
+<p:sld xmlns:a="http://schemas.openxmlformats.org/drawingml/2006/main" xmlns:r="http://schemas.openxmlformats.org/officeDocument/2006/relationships" xmlns:p="http://schemas.openxmlformats.org/presentationml/2006/main">
+  <p:cSld>
+    <p:spTree>
+      <p:nvGrpSpPr>
+        <p:cNvPr id="1" name=""/>
+        <p:cNvGrpSpPr/>
+        <p:nvPr/>
+      </p:nvGrpSpPr>
+      <p:grpSpPr>
+        <a:xfrm>
+          <a:off x="0" y="0"/>
+          <a:ext cx="0" cy="0"/>
+          <a:chOff x="0" y="0"/>
+          <a:chExt cx="0" cy="0"/>
+        </a:xfrm>
+      </p:grpSpPr>
+      <p:sp>
+        <p:nvSpPr>
+          <p:cNvPr id="2" name="Title 1"/>
+          <p:cNvSpPr>
+            <a:spLocks noGrp="1"/>
+          </p:cNvSpPr>
+          <p:nvPr>
+            <p:ph type="title"/>
+          </p:nvPr>
+        </p:nvSpPr>
+        <p:spPr/>
+        <p:txBody>
+          <a:bodyPr/>
+          <a:lstStyle/>
+          <a:p>
+            <a:r>
+              <a:rPr lang="en-US" dirty="0" smtClean="0"/>
+              <a:t>Unit Test</a:t>
+            </a:r>
+            <a:endParaRPr lang="vi-VN" dirty="0"/>
+          </a:p>
+        </p:txBody>
+      </p:sp>
+      <p:sp>
+        <p:nvSpPr>
+          <p:cNvPr id="3" name="Content Placeholder 2"/>
+          <p:cNvSpPr>
+            <a:spLocks noGrp="1"/>
+          </p:cNvSpPr>
+          <p:nvPr>
+            <p:ph idx="1"/>
+          </p:nvPr>
+        </p:nvSpPr>
+        <p:spPr/>
+        <p:txBody>
+          <a:bodyPr/>
+          <a:lstStyle/>
+          <a:p>
+            <a:r>
+              <a:rPr lang="en-US" dirty="0" err="1" smtClean="0"/>
+              <a:t>Tự</a:t>
+            </a:r>
+            <a:r>
+              <a:rPr lang="en-US" dirty="0" smtClean="0"/>
+              <a:t> </a:t>
+            </a:r>
+            <a:r>
+              <a:rPr lang="en-US" dirty="0" err="1" smtClean="0"/>
+              <a:t>động</a:t>
+            </a:r>
+            <a:r>
+              <a:rPr lang="en-US" dirty="0" smtClean="0"/>
+              <a:t> </a:t>
+            </a:r>
+            <a:r>
+              <a:rPr lang="en-US" dirty="0" err="1" smtClean="0"/>
+              <a:t>hóa</a:t>
+            </a:r>
+            <a:r>
+              <a:rPr lang="en-US" dirty="0" smtClean="0"/>
+              <a:t> </a:t>
+            </a:r>
+            <a:r>
+              <a:rPr lang="en-US" dirty="0" err="1" smtClean="0"/>
+              <a:t>công</a:t>
+            </a:r>
+            <a:r>
+              <a:rPr lang="en-US" dirty="0" smtClean="0"/>
+              <a:t> </a:t>
+            </a:r>
+            <a:r>
+              <a:rPr lang="en-US" dirty="0" err="1" smtClean="0"/>
+              <a:t>việc</a:t>
+            </a:r>
+            <a:r>
+              <a:rPr lang="en-US" dirty="0" smtClean="0"/>
+              <a:t> testing.</a:t>
+            </a:r>
+          </a:p>
+          <a:p>
+            <a:r>
+              <a:rPr lang="en-US" dirty="0" err="1" smtClean="0"/>
+              <a:t>Đảm</a:t>
+            </a:r>
+            <a:r>
+              <a:rPr lang="en-US" dirty="0" smtClean="0"/>
+              <a:t> </a:t>
+            </a:r>
+            <a:r>
+              <a:rPr lang="en-US" dirty="0" err="1" smtClean="0"/>
+              <a:t>bảo</a:t>
+            </a:r>
+            <a:r>
+              <a:rPr lang="en-US" dirty="0" smtClean="0"/>
+              <a:t> </a:t>
+            </a:r>
+            <a:r>
+              <a:rPr lang="en-US" dirty="0" err="1" smtClean="0"/>
+              <a:t>chất</a:t>
+            </a:r>
+            <a:r>
+              <a:rPr lang="en-US" dirty="0" smtClean="0"/>
+              <a:t> </a:t>
+            </a:r>
+            <a:r>
+              <a:rPr lang="en-US" dirty="0" err="1" smtClean="0"/>
+              <a:t>lượng</a:t>
+            </a:r>
+            <a:r>
+              <a:rPr lang="en-US" dirty="0" smtClean="0"/>
+              <a:t> </a:t>
+            </a:r>
+            <a:r>
+              <a:rPr lang="en-US" dirty="0" err="1" smtClean="0"/>
+              <a:t>các</a:t>
+            </a:r>
+            <a:r>
+              <a:rPr lang="en-US" dirty="0" smtClean="0"/>
+              <a:t> </a:t>
+            </a:r>
+            <a:r>
+              <a:rPr lang="en-US" dirty="0" err="1" smtClean="0"/>
+              <a:t>thành</a:t>
+            </a:r>
+            <a:r>
+              <a:rPr lang="en-US" dirty="0" smtClean="0"/>
+              <a:t> </a:t>
+            </a:r>
+            <a:r>
+              <a:rPr lang="en-US" dirty="0" err="1" smtClean="0"/>
+              <a:t>phần</a:t>
+            </a:r>
+            <a:r>
+              <a:rPr lang="en-US" dirty="0" smtClean="0"/>
+              <a:t> </a:t>
+            </a:r>
+            <a:r>
+              <a:rPr lang="en-US" dirty="0" err="1" smtClean="0"/>
+              <a:t>của</a:t>
+            </a:r>
+            <a:r>
+              <a:rPr lang="en-US" dirty="0" smtClean="0"/>
+              <a:t> </a:t>
+            </a:r>
+            <a:r>
+              <a:rPr lang="en-US" dirty="0" err="1" smtClean="0"/>
+              <a:t>chương</a:t>
+            </a:r>
+            <a:r>
+              <a:rPr lang="en-US" dirty="0" smtClean="0"/>
+              <a:t> </a:t>
+            </a:r>
+            <a:r>
+              <a:rPr lang="en-US" dirty="0" err="1" smtClean="0"/>
+              <a:t>trình</a:t>
+            </a:r>
+            <a:r>
+              <a:rPr lang="en-US" dirty="0" smtClean="0"/>
+              <a:t>.</a:t>
+            </a:r>
+          </a:p>
+          <a:p>
+            <a:r>
+              <a:rPr lang="en-US" dirty="0" err="1" smtClean="0"/>
+              <a:t>Nhanh</a:t>
+            </a:r>
+            <a:r>
+              <a:rPr lang="en-US" dirty="0" smtClean="0"/>
+              <a:t> </a:t>
+            </a:r>
+            <a:r>
+              <a:rPr lang="en-US" dirty="0" err="1" smtClean="0"/>
+              <a:t>chóng</a:t>
+            </a:r>
+            <a:r>
+              <a:rPr lang="en-US" dirty="0" smtClean="0"/>
+              <a:t> </a:t>
+            </a:r>
+            <a:r>
+              <a:rPr lang="en-US" dirty="0" err="1" smtClean="0"/>
+              <a:t>phát</a:t>
+            </a:r>
+            <a:r>
+              <a:rPr lang="en-US" dirty="0" smtClean="0"/>
+              <a:t> </a:t>
+            </a:r>
+            <a:r>
+              <a:rPr lang="en-US" dirty="0" err="1" smtClean="0"/>
+              <a:t>hiện</a:t>
+            </a:r>
+            <a:r>
+              <a:rPr lang="en-US" dirty="0" smtClean="0"/>
+              <a:t> </a:t>
+            </a:r>
+            <a:r>
+              <a:rPr lang="en-US" dirty="0" err="1" smtClean="0"/>
+              <a:t>ra</a:t>
+            </a:r>
+            <a:r>
+              <a:rPr lang="en-US" dirty="0" smtClean="0"/>
+              <a:t> </a:t>
+            </a:r>
+            <a:r>
+              <a:rPr lang="en-US" dirty="0" err="1" smtClean="0"/>
+              <a:t>các</a:t>
+            </a:r>
+            <a:r>
+              <a:rPr lang="en-US" dirty="0" smtClean="0"/>
+              <a:t> </a:t>
+            </a:r>
+            <a:r>
+              <a:rPr lang="en-US" dirty="0" err="1" smtClean="0"/>
+              <a:t>lỗi</a:t>
+            </a:r>
+            <a:r>
+              <a:rPr lang="en-US" dirty="0" smtClean="0"/>
+              <a:t> </a:t>
+            </a:r>
+            <a:r>
+              <a:rPr lang="en-US" dirty="0" err="1" smtClean="0"/>
+              <a:t>khi</a:t>
+            </a:r>
+            <a:r>
+              <a:rPr lang="en-US" dirty="0" smtClean="0"/>
+              <a:t> </a:t>
+            </a:r>
+            <a:r>
+              <a:rPr lang="en-US" dirty="0" err="1" smtClean="0"/>
+              <a:t>thay</a:t>
+            </a:r>
+            <a:r>
+              <a:rPr lang="en-US" dirty="0" smtClean="0"/>
+              <a:t> </a:t>
+            </a:r>
+            <a:r>
+              <a:rPr lang="en-US" dirty="0" err="1" smtClean="0"/>
+              <a:t>đổi</a:t>
+            </a:r>
+            <a:r>
+              <a:rPr lang="en-US" dirty="0" smtClean="0"/>
+              <a:t> </a:t>
+            </a:r>
+            <a:r>
+              <a:rPr lang="en-US" dirty="0" err="1" smtClean="0"/>
+              <a:t>chương</a:t>
+            </a:r>
+            <a:r>
+              <a:rPr lang="en-US" dirty="0" smtClean="0"/>
+              <a:t> </a:t>
+            </a:r>
+            <a:r>
+              <a:rPr lang="en-US" dirty="0" err="1" smtClean="0"/>
+              <a:t>trình</a:t>
+            </a:r>
+            <a:r>
+              <a:rPr lang="en-US" dirty="0" smtClean="0"/>
+              <a:t>.</a:t>
+            </a:r>
+          </a:p>
+          <a:p>
+            <a:r>
+              <a:rPr lang="en-US" dirty="0" err="1" smtClean="0"/>
+              <a:t>Tiết</a:t>
+            </a:r>
+            <a:r>
+              <a:rPr lang="en-US" dirty="0" smtClean="0"/>
+              <a:t> </a:t>
+            </a:r>
+            <a:r>
+              <a:rPr lang="en-US" dirty="0" err="1" smtClean="0"/>
+              <a:t>kiệm</a:t>
+            </a:r>
+            <a:r>
+              <a:rPr lang="en-US" dirty="0" smtClean="0"/>
+              <a:t> </a:t>
+            </a:r>
+            <a:r>
+              <a:rPr lang="en-US" dirty="0" err="1" smtClean="0"/>
+              <a:t>thời</a:t>
+            </a:r>
+            <a:r>
+              <a:rPr lang="en-US" dirty="0" smtClean="0"/>
+              <a:t> </a:t>
+            </a:r>
+            <a:r>
+              <a:rPr lang="en-US" dirty="0" err="1" smtClean="0"/>
+              <a:t>gian</a:t>
+            </a:r>
+            <a:r>
+              <a:rPr lang="en-US" dirty="0" smtClean="0"/>
+              <a:t> testing.</a:t>
+            </a:r>
+            <a:endParaRPr lang="vi-VN" dirty="0"/>
+          </a:p>
+        </p:txBody>
+      </p:sp>
+    </p:spTree>
+    <p:extLst>
+      <p:ext uri="{BB962C8B-B14F-4D97-AF65-F5344CB8AC3E}">
+        <p14:creationId xmlns:p14="http://schemas.microsoft.com/office/powerpoint/2010/main" val="1767821105"/>
+      </p:ext>
+    </p:extLst>
+  </p:cSld>
+  <p:clrMapOvr>
+    <a:masterClrMapping/>
+  </p:clrMapOvr>
+  <p:timing>
+    <p:tnLst>
+      <p:par>
+        <p:cTn id="1" dur="indefinite" restart="never" nodeType="tmRoot"/>
+      </p:par>
+    </p:tnLst>
+  </p:timing>
+</p:sld>
+</file>
+
+<file path=ppt/slides/slide11.xml><?xml version="1.0" encoding="utf-8"?>
+<p:sld xmlns:a="http://schemas.openxmlformats.org/drawingml/2006/main" xmlns:r="http://schemas.openxmlformats.org/officeDocument/2006/relationships" xmlns:p="http://schemas.openxmlformats.org/presentationml/2006/main">
+  <p:cSld>
+    <p:spTree>
+      <p:nvGrpSpPr>
+        <p:cNvPr id="1" name=""/>
+        <p:cNvGrpSpPr/>
+        <p:nvPr/>
+      </p:nvGrpSpPr>
+      <p:grpSpPr>
+        <a:xfrm>
+          <a:off x="0" y="0"/>
+          <a:ext cx="0" cy="0"/>
+          <a:chOff x="0" y="0"/>
+          <a:chExt cx="0" cy="0"/>
+        </a:xfrm>
+      </p:grpSpPr>
+      <p:sp>
+        <p:nvSpPr>
+          <p:cNvPr id="2" name="Title 1"/>
+          <p:cNvSpPr>
+            <a:spLocks noGrp="1"/>
+          </p:cNvSpPr>
+          <p:nvPr>
+            <p:ph type="title"/>
+          </p:nvPr>
+        </p:nvSpPr>
+        <p:spPr/>
+        <p:txBody>
+          <a:bodyPr/>
+          <a:lstStyle/>
+          <a:p>
+            <a:endParaRPr lang="vi-VN"/>
+          </a:p>
+        </p:txBody>
+      </p:sp>
+      <p:pic>
+        <p:nvPicPr>
+          <p:cNvPr id="4" name="Picture 3"/>
+          <p:cNvPicPr/>
+          <p:nvPr/>
+        </p:nvPicPr>
+        <p:blipFill>
+          <a:blip r:embed="rId2">
+            <a:extLst>
+              <a:ext uri="{28A0092B-C50C-407E-A947-70E740481C1C}">
+                <a14:useLocalDpi xmlns:a14="http://schemas.microsoft.com/office/drawing/2010/main" val="0"/>
+              </a:ext>
+            </a:extLst>
+          </a:blip>
+          <a:srcRect/>
+          <a:stretch>
+            <a:fillRect/>
+          </a:stretch>
+        </p:blipFill>
+        <p:spPr bwMode="auto">
+          <a:xfrm>
+            <a:off x="1262271" y="1690688"/>
+            <a:ext cx="9856304" cy="4882564"/>
+          </a:xfrm>
+          <a:prstGeom prst="rect">
+            <a:avLst/>
+          </a:prstGeom>
+          <a:noFill/>
+          <a:ln>
+            <a:noFill/>
+          </a:ln>
+        </p:spPr>
+      </p:pic>
+    </p:spTree>
+    <p:extLst>
+      <p:ext uri="{BB962C8B-B14F-4D97-AF65-F5344CB8AC3E}">
+        <p14:creationId xmlns:p14="http://schemas.microsoft.com/office/powerpoint/2010/main" val="517413923"/>
+      </p:ext>
+    </p:extLst>
+  </p:cSld>
+  <p:clrMapOvr>
+    <a:masterClrMapping/>
+  </p:clrMapOvr>
+  <p:timing>
+    <p:tnLst>
+      <p:par>
+        <p:cTn id="1" dur="indefinite" restart="never" nodeType="tmRoot"/>
+      </p:par>
+    </p:tnLst>
+  </p:timing>
+</p:sld>
+</file>
+
+<file path=ppt/slides/slide12.xml><?xml version="1.0" encoding="utf-8"?>
+<p:sld xmlns:a="http://schemas.openxmlformats.org/drawingml/2006/main" xmlns:r="http://schemas.openxmlformats.org/officeDocument/2006/relationships" xmlns:p="http://schemas.openxmlformats.org/presentationml/2006/main">
+  <p:cSld>
+    <p:spTree>
+      <p:nvGrpSpPr>
+        <p:cNvPr id="1" name=""/>
+        <p:cNvGrpSpPr/>
+        <p:nvPr/>
+      </p:nvGrpSpPr>
+      <p:grpSpPr>
+        <a:xfrm>
+          <a:off x="0" y="0"/>
+          <a:ext cx="0" cy="0"/>
+          <a:chOff x="0" y="0"/>
+          <a:chExt cx="0" cy="0"/>
+        </a:xfrm>
+      </p:grpSpPr>
+      <p:sp>
+        <p:nvSpPr>
+          <p:cNvPr id="2" name="Title 1"/>
+          <p:cNvSpPr>
+            <a:spLocks noGrp="1"/>
+          </p:cNvSpPr>
+          <p:nvPr>
+            <p:ph type="title"/>
+          </p:nvPr>
+        </p:nvSpPr>
+        <p:spPr/>
+        <p:txBody>
+          <a:bodyPr/>
+          <a:lstStyle/>
+          <a:p>
+            <a:r>
+              <a:rPr lang="en-US" dirty="0" err="1" smtClean="0"/>
+              <a:t>Một</a:t>
+            </a:r>
+            <a:r>
+              <a:rPr lang="en-US" dirty="0" smtClean="0"/>
+              <a:t> </a:t>
+            </a:r>
+            <a:r>
+              <a:rPr lang="en-US" dirty="0" err="1" smtClean="0"/>
+              <a:t>số</a:t>
+            </a:r>
+            <a:r>
+              <a:rPr lang="en-US" dirty="0" smtClean="0"/>
+              <a:t> </a:t>
+            </a:r>
+            <a:r>
+              <a:rPr lang="en-US" dirty="0" err="1" smtClean="0"/>
+              <a:t>kĩ</a:t>
+            </a:r>
+            <a:r>
+              <a:rPr lang="en-US" dirty="0" smtClean="0"/>
+              <a:t> </a:t>
+            </a:r>
+            <a:r>
+              <a:rPr lang="en-US" dirty="0" err="1" smtClean="0"/>
+              <a:t>thuật</a:t>
+            </a:r>
+            <a:r>
+              <a:rPr lang="en-US" dirty="0" smtClean="0"/>
+              <a:t> </a:t>
+            </a:r>
+            <a:r>
+              <a:rPr lang="en-US" dirty="0" err="1" smtClean="0"/>
+              <a:t>chính</a:t>
+            </a:r>
+            <a:endParaRPr lang="vi-VN" dirty="0"/>
+          </a:p>
+        </p:txBody>
+      </p:sp>
+      <p:sp>
+        <p:nvSpPr>
+          <p:cNvPr id="3" name="Content Placeholder 2"/>
+          <p:cNvSpPr>
+            <a:spLocks noGrp="1"/>
+          </p:cNvSpPr>
+          <p:nvPr>
+            <p:ph idx="1"/>
+          </p:nvPr>
+        </p:nvSpPr>
+        <p:spPr/>
+        <p:txBody>
+          <a:bodyPr/>
+          <a:lstStyle/>
+          <a:p>
+            <a:r>
+              <a:rPr lang="en-US" dirty="0" err="1"/>
+              <a:t>Kỹ</a:t>
+            </a:r>
+            <a:r>
+              <a:rPr lang="en-US" dirty="0"/>
+              <a:t> </a:t>
+            </a:r>
+            <a:r>
+              <a:rPr lang="en-US" dirty="0" err="1"/>
+              <a:t>thuật</a:t>
+            </a:r>
+            <a:r>
+              <a:rPr lang="en-US" dirty="0"/>
+              <a:t> </a:t>
+            </a:r>
+            <a:r>
+              <a:rPr lang="en-US" dirty="0" smtClean="0"/>
+              <a:t>Mock</a:t>
+            </a:r>
+          </a:p>
+          <a:p>
+            <a:r>
+              <a:rPr lang="en-US" dirty="0" err="1"/>
+              <a:t>Kỹ</a:t>
+            </a:r>
+            <a:r>
+              <a:rPr lang="en-US" dirty="0"/>
+              <a:t> </a:t>
+            </a:r>
+            <a:r>
+              <a:rPr lang="en-US" dirty="0" err="1"/>
+              <a:t>thuật</a:t>
+            </a:r>
+            <a:r>
+              <a:rPr lang="en-US" dirty="0"/>
+              <a:t> multi test</a:t>
+            </a:r>
+            <a:endParaRPr lang="vi-VN" dirty="0"/>
+          </a:p>
+        </p:txBody>
+      </p:sp>
+    </p:spTree>
+    <p:extLst>
+      <p:ext uri="{BB962C8B-B14F-4D97-AF65-F5344CB8AC3E}">
+        <p14:creationId xmlns:p14="http://schemas.microsoft.com/office/powerpoint/2010/main" val="2283405726"/>
+      </p:ext>
+    </p:extLst>
+  </p:cSld>
+  <p:clrMapOvr>
+    <a:masterClrMapping/>
+  </p:clrMapOvr>
+  <p:timing>
+    <p:tnLst>
+      <p:par>
+        <p:cTn id="1" dur="indefinite" restart="never" nodeType="tmRoot"/>
+      </p:par>
+    </p:tnLst>
+  </p:timing>
+</p:sld>
+</file>
+
+<file path=ppt/slides/slide13.xml><?xml version="1.0" encoding="utf-8"?>
+<p:sld xmlns:a="http://schemas.openxmlformats.org/drawingml/2006/main" xmlns:r="http://schemas.openxmlformats.org/officeDocument/2006/relationships" xmlns:p="http://schemas.openxmlformats.org/presentationml/2006/main">
+  <p:cSld>
+    <p:spTree>
+      <p:nvGrpSpPr>
+        <p:cNvPr id="1" name=""/>
+        <p:cNvGrpSpPr/>
+        <p:nvPr/>
+      </p:nvGrpSpPr>
+      <p:grpSpPr>
+        <a:xfrm>
+          <a:off x="0" y="0"/>
+          <a:ext cx="0" cy="0"/>
+          <a:chOff x="0" y="0"/>
+          <a:chExt cx="0" cy="0"/>
+        </a:xfrm>
+      </p:grpSpPr>
+      <p:sp>
+        <p:nvSpPr>
+          <p:cNvPr id="2" name="Title 1"/>
+          <p:cNvSpPr>
+            <a:spLocks noGrp="1"/>
+          </p:cNvSpPr>
+          <p:nvPr>
+            <p:ph type="title"/>
+          </p:nvPr>
+        </p:nvSpPr>
+        <p:spPr/>
+        <p:txBody>
+          <a:bodyPr/>
+          <a:lstStyle/>
+          <a:p>
+            <a:endParaRPr lang="vi-VN"/>
+          </a:p>
+        </p:txBody>
+      </p:sp>
+      <p:pic>
+        <p:nvPicPr>
+          <p:cNvPr id="4" name="Picture 3"/>
+          <p:cNvPicPr/>
+          <p:nvPr/>
+        </p:nvPicPr>
+        <p:blipFill>
+          <a:blip r:embed="rId2">
+            <a:extLst>
+              <a:ext uri="{28A0092B-C50C-407E-A947-70E740481C1C}">
+                <a14:useLocalDpi xmlns:a14="http://schemas.microsoft.com/office/drawing/2010/main" val="0"/>
+              </a:ext>
+            </a:extLst>
+          </a:blip>
+          <a:srcRect/>
+          <a:stretch>
+            <a:fillRect/>
+          </a:stretch>
+        </p:blipFill>
+        <p:spPr bwMode="auto">
+          <a:xfrm>
+            <a:off x="1961321" y="1690688"/>
+            <a:ext cx="8375375" cy="4829382"/>
+          </a:xfrm>
+          <a:prstGeom prst="rect">
+            <a:avLst/>
+          </a:prstGeom>
+          <a:noFill/>
+          <a:ln w="9525" cmpd="sng">
+            <a:solidFill>
+              <a:srgbClr val="000000"/>
+            </a:solidFill>
+            <a:miter lim="800000"/>
+            <a:headEnd/>
+            <a:tailEnd/>
+          </a:ln>
+          <a:effectLst/>
+        </p:spPr>
+      </p:pic>
+    </p:spTree>
+    <p:extLst>
+      <p:ext uri="{BB962C8B-B14F-4D97-AF65-F5344CB8AC3E}">
+        <p14:creationId xmlns:p14="http://schemas.microsoft.com/office/powerpoint/2010/main" val="3820108349"/>
+      </p:ext>
+    </p:extLst>
+  </p:cSld>
+  <p:clrMapOvr>
+    <a:masterClrMapping/>
+  </p:clrMapOvr>
+  <p:timing>
+    <p:tnLst>
+      <p:par>
+        <p:cTn id="1" dur="indefinite" restart="never" nodeType="tmRoot"/>
+      </p:par>
+    </p:tnLst>
+  </p:timing>
+</p:sld>
+</file>
+
+<file path=ppt/slides/slide14.xml><?xml version="1.0" encoding="utf-8"?>
+<p:sld xmlns:a="http://schemas.openxmlformats.org/drawingml/2006/main" xmlns:r="http://schemas.openxmlformats.org/officeDocument/2006/relationships" xmlns:p="http://schemas.openxmlformats.org/presentationml/2006/main">
+  <p:cSld>
+    <p:spTree>
+      <p:nvGrpSpPr>
+        <p:cNvPr id="1" name=""/>
+        <p:cNvGrpSpPr/>
+        <p:nvPr/>
+      </p:nvGrpSpPr>
+      <p:grpSpPr>
+        <a:xfrm>
+          <a:off x="0" y="0"/>
+          <a:ext cx="0" cy="0"/>
+          <a:chOff x="0" y="0"/>
+          <a:chExt cx="0" cy="0"/>
+        </a:xfrm>
+      </p:grpSpPr>
+      <p:sp>
+        <p:nvSpPr>
+          <p:cNvPr id="2" name="Title 1"/>
+          <p:cNvSpPr>
+            <a:spLocks noGrp="1"/>
+          </p:cNvSpPr>
+          <p:nvPr>
+            <p:ph type="title"/>
+          </p:nvPr>
+        </p:nvSpPr>
+        <p:spPr/>
+        <p:txBody>
+          <a:bodyPr/>
+          <a:lstStyle/>
+          <a:p>
+            <a:r>
+              <a:rPr lang="en-US" smtClean="0"/>
+              <a:t>Kết quả</a:t>
+            </a:r>
+            <a:endParaRPr lang="en-US"/>
+          </a:p>
+        </p:txBody>
+      </p:sp>
+      <p:sp>
+        <p:nvSpPr>
+          <p:cNvPr id="3" name="Content Placeholder 2"/>
+          <p:cNvSpPr>
+            <a:spLocks noGrp="1"/>
+          </p:cNvSpPr>
+          <p:nvPr>
+            <p:ph idx="1"/>
+          </p:nvPr>
+        </p:nvSpPr>
+        <p:spPr/>
+        <p:txBody>
+          <a:bodyPr/>
+          <a:lstStyle/>
+          <a:p>
+            <a:endParaRPr lang="en-US"/>
+          </a:p>
+        </p:txBody>
+      </p:sp>
+    </p:spTree>
+    <p:extLst>
+      <p:ext uri="{BB962C8B-B14F-4D97-AF65-F5344CB8AC3E}">
+        <p14:creationId xmlns:p14="http://schemas.microsoft.com/office/powerpoint/2010/main" val="775853568"/>
+      </p:ext>
+    </p:extLst>
+  </p:cSld>
+  <p:clrMapOvr>
+    <a:masterClrMapping/>
+  </p:clrMapOvr>
+  <p:timing>
+    <p:tnLst>
+      <p:par>
+        <p:cTn id="1" dur="indefinite" restart="never" nodeType="tmRoot"/>
+      </p:par>
+    </p:tnLst>
+  </p:timing>
+</p:sld>
+</file>
+
 <file path=ppt/slides/slide2.xml><?xml version="1.0" encoding="utf-8"?>
 <p:sld xmlns:a="http://schemas.openxmlformats.org/drawingml/2006/main" xmlns:r="http://schemas.openxmlformats.org/officeDocument/2006/relationships" xmlns:p="http://schemas.openxmlformats.org/presentationml/2006/main">
   <p:cSld>
@@ -3480,10 +4231,50 @@
           <a:lstStyle/>
           <a:p>
             <a:r>
-              <a:rPr lang="en-US" smtClean="0"/>
-              <a:t>Phân tích dữ liệu</a:t>
-            </a:r>
-            <a:endParaRPr lang="en-US"/>
+              <a:rPr lang="en-US" dirty="0" err="1" smtClean="0"/>
+              <a:t>Các</a:t>
+            </a:r>
+            <a:r>
+              <a:rPr lang="en-US" dirty="0" smtClean="0"/>
+              <a:t> </a:t>
+            </a:r>
+            <a:r>
+              <a:rPr lang="en-US" dirty="0" err="1" smtClean="0"/>
+              <a:t>vấn</a:t>
+            </a:r>
+            <a:r>
+              <a:rPr lang="en-US" dirty="0" smtClean="0"/>
+              <a:t> </a:t>
+            </a:r>
+            <a:r>
+              <a:rPr lang="en-US" dirty="0" err="1" smtClean="0"/>
+              <a:t>đề</a:t>
+            </a:r>
+            <a:r>
+              <a:rPr lang="en-US" dirty="0" smtClean="0"/>
+              <a:t> </a:t>
+            </a:r>
+            <a:r>
+              <a:rPr lang="en-US" dirty="0" err="1" smtClean="0"/>
+              <a:t>về</a:t>
+            </a:r>
+            <a:r>
+              <a:rPr lang="en-US" dirty="0" smtClean="0"/>
+              <a:t> </a:t>
+            </a:r>
+            <a:r>
+              <a:rPr lang="en-US" dirty="0" err="1" smtClean="0"/>
+              <a:t>dữ</a:t>
+            </a:r>
+            <a:r>
+              <a:rPr lang="en-US" dirty="0" smtClean="0"/>
+              <a:t> </a:t>
+            </a:r>
+            <a:r>
+              <a:rPr lang="en-US" dirty="0" err="1" smtClean="0"/>
+              <a:t>liệu</a:t>
+            </a:r>
+            <a:endParaRPr lang="en-US" dirty="0"/>
           </a:p>
         </p:txBody>
       </p:sp>
@@ -3502,7 +4293,225 @@
           <a:bodyPr/>
           <a:lstStyle/>
           <a:p>
-            <a:endParaRPr lang="en-US"/>
+            <a:r>
+              <a:rPr lang="en-US" dirty="0" err="1" smtClean="0"/>
+              <a:t>Dữ</a:t>
+            </a:r>
+            <a:r>
+              <a:rPr lang="en-US" dirty="0" smtClean="0"/>
+              <a:t> </a:t>
+            </a:r>
+            <a:r>
+              <a:rPr lang="en-US" dirty="0" err="1" smtClean="0"/>
+              <a:t>liệu</a:t>
+            </a:r>
+            <a:r>
+              <a:rPr lang="en-US" dirty="0" smtClean="0"/>
+              <a:t> </a:t>
+            </a:r>
+            <a:r>
+              <a:rPr lang="en-US" dirty="0" err="1" smtClean="0"/>
+              <a:t>Obs</a:t>
+            </a:r>
+            <a:r>
+              <a:rPr lang="en-US" dirty="0" smtClean="0"/>
+              <a:t> Server </a:t>
+            </a:r>
+            <a:r>
+              <a:rPr lang="en-US" dirty="0" err="1" smtClean="0"/>
+              <a:t>dưới</a:t>
+            </a:r>
+            <a:r>
+              <a:rPr lang="en-US" dirty="0" smtClean="0"/>
+              <a:t> </a:t>
+            </a:r>
+            <a:r>
+              <a:rPr lang="en-US" dirty="0" err="1" smtClean="0"/>
+              <a:t>dạng</a:t>
+            </a:r>
+            <a:r>
+              <a:rPr lang="en-US" dirty="0" smtClean="0"/>
+              <a:t> XML.</a:t>
+            </a:r>
+          </a:p>
+          <a:p>
+            <a:r>
+              <a:rPr lang="en-US" dirty="0" err="1" smtClean="0"/>
+              <a:t>Khối</a:t>
+            </a:r>
+            <a:r>
+              <a:rPr lang="en-US" dirty="0" smtClean="0"/>
+              <a:t> </a:t>
+            </a:r>
+            <a:r>
+              <a:rPr lang="en-US" dirty="0" err="1" smtClean="0"/>
+              <a:t>lượng</a:t>
+            </a:r>
+            <a:r>
+              <a:rPr lang="en-US" dirty="0" smtClean="0"/>
+              <a:t> </a:t>
+            </a:r>
+            <a:r>
+              <a:rPr lang="en-US" dirty="0" err="1" smtClean="0"/>
+              <a:t>dữ</a:t>
+            </a:r>
+            <a:r>
+              <a:rPr lang="en-US" dirty="0" smtClean="0"/>
+              <a:t> </a:t>
+            </a:r>
+            <a:r>
+              <a:rPr lang="en-US" dirty="0" err="1" smtClean="0"/>
+              <a:t>liệu</a:t>
+            </a:r>
+            <a:r>
+              <a:rPr lang="en-US" dirty="0" smtClean="0"/>
+              <a:t> </a:t>
+            </a:r>
+            <a:r>
+              <a:rPr lang="en-US" dirty="0" err="1" smtClean="0"/>
+              <a:t>lớn</a:t>
+            </a:r>
+            <a:r>
+              <a:rPr lang="en-US" dirty="0" smtClean="0"/>
+              <a:t>.</a:t>
+            </a:r>
+          </a:p>
+          <a:p>
+            <a:r>
+              <a:rPr lang="en-US" dirty="0" err="1" smtClean="0"/>
+              <a:t>Không</a:t>
+            </a:r>
+            <a:r>
+              <a:rPr lang="en-US" dirty="0" smtClean="0"/>
+              <a:t> </a:t>
+            </a:r>
+            <a:r>
+              <a:rPr lang="en-US" dirty="0" err="1" smtClean="0"/>
+              <a:t>có</a:t>
+            </a:r>
+            <a:r>
+              <a:rPr lang="en-US" dirty="0" smtClean="0"/>
+              <a:t> </a:t>
+            </a:r>
+            <a:r>
+              <a:rPr lang="en-US" dirty="0" err="1" smtClean="0"/>
+              <a:t>đặc</a:t>
+            </a:r>
+            <a:r>
+              <a:rPr lang="en-US" dirty="0" smtClean="0"/>
+              <a:t> </a:t>
+            </a:r>
+            <a:r>
+              <a:rPr lang="en-US" dirty="0" err="1" smtClean="0"/>
+              <a:t>tả</a:t>
+            </a:r>
+            <a:r>
+              <a:rPr lang="en-US" dirty="0" smtClean="0"/>
+              <a:t> </a:t>
+            </a:r>
+            <a:r>
+              <a:rPr lang="en-US" dirty="0" err="1" smtClean="0"/>
+              <a:t>cấu</a:t>
+            </a:r>
+            <a:r>
+              <a:rPr lang="en-US" dirty="0" smtClean="0"/>
+              <a:t> </a:t>
+            </a:r>
+            <a:r>
+              <a:rPr lang="en-US" dirty="0" err="1" smtClean="0"/>
+              <a:t>trúc</a:t>
+            </a:r>
+            <a:r>
+              <a:rPr lang="en-US" dirty="0" smtClean="0"/>
+              <a:t> </a:t>
+            </a:r>
+            <a:r>
+              <a:rPr lang="en-US" dirty="0" err="1" smtClean="0"/>
+              <a:t>dữ</a:t>
+            </a:r>
+            <a:r>
+              <a:rPr lang="en-US" dirty="0" smtClean="0"/>
+              <a:t> </a:t>
+            </a:r>
+            <a:r>
+              <a:rPr lang="en-US" dirty="0" err="1" smtClean="0"/>
+              <a:t>liệu</a:t>
+            </a:r>
+            <a:r>
+              <a:rPr lang="en-US" dirty="0" smtClean="0"/>
+              <a:t>.</a:t>
+            </a:r>
+          </a:p>
+          <a:p>
+            <a:r>
+              <a:rPr lang="en-US" dirty="0" err="1"/>
+              <a:t>D</a:t>
+            </a:r>
+            <a:r>
+              <a:rPr lang="en-US" dirty="0" err="1" smtClean="0"/>
+              <a:t>ữ</a:t>
+            </a:r>
+            <a:r>
+              <a:rPr lang="en-US" dirty="0" smtClean="0"/>
+              <a:t> </a:t>
+            </a:r>
+            <a:r>
+              <a:rPr lang="en-US" dirty="0" err="1" smtClean="0"/>
+              <a:t>liệu</a:t>
+            </a:r>
+            <a:r>
+              <a:rPr lang="en-US" dirty="0"/>
+              <a:t> </a:t>
+            </a:r>
+            <a:r>
+              <a:rPr lang="en-US" dirty="0" err="1" smtClean="0"/>
+              <a:t>có</a:t>
+            </a:r>
+            <a:r>
+              <a:rPr lang="en-US" dirty="0" smtClean="0"/>
+              <a:t> </a:t>
+            </a:r>
+            <a:r>
+              <a:rPr lang="en-US" dirty="0" err="1" smtClean="0"/>
+              <a:t>tần</a:t>
+            </a:r>
+            <a:r>
+              <a:rPr lang="en-US" dirty="0" smtClean="0"/>
+              <a:t> </a:t>
+            </a:r>
+            <a:r>
+              <a:rPr lang="en-US" dirty="0" err="1" smtClean="0"/>
+              <a:t>suất</a:t>
+            </a:r>
+            <a:r>
+              <a:rPr lang="en-US" dirty="0" smtClean="0"/>
+              <a:t> </a:t>
+            </a:r>
+            <a:r>
+              <a:rPr lang="en-US" dirty="0" err="1" smtClean="0"/>
+              <a:t>truy</a:t>
+            </a:r>
+            <a:r>
+              <a:rPr lang="en-US" dirty="0" smtClean="0"/>
+              <a:t> </a:t>
+            </a:r>
+            <a:r>
+              <a:rPr lang="en-US" dirty="0" err="1" smtClean="0"/>
+              <a:t>xuất</a:t>
+            </a:r>
+            <a:r>
+              <a:rPr lang="en-US" dirty="0" smtClean="0"/>
+              <a:t> </a:t>
+            </a:r>
+            <a:r>
+              <a:rPr lang="en-US" dirty="0" err="1" smtClean="0"/>
+              <a:t>cao</a:t>
+            </a:r>
+            <a:r>
+              <a:rPr lang="en-US" dirty="0" smtClean="0"/>
+              <a:t>.</a:t>
+            </a:r>
+            <a:endParaRPr lang="en-US" dirty="0"/>
           </a:p>
         </p:txBody>
       </p:sp>
@@ -3552,10 +4561,42 @@
           <a:lstStyle/>
           <a:p>
             <a:r>
-              <a:rPr lang="en-US" smtClean="0"/>
-              <a:t>Kết quả</a:t>
-            </a:r>
-            <a:endParaRPr lang="en-US"/>
+              <a:rPr lang="en-US" dirty="0" err="1" smtClean="0"/>
+              <a:t>Giải</a:t>
+            </a:r>
+            <a:r>
+              <a:rPr lang="en-US" dirty="0" smtClean="0"/>
+              <a:t> </a:t>
+            </a:r>
+            <a:r>
+              <a:rPr lang="en-US" dirty="0" err="1" smtClean="0"/>
+              <a:t>pháp</a:t>
+            </a:r>
+            <a:r>
+              <a:rPr lang="en-US" dirty="0" smtClean="0"/>
+              <a:t> </a:t>
+            </a:r>
+            <a:r>
+              <a:rPr lang="en-US" dirty="0" err="1" smtClean="0"/>
+              <a:t>về</a:t>
+            </a:r>
+            <a:r>
+              <a:rPr lang="en-US" dirty="0" smtClean="0"/>
+              <a:t> </a:t>
+            </a:r>
+            <a:r>
+              <a:rPr lang="en-US" dirty="0" err="1" smtClean="0"/>
+              <a:t>dữ</a:t>
+            </a:r>
+            <a:r>
+              <a:rPr lang="en-US" dirty="0" smtClean="0"/>
+              <a:t> </a:t>
+            </a:r>
+            <a:r>
+              <a:rPr lang="en-US" dirty="0" err="1" smtClean="0"/>
+              <a:t>liệu</a:t>
+            </a:r>
+            <a:endParaRPr lang="vi-VN" dirty="0"/>
           </a:p>
         </p:txBody>
       </p:sp>
@@ -3574,20 +4615,756 @@
           <a:bodyPr/>
           <a:lstStyle/>
           <a:p>
-            <a:endParaRPr lang="en-US"/>
+            <a:r>
+              <a:rPr lang="en-US" dirty="0" err="1" smtClean="0"/>
+              <a:t>Chuyển</a:t>
+            </a:r>
+            <a:r>
+              <a:rPr lang="en-US" dirty="0" smtClean="0"/>
+              <a:t> </a:t>
+            </a:r>
+            <a:r>
+              <a:rPr lang="en-US" dirty="0" err="1" smtClean="0"/>
+              <a:t>đổi</a:t>
+            </a:r>
+            <a:r>
+              <a:rPr lang="en-US" dirty="0" smtClean="0"/>
+              <a:t> </a:t>
+            </a:r>
+            <a:r>
+              <a:rPr lang="en-US" dirty="0" err="1" smtClean="0"/>
+              <a:t>dữ</a:t>
+            </a:r>
+            <a:r>
+              <a:rPr lang="en-US" dirty="0" smtClean="0"/>
+              <a:t> </a:t>
+            </a:r>
+            <a:r>
+              <a:rPr lang="en-US" dirty="0" err="1" smtClean="0"/>
+              <a:t>liệu</a:t>
+            </a:r>
+            <a:r>
+              <a:rPr lang="en-US" dirty="0" smtClean="0"/>
+              <a:t> XML </a:t>
+            </a:r>
+            <a:r>
+              <a:rPr lang="en-US" dirty="0" err="1" smtClean="0"/>
+              <a:t>thành</a:t>
+            </a:r>
+            <a:r>
+              <a:rPr lang="en-US" dirty="0" smtClean="0"/>
+              <a:t> </a:t>
+            </a:r>
+            <a:r>
+              <a:rPr lang="en-US" dirty="0" err="1" smtClean="0"/>
+              <a:t>các</a:t>
+            </a:r>
+            <a:r>
+              <a:rPr lang="en-US" dirty="0" smtClean="0"/>
+              <a:t> </a:t>
+            </a:r>
+            <a:r>
+              <a:rPr lang="en-US" dirty="0" err="1" smtClean="0"/>
+              <a:t>đối</a:t>
+            </a:r>
+            <a:r>
+              <a:rPr lang="en-US" dirty="0" smtClean="0"/>
+              <a:t> </a:t>
+            </a:r>
+            <a:r>
+              <a:rPr lang="en-US" dirty="0" err="1" smtClean="0"/>
+              <a:t>tượng</a:t>
+            </a:r>
+            <a:r>
+              <a:rPr lang="en-US" dirty="0" smtClean="0"/>
+              <a:t> C#.</a:t>
+            </a:r>
+          </a:p>
+          <a:p>
+            <a:pPr lvl="1"/>
+            <a:r>
+              <a:rPr lang="en-US" dirty="0" smtClean="0"/>
+              <a:t>Object</a:t>
+            </a:r>
+          </a:p>
+          <a:p>
+            <a:pPr lvl="1"/>
+            <a:r>
+              <a:rPr lang="en-US" dirty="0" smtClean="0"/>
+              <a:t>Collection</a:t>
+            </a:r>
+          </a:p>
+          <a:p>
+            <a:pPr lvl="1"/>
+            <a:r>
+              <a:rPr lang="en-US" dirty="0" smtClean="0"/>
+              <a:t>Dictionary</a:t>
+            </a:r>
+          </a:p>
+          <a:p>
+            <a:pPr lvl="1"/>
+            <a:r>
+              <a:rPr lang="en-US" dirty="0" smtClean="0"/>
+              <a:t>Primitive</a:t>
+            </a:r>
+          </a:p>
+          <a:p>
+            <a:r>
+              <a:rPr lang="en-US" dirty="0" smtClean="0"/>
+              <a:t>Cache </a:t>
+            </a:r>
+            <a:r>
+              <a:rPr lang="en-US" dirty="0" err="1" smtClean="0"/>
+              <a:t>các</a:t>
+            </a:r>
+            <a:r>
+              <a:rPr lang="en-US" dirty="0" smtClean="0"/>
+              <a:t> </a:t>
+            </a:r>
+            <a:r>
+              <a:rPr lang="en-US" dirty="0" err="1" smtClean="0"/>
+              <a:t>dữ</a:t>
+            </a:r>
+            <a:r>
+              <a:rPr lang="en-US" dirty="0" smtClean="0"/>
+              <a:t> </a:t>
+            </a:r>
+            <a:r>
+              <a:rPr lang="en-US" dirty="0" err="1" smtClean="0"/>
+              <a:t>liệu</a:t>
+            </a:r>
+            <a:r>
+              <a:rPr lang="en-US" dirty="0" smtClean="0"/>
+              <a:t> </a:t>
+            </a:r>
+            <a:r>
+              <a:rPr lang="en-US" dirty="0" err="1" smtClean="0"/>
+              <a:t>được</a:t>
+            </a:r>
+            <a:r>
+              <a:rPr lang="en-US" dirty="0" smtClean="0"/>
+              <a:t> </a:t>
+            </a:r>
+            <a:r>
+              <a:rPr lang="en-US" dirty="0" err="1" smtClean="0"/>
+              <a:t>truy</a:t>
+            </a:r>
+            <a:r>
+              <a:rPr lang="en-US" dirty="0" smtClean="0"/>
+              <a:t> </a:t>
+            </a:r>
+            <a:r>
+              <a:rPr lang="en-US" dirty="0" err="1" smtClean="0"/>
+              <a:t>xuất</a:t>
+            </a:r>
+            <a:r>
+              <a:rPr lang="en-US" dirty="0" smtClean="0"/>
+              <a:t> </a:t>
+            </a:r>
+            <a:r>
+              <a:rPr lang="en-US" dirty="0" err="1" smtClean="0"/>
+              <a:t>thường</a:t>
+            </a:r>
+            <a:r>
+              <a:rPr lang="en-US" dirty="0" smtClean="0"/>
+              <a:t> </a:t>
+            </a:r>
+            <a:r>
+              <a:rPr lang="en-US" dirty="0" err="1" smtClean="0"/>
+              <a:t>xuyên</a:t>
+            </a:r>
+            <a:r>
+              <a:rPr lang="en-US" dirty="0" smtClean="0"/>
+              <a:t>.</a:t>
+            </a:r>
+            <a:endParaRPr lang="vi-VN" dirty="0"/>
           </a:p>
         </p:txBody>
       </p:sp>
     </p:spTree>
     <p:extLst>
       <p:ext uri="{BB962C8B-B14F-4D97-AF65-F5344CB8AC3E}">
-        <p14:creationId xmlns:p14="http://schemas.microsoft.com/office/powerpoint/2010/main" val="775853568"/>
+        <p14:creationId xmlns:p14="http://schemas.microsoft.com/office/powerpoint/2010/main" val="1557009442"/>
       </p:ext>
     </p:extLst>
   </p:cSld>
   <p:clrMapOvr>
     <a:masterClrMapping/>
   </p:clrMapOvr>
+  <p:timing>
+    <p:tnLst>
+      <p:par>
+        <p:cTn id="1" dur="indefinite" restart="never" nodeType="tmRoot"/>
+      </p:par>
+    </p:tnLst>
+  </p:timing>
+</p:sld>
+</file>
+
+<file path=ppt/slides/slide9.xml><?xml version="1.0" encoding="utf-8"?>
+<p:sld xmlns:a="http://schemas.openxmlformats.org/drawingml/2006/main" xmlns:r="http://schemas.openxmlformats.org/officeDocument/2006/relationships" xmlns:p="http://schemas.openxmlformats.org/presentationml/2006/main">
+  <p:cSld>
+    <p:spTree>
+      <p:nvGrpSpPr>
+        <p:cNvPr id="1" name=""/>
+        <p:cNvGrpSpPr/>
+        <p:nvPr/>
+      </p:nvGrpSpPr>
+      <p:grpSpPr>
+        <a:xfrm>
+          <a:off x="0" y="0"/>
+          <a:ext cx="0" cy="0"/>
+          <a:chOff x="0" y="0"/>
+          <a:chExt cx="0" cy="0"/>
+        </a:xfrm>
+      </p:grpSpPr>
+      <p:sp>
+        <p:nvSpPr>
+          <p:cNvPr id="2" name="Title 1"/>
+          <p:cNvSpPr>
+            <a:spLocks noGrp="1"/>
+          </p:cNvSpPr>
+          <p:nvPr>
+            <p:ph type="title"/>
+          </p:nvPr>
+        </p:nvSpPr>
+        <p:spPr/>
+        <p:txBody>
+          <a:bodyPr/>
+          <a:lstStyle/>
+          <a:p>
+            <a:endParaRPr lang="vi-VN"/>
+          </a:p>
+        </p:txBody>
+      </p:sp>
+      <p:grpSp>
+        <p:nvGrpSpPr>
+          <p:cNvPr id="8" name="Group 7"/>
+          <p:cNvGrpSpPr/>
+          <p:nvPr/>
+        </p:nvGrpSpPr>
+        <p:grpSpPr>
+          <a:xfrm>
+            <a:off x="5731317" y="829124"/>
+            <a:ext cx="6028690" cy="5761990"/>
+            <a:chOff x="0" y="0"/>
+            <a:chExt cx="6028690" cy="5761990"/>
+          </a:xfrm>
+        </p:grpSpPr>
+        <p:pic>
+          <p:nvPicPr>
+            <p:cNvPr id="9" name="Picture 8"/>
+            <p:cNvPicPr>
+              <a:picLocks noChangeAspect="1"/>
+            </p:cNvPicPr>
+            <p:nvPr/>
+          </p:nvPicPr>
+          <p:blipFill>
+            <a:blip r:embed="rId2">
+              <a:extLst>
+                <a:ext uri="{28A0092B-C50C-407E-A947-70E740481C1C}">
+                  <a14:useLocalDpi xmlns:a14="http://schemas.microsoft.com/office/drawing/2010/main" val="0"/>
+                </a:ext>
+              </a:extLst>
+            </a:blip>
+            <a:stretch>
+              <a:fillRect/>
+            </a:stretch>
+          </p:blipFill>
+          <p:spPr>
+            <a:xfrm>
+              <a:off x="4019550" y="0"/>
+              <a:ext cx="2009140" cy="5761355"/>
+            </a:xfrm>
+            <a:prstGeom prst="rect">
+              <a:avLst/>
+            </a:prstGeom>
+          </p:spPr>
+        </p:pic>
+        <p:pic>
+          <p:nvPicPr>
+            <p:cNvPr id="10" name="Picture 9"/>
+            <p:cNvPicPr>
+              <a:picLocks noChangeAspect="1"/>
+            </p:cNvPicPr>
+            <p:nvPr/>
+          </p:nvPicPr>
+          <p:blipFill>
+            <a:blip r:embed="rId3">
+              <a:extLst>
+                <a:ext uri="{28A0092B-C50C-407E-A947-70E740481C1C}">
+                  <a14:useLocalDpi xmlns:a14="http://schemas.microsoft.com/office/drawing/2010/main" val="0"/>
+                </a:ext>
+              </a:extLst>
+            </a:blip>
+            <a:stretch>
+              <a:fillRect/>
+            </a:stretch>
+          </p:blipFill>
+          <p:spPr>
+            <a:xfrm>
+              <a:off x="2009775" y="4276725"/>
+              <a:ext cx="2009140" cy="1485265"/>
+            </a:xfrm>
+            <a:prstGeom prst="rect">
+              <a:avLst/>
+            </a:prstGeom>
+          </p:spPr>
+        </p:pic>
+        <p:pic>
+          <p:nvPicPr>
+            <p:cNvPr id="11" name="Picture 10"/>
+            <p:cNvPicPr>
+              <a:picLocks noChangeAspect="1"/>
+            </p:cNvPicPr>
+            <p:nvPr/>
+          </p:nvPicPr>
+          <p:blipFill>
+            <a:blip r:embed="rId4">
+              <a:extLst>
+                <a:ext uri="{28A0092B-C50C-407E-A947-70E740481C1C}">
+                  <a14:useLocalDpi xmlns:a14="http://schemas.microsoft.com/office/drawing/2010/main" val="0"/>
+                </a:ext>
+              </a:extLst>
+            </a:blip>
+            <a:stretch>
+              <a:fillRect/>
+            </a:stretch>
+          </p:blipFill>
+          <p:spPr>
+            <a:xfrm>
+              <a:off x="0" y="3876675"/>
+              <a:ext cx="2009140" cy="1885315"/>
+            </a:xfrm>
+            <a:prstGeom prst="rect">
+              <a:avLst/>
+            </a:prstGeom>
+          </p:spPr>
+        </p:pic>
+      </p:grpSp>
+      <p:pic>
+        <p:nvPicPr>
+          <p:cNvPr id="12" name="Picture 11"/>
+          <p:cNvPicPr/>
+          <p:nvPr/>
+        </p:nvPicPr>
+        <p:blipFill>
+          <a:blip r:embed="rId5">
+            <a:extLst>
+              <a:ext uri="{28A0092B-C50C-407E-A947-70E740481C1C}">
+                <a14:useLocalDpi xmlns:a14="http://schemas.microsoft.com/office/drawing/2010/main" val="0"/>
+              </a:ext>
+            </a:extLst>
+          </a:blip>
+          <a:srcRect/>
+          <a:stretch>
+            <a:fillRect/>
+          </a:stretch>
+        </p:blipFill>
+        <p:spPr bwMode="auto">
+          <a:xfrm>
+            <a:off x="301939" y="365125"/>
+            <a:ext cx="5943600" cy="2619375"/>
+          </a:xfrm>
+          <a:prstGeom prst="rect">
+            <a:avLst/>
+          </a:prstGeom>
+          <a:noFill/>
+          <a:ln w="9525" cmpd="sng">
+            <a:solidFill>
+              <a:srgbClr val="000000"/>
+            </a:solidFill>
+            <a:miter lim="800000"/>
+            <a:headEnd/>
+            <a:tailEnd/>
+          </a:ln>
+          <a:effectLst/>
+        </p:spPr>
+      </p:pic>
+      <p:sp>
+        <p:nvSpPr>
+          <p:cNvPr id="13" name="Down Arrow 12"/>
+          <p:cNvSpPr/>
+          <p:nvPr/>
+        </p:nvSpPr>
+        <p:spPr>
+          <a:xfrm rot="18451782">
+            <a:off x="6287003" y="2765649"/>
+            <a:ext cx="1413214" cy="1721134"/>
+          </a:xfrm>
+          <a:prstGeom prst="downArrow">
+            <a:avLst/>
+          </a:prstGeom>
+        </p:spPr>
+        <p:style>
+          <a:lnRef idx="2">
+            <a:schemeClr val="accent1">
+              <a:shade val="50000"/>
+            </a:schemeClr>
+          </a:lnRef>
+          <a:fillRef idx="1">
+            <a:schemeClr val="accent1"/>
+          </a:fillRef>
+          <a:effectRef idx="0">
+            <a:schemeClr val="accent1"/>
+          </a:effectRef>
+          <a:fontRef idx="minor">
+            <a:schemeClr val="lt1"/>
+          </a:fontRef>
+        </p:style>
+        <p:txBody>
+          <a:bodyPr rtlCol="0" anchor="ctr"/>
+          <a:lstStyle/>
+          <a:p>
+            <a:pPr algn="ctr"/>
+            <a:r>
+              <a:rPr lang="en-US" dirty="0" err="1" smtClean="0"/>
+              <a:t>Pasre</a:t>
+            </a:r>
+            <a:endParaRPr lang="vi-VN" dirty="0"/>
+          </a:p>
+        </p:txBody>
+      </p:sp>
+    </p:spTree>
+    <p:extLst>
+      <p:ext uri="{BB962C8B-B14F-4D97-AF65-F5344CB8AC3E}">
+        <p14:creationId xmlns:p14="http://schemas.microsoft.com/office/powerpoint/2010/main" val="2888905233"/>
+      </p:ext>
+    </p:extLst>
+  </p:cSld>
+  <p:clrMapOvr>
+    <a:masterClrMapping/>
+  </p:clrMapOvr>
+  <p:timing>
+    <p:tnLst>
+      <p:par>
+        <p:cTn id="1" dur="indefinite" restart="never" nodeType="tmRoot">
+          <p:childTnLst>
+            <p:seq concurrent="1" nextAc="seek">
+              <p:cTn id="2" dur="indefinite" nodeType="mainSeq">
+                <p:childTnLst>
+                  <p:par>
+                    <p:cTn id="3" fill="hold">
+                      <p:stCondLst>
+                        <p:cond delay="indefinite"/>
+                      </p:stCondLst>
+                      <p:childTnLst>
+                        <p:par>
+                          <p:cTn id="4" fill="hold">
+                            <p:stCondLst>
+                              <p:cond delay="0"/>
+                            </p:stCondLst>
+                            <p:childTnLst>
+                              <p:par>
+                                <p:cTn id="5" presetID="42" presetClass="entr" presetSubtype="0" fill="hold" nodeType="clickEffect">
+                                  <p:stCondLst>
+                                    <p:cond delay="0"/>
+                                  </p:stCondLst>
+                                  <p:childTnLst>
+                                    <p:set>
+                                      <p:cBhvr>
+                                        <p:cTn id="6" dur="1" fill="hold">
+                                          <p:stCondLst>
+                                            <p:cond delay="0"/>
+                                          </p:stCondLst>
+                                        </p:cTn>
+                                        <p:tgtEl>
+                                          <p:spTgt spid="12"/>
+                                        </p:tgtEl>
+                                        <p:attrNameLst>
+                                          <p:attrName>style.visibility</p:attrName>
+                                        </p:attrNameLst>
+                                      </p:cBhvr>
+                                      <p:to>
+                                        <p:strVal val="visible"/>
+                                      </p:to>
+                                    </p:set>
+                                    <p:animEffect transition="in" filter="fade">
+                                      <p:cBhvr>
+                                        <p:cTn id="7" dur="1000"/>
+                                        <p:tgtEl>
+                                          <p:spTgt spid="12"/>
+                                        </p:tgtEl>
+                                      </p:cBhvr>
+                                    </p:animEffect>
+                                    <p:anim calcmode="lin" valueType="num">
+                                      <p:cBhvr>
+                                        <p:cTn id="8" dur="1000" fill="hold"/>
+                                        <p:tgtEl>
+                                          <p:spTgt spid="12"/>
+                                        </p:tgtEl>
+                                        <p:attrNameLst>
+                                          <p:attrName>ppt_x</p:attrName>
+                                        </p:attrNameLst>
+                                      </p:cBhvr>
+                                      <p:tavLst>
+                                        <p:tav tm="0">
+                                          <p:val>
+                                            <p:strVal val="#ppt_x"/>
+                                          </p:val>
+                                        </p:tav>
+                                        <p:tav tm="100000">
+                                          <p:val>
+                                            <p:strVal val="#ppt_x"/>
+                                          </p:val>
+                                        </p:tav>
+                                      </p:tavLst>
+                                    </p:anim>
+                                    <p:anim calcmode="lin" valueType="num">
+                                      <p:cBhvr>
+                                        <p:cTn id="9" dur="1000" fill="hold"/>
+                                        <p:tgtEl>
+                                          <p:spTgt spid="12"/>
+                                        </p:tgtEl>
+                                        <p:attrNameLst>
+                                          <p:attrName>ppt_y</p:attrName>
+                                        </p:attrNameLst>
+                                      </p:cBhvr>
+                                      <p:tavLst>
+                                        <p:tav tm="0">
+                                          <p:val>
+                                            <p:strVal val="#ppt_y+.1"/>
+                                          </p:val>
+                                        </p:tav>
+                                        <p:tav tm="100000">
+                                          <p:val>
+                                            <p:strVal val="#ppt_y"/>
+                                          </p:val>
+                                        </p:tav>
+                                      </p:tavLst>
+                                    </p:anim>
+                                  </p:childTnLst>
+                                </p:cTn>
+                              </p:par>
+                            </p:childTnLst>
+                          </p:cTn>
+                        </p:par>
+                      </p:childTnLst>
+                    </p:cTn>
+                  </p:par>
+                  <p:par>
+                    <p:cTn id="10" fill="hold">
+                      <p:stCondLst>
+                        <p:cond delay="indefinite"/>
+                      </p:stCondLst>
+                      <p:childTnLst>
+                        <p:par>
+                          <p:cTn id="11" fill="hold">
+                            <p:stCondLst>
+                              <p:cond delay="0"/>
+                            </p:stCondLst>
+                            <p:childTnLst>
+                              <p:par>
+                                <p:cTn id="12" presetID="42" presetClass="entr" presetSubtype="0" fill="hold" grpId="0" nodeType="clickEffect">
+                                  <p:stCondLst>
+                                    <p:cond delay="0"/>
+                                  </p:stCondLst>
+                                  <p:childTnLst>
+                                    <p:set>
+                                      <p:cBhvr>
+                                        <p:cTn id="13" dur="1" fill="hold">
+                                          <p:stCondLst>
+                                            <p:cond delay="0"/>
+                                          </p:stCondLst>
+                                        </p:cTn>
+                                        <p:tgtEl>
+                                          <p:spTgt spid="13"/>
+                                        </p:tgtEl>
+                                        <p:attrNameLst>
+                                          <p:attrName>style.visibility</p:attrName>
+                                        </p:attrNameLst>
+                                      </p:cBhvr>
+                                      <p:to>
+                                        <p:strVal val="visible"/>
+                                      </p:to>
+                                    </p:set>
+                                    <p:animEffect transition="in" filter="fade">
+                                      <p:cBhvr>
+                                        <p:cTn id="14" dur="1000"/>
+                                        <p:tgtEl>
+                                          <p:spTgt spid="13"/>
+                                        </p:tgtEl>
+                                      </p:cBhvr>
+                                    </p:animEffect>
+                                    <p:anim calcmode="lin" valueType="num">
+                                      <p:cBhvr>
+                                        <p:cTn id="15" dur="1000" fill="hold"/>
+                                        <p:tgtEl>
+                                          <p:spTgt spid="13"/>
+                                        </p:tgtEl>
+                                        <p:attrNameLst>
+                                          <p:attrName>ppt_x</p:attrName>
+                                        </p:attrNameLst>
+                                      </p:cBhvr>
+                                      <p:tavLst>
+                                        <p:tav tm="0">
+                                          <p:val>
+                                            <p:strVal val="#ppt_x"/>
+                                          </p:val>
+                                        </p:tav>
+                                        <p:tav tm="100000">
+                                          <p:val>
+                                            <p:strVal val="#ppt_x"/>
+                                          </p:val>
+                                        </p:tav>
+                                      </p:tavLst>
+                                    </p:anim>
+                                    <p:anim calcmode="lin" valueType="num">
+                                      <p:cBhvr>
+                                        <p:cTn id="16" dur="1000" fill="hold"/>
+                                        <p:tgtEl>
+                                          <p:spTgt spid="13"/>
+                                        </p:tgtEl>
+                                        <p:attrNameLst>
+                                          <p:attrName>ppt_y</p:attrName>
+                                        </p:attrNameLst>
+                                      </p:cBhvr>
+                                      <p:tavLst>
+                                        <p:tav tm="0">
+                                          <p:val>
+                                            <p:strVal val="#ppt_y+.1"/>
+                                          </p:val>
+                                        </p:tav>
+                                        <p:tav tm="100000">
+                                          <p:val>
+                                            <p:strVal val="#ppt_y"/>
+                                          </p:val>
+                                        </p:tav>
+                                      </p:tavLst>
+                                    </p:anim>
+                                  </p:childTnLst>
+                                </p:cTn>
+                              </p:par>
+                            </p:childTnLst>
+                          </p:cTn>
+                        </p:par>
+                      </p:childTnLst>
+                    </p:cTn>
+                  </p:par>
+                  <p:par>
+                    <p:cTn id="17" fill="hold">
+                      <p:stCondLst>
+                        <p:cond delay="indefinite"/>
+                      </p:stCondLst>
+                      <p:childTnLst>
+                        <p:par>
+                          <p:cTn id="18" fill="hold">
+                            <p:stCondLst>
+                              <p:cond delay="0"/>
+                            </p:stCondLst>
+                            <p:childTnLst>
+                              <p:par>
+                                <p:cTn id="19" presetID="42" presetClass="entr" presetSubtype="0" fill="hold" nodeType="clickEffect">
+                                  <p:stCondLst>
+                                    <p:cond delay="0"/>
+                                  </p:stCondLst>
+                                  <p:childTnLst>
+                                    <p:set>
+                                      <p:cBhvr>
+                                        <p:cTn id="20" dur="1" fill="hold">
+                                          <p:stCondLst>
+                                            <p:cond delay="0"/>
+                                          </p:stCondLst>
+                                        </p:cTn>
+                                        <p:tgtEl>
+                                          <p:spTgt spid="8"/>
+                                        </p:tgtEl>
+                                        <p:attrNameLst>
+                                          <p:attrName>style.visibility</p:attrName>
+                                        </p:attrNameLst>
+                                      </p:cBhvr>
+                                      <p:to>
+                                        <p:strVal val="visible"/>
+                                      </p:to>
+                                    </p:set>
+                                    <p:animEffect transition="in" filter="fade">
+                                      <p:cBhvr>
+                                        <p:cTn id="21" dur="1000"/>
+                                        <p:tgtEl>
+                                          <p:spTgt spid="8"/>
+                                        </p:tgtEl>
+                                      </p:cBhvr>
+                                    </p:animEffect>
+                                    <p:anim calcmode="lin" valueType="num">
+                                      <p:cBhvr>
+                                        <p:cTn id="22" dur="1000" fill="hold"/>
+                                        <p:tgtEl>
+                                          <p:spTgt spid="8"/>
+                                        </p:tgtEl>
+                                        <p:attrNameLst>
+                                          <p:attrName>ppt_x</p:attrName>
+                                        </p:attrNameLst>
+                                      </p:cBhvr>
+                                      <p:tavLst>
+                                        <p:tav tm="0">
+                                          <p:val>
+                                            <p:strVal val="#ppt_x"/>
+                                          </p:val>
+                                        </p:tav>
+                                        <p:tav tm="100000">
+                                          <p:val>
+                                            <p:strVal val="#ppt_x"/>
+                                          </p:val>
+                                        </p:tav>
+                                      </p:tavLst>
+                                    </p:anim>
+                                    <p:anim calcmode="lin" valueType="num">
+                                      <p:cBhvr>
+                                        <p:cTn id="23" dur="1000" fill="hold"/>
+                                        <p:tgtEl>
+                                          <p:spTgt spid="8"/>
+                                        </p:tgtEl>
+                                        <p:attrNameLst>
+                                          <p:attrName>ppt_y</p:attrName>
+                                        </p:attrNameLst>
+                                      </p:cBhvr>
+                                      <p:tavLst>
+                                        <p:tav tm="0">
+                                          <p:val>
+                                            <p:strVal val="#ppt_y+.1"/>
+                                          </p:val>
+                                        </p:tav>
+                                        <p:tav tm="100000">
+                                          <p:val>
+                                            <p:strVal val="#ppt_y"/>
+                                          </p:val>
+                                        </p:tav>
+                                      </p:tavLst>
+                                    </p:anim>
+                                  </p:childTnLst>
+                                </p:cTn>
+                              </p:par>
+                            </p:childTnLst>
+                          </p:cTn>
+                        </p:par>
+                      </p:childTnLst>
+                    </p:cTn>
+                  </p:par>
+                </p:childTnLst>
+              </p:cTn>
+              <p:prevCondLst>
+                <p:cond evt="onPrev" delay="0">
+                  <p:tgtEl>
+                    <p:sldTgt/>
+                  </p:tgtEl>
+                </p:cond>
+              </p:prevCondLst>
+              <p:nextCondLst>
+                <p:cond evt="onNext" delay="0">
+                  <p:tgtEl>
+                    <p:sldTgt/>
+                  </p:tgtEl>
+                </p:cond>
+              </p:nextCondLst>
+            </p:seq>
+          </p:childTnLst>
+        </p:cTn>
+      </p:par>
+    </p:tnLst>
+    <p:bldLst>
+      <p:bldP spid="13" grpId="0" animBg="1"/>
+    </p:bldLst>
+  </p:timing>
 </p:sld>
 </file>
 

--- a/BÁO CÁO THỰC TẬP.pptx
+++ b/BÁO CÁO THỰC TẬP.pptx
@@ -19,6 +19,7 @@
     <p:sldId id="267" r:id="rId13"/>
     <p:sldId id="269" r:id="rId14"/>
     <p:sldId id="262" r:id="rId15"/>
+    <p:sldId id="270" r:id="rId16"/>
   </p:sldIdLst>
   <p:sldSz cx="12192000" cy="6858000"/>
   <p:notesSz cx="6858000" cy="9144000"/>
@@ -3762,9 +3763,78 @@
         </p:nvSpPr>
         <p:spPr/>
         <p:txBody>
-          <a:bodyPr/>
-          <a:lstStyle/>
-          <a:p>
+          <a:bodyPr>
+            <a:normAutofit/>
+          </a:bodyPr>
+          <a:lstStyle/>
+          <a:p>
+            <a:r>
+              <a:rPr lang="en-US" smtClean="0"/>
+              <a:t>Đạt được:</a:t>
+            </a:r>
+          </a:p>
+          <a:p>
+            <a:pPr lvl="1"/>
+            <a:r>
+              <a:rPr lang="en-US"/>
+              <a:t>Xây dựng trang dashboard đáp ứng các yêu cầu của requirements.</a:t>
+            </a:r>
+          </a:p>
+          <a:p>
+            <a:pPr lvl="1"/>
+            <a:r>
+              <a:rPr lang="en-US"/>
+              <a:t> Xử lý tối ưu được các yêu cầu của người dùng.</a:t>
+            </a:r>
+          </a:p>
+          <a:p>
+            <a:pPr lvl="1"/>
+            <a:r>
+              <a:rPr lang="en-US"/>
+              <a:t>Nâng cao trải nghiệm người dùng.</a:t>
+            </a:r>
+          </a:p>
+          <a:p>
+            <a:pPr lvl="1"/>
+            <a:r>
+              <a:rPr lang="en-US"/>
+              <a:t>Thành công trong việc phân tích và xử lý dữ liệu trả về từ OBS.</a:t>
+            </a:r>
+          </a:p>
+          <a:p>
+            <a:pPr lvl="1"/>
+            <a:r>
+              <a:rPr lang="en-US"/>
+              <a:t>Áp dụng các chuẩn Unit test chuyên nghiệp vào dự án.</a:t>
+            </a:r>
+          </a:p>
+          <a:p>
+            <a:pPr lvl="1"/>
+            <a:r>
+              <a:rPr lang="en-US"/>
+              <a:t>Được tham gia vào dự án thực tế ở doanh nghiệp.</a:t>
+            </a:r>
+          </a:p>
+          <a:p>
+            <a:pPr lvl="1"/>
+            <a:r>
+              <a:rPr lang="en-US"/>
+              <a:t>Học hỏi thêm các kĩ năng và công nghệ </a:t>
+            </a:r>
+            <a:r>
+              <a:rPr lang="en-US"/>
+              <a:t>mới</a:t>
+            </a:r>
+            <a:r>
+              <a:rPr lang="en-US" smtClean="0"/>
+              <a:t>.</a:t>
+            </a:r>
+          </a:p>
+          <a:p>
+            <a:r>
+              <a:rPr lang="en-US" smtClean="0"/>
+              <a:t>Hạn chế:</a:t>
+            </a:r>
             <a:endParaRPr lang="en-US"/>
           </a:p>
         </p:txBody>
@@ -3773,6 +3843,110 @@
     <p:extLst>
       <p:ext uri="{BB962C8B-B14F-4D97-AF65-F5344CB8AC3E}">
         <p14:creationId xmlns:p14="http://schemas.microsoft.com/office/powerpoint/2010/main" val="775853568"/>
+      </p:ext>
+    </p:extLst>
+  </p:cSld>
+  <p:clrMapOvr>
+    <a:masterClrMapping/>
+  </p:clrMapOvr>
+  <p:timing>
+    <p:tnLst>
+      <p:par>
+        <p:cTn id="1" dur="indefinite" restart="never" nodeType="tmRoot"/>
+      </p:par>
+    </p:tnLst>
+  </p:timing>
+</p:sld>
+</file>
+
+<file path=ppt/slides/slide15.xml><?xml version="1.0" encoding="utf-8"?>
+<p:sld xmlns:a="http://schemas.openxmlformats.org/drawingml/2006/main" xmlns:r="http://schemas.openxmlformats.org/officeDocument/2006/relationships" xmlns:p="http://schemas.openxmlformats.org/presentationml/2006/main">
+  <p:cSld>
+    <p:spTree>
+      <p:nvGrpSpPr>
+        <p:cNvPr id="1" name=""/>
+        <p:cNvGrpSpPr/>
+        <p:nvPr/>
+      </p:nvGrpSpPr>
+      <p:grpSpPr>
+        <a:xfrm>
+          <a:off x="0" y="0"/>
+          <a:ext cx="0" cy="0"/>
+          <a:chOff x="0" y="0"/>
+          <a:chExt cx="0" cy="0"/>
+        </a:xfrm>
+      </p:grpSpPr>
+      <p:sp>
+        <p:nvSpPr>
+          <p:cNvPr id="2" name="Title 1"/>
+          <p:cNvSpPr>
+            <a:spLocks noGrp="1"/>
+          </p:cNvSpPr>
+          <p:nvPr>
+            <p:ph type="title"/>
+          </p:nvPr>
+        </p:nvSpPr>
+        <p:spPr/>
+        <p:txBody>
+          <a:bodyPr/>
+          <a:lstStyle/>
+          <a:p>
+            <a:r>
+              <a:rPr lang="en-US" smtClean="0"/>
+              <a:t>Kết quả</a:t>
+            </a:r>
+            <a:endParaRPr lang="en-US"/>
+          </a:p>
+        </p:txBody>
+      </p:sp>
+      <p:sp>
+        <p:nvSpPr>
+          <p:cNvPr id="3" name="Content Placeholder 2"/>
+          <p:cNvSpPr>
+            <a:spLocks noGrp="1"/>
+          </p:cNvSpPr>
+          <p:nvPr>
+            <p:ph idx="1"/>
+          </p:nvPr>
+        </p:nvSpPr>
+        <p:spPr>
+          <a:xfrm>
+            <a:off x="838200" y="1817533"/>
+            <a:ext cx="10515600" cy="4351338"/>
+          </a:xfrm>
+        </p:spPr>
+        <p:txBody>
+          <a:bodyPr>
+            <a:normAutofit/>
+          </a:bodyPr>
+          <a:lstStyle/>
+          <a:p>
+            <a:r>
+              <a:rPr lang="en-US"/>
+              <a:t>Hạn chế:</a:t>
+            </a:r>
+          </a:p>
+          <a:p>
+            <a:pPr lvl="1"/>
+            <a:r>
+              <a:rPr lang="en-US"/>
+              <a:t>Trang web chưa tự động thay đổi kích thước phù hợp với nhiều loại màn hình. Đặc biệt là màn hình trên các loại điện thoại di động.</a:t>
+            </a:r>
+          </a:p>
+          <a:p>
+            <a:pPr lvl="1"/>
+            <a:r>
+              <a:rPr lang="en-US"/>
+              <a:t>Chưa hiện thực phân trang cho cột manager, admin, backupset.</a:t>
+            </a:r>
+            <a:endParaRPr lang="en-US" smtClean="0"/>
+          </a:p>
+        </p:txBody>
+      </p:sp>
+    </p:spTree>
+    <p:extLst>
+      <p:ext uri="{BB962C8B-B14F-4D97-AF65-F5344CB8AC3E}">
+        <p14:creationId xmlns:p14="http://schemas.microsoft.com/office/powerpoint/2010/main" val="1134757239"/>
       </p:ext>
     </p:extLst>
   </p:cSld>

--- a/BÁO CÁO THỰC TẬP.pptx
+++ b/BÁO CÁO THỰC TẬP.pptx
@@ -3822,20 +3822,14 @@
               <a:t>Học hỏi thêm các kĩ năng và công nghệ </a:t>
             </a:r>
             <a:r>
+              <a:rPr lang="en-US" smtClean="0"/>
+              <a:t>mới</a:t>
+            </a:r>
+            <a:r>
               <a:rPr lang="en-US"/>
-              <a:t>mới</a:t>
-            </a:r>
-            <a:r>
-              <a:rPr lang="en-US" smtClean="0"/>
               <a:t>.</a:t>
             </a:r>
-          </a:p>
-          <a:p>
-            <a:r>
-              <a:rPr lang="en-US" smtClean="0"/>
-              <a:t>Hạn chế:</a:t>
-            </a:r>
-            <a:endParaRPr lang="en-US"/>
+            <a:endParaRPr lang="en-US" smtClean="0"/>
           </a:p>
         </p:txBody>
       </p:sp>

--- a/BÁO CÁO THỰC TẬP.pptx
+++ b/BÁO CÁO THỰC TẬP.pptx
@@ -9,17 +9,18 @@
     <p:sldId id="257" r:id="rId3"/>
     <p:sldId id="258" r:id="rId4"/>
     <p:sldId id="259" r:id="rId5"/>
-    <p:sldId id="260" r:id="rId6"/>
-    <p:sldId id="263" r:id="rId7"/>
-    <p:sldId id="261" r:id="rId8"/>
-    <p:sldId id="264" r:id="rId9"/>
-    <p:sldId id="266" r:id="rId10"/>
-    <p:sldId id="265" r:id="rId11"/>
-    <p:sldId id="268" r:id="rId12"/>
-    <p:sldId id="267" r:id="rId13"/>
-    <p:sldId id="269" r:id="rId14"/>
-    <p:sldId id="262" r:id="rId15"/>
-    <p:sldId id="270" r:id="rId16"/>
+    <p:sldId id="271" r:id="rId6"/>
+    <p:sldId id="260" r:id="rId7"/>
+    <p:sldId id="263" r:id="rId8"/>
+    <p:sldId id="261" r:id="rId9"/>
+    <p:sldId id="264" r:id="rId10"/>
+    <p:sldId id="266" r:id="rId11"/>
+    <p:sldId id="265" r:id="rId12"/>
+    <p:sldId id="268" r:id="rId13"/>
+    <p:sldId id="267" r:id="rId14"/>
+    <p:sldId id="269" r:id="rId15"/>
+    <p:sldId id="262" r:id="rId16"/>
+    <p:sldId id="270" r:id="rId17"/>
   </p:sldIdLst>
   <p:sldSz cx="12192000" cy="6858000"/>
   <p:notesSz cx="6858000" cy="9144000"/>
@@ -2993,21 +2994,40 @@
             <p:ph type="ctrTitle"/>
           </p:nvPr>
         </p:nvSpPr>
-        <p:spPr/>
-        <p:txBody>
-          <a:bodyPr/>
-          <a:lstStyle/>
-          <a:p>
-            <a:r>
-              <a:rPr lang="en-US" smtClean="0"/>
+        <p:spPr>
+          <a:xfrm>
+            <a:off x="1613013" y="1049534"/>
+            <a:ext cx="9144000" cy="2387600"/>
+          </a:xfrm>
+        </p:spPr>
+        <p:txBody>
+          <a:bodyPr>
+            <a:normAutofit fontScale="90000"/>
+          </a:bodyPr>
+          <a:lstStyle/>
+          <a:p>
+            <a:r>
+              <a:rPr lang="en-US" b="1"/>
               <a:t>BÁO CÁO THỰC TẬP</a:t>
             </a:r>
+            <a:r>
+              <a:rPr lang="en-US" smtClean="0"/>
+              <a:t/>
+            </a:r>
             <a:br>
               <a:rPr lang="en-US" smtClean="0"/>
             </a:br>
             <a:r>
-              <a:rPr lang="en-US" smtClean="0"/>
-              <a:t>TỐT NGHIỆP</a:t>
+              <a:rPr lang="en-US" b="1"/>
+              <a:t>Xây dựng web portal cho dịch </a:t>
+            </a:r>
+            <a:r>
+              <a:rPr lang="en-US" b="1"/>
+              <a:t>vụ </a:t>
+            </a:r>
+            <a:r>
+              <a:rPr lang="en-US" b="1" smtClean="0"/>
+              <a:t>cloudbackup</a:t>
             </a:r>
             <a:endParaRPr lang="en-US"/>
           </a:p>
@@ -3023,12 +3043,67 @@
             <p:ph type="subTitle" idx="1"/>
           </p:nvPr>
         </p:nvSpPr>
-        <p:spPr/>
-        <p:txBody>
-          <a:bodyPr/>
-          <a:lstStyle/>
-          <a:p>
-            <a:endParaRPr lang="en-US"/>
+        <p:spPr>
+          <a:xfrm>
+            <a:off x="1613013" y="3982363"/>
+            <a:ext cx="9144000" cy="1655762"/>
+          </a:xfrm>
+        </p:spPr>
+        <p:txBody>
+          <a:bodyPr>
+            <a:noAutofit/>
+          </a:bodyPr>
+          <a:lstStyle/>
+          <a:p>
+            <a:pPr algn="r"/>
+            <a:r>
+              <a:rPr lang="en-US" sz="1500" b="1" smtClean="0"/>
+              <a:t>Giảng </a:t>
+            </a:r>
+            <a:r>
+              <a:rPr lang="en-US" sz="1500" b="1"/>
+              <a:t>viên hướng dẫn:</a:t>
+            </a:r>
+            <a:endParaRPr lang="en-US" sz="1500"/>
+          </a:p>
+          <a:p>
+            <a:pPr algn="r"/>
+            <a:r>
+              <a:rPr lang="en-US" sz="1500"/>
+              <a:t>ThS.Hà Minh Ngọc</a:t>
+            </a:r>
+          </a:p>
+          <a:p>
+            <a:pPr algn="r"/>
+            <a:r>
+              <a:rPr lang="en-US" sz="1500" b="1"/>
+              <a:t>Sinh viên thực hiện:</a:t>
+            </a:r>
+            <a:endParaRPr lang="en-US" sz="1500"/>
+          </a:p>
+          <a:p>
+            <a:pPr algn="r"/>
+            <a:r>
+              <a:rPr lang="en-US" sz="1500"/>
+              <a:t>	Nguyễn Mạnh Phúc</a:t>
+            </a:r>
+          </a:p>
+          <a:p>
+            <a:pPr algn="r"/>
+            <a:r>
+              <a:rPr lang="en-US" sz="1500"/>
+              <a:t>Lưu Nhật Phi</a:t>
+            </a:r>
+          </a:p>
+          <a:p>
+            <a:pPr algn="r"/>
+            <a:r>
+              <a:rPr lang="en-US" sz="1500"/>
+              <a:t>Trần Công Duy</a:t>
+            </a:r>
+          </a:p>
+          <a:p>
+            <a:endParaRPr lang="en-US" sz="1500"/>
           </a:p>
         </p:txBody>
       </p:sp>
@@ -3036,332 +3111,6 @@
     <p:extLst>
       <p:ext uri="{BB962C8B-B14F-4D97-AF65-F5344CB8AC3E}">
         <p14:creationId xmlns:p14="http://schemas.microsoft.com/office/powerpoint/2010/main" val="965557425"/>
-      </p:ext>
-    </p:extLst>
-  </p:cSld>
-  <p:clrMapOvr>
-    <a:masterClrMapping/>
-  </p:clrMapOvr>
-</p:sld>
-</file>
-
-<file path=ppt/slides/slide10.xml><?xml version="1.0" encoding="utf-8"?>
-<p:sld xmlns:a="http://schemas.openxmlformats.org/drawingml/2006/main" xmlns:r="http://schemas.openxmlformats.org/officeDocument/2006/relationships" xmlns:p="http://schemas.openxmlformats.org/presentationml/2006/main">
-  <p:cSld>
-    <p:spTree>
-      <p:nvGrpSpPr>
-        <p:cNvPr id="1" name=""/>
-        <p:cNvGrpSpPr/>
-        <p:nvPr/>
-      </p:nvGrpSpPr>
-      <p:grpSpPr>
-        <a:xfrm>
-          <a:off x="0" y="0"/>
-          <a:ext cx="0" cy="0"/>
-          <a:chOff x="0" y="0"/>
-          <a:chExt cx="0" cy="0"/>
-        </a:xfrm>
-      </p:grpSpPr>
-      <p:sp>
-        <p:nvSpPr>
-          <p:cNvPr id="2" name="Title 1"/>
-          <p:cNvSpPr>
-            <a:spLocks noGrp="1"/>
-          </p:cNvSpPr>
-          <p:nvPr>
-            <p:ph type="title"/>
-          </p:nvPr>
-        </p:nvSpPr>
-        <p:spPr/>
-        <p:txBody>
-          <a:bodyPr/>
-          <a:lstStyle/>
-          <a:p>
-            <a:r>
-              <a:rPr lang="en-US" dirty="0" smtClean="0"/>
-              <a:t>Unit Test</a:t>
-            </a:r>
-            <a:endParaRPr lang="vi-VN" dirty="0"/>
-          </a:p>
-        </p:txBody>
-      </p:sp>
-      <p:sp>
-        <p:nvSpPr>
-          <p:cNvPr id="3" name="Content Placeholder 2"/>
-          <p:cNvSpPr>
-            <a:spLocks noGrp="1"/>
-          </p:cNvSpPr>
-          <p:nvPr>
-            <p:ph idx="1"/>
-          </p:nvPr>
-        </p:nvSpPr>
-        <p:spPr/>
-        <p:txBody>
-          <a:bodyPr/>
-          <a:lstStyle/>
-          <a:p>
-            <a:r>
-              <a:rPr lang="en-US" dirty="0" err="1" smtClean="0"/>
-              <a:t>Tự</a:t>
-            </a:r>
-            <a:r>
-              <a:rPr lang="en-US" dirty="0" smtClean="0"/>
-              <a:t> </a:t>
-            </a:r>
-            <a:r>
-              <a:rPr lang="en-US" dirty="0" err="1" smtClean="0"/>
-              <a:t>động</a:t>
-            </a:r>
-            <a:r>
-              <a:rPr lang="en-US" dirty="0" smtClean="0"/>
-              <a:t> </a:t>
-            </a:r>
-            <a:r>
-              <a:rPr lang="en-US" dirty="0" err="1" smtClean="0"/>
-              <a:t>hóa</a:t>
-            </a:r>
-            <a:r>
-              <a:rPr lang="en-US" dirty="0" smtClean="0"/>
-              <a:t> </a:t>
-            </a:r>
-            <a:r>
-              <a:rPr lang="en-US" dirty="0" err="1" smtClean="0"/>
-              <a:t>công</a:t>
-            </a:r>
-            <a:r>
-              <a:rPr lang="en-US" dirty="0" smtClean="0"/>
-              <a:t> </a:t>
-            </a:r>
-            <a:r>
-              <a:rPr lang="en-US" dirty="0" err="1" smtClean="0"/>
-              <a:t>việc</a:t>
-            </a:r>
-            <a:r>
-              <a:rPr lang="en-US" dirty="0" smtClean="0"/>
-              <a:t> testing.</a:t>
-            </a:r>
-          </a:p>
-          <a:p>
-            <a:r>
-              <a:rPr lang="en-US" dirty="0" err="1" smtClean="0"/>
-              <a:t>Đảm</a:t>
-            </a:r>
-            <a:r>
-              <a:rPr lang="en-US" dirty="0" smtClean="0"/>
-              <a:t> </a:t>
-            </a:r>
-            <a:r>
-              <a:rPr lang="en-US" dirty="0" err="1" smtClean="0"/>
-              <a:t>bảo</a:t>
-            </a:r>
-            <a:r>
-              <a:rPr lang="en-US" dirty="0" smtClean="0"/>
-              <a:t> </a:t>
-            </a:r>
-            <a:r>
-              <a:rPr lang="en-US" dirty="0" err="1" smtClean="0"/>
-              <a:t>chất</a:t>
-            </a:r>
-            <a:r>
-              <a:rPr lang="en-US" dirty="0" smtClean="0"/>
-              <a:t> </a:t>
-            </a:r>
-            <a:r>
-              <a:rPr lang="en-US" dirty="0" err="1" smtClean="0"/>
-              <a:t>lượng</a:t>
-            </a:r>
-            <a:r>
-              <a:rPr lang="en-US" dirty="0" smtClean="0"/>
-              <a:t> </a:t>
-            </a:r>
-            <a:r>
-              <a:rPr lang="en-US" dirty="0" err="1" smtClean="0"/>
-              <a:t>các</a:t>
-            </a:r>
-            <a:r>
-              <a:rPr lang="en-US" dirty="0" smtClean="0"/>
-              <a:t> </a:t>
-            </a:r>
-            <a:r>
-              <a:rPr lang="en-US" dirty="0" err="1" smtClean="0"/>
-              <a:t>thành</a:t>
-            </a:r>
-            <a:r>
-              <a:rPr lang="en-US" dirty="0" smtClean="0"/>
-              <a:t> </a:t>
-            </a:r>
-            <a:r>
-              <a:rPr lang="en-US" dirty="0" err="1" smtClean="0"/>
-              <a:t>phần</a:t>
-            </a:r>
-            <a:r>
-              <a:rPr lang="en-US" dirty="0" smtClean="0"/>
-              <a:t> </a:t>
-            </a:r>
-            <a:r>
-              <a:rPr lang="en-US" dirty="0" err="1" smtClean="0"/>
-              <a:t>của</a:t>
-            </a:r>
-            <a:r>
-              <a:rPr lang="en-US" dirty="0" smtClean="0"/>
-              <a:t> </a:t>
-            </a:r>
-            <a:r>
-              <a:rPr lang="en-US" dirty="0" err="1" smtClean="0"/>
-              <a:t>chương</a:t>
-            </a:r>
-            <a:r>
-              <a:rPr lang="en-US" dirty="0" smtClean="0"/>
-              <a:t> </a:t>
-            </a:r>
-            <a:r>
-              <a:rPr lang="en-US" dirty="0" err="1" smtClean="0"/>
-              <a:t>trình</a:t>
-            </a:r>
-            <a:r>
-              <a:rPr lang="en-US" dirty="0" smtClean="0"/>
-              <a:t>.</a:t>
-            </a:r>
-          </a:p>
-          <a:p>
-            <a:r>
-              <a:rPr lang="en-US" dirty="0" err="1" smtClean="0"/>
-              <a:t>Nhanh</a:t>
-            </a:r>
-            <a:r>
-              <a:rPr lang="en-US" dirty="0" smtClean="0"/>
-              <a:t> </a:t>
-            </a:r>
-            <a:r>
-              <a:rPr lang="en-US" dirty="0" err="1" smtClean="0"/>
-              <a:t>chóng</a:t>
-            </a:r>
-            <a:r>
-              <a:rPr lang="en-US" dirty="0" smtClean="0"/>
-              <a:t> </a:t>
-            </a:r>
-            <a:r>
-              <a:rPr lang="en-US" dirty="0" err="1" smtClean="0"/>
-              <a:t>phát</a:t>
-            </a:r>
-            <a:r>
-              <a:rPr lang="en-US" dirty="0" smtClean="0"/>
-              <a:t> </a:t>
-            </a:r>
-            <a:r>
-              <a:rPr lang="en-US" dirty="0" err="1" smtClean="0"/>
-              <a:t>hiện</a:t>
-            </a:r>
-            <a:r>
-              <a:rPr lang="en-US" dirty="0" smtClean="0"/>
-              <a:t> </a:t>
-            </a:r>
-            <a:r>
-              <a:rPr lang="en-US" dirty="0" err="1" smtClean="0"/>
-              <a:t>ra</a:t>
-            </a:r>
-            <a:r>
-              <a:rPr lang="en-US" dirty="0" smtClean="0"/>
-              <a:t> </a:t>
-            </a:r>
-            <a:r>
-              <a:rPr lang="en-US" dirty="0" err="1" smtClean="0"/>
-              <a:t>các</a:t>
-            </a:r>
-            <a:r>
-              <a:rPr lang="en-US" dirty="0" smtClean="0"/>
-              <a:t> </a:t>
-            </a:r>
-            <a:r>
-              <a:rPr lang="en-US" dirty="0" err="1" smtClean="0"/>
-              <a:t>lỗi</a:t>
-            </a:r>
-            <a:r>
-              <a:rPr lang="en-US" dirty="0" smtClean="0"/>
-              <a:t> </a:t>
-            </a:r>
-            <a:r>
-              <a:rPr lang="en-US" dirty="0" err="1" smtClean="0"/>
-              <a:t>khi</a:t>
-            </a:r>
-            <a:r>
-              <a:rPr lang="en-US" dirty="0" smtClean="0"/>
-              <a:t> </a:t>
-            </a:r>
-            <a:r>
-              <a:rPr lang="en-US" dirty="0" err="1" smtClean="0"/>
-              <a:t>thay</a:t>
-            </a:r>
-            <a:r>
-              <a:rPr lang="en-US" dirty="0" smtClean="0"/>
-              <a:t> </a:t>
-            </a:r>
-            <a:r>
-              <a:rPr lang="en-US" dirty="0" err="1" smtClean="0"/>
-              <a:t>đổi</a:t>
-            </a:r>
-            <a:r>
-              <a:rPr lang="en-US" dirty="0" smtClean="0"/>
-              <a:t> </a:t>
-            </a:r>
-            <a:r>
-              <a:rPr lang="en-US" dirty="0" err="1" smtClean="0"/>
-              <a:t>chương</a:t>
-            </a:r>
-            <a:r>
-              <a:rPr lang="en-US" dirty="0" smtClean="0"/>
-              <a:t> </a:t>
-            </a:r>
-            <a:r>
-              <a:rPr lang="en-US" dirty="0" err="1" smtClean="0"/>
-              <a:t>trình</a:t>
-            </a:r>
-            <a:r>
-              <a:rPr lang="en-US" dirty="0" smtClean="0"/>
-              <a:t>.</a:t>
-            </a:r>
-          </a:p>
-          <a:p>
-            <a:r>
-              <a:rPr lang="en-US" dirty="0" err="1" smtClean="0"/>
-              <a:t>Tiết</a:t>
-            </a:r>
-            <a:r>
-              <a:rPr lang="en-US" dirty="0" smtClean="0"/>
-              <a:t> </a:t>
-            </a:r>
-            <a:r>
-              <a:rPr lang="en-US" dirty="0" err="1" smtClean="0"/>
-              <a:t>kiệm</a:t>
-            </a:r>
-            <a:r>
-              <a:rPr lang="en-US" dirty="0" smtClean="0"/>
-              <a:t> </a:t>
-            </a:r>
-            <a:r>
-              <a:rPr lang="en-US" dirty="0" err="1" smtClean="0"/>
-              <a:t>thời</a:t>
-            </a:r>
-            <a:r>
-              <a:rPr lang="en-US" dirty="0" smtClean="0"/>
-              <a:t> </a:t>
-            </a:r>
-            <a:r>
-              <a:rPr lang="en-US" dirty="0" err="1" smtClean="0"/>
-              <a:t>gian</a:t>
-            </a:r>
-            <a:r>
-              <a:rPr lang="en-US" dirty="0" smtClean="0"/>
-              <a:t> testing.</a:t>
-            </a:r>
-            <a:endParaRPr lang="vi-VN" dirty="0"/>
-          </a:p>
-        </p:txBody>
-      </p:sp>
-    </p:spTree>
-    <p:extLst>
-      <p:ext uri="{BB962C8B-B14F-4D97-AF65-F5344CB8AC3E}">
-        <p14:creationId xmlns:p14="http://schemas.microsoft.com/office/powerpoint/2010/main" val="1767821105"/>
       </p:ext>
     </p:extLst>
   </p:cSld>
@@ -3378,1598 +3127,7 @@
 </p:sld>
 </file>
 
-<file path=ppt/slides/slide11.xml><?xml version="1.0" encoding="utf-8"?>
-<p:sld xmlns:a="http://schemas.openxmlformats.org/drawingml/2006/main" xmlns:r="http://schemas.openxmlformats.org/officeDocument/2006/relationships" xmlns:p="http://schemas.openxmlformats.org/presentationml/2006/main">
-  <p:cSld>
-    <p:spTree>
-      <p:nvGrpSpPr>
-        <p:cNvPr id="1" name=""/>
-        <p:cNvGrpSpPr/>
-        <p:nvPr/>
-      </p:nvGrpSpPr>
-      <p:grpSpPr>
-        <a:xfrm>
-          <a:off x="0" y="0"/>
-          <a:ext cx="0" cy="0"/>
-          <a:chOff x="0" y="0"/>
-          <a:chExt cx="0" cy="0"/>
-        </a:xfrm>
-      </p:grpSpPr>
-      <p:sp>
-        <p:nvSpPr>
-          <p:cNvPr id="2" name="Title 1"/>
-          <p:cNvSpPr>
-            <a:spLocks noGrp="1"/>
-          </p:cNvSpPr>
-          <p:nvPr>
-            <p:ph type="title"/>
-          </p:nvPr>
-        </p:nvSpPr>
-        <p:spPr/>
-        <p:txBody>
-          <a:bodyPr/>
-          <a:lstStyle/>
-          <a:p>
-            <a:endParaRPr lang="vi-VN"/>
-          </a:p>
-        </p:txBody>
-      </p:sp>
-      <p:pic>
-        <p:nvPicPr>
-          <p:cNvPr id="4" name="Picture 3"/>
-          <p:cNvPicPr/>
-          <p:nvPr/>
-        </p:nvPicPr>
-        <p:blipFill>
-          <a:blip r:embed="rId2">
-            <a:extLst>
-              <a:ext uri="{28A0092B-C50C-407E-A947-70E740481C1C}">
-                <a14:useLocalDpi xmlns:a14="http://schemas.microsoft.com/office/drawing/2010/main" val="0"/>
-              </a:ext>
-            </a:extLst>
-          </a:blip>
-          <a:srcRect/>
-          <a:stretch>
-            <a:fillRect/>
-          </a:stretch>
-        </p:blipFill>
-        <p:spPr bwMode="auto">
-          <a:xfrm>
-            <a:off x="1262271" y="1690688"/>
-            <a:ext cx="9856304" cy="4882564"/>
-          </a:xfrm>
-          <a:prstGeom prst="rect">
-            <a:avLst/>
-          </a:prstGeom>
-          <a:noFill/>
-          <a:ln>
-            <a:noFill/>
-          </a:ln>
-        </p:spPr>
-      </p:pic>
-    </p:spTree>
-    <p:extLst>
-      <p:ext uri="{BB962C8B-B14F-4D97-AF65-F5344CB8AC3E}">
-        <p14:creationId xmlns:p14="http://schemas.microsoft.com/office/powerpoint/2010/main" val="517413923"/>
-      </p:ext>
-    </p:extLst>
-  </p:cSld>
-  <p:clrMapOvr>
-    <a:masterClrMapping/>
-  </p:clrMapOvr>
-  <p:timing>
-    <p:tnLst>
-      <p:par>
-        <p:cTn id="1" dur="indefinite" restart="never" nodeType="tmRoot"/>
-      </p:par>
-    </p:tnLst>
-  </p:timing>
-</p:sld>
-</file>
-
-<file path=ppt/slides/slide12.xml><?xml version="1.0" encoding="utf-8"?>
-<p:sld xmlns:a="http://schemas.openxmlformats.org/drawingml/2006/main" xmlns:r="http://schemas.openxmlformats.org/officeDocument/2006/relationships" xmlns:p="http://schemas.openxmlformats.org/presentationml/2006/main">
-  <p:cSld>
-    <p:spTree>
-      <p:nvGrpSpPr>
-        <p:cNvPr id="1" name=""/>
-        <p:cNvGrpSpPr/>
-        <p:nvPr/>
-      </p:nvGrpSpPr>
-      <p:grpSpPr>
-        <a:xfrm>
-          <a:off x="0" y="0"/>
-          <a:ext cx="0" cy="0"/>
-          <a:chOff x="0" y="0"/>
-          <a:chExt cx="0" cy="0"/>
-        </a:xfrm>
-      </p:grpSpPr>
-      <p:sp>
-        <p:nvSpPr>
-          <p:cNvPr id="2" name="Title 1"/>
-          <p:cNvSpPr>
-            <a:spLocks noGrp="1"/>
-          </p:cNvSpPr>
-          <p:nvPr>
-            <p:ph type="title"/>
-          </p:nvPr>
-        </p:nvSpPr>
-        <p:spPr/>
-        <p:txBody>
-          <a:bodyPr/>
-          <a:lstStyle/>
-          <a:p>
-            <a:r>
-              <a:rPr lang="en-US" dirty="0" err="1" smtClean="0"/>
-              <a:t>Một</a:t>
-            </a:r>
-            <a:r>
-              <a:rPr lang="en-US" dirty="0" smtClean="0"/>
-              <a:t> </a:t>
-            </a:r>
-            <a:r>
-              <a:rPr lang="en-US" dirty="0" err="1" smtClean="0"/>
-              <a:t>số</a:t>
-            </a:r>
-            <a:r>
-              <a:rPr lang="en-US" dirty="0" smtClean="0"/>
-              <a:t> </a:t>
-            </a:r>
-            <a:r>
-              <a:rPr lang="en-US" dirty="0" err="1" smtClean="0"/>
-              <a:t>kĩ</a:t>
-            </a:r>
-            <a:r>
-              <a:rPr lang="en-US" dirty="0" smtClean="0"/>
-              <a:t> </a:t>
-            </a:r>
-            <a:r>
-              <a:rPr lang="en-US" dirty="0" err="1" smtClean="0"/>
-              <a:t>thuật</a:t>
-            </a:r>
-            <a:r>
-              <a:rPr lang="en-US" dirty="0" smtClean="0"/>
-              <a:t> </a:t>
-            </a:r>
-            <a:r>
-              <a:rPr lang="en-US" dirty="0" err="1" smtClean="0"/>
-              <a:t>chính</a:t>
-            </a:r>
-            <a:endParaRPr lang="vi-VN" dirty="0"/>
-          </a:p>
-        </p:txBody>
-      </p:sp>
-      <p:sp>
-        <p:nvSpPr>
-          <p:cNvPr id="3" name="Content Placeholder 2"/>
-          <p:cNvSpPr>
-            <a:spLocks noGrp="1"/>
-          </p:cNvSpPr>
-          <p:nvPr>
-            <p:ph idx="1"/>
-          </p:nvPr>
-        </p:nvSpPr>
-        <p:spPr/>
-        <p:txBody>
-          <a:bodyPr/>
-          <a:lstStyle/>
-          <a:p>
-            <a:r>
-              <a:rPr lang="en-US" dirty="0" err="1"/>
-              <a:t>Kỹ</a:t>
-            </a:r>
-            <a:r>
-              <a:rPr lang="en-US" dirty="0"/>
-              <a:t> </a:t>
-            </a:r>
-            <a:r>
-              <a:rPr lang="en-US" dirty="0" err="1"/>
-              <a:t>thuật</a:t>
-            </a:r>
-            <a:r>
-              <a:rPr lang="en-US" dirty="0"/>
-              <a:t> </a:t>
-            </a:r>
-            <a:r>
-              <a:rPr lang="en-US" dirty="0" smtClean="0"/>
-              <a:t>Mock</a:t>
-            </a:r>
-          </a:p>
-          <a:p>
-            <a:r>
-              <a:rPr lang="en-US" dirty="0" err="1"/>
-              <a:t>Kỹ</a:t>
-            </a:r>
-            <a:r>
-              <a:rPr lang="en-US" dirty="0"/>
-              <a:t> </a:t>
-            </a:r>
-            <a:r>
-              <a:rPr lang="en-US" dirty="0" err="1"/>
-              <a:t>thuật</a:t>
-            </a:r>
-            <a:r>
-              <a:rPr lang="en-US" dirty="0"/>
-              <a:t> multi test</a:t>
-            </a:r>
-            <a:endParaRPr lang="vi-VN" dirty="0"/>
-          </a:p>
-        </p:txBody>
-      </p:sp>
-    </p:spTree>
-    <p:extLst>
-      <p:ext uri="{BB962C8B-B14F-4D97-AF65-F5344CB8AC3E}">
-        <p14:creationId xmlns:p14="http://schemas.microsoft.com/office/powerpoint/2010/main" val="2283405726"/>
-      </p:ext>
-    </p:extLst>
-  </p:cSld>
-  <p:clrMapOvr>
-    <a:masterClrMapping/>
-  </p:clrMapOvr>
-  <p:timing>
-    <p:tnLst>
-      <p:par>
-        <p:cTn id="1" dur="indefinite" restart="never" nodeType="tmRoot"/>
-      </p:par>
-    </p:tnLst>
-  </p:timing>
-</p:sld>
-</file>
-
-<file path=ppt/slides/slide13.xml><?xml version="1.0" encoding="utf-8"?>
-<p:sld xmlns:a="http://schemas.openxmlformats.org/drawingml/2006/main" xmlns:r="http://schemas.openxmlformats.org/officeDocument/2006/relationships" xmlns:p="http://schemas.openxmlformats.org/presentationml/2006/main">
-  <p:cSld>
-    <p:spTree>
-      <p:nvGrpSpPr>
-        <p:cNvPr id="1" name=""/>
-        <p:cNvGrpSpPr/>
-        <p:nvPr/>
-      </p:nvGrpSpPr>
-      <p:grpSpPr>
-        <a:xfrm>
-          <a:off x="0" y="0"/>
-          <a:ext cx="0" cy="0"/>
-          <a:chOff x="0" y="0"/>
-          <a:chExt cx="0" cy="0"/>
-        </a:xfrm>
-      </p:grpSpPr>
-      <p:sp>
-        <p:nvSpPr>
-          <p:cNvPr id="2" name="Title 1"/>
-          <p:cNvSpPr>
-            <a:spLocks noGrp="1"/>
-          </p:cNvSpPr>
-          <p:nvPr>
-            <p:ph type="title"/>
-          </p:nvPr>
-        </p:nvSpPr>
-        <p:spPr/>
-        <p:txBody>
-          <a:bodyPr/>
-          <a:lstStyle/>
-          <a:p>
-            <a:endParaRPr lang="vi-VN"/>
-          </a:p>
-        </p:txBody>
-      </p:sp>
-      <p:pic>
-        <p:nvPicPr>
-          <p:cNvPr id="4" name="Picture 3"/>
-          <p:cNvPicPr/>
-          <p:nvPr/>
-        </p:nvPicPr>
-        <p:blipFill>
-          <a:blip r:embed="rId2">
-            <a:extLst>
-              <a:ext uri="{28A0092B-C50C-407E-A947-70E740481C1C}">
-                <a14:useLocalDpi xmlns:a14="http://schemas.microsoft.com/office/drawing/2010/main" val="0"/>
-              </a:ext>
-            </a:extLst>
-          </a:blip>
-          <a:srcRect/>
-          <a:stretch>
-            <a:fillRect/>
-          </a:stretch>
-        </p:blipFill>
-        <p:spPr bwMode="auto">
-          <a:xfrm>
-            <a:off x="1961321" y="1690688"/>
-            <a:ext cx="8375375" cy="4829382"/>
-          </a:xfrm>
-          <a:prstGeom prst="rect">
-            <a:avLst/>
-          </a:prstGeom>
-          <a:noFill/>
-          <a:ln w="9525" cmpd="sng">
-            <a:solidFill>
-              <a:srgbClr val="000000"/>
-            </a:solidFill>
-            <a:miter lim="800000"/>
-            <a:headEnd/>
-            <a:tailEnd/>
-          </a:ln>
-          <a:effectLst/>
-        </p:spPr>
-      </p:pic>
-    </p:spTree>
-    <p:extLst>
-      <p:ext uri="{BB962C8B-B14F-4D97-AF65-F5344CB8AC3E}">
-        <p14:creationId xmlns:p14="http://schemas.microsoft.com/office/powerpoint/2010/main" val="3820108349"/>
-      </p:ext>
-    </p:extLst>
-  </p:cSld>
-  <p:clrMapOvr>
-    <a:masterClrMapping/>
-  </p:clrMapOvr>
-  <p:timing>
-    <p:tnLst>
-      <p:par>
-        <p:cTn id="1" dur="indefinite" restart="never" nodeType="tmRoot"/>
-      </p:par>
-    </p:tnLst>
-  </p:timing>
-</p:sld>
-</file>
-
-<file path=ppt/slides/slide14.xml><?xml version="1.0" encoding="utf-8"?>
-<p:sld xmlns:a="http://schemas.openxmlformats.org/drawingml/2006/main" xmlns:r="http://schemas.openxmlformats.org/officeDocument/2006/relationships" xmlns:p="http://schemas.openxmlformats.org/presentationml/2006/main">
-  <p:cSld>
-    <p:spTree>
-      <p:nvGrpSpPr>
-        <p:cNvPr id="1" name=""/>
-        <p:cNvGrpSpPr/>
-        <p:nvPr/>
-      </p:nvGrpSpPr>
-      <p:grpSpPr>
-        <a:xfrm>
-          <a:off x="0" y="0"/>
-          <a:ext cx="0" cy="0"/>
-          <a:chOff x="0" y="0"/>
-          <a:chExt cx="0" cy="0"/>
-        </a:xfrm>
-      </p:grpSpPr>
-      <p:sp>
-        <p:nvSpPr>
-          <p:cNvPr id="2" name="Title 1"/>
-          <p:cNvSpPr>
-            <a:spLocks noGrp="1"/>
-          </p:cNvSpPr>
-          <p:nvPr>
-            <p:ph type="title"/>
-          </p:nvPr>
-        </p:nvSpPr>
-        <p:spPr/>
-        <p:txBody>
-          <a:bodyPr/>
-          <a:lstStyle/>
-          <a:p>
-            <a:r>
-              <a:rPr lang="en-US" smtClean="0"/>
-              <a:t>Kết quả</a:t>
-            </a:r>
-            <a:endParaRPr lang="en-US"/>
-          </a:p>
-        </p:txBody>
-      </p:sp>
-      <p:sp>
-        <p:nvSpPr>
-          <p:cNvPr id="3" name="Content Placeholder 2"/>
-          <p:cNvSpPr>
-            <a:spLocks noGrp="1"/>
-          </p:cNvSpPr>
-          <p:nvPr>
-            <p:ph idx="1"/>
-          </p:nvPr>
-        </p:nvSpPr>
-        <p:spPr/>
-        <p:txBody>
-          <a:bodyPr>
-            <a:normAutofit/>
-          </a:bodyPr>
-          <a:lstStyle/>
-          <a:p>
-            <a:r>
-              <a:rPr lang="en-US" smtClean="0"/>
-              <a:t>Đạt được:</a:t>
-            </a:r>
-          </a:p>
-          <a:p>
-            <a:pPr lvl="1"/>
-            <a:r>
-              <a:rPr lang="en-US"/>
-              <a:t>Xây dựng trang dashboard đáp ứng các yêu cầu của requirements.</a:t>
-            </a:r>
-          </a:p>
-          <a:p>
-            <a:pPr lvl="1"/>
-            <a:r>
-              <a:rPr lang="en-US"/>
-              <a:t> Xử lý tối ưu được các yêu cầu của người dùng.</a:t>
-            </a:r>
-          </a:p>
-          <a:p>
-            <a:pPr lvl="1"/>
-            <a:r>
-              <a:rPr lang="en-US"/>
-              <a:t>Nâng cao trải nghiệm người dùng.</a:t>
-            </a:r>
-          </a:p>
-          <a:p>
-            <a:pPr lvl="1"/>
-            <a:r>
-              <a:rPr lang="en-US"/>
-              <a:t>Thành công trong việc phân tích và xử lý dữ liệu trả về từ OBS.</a:t>
-            </a:r>
-          </a:p>
-          <a:p>
-            <a:pPr lvl="1"/>
-            <a:r>
-              <a:rPr lang="en-US"/>
-              <a:t>Áp dụng các chuẩn Unit test chuyên nghiệp vào dự án.</a:t>
-            </a:r>
-          </a:p>
-          <a:p>
-            <a:pPr lvl="1"/>
-            <a:r>
-              <a:rPr lang="en-US"/>
-              <a:t>Được tham gia vào dự án thực tế ở doanh nghiệp.</a:t>
-            </a:r>
-          </a:p>
-          <a:p>
-            <a:pPr lvl="1"/>
-            <a:r>
-              <a:rPr lang="en-US"/>
-              <a:t>Học hỏi thêm các kĩ năng và công nghệ </a:t>
-            </a:r>
-            <a:r>
-              <a:rPr lang="en-US" smtClean="0"/>
-              <a:t>mới</a:t>
-            </a:r>
-            <a:r>
-              <a:rPr lang="en-US"/>
-              <a:t>.</a:t>
-            </a:r>
-            <a:endParaRPr lang="en-US" smtClean="0"/>
-          </a:p>
-        </p:txBody>
-      </p:sp>
-    </p:spTree>
-    <p:extLst>
-      <p:ext uri="{BB962C8B-B14F-4D97-AF65-F5344CB8AC3E}">
-        <p14:creationId xmlns:p14="http://schemas.microsoft.com/office/powerpoint/2010/main" val="775853568"/>
-      </p:ext>
-    </p:extLst>
-  </p:cSld>
-  <p:clrMapOvr>
-    <a:masterClrMapping/>
-  </p:clrMapOvr>
-  <p:timing>
-    <p:tnLst>
-      <p:par>
-        <p:cTn id="1" dur="indefinite" restart="never" nodeType="tmRoot"/>
-      </p:par>
-    </p:tnLst>
-  </p:timing>
-</p:sld>
-</file>
-
-<file path=ppt/slides/slide15.xml><?xml version="1.0" encoding="utf-8"?>
-<p:sld xmlns:a="http://schemas.openxmlformats.org/drawingml/2006/main" xmlns:r="http://schemas.openxmlformats.org/officeDocument/2006/relationships" xmlns:p="http://schemas.openxmlformats.org/presentationml/2006/main">
-  <p:cSld>
-    <p:spTree>
-      <p:nvGrpSpPr>
-        <p:cNvPr id="1" name=""/>
-        <p:cNvGrpSpPr/>
-        <p:nvPr/>
-      </p:nvGrpSpPr>
-      <p:grpSpPr>
-        <a:xfrm>
-          <a:off x="0" y="0"/>
-          <a:ext cx="0" cy="0"/>
-          <a:chOff x="0" y="0"/>
-          <a:chExt cx="0" cy="0"/>
-        </a:xfrm>
-      </p:grpSpPr>
-      <p:sp>
-        <p:nvSpPr>
-          <p:cNvPr id="2" name="Title 1"/>
-          <p:cNvSpPr>
-            <a:spLocks noGrp="1"/>
-          </p:cNvSpPr>
-          <p:nvPr>
-            <p:ph type="title"/>
-          </p:nvPr>
-        </p:nvSpPr>
-        <p:spPr/>
-        <p:txBody>
-          <a:bodyPr/>
-          <a:lstStyle/>
-          <a:p>
-            <a:r>
-              <a:rPr lang="en-US" smtClean="0"/>
-              <a:t>Kết quả</a:t>
-            </a:r>
-            <a:endParaRPr lang="en-US"/>
-          </a:p>
-        </p:txBody>
-      </p:sp>
-      <p:sp>
-        <p:nvSpPr>
-          <p:cNvPr id="3" name="Content Placeholder 2"/>
-          <p:cNvSpPr>
-            <a:spLocks noGrp="1"/>
-          </p:cNvSpPr>
-          <p:nvPr>
-            <p:ph idx="1"/>
-          </p:nvPr>
-        </p:nvSpPr>
-        <p:spPr>
-          <a:xfrm>
-            <a:off x="838200" y="1817533"/>
-            <a:ext cx="10515600" cy="4351338"/>
-          </a:xfrm>
-        </p:spPr>
-        <p:txBody>
-          <a:bodyPr>
-            <a:normAutofit/>
-          </a:bodyPr>
-          <a:lstStyle/>
-          <a:p>
-            <a:r>
-              <a:rPr lang="en-US"/>
-              <a:t>Hạn chế:</a:t>
-            </a:r>
-          </a:p>
-          <a:p>
-            <a:pPr lvl="1"/>
-            <a:r>
-              <a:rPr lang="en-US"/>
-              <a:t>Trang web chưa tự động thay đổi kích thước phù hợp với nhiều loại màn hình. Đặc biệt là màn hình trên các loại điện thoại di động.</a:t>
-            </a:r>
-          </a:p>
-          <a:p>
-            <a:pPr lvl="1"/>
-            <a:r>
-              <a:rPr lang="en-US"/>
-              <a:t>Chưa hiện thực phân trang cho cột manager, admin, backupset.</a:t>
-            </a:r>
-            <a:endParaRPr lang="en-US" smtClean="0"/>
-          </a:p>
-        </p:txBody>
-      </p:sp>
-    </p:spTree>
-    <p:extLst>
-      <p:ext uri="{BB962C8B-B14F-4D97-AF65-F5344CB8AC3E}">
-        <p14:creationId xmlns:p14="http://schemas.microsoft.com/office/powerpoint/2010/main" val="1134757239"/>
-      </p:ext>
-    </p:extLst>
-  </p:cSld>
-  <p:clrMapOvr>
-    <a:masterClrMapping/>
-  </p:clrMapOvr>
-  <p:timing>
-    <p:tnLst>
-      <p:par>
-        <p:cTn id="1" dur="indefinite" restart="never" nodeType="tmRoot"/>
-      </p:par>
-    </p:tnLst>
-  </p:timing>
-</p:sld>
-</file>
-
-<file path=ppt/slides/slide2.xml><?xml version="1.0" encoding="utf-8"?>
-<p:sld xmlns:a="http://schemas.openxmlformats.org/drawingml/2006/main" xmlns:r="http://schemas.openxmlformats.org/officeDocument/2006/relationships" xmlns:p="http://schemas.openxmlformats.org/presentationml/2006/main">
-  <p:cSld>
-    <p:spTree>
-      <p:nvGrpSpPr>
-        <p:cNvPr id="1" name=""/>
-        <p:cNvGrpSpPr/>
-        <p:nvPr/>
-      </p:nvGrpSpPr>
-      <p:grpSpPr>
-        <a:xfrm>
-          <a:off x="0" y="0"/>
-          <a:ext cx="0" cy="0"/>
-          <a:chOff x="0" y="0"/>
-          <a:chExt cx="0" cy="0"/>
-        </a:xfrm>
-      </p:grpSpPr>
-      <p:sp>
-        <p:nvSpPr>
-          <p:cNvPr id="2" name="Title 1"/>
-          <p:cNvSpPr>
-            <a:spLocks noGrp="1"/>
-          </p:cNvSpPr>
-          <p:nvPr>
-            <p:ph type="title"/>
-          </p:nvPr>
-        </p:nvSpPr>
-        <p:spPr/>
-        <p:txBody>
-          <a:bodyPr/>
-          <a:lstStyle/>
-          <a:p>
-            <a:r>
-              <a:rPr lang="en-US" smtClean="0"/>
-              <a:t>Nội dung</a:t>
-            </a:r>
-            <a:endParaRPr lang="en-US"/>
-          </a:p>
-        </p:txBody>
-      </p:sp>
-      <p:sp>
-        <p:nvSpPr>
-          <p:cNvPr id="3" name="Content Placeholder 2"/>
-          <p:cNvSpPr>
-            <a:spLocks noGrp="1"/>
-          </p:cNvSpPr>
-          <p:nvPr>
-            <p:ph idx="1"/>
-          </p:nvPr>
-        </p:nvSpPr>
-        <p:spPr/>
-        <p:txBody>
-          <a:bodyPr/>
-          <a:lstStyle/>
-          <a:p>
-            <a:r>
-              <a:rPr lang="en-US" smtClean="0"/>
-              <a:t>Giới thiệu về công ty thực tập</a:t>
-            </a:r>
-          </a:p>
-          <a:p>
-            <a:r>
-              <a:rPr lang="en-US" smtClean="0"/>
-              <a:t>Nội dung công việc thực tập</a:t>
-            </a:r>
-          </a:p>
-          <a:p>
-            <a:r>
-              <a:rPr lang="en-US" smtClean="0"/>
-              <a:t>Kết quả đạt được.</a:t>
-            </a:r>
-            <a:endParaRPr lang="en-US"/>
-          </a:p>
-        </p:txBody>
-      </p:sp>
-    </p:spTree>
-    <p:extLst>
-      <p:ext uri="{BB962C8B-B14F-4D97-AF65-F5344CB8AC3E}">
-        <p14:creationId xmlns:p14="http://schemas.microsoft.com/office/powerpoint/2010/main" val="3328964774"/>
-      </p:ext>
-    </p:extLst>
-  </p:cSld>
-  <p:clrMapOvr>
-    <a:masterClrMapping/>
-  </p:clrMapOvr>
-</p:sld>
-</file>
-
-<file path=ppt/slides/slide3.xml><?xml version="1.0" encoding="utf-8"?>
-<p:sld xmlns:a="http://schemas.openxmlformats.org/drawingml/2006/main" xmlns:r="http://schemas.openxmlformats.org/officeDocument/2006/relationships" xmlns:p="http://schemas.openxmlformats.org/presentationml/2006/main">
-  <p:cSld>
-    <p:spTree>
-      <p:nvGrpSpPr>
-        <p:cNvPr id="1" name=""/>
-        <p:cNvGrpSpPr/>
-        <p:nvPr/>
-      </p:nvGrpSpPr>
-      <p:grpSpPr>
-        <a:xfrm>
-          <a:off x="0" y="0"/>
-          <a:ext cx="0" cy="0"/>
-          <a:chOff x="0" y="0"/>
-          <a:chExt cx="0" cy="0"/>
-        </a:xfrm>
-      </p:grpSpPr>
-      <p:sp>
-        <p:nvSpPr>
-          <p:cNvPr id="2" name="Title 1"/>
-          <p:cNvSpPr>
-            <a:spLocks noGrp="1"/>
-          </p:cNvSpPr>
-          <p:nvPr>
-            <p:ph type="title"/>
-          </p:nvPr>
-        </p:nvSpPr>
-        <p:spPr/>
-        <p:txBody>
-          <a:bodyPr/>
-          <a:lstStyle/>
-          <a:p>
-            <a:r>
-              <a:rPr lang="en-US" smtClean="0"/>
-              <a:t>Giới thiệu về công ty thực tập</a:t>
-            </a:r>
-            <a:endParaRPr lang="en-US"/>
-          </a:p>
-        </p:txBody>
-      </p:sp>
-      <p:sp>
-        <p:nvSpPr>
-          <p:cNvPr id="3" name="Content Placeholder 2"/>
-          <p:cNvSpPr>
-            <a:spLocks noGrp="1"/>
-          </p:cNvSpPr>
-          <p:nvPr>
-            <p:ph idx="1"/>
-          </p:nvPr>
-        </p:nvSpPr>
-        <p:spPr/>
-        <p:txBody>
-          <a:bodyPr/>
-          <a:lstStyle/>
-          <a:p>
-            <a:endParaRPr lang="en-US"/>
-          </a:p>
-        </p:txBody>
-      </p:sp>
-    </p:spTree>
-    <p:extLst>
-      <p:ext uri="{BB962C8B-B14F-4D97-AF65-F5344CB8AC3E}">
-        <p14:creationId xmlns:p14="http://schemas.microsoft.com/office/powerpoint/2010/main" val="3652134519"/>
-      </p:ext>
-    </p:extLst>
-  </p:cSld>
-  <p:clrMapOvr>
-    <a:masterClrMapping/>
-  </p:clrMapOvr>
-</p:sld>
-</file>
-
-<file path=ppt/slides/slide4.xml><?xml version="1.0" encoding="utf-8"?>
-<p:sld xmlns:a="http://schemas.openxmlformats.org/drawingml/2006/main" xmlns:r="http://schemas.openxmlformats.org/officeDocument/2006/relationships" xmlns:p="http://schemas.openxmlformats.org/presentationml/2006/main">
-  <p:cSld>
-    <p:spTree>
-      <p:nvGrpSpPr>
-        <p:cNvPr id="1" name=""/>
-        <p:cNvGrpSpPr/>
-        <p:nvPr/>
-      </p:nvGrpSpPr>
-      <p:grpSpPr>
-        <a:xfrm>
-          <a:off x="0" y="0"/>
-          <a:ext cx="0" cy="0"/>
-          <a:chOff x="0" y="0"/>
-          <a:chExt cx="0" cy="0"/>
-        </a:xfrm>
-      </p:grpSpPr>
-      <p:sp>
-        <p:nvSpPr>
-          <p:cNvPr id="2" name="Title 1"/>
-          <p:cNvSpPr>
-            <a:spLocks noGrp="1"/>
-          </p:cNvSpPr>
-          <p:nvPr>
-            <p:ph type="title"/>
-          </p:nvPr>
-        </p:nvSpPr>
-        <p:spPr/>
-        <p:txBody>
-          <a:bodyPr/>
-          <a:lstStyle/>
-          <a:p>
-            <a:r>
-              <a:rPr lang="en-US" smtClean="0"/>
-              <a:t>Nội dung công việc thực tập</a:t>
-            </a:r>
-            <a:endParaRPr lang="en-US"/>
-          </a:p>
-        </p:txBody>
-      </p:sp>
-      <p:sp>
-        <p:nvSpPr>
-          <p:cNvPr id="3" name="Content Placeholder 2"/>
-          <p:cNvSpPr>
-            <a:spLocks noGrp="1"/>
-          </p:cNvSpPr>
-          <p:nvPr>
-            <p:ph idx="1"/>
-          </p:nvPr>
-        </p:nvSpPr>
-        <p:spPr/>
-        <p:txBody>
-          <a:bodyPr/>
-          <a:lstStyle/>
-          <a:p>
-            <a:r>
-              <a:rPr lang="en-US" smtClean="0"/>
-              <a:t>Tham gia xây dựng web portal cho dịch vu cloudbackup.</a:t>
-            </a:r>
-          </a:p>
-          <a:p>
-            <a:r>
-              <a:rPr lang="en-US" smtClean="0"/>
-              <a:t>Công việc gồm 2 thành phần chính:</a:t>
-            </a:r>
-          </a:p>
-          <a:p>
-            <a:pPr lvl="1"/>
-            <a:r>
-              <a:rPr lang="en-US" smtClean="0"/>
-              <a:t>Dashboard</a:t>
-            </a:r>
-          </a:p>
-          <a:p>
-            <a:pPr lvl="1"/>
-            <a:r>
-              <a:rPr lang="en-US" smtClean="0"/>
-              <a:t>Phân tích dữ liệu</a:t>
-            </a:r>
-            <a:endParaRPr lang="en-US"/>
-          </a:p>
-        </p:txBody>
-      </p:sp>
-    </p:spTree>
-    <p:extLst>
-      <p:ext uri="{BB962C8B-B14F-4D97-AF65-F5344CB8AC3E}">
-        <p14:creationId xmlns:p14="http://schemas.microsoft.com/office/powerpoint/2010/main" val="2078462675"/>
-      </p:ext>
-    </p:extLst>
-  </p:cSld>
-  <p:clrMapOvr>
-    <a:masterClrMapping/>
-  </p:clrMapOvr>
-</p:sld>
-</file>
-
-<file path=ppt/slides/slide5.xml><?xml version="1.0" encoding="utf-8"?>
-<p:sld xmlns:a="http://schemas.openxmlformats.org/drawingml/2006/main" xmlns:r="http://schemas.openxmlformats.org/officeDocument/2006/relationships" xmlns:p="http://schemas.openxmlformats.org/presentationml/2006/main">
-  <p:cSld>
-    <p:spTree>
-      <p:nvGrpSpPr>
-        <p:cNvPr id="1" name=""/>
-        <p:cNvGrpSpPr/>
-        <p:nvPr/>
-      </p:nvGrpSpPr>
-      <p:grpSpPr>
-        <a:xfrm>
-          <a:off x="0" y="0"/>
-          <a:ext cx="0" cy="0"/>
-          <a:chOff x="0" y="0"/>
-          <a:chExt cx="0" cy="0"/>
-        </a:xfrm>
-      </p:grpSpPr>
-      <p:sp>
-        <p:nvSpPr>
-          <p:cNvPr id="2" name="Title 1"/>
-          <p:cNvSpPr>
-            <a:spLocks noGrp="1"/>
-          </p:cNvSpPr>
-          <p:nvPr>
-            <p:ph type="title"/>
-          </p:nvPr>
-        </p:nvSpPr>
-        <p:spPr/>
-        <p:txBody>
-          <a:bodyPr/>
-          <a:lstStyle/>
-          <a:p>
-            <a:r>
-              <a:rPr lang="en-US" smtClean="0"/>
-              <a:t>Dashboard</a:t>
-            </a:r>
-            <a:endParaRPr lang="en-US"/>
-          </a:p>
-        </p:txBody>
-      </p:sp>
-      <p:sp>
-        <p:nvSpPr>
-          <p:cNvPr id="3" name="Content Placeholder 2"/>
-          <p:cNvSpPr>
-            <a:spLocks noGrp="1"/>
-          </p:cNvSpPr>
-          <p:nvPr>
-            <p:ph idx="1"/>
-          </p:nvPr>
-        </p:nvSpPr>
-        <p:spPr/>
-        <p:txBody>
-          <a:bodyPr/>
-          <a:lstStyle/>
-          <a:p>
-            <a:endParaRPr lang="en-US"/>
-          </a:p>
-        </p:txBody>
-      </p:sp>
-    </p:spTree>
-    <p:extLst>
-      <p:ext uri="{BB962C8B-B14F-4D97-AF65-F5344CB8AC3E}">
-        <p14:creationId xmlns:p14="http://schemas.microsoft.com/office/powerpoint/2010/main" val="1510505101"/>
-      </p:ext>
-    </p:extLst>
-  </p:cSld>
-  <p:clrMapOvr>
-    <a:masterClrMapping/>
-  </p:clrMapOvr>
-</p:sld>
-</file>
-
-<file path=ppt/slides/slide6.xml><?xml version="1.0" encoding="utf-8"?>
-<p:sld xmlns:a="http://schemas.openxmlformats.org/drawingml/2006/main" xmlns:r="http://schemas.openxmlformats.org/officeDocument/2006/relationships" xmlns:p="http://schemas.openxmlformats.org/presentationml/2006/main">
-  <p:cSld>
-    <p:spTree>
-      <p:nvGrpSpPr>
-        <p:cNvPr id="1" name=""/>
-        <p:cNvGrpSpPr/>
-        <p:nvPr/>
-      </p:nvGrpSpPr>
-      <p:grpSpPr>
-        <a:xfrm>
-          <a:off x="0" y="0"/>
-          <a:ext cx="0" cy="0"/>
-          <a:chOff x="0" y="0"/>
-          <a:chExt cx="0" cy="0"/>
-        </a:xfrm>
-      </p:grpSpPr>
-      <p:sp>
-        <p:nvSpPr>
-          <p:cNvPr id="2" name="Title 1"/>
-          <p:cNvSpPr>
-            <a:spLocks noGrp="1"/>
-          </p:cNvSpPr>
-          <p:nvPr>
-            <p:ph type="title"/>
-          </p:nvPr>
-        </p:nvSpPr>
-        <p:spPr/>
-        <p:txBody>
-          <a:bodyPr/>
-          <a:lstStyle/>
-          <a:p>
-            <a:r>
-              <a:rPr lang="en-US" smtClean="0"/>
-              <a:t>Dashboard</a:t>
-            </a:r>
-            <a:endParaRPr lang="en-US"/>
-          </a:p>
-        </p:txBody>
-      </p:sp>
-      <p:sp>
-        <p:nvSpPr>
-          <p:cNvPr id="3" name="Content Placeholder 2"/>
-          <p:cNvSpPr>
-            <a:spLocks noGrp="1"/>
-          </p:cNvSpPr>
-          <p:nvPr>
-            <p:ph idx="1"/>
-          </p:nvPr>
-        </p:nvSpPr>
-        <p:spPr/>
-        <p:txBody>
-          <a:bodyPr/>
-          <a:lstStyle/>
-          <a:p>
-            <a:r>
-              <a:rPr lang="en-US" smtClean="0"/>
-              <a:t>Trải nghiệm người dùng</a:t>
-            </a:r>
-          </a:p>
-          <a:p>
-            <a:pPr marL="0" indent="0">
-              <a:buNone/>
-            </a:pPr>
-            <a:endParaRPr lang="en-US"/>
-          </a:p>
-        </p:txBody>
-      </p:sp>
-    </p:spTree>
-    <p:extLst>
-      <p:ext uri="{BB962C8B-B14F-4D97-AF65-F5344CB8AC3E}">
-        <p14:creationId xmlns:p14="http://schemas.microsoft.com/office/powerpoint/2010/main" val="238977092"/>
-      </p:ext>
-    </p:extLst>
-  </p:cSld>
-  <p:clrMapOvr>
-    <a:masterClrMapping/>
-  </p:clrMapOvr>
-</p:sld>
-</file>
-
-<file path=ppt/slides/slide7.xml><?xml version="1.0" encoding="utf-8"?>
-<p:sld xmlns:a="http://schemas.openxmlformats.org/drawingml/2006/main" xmlns:r="http://schemas.openxmlformats.org/officeDocument/2006/relationships" xmlns:p="http://schemas.openxmlformats.org/presentationml/2006/main">
-  <p:cSld>
-    <p:spTree>
-      <p:nvGrpSpPr>
-        <p:cNvPr id="1" name=""/>
-        <p:cNvGrpSpPr/>
-        <p:nvPr/>
-      </p:nvGrpSpPr>
-      <p:grpSpPr>
-        <a:xfrm>
-          <a:off x="0" y="0"/>
-          <a:ext cx="0" cy="0"/>
-          <a:chOff x="0" y="0"/>
-          <a:chExt cx="0" cy="0"/>
-        </a:xfrm>
-      </p:grpSpPr>
-      <p:sp>
-        <p:nvSpPr>
-          <p:cNvPr id="2" name="Title 1"/>
-          <p:cNvSpPr>
-            <a:spLocks noGrp="1"/>
-          </p:cNvSpPr>
-          <p:nvPr>
-            <p:ph type="title"/>
-          </p:nvPr>
-        </p:nvSpPr>
-        <p:spPr/>
-        <p:txBody>
-          <a:bodyPr/>
-          <a:lstStyle/>
-          <a:p>
-            <a:r>
-              <a:rPr lang="en-US" dirty="0" err="1" smtClean="0"/>
-              <a:t>Các</a:t>
-            </a:r>
-            <a:r>
-              <a:rPr lang="en-US" dirty="0" smtClean="0"/>
-              <a:t> </a:t>
-            </a:r>
-            <a:r>
-              <a:rPr lang="en-US" dirty="0" err="1" smtClean="0"/>
-              <a:t>vấn</a:t>
-            </a:r>
-            <a:r>
-              <a:rPr lang="en-US" dirty="0" smtClean="0"/>
-              <a:t> </a:t>
-            </a:r>
-            <a:r>
-              <a:rPr lang="en-US" dirty="0" err="1" smtClean="0"/>
-              <a:t>đề</a:t>
-            </a:r>
-            <a:r>
-              <a:rPr lang="en-US" dirty="0" smtClean="0"/>
-              <a:t> </a:t>
-            </a:r>
-            <a:r>
-              <a:rPr lang="en-US" dirty="0" err="1" smtClean="0"/>
-              <a:t>về</a:t>
-            </a:r>
-            <a:r>
-              <a:rPr lang="en-US" dirty="0" smtClean="0"/>
-              <a:t> </a:t>
-            </a:r>
-            <a:r>
-              <a:rPr lang="en-US" dirty="0" err="1" smtClean="0"/>
-              <a:t>dữ</a:t>
-            </a:r>
-            <a:r>
-              <a:rPr lang="en-US" dirty="0" smtClean="0"/>
-              <a:t> </a:t>
-            </a:r>
-            <a:r>
-              <a:rPr lang="en-US" dirty="0" err="1" smtClean="0"/>
-              <a:t>liệu</a:t>
-            </a:r>
-            <a:endParaRPr lang="en-US" dirty="0"/>
-          </a:p>
-        </p:txBody>
-      </p:sp>
-      <p:sp>
-        <p:nvSpPr>
-          <p:cNvPr id="3" name="Content Placeholder 2"/>
-          <p:cNvSpPr>
-            <a:spLocks noGrp="1"/>
-          </p:cNvSpPr>
-          <p:nvPr>
-            <p:ph idx="1"/>
-          </p:nvPr>
-        </p:nvSpPr>
-        <p:spPr/>
-        <p:txBody>
-          <a:bodyPr/>
-          <a:lstStyle/>
-          <a:p>
-            <a:r>
-              <a:rPr lang="en-US" dirty="0" err="1" smtClean="0"/>
-              <a:t>Dữ</a:t>
-            </a:r>
-            <a:r>
-              <a:rPr lang="en-US" dirty="0" smtClean="0"/>
-              <a:t> </a:t>
-            </a:r>
-            <a:r>
-              <a:rPr lang="en-US" dirty="0" err="1" smtClean="0"/>
-              <a:t>liệu</a:t>
-            </a:r>
-            <a:r>
-              <a:rPr lang="en-US" dirty="0" smtClean="0"/>
-              <a:t> </a:t>
-            </a:r>
-            <a:r>
-              <a:rPr lang="en-US" dirty="0" err="1" smtClean="0"/>
-              <a:t>Obs</a:t>
-            </a:r>
-            <a:r>
-              <a:rPr lang="en-US" dirty="0" smtClean="0"/>
-              <a:t> Server </a:t>
-            </a:r>
-            <a:r>
-              <a:rPr lang="en-US" dirty="0" err="1" smtClean="0"/>
-              <a:t>dưới</a:t>
-            </a:r>
-            <a:r>
-              <a:rPr lang="en-US" dirty="0" smtClean="0"/>
-              <a:t> </a:t>
-            </a:r>
-            <a:r>
-              <a:rPr lang="en-US" dirty="0" err="1" smtClean="0"/>
-              <a:t>dạng</a:t>
-            </a:r>
-            <a:r>
-              <a:rPr lang="en-US" dirty="0" smtClean="0"/>
-              <a:t> XML.</a:t>
-            </a:r>
-          </a:p>
-          <a:p>
-            <a:r>
-              <a:rPr lang="en-US" dirty="0" err="1" smtClean="0"/>
-              <a:t>Khối</a:t>
-            </a:r>
-            <a:r>
-              <a:rPr lang="en-US" dirty="0" smtClean="0"/>
-              <a:t> </a:t>
-            </a:r>
-            <a:r>
-              <a:rPr lang="en-US" dirty="0" err="1" smtClean="0"/>
-              <a:t>lượng</a:t>
-            </a:r>
-            <a:r>
-              <a:rPr lang="en-US" dirty="0" smtClean="0"/>
-              <a:t> </a:t>
-            </a:r>
-            <a:r>
-              <a:rPr lang="en-US" dirty="0" err="1" smtClean="0"/>
-              <a:t>dữ</a:t>
-            </a:r>
-            <a:r>
-              <a:rPr lang="en-US" dirty="0" smtClean="0"/>
-              <a:t> </a:t>
-            </a:r>
-            <a:r>
-              <a:rPr lang="en-US" dirty="0" err="1" smtClean="0"/>
-              <a:t>liệu</a:t>
-            </a:r>
-            <a:r>
-              <a:rPr lang="en-US" dirty="0" smtClean="0"/>
-              <a:t> </a:t>
-            </a:r>
-            <a:r>
-              <a:rPr lang="en-US" dirty="0" err="1" smtClean="0"/>
-              <a:t>lớn</a:t>
-            </a:r>
-            <a:r>
-              <a:rPr lang="en-US" dirty="0" smtClean="0"/>
-              <a:t>.</a:t>
-            </a:r>
-          </a:p>
-          <a:p>
-            <a:r>
-              <a:rPr lang="en-US" dirty="0" err="1" smtClean="0"/>
-              <a:t>Không</a:t>
-            </a:r>
-            <a:r>
-              <a:rPr lang="en-US" dirty="0" smtClean="0"/>
-              <a:t> </a:t>
-            </a:r>
-            <a:r>
-              <a:rPr lang="en-US" dirty="0" err="1" smtClean="0"/>
-              <a:t>có</a:t>
-            </a:r>
-            <a:r>
-              <a:rPr lang="en-US" dirty="0" smtClean="0"/>
-              <a:t> </a:t>
-            </a:r>
-            <a:r>
-              <a:rPr lang="en-US" dirty="0" err="1" smtClean="0"/>
-              <a:t>đặc</a:t>
-            </a:r>
-            <a:r>
-              <a:rPr lang="en-US" dirty="0" smtClean="0"/>
-              <a:t> </a:t>
-            </a:r>
-            <a:r>
-              <a:rPr lang="en-US" dirty="0" err="1" smtClean="0"/>
-              <a:t>tả</a:t>
-            </a:r>
-            <a:r>
-              <a:rPr lang="en-US" dirty="0" smtClean="0"/>
-              <a:t> </a:t>
-            </a:r>
-            <a:r>
-              <a:rPr lang="en-US" dirty="0" err="1" smtClean="0"/>
-              <a:t>cấu</a:t>
-            </a:r>
-            <a:r>
-              <a:rPr lang="en-US" dirty="0" smtClean="0"/>
-              <a:t> </a:t>
-            </a:r>
-            <a:r>
-              <a:rPr lang="en-US" dirty="0" err="1" smtClean="0"/>
-              <a:t>trúc</a:t>
-            </a:r>
-            <a:r>
-              <a:rPr lang="en-US" dirty="0" smtClean="0"/>
-              <a:t> </a:t>
-            </a:r>
-            <a:r>
-              <a:rPr lang="en-US" dirty="0" err="1" smtClean="0"/>
-              <a:t>dữ</a:t>
-            </a:r>
-            <a:r>
-              <a:rPr lang="en-US" dirty="0" smtClean="0"/>
-              <a:t> </a:t>
-            </a:r>
-            <a:r>
-              <a:rPr lang="en-US" dirty="0" err="1" smtClean="0"/>
-              <a:t>liệu</a:t>
-            </a:r>
-            <a:r>
-              <a:rPr lang="en-US" dirty="0" smtClean="0"/>
-              <a:t>.</a:t>
-            </a:r>
-          </a:p>
-          <a:p>
-            <a:r>
-              <a:rPr lang="en-US" dirty="0" err="1"/>
-              <a:t>D</a:t>
-            </a:r>
-            <a:r>
-              <a:rPr lang="en-US" dirty="0" err="1" smtClean="0"/>
-              <a:t>ữ</a:t>
-            </a:r>
-            <a:r>
-              <a:rPr lang="en-US" dirty="0" smtClean="0"/>
-              <a:t> </a:t>
-            </a:r>
-            <a:r>
-              <a:rPr lang="en-US" dirty="0" err="1" smtClean="0"/>
-              <a:t>liệu</a:t>
-            </a:r>
-            <a:r>
-              <a:rPr lang="en-US" dirty="0"/>
-              <a:t> </a:t>
-            </a:r>
-            <a:r>
-              <a:rPr lang="en-US" dirty="0" err="1" smtClean="0"/>
-              <a:t>có</a:t>
-            </a:r>
-            <a:r>
-              <a:rPr lang="en-US" dirty="0" smtClean="0"/>
-              <a:t> </a:t>
-            </a:r>
-            <a:r>
-              <a:rPr lang="en-US" dirty="0" err="1" smtClean="0"/>
-              <a:t>tần</a:t>
-            </a:r>
-            <a:r>
-              <a:rPr lang="en-US" dirty="0" smtClean="0"/>
-              <a:t> </a:t>
-            </a:r>
-            <a:r>
-              <a:rPr lang="en-US" dirty="0" err="1" smtClean="0"/>
-              <a:t>suất</a:t>
-            </a:r>
-            <a:r>
-              <a:rPr lang="en-US" dirty="0" smtClean="0"/>
-              <a:t> </a:t>
-            </a:r>
-            <a:r>
-              <a:rPr lang="en-US" dirty="0" err="1" smtClean="0"/>
-              <a:t>truy</a:t>
-            </a:r>
-            <a:r>
-              <a:rPr lang="en-US" dirty="0" smtClean="0"/>
-              <a:t> </a:t>
-            </a:r>
-            <a:r>
-              <a:rPr lang="en-US" dirty="0" err="1" smtClean="0"/>
-              <a:t>xuất</a:t>
-            </a:r>
-            <a:r>
-              <a:rPr lang="en-US" dirty="0" smtClean="0"/>
-              <a:t> </a:t>
-            </a:r>
-            <a:r>
-              <a:rPr lang="en-US" dirty="0" err="1" smtClean="0"/>
-              <a:t>cao</a:t>
-            </a:r>
-            <a:r>
-              <a:rPr lang="en-US" dirty="0" smtClean="0"/>
-              <a:t>.</a:t>
-            </a:r>
-            <a:endParaRPr lang="en-US" dirty="0"/>
-          </a:p>
-        </p:txBody>
-      </p:sp>
-    </p:spTree>
-    <p:extLst>
-      <p:ext uri="{BB962C8B-B14F-4D97-AF65-F5344CB8AC3E}">
-        <p14:creationId xmlns:p14="http://schemas.microsoft.com/office/powerpoint/2010/main" val="2296235705"/>
-      </p:ext>
-    </p:extLst>
-  </p:cSld>
-  <p:clrMapOvr>
-    <a:masterClrMapping/>
-  </p:clrMapOvr>
-</p:sld>
-</file>
-
-<file path=ppt/slides/slide8.xml><?xml version="1.0" encoding="utf-8"?>
-<p:sld xmlns:a="http://schemas.openxmlformats.org/drawingml/2006/main" xmlns:r="http://schemas.openxmlformats.org/officeDocument/2006/relationships" xmlns:p="http://schemas.openxmlformats.org/presentationml/2006/main">
-  <p:cSld>
-    <p:spTree>
-      <p:nvGrpSpPr>
-        <p:cNvPr id="1" name=""/>
-        <p:cNvGrpSpPr/>
-        <p:nvPr/>
-      </p:nvGrpSpPr>
-      <p:grpSpPr>
-        <a:xfrm>
-          <a:off x="0" y="0"/>
-          <a:ext cx="0" cy="0"/>
-          <a:chOff x="0" y="0"/>
-          <a:chExt cx="0" cy="0"/>
-        </a:xfrm>
-      </p:grpSpPr>
-      <p:sp>
-        <p:nvSpPr>
-          <p:cNvPr id="2" name="Title 1"/>
-          <p:cNvSpPr>
-            <a:spLocks noGrp="1"/>
-          </p:cNvSpPr>
-          <p:nvPr>
-            <p:ph type="title"/>
-          </p:nvPr>
-        </p:nvSpPr>
-        <p:spPr/>
-        <p:txBody>
-          <a:bodyPr/>
-          <a:lstStyle/>
-          <a:p>
-            <a:r>
-              <a:rPr lang="en-US" dirty="0" err="1" smtClean="0"/>
-              <a:t>Giải</a:t>
-            </a:r>
-            <a:r>
-              <a:rPr lang="en-US" dirty="0" smtClean="0"/>
-              <a:t> </a:t>
-            </a:r>
-            <a:r>
-              <a:rPr lang="en-US" dirty="0" err="1" smtClean="0"/>
-              <a:t>pháp</a:t>
-            </a:r>
-            <a:r>
-              <a:rPr lang="en-US" dirty="0" smtClean="0"/>
-              <a:t> </a:t>
-            </a:r>
-            <a:r>
-              <a:rPr lang="en-US" dirty="0" err="1" smtClean="0"/>
-              <a:t>về</a:t>
-            </a:r>
-            <a:r>
-              <a:rPr lang="en-US" dirty="0" smtClean="0"/>
-              <a:t> </a:t>
-            </a:r>
-            <a:r>
-              <a:rPr lang="en-US" dirty="0" err="1" smtClean="0"/>
-              <a:t>dữ</a:t>
-            </a:r>
-            <a:r>
-              <a:rPr lang="en-US" dirty="0" smtClean="0"/>
-              <a:t> </a:t>
-            </a:r>
-            <a:r>
-              <a:rPr lang="en-US" dirty="0" err="1" smtClean="0"/>
-              <a:t>liệu</a:t>
-            </a:r>
-            <a:endParaRPr lang="vi-VN" dirty="0"/>
-          </a:p>
-        </p:txBody>
-      </p:sp>
-      <p:sp>
-        <p:nvSpPr>
-          <p:cNvPr id="3" name="Content Placeholder 2"/>
-          <p:cNvSpPr>
-            <a:spLocks noGrp="1"/>
-          </p:cNvSpPr>
-          <p:nvPr>
-            <p:ph idx="1"/>
-          </p:nvPr>
-        </p:nvSpPr>
-        <p:spPr/>
-        <p:txBody>
-          <a:bodyPr/>
-          <a:lstStyle/>
-          <a:p>
-            <a:r>
-              <a:rPr lang="en-US" dirty="0" err="1" smtClean="0"/>
-              <a:t>Chuyển</a:t>
-            </a:r>
-            <a:r>
-              <a:rPr lang="en-US" dirty="0" smtClean="0"/>
-              <a:t> </a:t>
-            </a:r>
-            <a:r>
-              <a:rPr lang="en-US" dirty="0" err="1" smtClean="0"/>
-              <a:t>đổi</a:t>
-            </a:r>
-            <a:r>
-              <a:rPr lang="en-US" dirty="0" smtClean="0"/>
-              <a:t> </a:t>
-            </a:r>
-            <a:r>
-              <a:rPr lang="en-US" dirty="0" err="1" smtClean="0"/>
-              <a:t>dữ</a:t>
-            </a:r>
-            <a:r>
-              <a:rPr lang="en-US" dirty="0" smtClean="0"/>
-              <a:t> </a:t>
-            </a:r>
-            <a:r>
-              <a:rPr lang="en-US" dirty="0" err="1" smtClean="0"/>
-              <a:t>liệu</a:t>
-            </a:r>
-            <a:r>
-              <a:rPr lang="en-US" dirty="0" smtClean="0"/>
-              <a:t> XML </a:t>
-            </a:r>
-            <a:r>
-              <a:rPr lang="en-US" dirty="0" err="1" smtClean="0"/>
-              <a:t>thành</a:t>
-            </a:r>
-            <a:r>
-              <a:rPr lang="en-US" dirty="0" smtClean="0"/>
-              <a:t> </a:t>
-            </a:r>
-            <a:r>
-              <a:rPr lang="en-US" dirty="0" err="1" smtClean="0"/>
-              <a:t>các</a:t>
-            </a:r>
-            <a:r>
-              <a:rPr lang="en-US" dirty="0" smtClean="0"/>
-              <a:t> </a:t>
-            </a:r>
-            <a:r>
-              <a:rPr lang="en-US" dirty="0" err="1" smtClean="0"/>
-              <a:t>đối</a:t>
-            </a:r>
-            <a:r>
-              <a:rPr lang="en-US" dirty="0" smtClean="0"/>
-              <a:t> </a:t>
-            </a:r>
-            <a:r>
-              <a:rPr lang="en-US" dirty="0" err="1" smtClean="0"/>
-              <a:t>tượng</a:t>
-            </a:r>
-            <a:r>
-              <a:rPr lang="en-US" dirty="0" smtClean="0"/>
-              <a:t> C#.</a:t>
-            </a:r>
-          </a:p>
-          <a:p>
-            <a:pPr lvl="1"/>
-            <a:r>
-              <a:rPr lang="en-US" dirty="0" smtClean="0"/>
-              <a:t>Object</a:t>
-            </a:r>
-          </a:p>
-          <a:p>
-            <a:pPr lvl="1"/>
-            <a:r>
-              <a:rPr lang="en-US" dirty="0" smtClean="0"/>
-              <a:t>Collection</a:t>
-            </a:r>
-          </a:p>
-          <a:p>
-            <a:pPr lvl="1"/>
-            <a:r>
-              <a:rPr lang="en-US" dirty="0" smtClean="0"/>
-              <a:t>Dictionary</a:t>
-            </a:r>
-          </a:p>
-          <a:p>
-            <a:pPr lvl="1"/>
-            <a:r>
-              <a:rPr lang="en-US" dirty="0" smtClean="0"/>
-              <a:t>Primitive</a:t>
-            </a:r>
-          </a:p>
-          <a:p>
-            <a:r>
-              <a:rPr lang="en-US" dirty="0" smtClean="0"/>
-              <a:t>Cache </a:t>
-            </a:r>
-            <a:r>
-              <a:rPr lang="en-US" dirty="0" err="1" smtClean="0"/>
-              <a:t>các</a:t>
-            </a:r>
-            <a:r>
-              <a:rPr lang="en-US" dirty="0" smtClean="0"/>
-              <a:t> </a:t>
-            </a:r>
-            <a:r>
-              <a:rPr lang="en-US" dirty="0" err="1" smtClean="0"/>
-              <a:t>dữ</a:t>
-            </a:r>
-            <a:r>
-              <a:rPr lang="en-US" dirty="0" smtClean="0"/>
-              <a:t> </a:t>
-            </a:r>
-            <a:r>
-              <a:rPr lang="en-US" dirty="0" err="1" smtClean="0"/>
-              <a:t>liệu</a:t>
-            </a:r>
-            <a:r>
-              <a:rPr lang="en-US" dirty="0" smtClean="0"/>
-              <a:t> </a:t>
-            </a:r>
-            <a:r>
-              <a:rPr lang="en-US" dirty="0" err="1" smtClean="0"/>
-              <a:t>được</a:t>
-            </a:r>
-            <a:r>
-              <a:rPr lang="en-US" dirty="0" smtClean="0"/>
-              <a:t> </a:t>
-            </a:r>
-            <a:r>
-              <a:rPr lang="en-US" dirty="0" err="1" smtClean="0"/>
-              <a:t>truy</a:t>
-            </a:r>
-            <a:r>
-              <a:rPr lang="en-US" dirty="0" smtClean="0"/>
-              <a:t> </a:t>
-            </a:r>
-            <a:r>
-              <a:rPr lang="en-US" dirty="0" err="1" smtClean="0"/>
-              <a:t>xuất</a:t>
-            </a:r>
-            <a:r>
-              <a:rPr lang="en-US" dirty="0" smtClean="0"/>
-              <a:t> </a:t>
-            </a:r>
-            <a:r>
-              <a:rPr lang="en-US" dirty="0" err="1" smtClean="0"/>
-              <a:t>thường</a:t>
-            </a:r>
-            <a:r>
-              <a:rPr lang="en-US" dirty="0" smtClean="0"/>
-              <a:t> </a:t>
-            </a:r>
-            <a:r>
-              <a:rPr lang="en-US" dirty="0" err="1" smtClean="0"/>
-              <a:t>xuyên</a:t>
-            </a:r>
-            <a:r>
-              <a:rPr lang="en-US" dirty="0" smtClean="0"/>
-              <a:t>.</a:t>
-            </a:r>
-            <a:endParaRPr lang="vi-VN" dirty="0"/>
-          </a:p>
-        </p:txBody>
-      </p:sp>
-    </p:spTree>
-    <p:extLst>
-      <p:ext uri="{BB962C8B-B14F-4D97-AF65-F5344CB8AC3E}">
-        <p14:creationId xmlns:p14="http://schemas.microsoft.com/office/powerpoint/2010/main" val="1557009442"/>
-      </p:ext>
-    </p:extLst>
-  </p:cSld>
-  <p:clrMapOvr>
-    <a:masterClrMapping/>
-  </p:clrMapOvr>
-  <p:timing>
-    <p:tnLst>
-      <p:par>
-        <p:cTn id="1" dur="indefinite" restart="never" nodeType="tmRoot"/>
-      </p:par>
-    </p:tnLst>
-  </p:timing>
-</p:sld>
-</file>
-
-<file path=ppt/slides/slide9.xml><?xml version="1.0" encoding="utf-8"?>
+<file path=ppt/slides/slide10.xml><?xml version="1.0" encoding="utf-8"?>
 <p:sld xmlns:a="http://schemas.openxmlformats.org/drawingml/2006/main" xmlns:r="http://schemas.openxmlformats.org/officeDocument/2006/relationships" xmlns:p="http://schemas.openxmlformats.org/presentationml/2006/main">
   <p:cSld>
     <p:spTree>
@@ -5536,6 +3694,2087 @@
 </p:sld>
 </file>
 
+<file path=ppt/slides/slide11.xml><?xml version="1.0" encoding="utf-8"?>
+<p:sld xmlns:a="http://schemas.openxmlformats.org/drawingml/2006/main" xmlns:r="http://schemas.openxmlformats.org/officeDocument/2006/relationships" xmlns:p="http://schemas.openxmlformats.org/presentationml/2006/main">
+  <p:cSld>
+    <p:spTree>
+      <p:nvGrpSpPr>
+        <p:cNvPr id="1" name=""/>
+        <p:cNvGrpSpPr/>
+        <p:nvPr/>
+      </p:nvGrpSpPr>
+      <p:grpSpPr>
+        <a:xfrm>
+          <a:off x="0" y="0"/>
+          <a:ext cx="0" cy="0"/>
+          <a:chOff x="0" y="0"/>
+          <a:chExt cx="0" cy="0"/>
+        </a:xfrm>
+      </p:grpSpPr>
+      <p:sp>
+        <p:nvSpPr>
+          <p:cNvPr id="2" name="Title 1"/>
+          <p:cNvSpPr>
+            <a:spLocks noGrp="1"/>
+          </p:cNvSpPr>
+          <p:nvPr>
+            <p:ph type="title"/>
+          </p:nvPr>
+        </p:nvSpPr>
+        <p:spPr/>
+        <p:txBody>
+          <a:bodyPr/>
+          <a:lstStyle/>
+          <a:p>
+            <a:r>
+              <a:rPr lang="en-US" dirty="0" smtClean="0"/>
+              <a:t>Unit Test</a:t>
+            </a:r>
+            <a:endParaRPr lang="vi-VN" dirty="0"/>
+          </a:p>
+        </p:txBody>
+      </p:sp>
+      <p:sp>
+        <p:nvSpPr>
+          <p:cNvPr id="3" name="Content Placeholder 2"/>
+          <p:cNvSpPr>
+            <a:spLocks noGrp="1"/>
+          </p:cNvSpPr>
+          <p:nvPr>
+            <p:ph idx="1"/>
+          </p:nvPr>
+        </p:nvSpPr>
+        <p:spPr/>
+        <p:txBody>
+          <a:bodyPr/>
+          <a:lstStyle/>
+          <a:p>
+            <a:r>
+              <a:rPr lang="en-US" dirty="0" err="1" smtClean="0"/>
+              <a:t>Tự</a:t>
+            </a:r>
+            <a:r>
+              <a:rPr lang="en-US" dirty="0" smtClean="0"/>
+              <a:t> </a:t>
+            </a:r>
+            <a:r>
+              <a:rPr lang="en-US" dirty="0" err="1" smtClean="0"/>
+              <a:t>động</a:t>
+            </a:r>
+            <a:r>
+              <a:rPr lang="en-US" dirty="0" smtClean="0"/>
+              <a:t> </a:t>
+            </a:r>
+            <a:r>
+              <a:rPr lang="en-US" dirty="0" err="1" smtClean="0"/>
+              <a:t>hóa</a:t>
+            </a:r>
+            <a:r>
+              <a:rPr lang="en-US" dirty="0" smtClean="0"/>
+              <a:t> </a:t>
+            </a:r>
+            <a:r>
+              <a:rPr lang="en-US" dirty="0" err="1" smtClean="0"/>
+              <a:t>công</a:t>
+            </a:r>
+            <a:r>
+              <a:rPr lang="en-US" dirty="0" smtClean="0"/>
+              <a:t> </a:t>
+            </a:r>
+            <a:r>
+              <a:rPr lang="en-US" dirty="0" err="1" smtClean="0"/>
+              <a:t>việc</a:t>
+            </a:r>
+            <a:r>
+              <a:rPr lang="en-US" dirty="0" smtClean="0"/>
+              <a:t> testing.</a:t>
+            </a:r>
+          </a:p>
+          <a:p>
+            <a:r>
+              <a:rPr lang="en-US" dirty="0" err="1" smtClean="0"/>
+              <a:t>Đảm</a:t>
+            </a:r>
+            <a:r>
+              <a:rPr lang="en-US" dirty="0" smtClean="0"/>
+              <a:t> </a:t>
+            </a:r>
+            <a:r>
+              <a:rPr lang="en-US" dirty="0" err="1" smtClean="0"/>
+              <a:t>bảo</a:t>
+            </a:r>
+            <a:r>
+              <a:rPr lang="en-US" dirty="0" smtClean="0"/>
+              <a:t> </a:t>
+            </a:r>
+            <a:r>
+              <a:rPr lang="en-US" dirty="0" err="1" smtClean="0"/>
+              <a:t>chất</a:t>
+            </a:r>
+            <a:r>
+              <a:rPr lang="en-US" dirty="0" smtClean="0"/>
+              <a:t> </a:t>
+            </a:r>
+            <a:r>
+              <a:rPr lang="en-US" dirty="0" err="1" smtClean="0"/>
+              <a:t>lượng</a:t>
+            </a:r>
+            <a:r>
+              <a:rPr lang="en-US" dirty="0" smtClean="0"/>
+              <a:t> </a:t>
+            </a:r>
+            <a:r>
+              <a:rPr lang="en-US" dirty="0" err="1" smtClean="0"/>
+              <a:t>các</a:t>
+            </a:r>
+            <a:r>
+              <a:rPr lang="en-US" dirty="0" smtClean="0"/>
+              <a:t> </a:t>
+            </a:r>
+            <a:r>
+              <a:rPr lang="en-US" dirty="0" err="1" smtClean="0"/>
+              <a:t>thành</a:t>
+            </a:r>
+            <a:r>
+              <a:rPr lang="en-US" dirty="0" smtClean="0"/>
+              <a:t> </a:t>
+            </a:r>
+            <a:r>
+              <a:rPr lang="en-US" dirty="0" err="1" smtClean="0"/>
+              <a:t>phần</a:t>
+            </a:r>
+            <a:r>
+              <a:rPr lang="en-US" dirty="0" smtClean="0"/>
+              <a:t> </a:t>
+            </a:r>
+            <a:r>
+              <a:rPr lang="en-US" dirty="0" err="1" smtClean="0"/>
+              <a:t>của</a:t>
+            </a:r>
+            <a:r>
+              <a:rPr lang="en-US" dirty="0" smtClean="0"/>
+              <a:t> </a:t>
+            </a:r>
+            <a:r>
+              <a:rPr lang="en-US" dirty="0" err="1" smtClean="0"/>
+              <a:t>chương</a:t>
+            </a:r>
+            <a:r>
+              <a:rPr lang="en-US" dirty="0" smtClean="0"/>
+              <a:t> </a:t>
+            </a:r>
+            <a:r>
+              <a:rPr lang="en-US" dirty="0" err="1" smtClean="0"/>
+              <a:t>trình</a:t>
+            </a:r>
+            <a:r>
+              <a:rPr lang="en-US" dirty="0" smtClean="0"/>
+              <a:t>.</a:t>
+            </a:r>
+          </a:p>
+          <a:p>
+            <a:r>
+              <a:rPr lang="en-US" dirty="0" err="1" smtClean="0"/>
+              <a:t>Nhanh</a:t>
+            </a:r>
+            <a:r>
+              <a:rPr lang="en-US" dirty="0" smtClean="0"/>
+              <a:t> </a:t>
+            </a:r>
+            <a:r>
+              <a:rPr lang="en-US" dirty="0" err="1" smtClean="0"/>
+              <a:t>chóng</a:t>
+            </a:r>
+            <a:r>
+              <a:rPr lang="en-US" dirty="0" smtClean="0"/>
+              <a:t> </a:t>
+            </a:r>
+            <a:r>
+              <a:rPr lang="en-US" dirty="0" err="1" smtClean="0"/>
+              <a:t>phát</a:t>
+            </a:r>
+            <a:r>
+              <a:rPr lang="en-US" dirty="0" smtClean="0"/>
+              <a:t> </a:t>
+            </a:r>
+            <a:r>
+              <a:rPr lang="en-US" dirty="0" err="1" smtClean="0"/>
+              <a:t>hiện</a:t>
+            </a:r>
+            <a:r>
+              <a:rPr lang="en-US" dirty="0" smtClean="0"/>
+              <a:t> </a:t>
+            </a:r>
+            <a:r>
+              <a:rPr lang="en-US" dirty="0" err="1" smtClean="0"/>
+              <a:t>ra</a:t>
+            </a:r>
+            <a:r>
+              <a:rPr lang="en-US" dirty="0" smtClean="0"/>
+              <a:t> </a:t>
+            </a:r>
+            <a:r>
+              <a:rPr lang="en-US" dirty="0" err="1" smtClean="0"/>
+              <a:t>các</a:t>
+            </a:r>
+            <a:r>
+              <a:rPr lang="en-US" dirty="0" smtClean="0"/>
+              <a:t> </a:t>
+            </a:r>
+            <a:r>
+              <a:rPr lang="en-US" dirty="0" err="1" smtClean="0"/>
+              <a:t>lỗi</a:t>
+            </a:r>
+            <a:r>
+              <a:rPr lang="en-US" dirty="0" smtClean="0"/>
+              <a:t> </a:t>
+            </a:r>
+            <a:r>
+              <a:rPr lang="en-US" dirty="0" err="1" smtClean="0"/>
+              <a:t>khi</a:t>
+            </a:r>
+            <a:r>
+              <a:rPr lang="en-US" dirty="0" smtClean="0"/>
+              <a:t> </a:t>
+            </a:r>
+            <a:r>
+              <a:rPr lang="en-US" dirty="0" err="1" smtClean="0"/>
+              <a:t>thay</a:t>
+            </a:r>
+            <a:r>
+              <a:rPr lang="en-US" dirty="0" smtClean="0"/>
+              <a:t> </a:t>
+            </a:r>
+            <a:r>
+              <a:rPr lang="en-US" dirty="0" err="1" smtClean="0"/>
+              <a:t>đổi</a:t>
+            </a:r>
+            <a:r>
+              <a:rPr lang="en-US" dirty="0" smtClean="0"/>
+              <a:t> </a:t>
+            </a:r>
+            <a:r>
+              <a:rPr lang="en-US" dirty="0" err="1" smtClean="0"/>
+              <a:t>chương</a:t>
+            </a:r>
+            <a:r>
+              <a:rPr lang="en-US" dirty="0" smtClean="0"/>
+              <a:t> </a:t>
+            </a:r>
+            <a:r>
+              <a:rPr lang="en-US" dirty="0" err="1" smtClean="0"/>
+              <a:t>trình</a:t>
+            </a:r>
+            <a:r>
+              <a:rPr lang="en-US" dirty="0" smtClean="0"/>
+              <a:t>.</a:t>
+            </a:r>
+          </a:p>
+          <a:p>
+            <a:r>
+              <a:rPr lang="en-US" dirty="0" err="1" smtClean="0"/>
+              <a:t>Tiết</a:t>
+            </a:r>
+            <a:r>
+              <a:rPr lang="en-US" dirty="0" smtClean="0"/>
+              <a:t> </a:t>
+            </a:r>
+            <a:r>
+              <a:rPr lang="en-US" dirty="0" err="1" smtClean="0"/>
+              <a:t>kiệm</a:t>
+            </a:r>
+            <a:r>
+              <a:rPr lang="en-US" dirty="0" smtClean="0"/>
+              <a:t> </a:t>
+            </a:r>
+            <a:r>
+              <a:rPr lang="en-US" dirty="0" err="1" smtClean="0"/>
+              <a:t>thời</a:t>
+            </a:r>
+            <a:r>
+              <a:rPr lang="en-US" dirty="0" smtClean="0"/>
+              <a:t> </a:t>
+            </a:r>
+            <a:r>
+              <a:rPr lang="en-US" dirty="0" err="1" smtClean="0"/>
+              <a:t>gian</a:t>
+            </a:r>
+            <a:r>
+              <a:rPr lang="en-US" dirty="0" smtClean="0"/>
+              <a:t> testing.</a:t>
+            </a:r>
+            <a:endParaRPr lang="vi-VN" dirty="0"/>
+          </a:p>
+        </p:txBody>
+      </p:sp>
+    </p:spTree>
+    <p:extLst>
+      <p:ext uri="{BB962C8B-B14F-4D97-AF65-F5344CB8AC3E}">
+        <p14:creationId xmlns:p14="http://schemas.microsoft.com/office/powerpoint/2010/main" val="1767821105"/>
+      </p:ext>
+    </p:extLst>
+  </p:cSld>
+  <p:clrMapOvr>
+    <a:masterClrMapping/>
+  </p:clrMapOvr>
+  <p:timing>
+    <p:tnLst>
+      <p:par>
+        <p:cTn id="1" dur="indefinite" restart="never" nodeType="tmRoot"/>
+      </p:par>
+    </p:tnLst>
+  </p:timing>
+</p:sld>
+</file>
+
+<file path=ppt/slides/slide12.xml><?xml version="1.0" encoding="utf-8"?>
+<p:sld xmlns:a="http://schemas.openxmlformats.org/drawingml/2006/main" xmlns:r="http://schemas.openxmlformats.org/officeDocument/2006/relationships" xmlns:p="http://schemas.openxmlformats.org/presentationml/2006/main">
+  <p:cSld>
+    <p:spTree>
+      <p:nvGrpSpPr>
+        <p:cNvPr id="1" name=""/>
+        <p:cNvGrpSpPr/>
+        <p:nvPr/>
+      </p:nvGrpSpPr>
+      <p:grpSpPr>
+        <a:xfrm>
+          <a:off x="0" y="0"/>
+          <a:ext cx="0" cy="0"/>
+          <a:chOff x="0" y="0"/>
+          <a:chExt cx="0" cy="0"/>
+        </a:xfrm>
+      </p:grpSpPr>
+      <p:sp>
+        <p:nvSpPr>
+          <p:cNvPr id="2" name="Title 1"/>
+          <p:cNvSpPr>
+            <a:spLocks noGrp="1"/>
+          </p:cNvSpPr>
+          <p:nvPr>
+            <p:ph type="title"/>
+          </p:nvPr>
+        </p:nvSpPr>
+        <p:spPr/>
+        <p:txBody>
+          <a:bodyPr/>
+          <a:lstStyle/>
+          <a:p>
+            <a:endParaRPr lang="vi-VN"/>
+          </a:p>
+        </p:txBody>
+      </p:sp>
+      <p:pic>
+        <p:nvPicPr>
+          <p:cNvPr id="4" name="Picture 3"/>
+          <p:cNvPicPr/>
+          <p:nvPr/>
+        </p:nvPicPr>
+        <p:blipFill>
+          <a:blip r:embed="rId2">
+            <a:extLst>
+              <a:ext uri="{28A0092B-C50C-407E-A947-70E740481C1C}">
+                <a14:useLocalDpi xmlns:a14="http://schemas.microsoft.com/office/drawing/2010/main" val="0"/>
+              </a:ext>
+            </a:extLst>
+          </a:blip>
+          <a:srcRect/>
+          <a:stretch>
+            <a:fillRect/>
+          </a:stretch>
+        </p:blipFill>
+        <p:spPr bwMode="auto">
+          <a:xfrm>
+            <a:off x="1262271" y="1690688"/>
+            <a:ext cx="9856304" cy="4882564"/>
+          </a:xfrm>
+          <a:prstGeom prst="rect">
+            <a:avLst/>
+          </a:prstGeom>
+          <a:noFill/>
+          <a:ln>
+            <a:noFill/>
+          </a:ln>
+        </p:spPr>
+      </p:pic>
+    </p:spTree>
+    <p:extLst>
+      <p:ext uri="{BB962C8B-B14F-4D97-AF65-F5344CB8AC3E}">
+        <p14:creationId xmlns:p14="http://schemas.microsoft.com/office/powerpoint/2010/main" val="517413923"/>
+      </p:ext>
+    </p:extLst>
+  </p:cSld>
+  <p:clrMapOvr>
+    <a:masterClrMapping/>
+  </p:clrMapOvr>
+  <p:timing>
+    <p:tnLst>
+      <p:par>
+        <p:cTn id="1" dur="indefinite" restart="never" nodeType="tmRoot"/>
+      </p:par>
+    </p:tnLst>
+  </p:timing>
+</p:sld>
+</file>
+
+<file path=ppt/slides/slide13.xml><?xml version="1.0" encoding="utf-8"?>
+<p:sld xmlns:a="http://schemas.openxmlformats.org/drawingml/2006/main" xmlns:r="http://schemas.openxmlformats.org/officeDocument/2006/relationships" xmlns:p="http://schemas.openxmlformats.org/presentationml/2006/main">
+  <p:cSld>
+    <p:spTree>
+      <p:nvGrpSpPr>
+        <p:cNvPr id="1" name=""/>
+        <p:cNvGrpSpPr/>
+        <p:nvPr/>
+      </p:nvGrpSpPr>
+      <p:grpSpPr>
+        <a:xfrm>
+          <a:off x="0" y="0"/>
+          <a:ext cx="0" cy="0"/>
+          <a:chOff x="0" y="0"/>
+          <a:chExt cx="0" cy="0"/>
+        </a:xfrm>
+      </p:grpSpPr>
+      <p:sp>
+        <p:nvSpPr>
+          <p:cNvPr id="2" name="Title 1"/>
+          <p:cNvSpPr>
+            <a:spLocks noGrp="1"/>
+          </p:cNvSpPr>
+          <p:nvPr>
+            <p:ph type="title"/>
+          </p:nvPr>
+        </p:nvSpPr>
+        <p:spPr/>
+        <p:txBody>
+          <a:bodyPr/>
+          <a:lstStyle/>
+          <a:p>
+            <a:r>
+              <a:rPr lang="en-US" dirty="0" err="1" smtClean="0"/>
+              <a:t>Một</a:t>
+            </a:r>
+            <a:r>
+              <a:rPr lang="en-US" dirty="0" smtClean="0"/>
+              <a:t> </a:t>
+            </a:r>
+            <a:r>
+              <a:rPr lang="en-US" dirty="0" err="1" smtClean="0"/>
+              <a:t>số</a:t>
+            </a:r>
+            <a:r>
+              <a:rPr lang="en-US" dirty="0" smtClean="0"/>
+              <a:t> </a:t>
+            </a:r>
+            <a:r>
+              <a:rPr lang="en-US" dirty="0" err="1" smtClean="0"/>
+              <a:t>kĩ</a:t>
+            </a:r>
+            <a:r>
+              <a:rPr lang="en-US" dirty="0" smtClean="0"/>
+              <a:t> </a:t>
+            </a:r>
+            <a:r>
+              <a:rPr lang="en-US" dirty="0" err="1" smtClean="0"/>
+              <a:t>thuật</a:t>
+            </a:r>
+            <a:r>
+              <a:rPr lang="en-US" dirty="0" smtClean="0"/>
+              <a:t> </a:t>
+            </a:r>
+            <a:r>
+              <a:rPr lang="en-US" dirty="0" err="1" smtClean="0"/>
+              <a:t>chính</a:t>
+            </a:r>
+            <a:endParaRPr lang="vi-VN" dirty="0"/>
+          </a:p>
+        </p:txBody>
+      </p:sp>
+      <p:sp>
+        <p:nvSpPr>
+          <p:cNvPr id="3" name="Content Placeholder 2"/>
+          <p:cNvSpPr>
+            <a:spLocks noGrp="1"/>
+          </p:cNvSpPr>
+          <p:nvPr>
+            <p:ph idx="1"/>
+          </p:nvPr>
+        </p:nvSpPr>
+        <p:spPr/>
+        <p:txBody>
+          <a:bodyPr/>
+          <a:lstStyle/>
+          <a:p>
+            <a:r>
+              <a:rPr lang="en-US" dirty="0" err="1"/>
+              <a:t>Kỹ</a:t>
+            </a:r>
+            <a:r>
+              <a:rPr lang="en-US" dirty="0"/>
+              <a:t> </a:t>
+            </a:r>
+            <a:r>
+              <a:rPr lang="en-US" dirty="0" err="1"/>
+              <a:t>thuật</a:t>
+            </a:r>
+            <a:r>
+              <a:rPr lang="en-US" dirty="0"/>
+              <a:t> </a:t>
+            </a:r>
+            <a:r>
+              <a:rPr lang="en-US" dirty="0" smtClean="0"/>
+              <a:t>Mock</a:t>
+            </a:r>
+          </a:p>
+          <a:p>
+            <a:r>
+              <a:rPr lang="en-US" dirty="0" err="1"/>
+              <a:t>Kỹ</a:t>
+            </a:r>
+            <a:r>
+              <a:rPr lang="en-US" dirty="0"/>
+              <a:t> </a:t>
+            </a:r>
+            <a:r>
+              <a:rPr lang="en-US" dirty="0" err="1"/>
+              <a:t>thuật</a:t>
+            </a:r>
+            <a:r>
+              <a:rPr lang="en-US" dirty="0"/>
+              <a:t> multi test</a:t>
+            </a:r>
+            <a:endParaRPr lang="vi-VN" dirty="0"/>
+          </a:p>
+        </p:txBody>
+      </p:sp>
+    </p:spTree>
+    <p:extLst>
+      <p:ext uri="{BB962C8B-B14F-4D97-AF65-F5344CB8AC3E}">
+        <p14:creationId xmlns:p14="http://schemas.microsoft.com/office/powerpoint/2010/main" val="2283405726"/>
+      </p:ext>
+    </p:extLst>
+  </p:cSld>
+  <p:clrMapOvr>
+    <a:masterClrMapping/>
+  </p:clrMapOvr>
+  <p:timing>
+    <p:tnLst>
+      <p:par>
+        <p:cTn id="1" dur="indefinite" restart="never" nodeType="tmRoot"/>
+      </p:par>
+    </p:tnLst>
+  </p:timing>
+</p:sld>
+</file>
+
+<file path=ppt/slides/slide14.xml><?xml version="1.0" encoding="utf-8"?>
+<p:sld xmlns:a="http://schemas.openxmlformats.org/drawingml/2006/main" xmlns:r="http://schemas.openxmlformats.org/officeDocument/2006/relationships" xmlns:p="http://schemas.openxmlformats.org/presentationml/2006/main">
+  <p:cSld>
+    <p:spTree>
+      <p:nvGrpSpPr>
+        <p:cNvPr id="1" name=""/>
+        <p:cNvGrpSpPr/>
+        <p:nvPr/>
+      </p:nvGrpSpPr>
+      <p:grpSpPr>
+        <a:xfrm>
+          <a:off x="0" y="0"/>
+          <a:ext cx="0" cy="0"/>
+          <a:chOff x="0" y="0"/>
+          <a:chExt cx="0" cy="0"/>
+        </a:xfrm>
+      </p:grpSpPr>
+      <p:sp>
+        <p:nvSpPr>
+          <p:cNvPr id="2" name="Title 1"/>
+          <p:cNvSpPr>
+            <a:spLocks noGrp="1"/>
+          </p:cNvSpPr>
+          <p:nvPr>
+            <p:ph type="title"/>
+          </p:nvPr>
+        </p:nvSpPr>
+        <p:spPr/>
+        <p:txBody>
+          <a:bodyPr/>
+          <a:lstStyle/>
+          <a:p>
+            <a:endParaRPr lang="vi-VN"/>
+          </a:p>
+        </p:txBody>
+      </p:sp>
+      <p:pic>
+        <p:nvPicPr>
+          <p:cNvPr id="4" name="Picture 3"/>
+          <p:cNvPicPr/>
+          <p:nvPr/>
+        </p:nvPicPr>
+        <p:blipFill>
+          <a:blip r:embed="rId2">
+            <a:extLst>
+              <a:ext uri="{28A0092B-C50C-407E-A947-70E740481C1C}">
+                <a14:useLocalDpi xmlns:a14="http://schemas.microsoft.com/office/drawing/2010/main" val="0"/>
+              </a:ext>
+            </a:extLst>
+          </a:blip>
+          <a:srcRect/>
+          <a:stretch>
+            <a:fillRect/>
+          </a:stretch>
+        </p:blipFill>
+        <p:spPr bwMode="auto">
+          <a:xfrm>
+            <a:off x="1961321" y="1690688"/>
+            <a:ext cx="8375375" cy="4829382"/>
+          </a:xfrm>
+          <a:prstGeom prst="rect">
+            <a:avLst/>
+          </a:prstGeom>
+          <a:noFill/>
+          <a:ln w="9525" cmpd="sng">
+            <a:solidFill>
+              <a:srgbClr val="000000"/>
+            </a:solidFill>
+            <a:miter lim="800000"/>
+            <a:headEnd/>
+            <a:tailEnd/>
+          </a:ln>
+          <a:effectLst/>
+        </p:spPr>
+      </p:pic>
+    </p:spTree>
+    <p:extLst>
+      <p:ext uri="{BB962C8B-B14F-4D97-AF65-F5344CB8AC3E}">
+        <p14:creationId xmlns:p14="http://schemas.microsoft.com/office/powerpoint/2010/main" val="3820108349"/>
+      </p:ext>
+    </p:extLst>
+  </p:cSld>
+  <p:clrMapOvr>
+    <a:masterClrMapping/>
+  </p:clrMapOvr>
+  <p:timing>
+    <p:tnLst>
+      <p:par>
+        <p:cTn id="1" dur="indefinite" restart="never" nodeType="tmRoot"/>
+      </p:par>
+    </p:tnLst>
+  </p:timing>
+</p:sld>
+</file>
+
+<file path=ppt/slides/slide15.xml><?xml version="1.0" encoding="utf-8"?>
+<p:sld xmlns:a="http://schemas.openxmlformats.org/drawingml/2006/main" xmlns:r="http://schemas.openxmlformats.org/officeDocument/2006/relationships" xmlns:p="http://schemas.openxmlformats.org/presentationml/2006/main">
+  <p:cSld>
+    <p:spTree>
+      <p:nvGrpSpPr>
+        <p:cNvPr id="1" name=""/>
+        <p:cNvGrpSpPr/>
+        <p:nvPr/>
+      </p:nvGrpSpPr>
+      <p:grpSpPr>
+        <a:xfrm>
+          <a:off x="0" y="0"/>
+          <a:ext cx="0" cy="0"/>
+          <a:chOff x="0" y="0"/>
+          <a:chExt cx="0" cy="0"/>
+        </a:xfrm>
+      </p:grpSpPr>
+      <p:sp>
+        <p:nvSpPr>
+          <p:cNvPr id="2" name="Title 1"/>
+          <p:cNvSpPr>
+            <a:spLocks noGrp="1"/>
+          </p:cNvSpPr>
+          <p:nvPr>
+            <p:ph type="title"/>
+          </p:nvPr>
+        </p:nvSpPr>
+        <p:spPr/>
+        <p:txBody>
+          <a:bodyPr/>
+          <a:lstStyle/>
+          <a:p>
+            <a:r>
+              <a:rPr lang="en-US" smtClean="0"/>
+              <a:t>Kết quả</a:t>
+            </a:r>
+            <a:endParaRPr lang="en-US"/>
+          </a:p>
+        </p:txBody>
+      </p:sp>
+      <p:sp>
+        <p:nvSpPr>
+          <p:cNvPr id="3" name="Content Placeholder 2"/>
+          <p:cNvSpPr>
+            <a:spLocks noGrp="1"/>
+          </p:cNvSpPr>
+          <p:nvPr>
+            <p:ph idx="1"/>
+          </p:nvPr>
+        </p:nvSpPr>
+        <p:spPr/>
+        <p:txBody>
+          <a:bodyPr>
+            <a:normAutofit/>
+          </a:bodyPr>
+          <a:lstStyle/>
+          <a:p>
+            <a:r>
+              <a:rPr lang="en-US" smtClean="0"/>
+              <a:t>Đạt được:</a:t>
+            </a:r>
+          </a:p>
+          <a:p>
+            <a:pPr lvl="1"/>
+            <a:r>
+              <a:rPr lang="en-US"/>
+              <a:t>Xây dựng trang dashboard đáp ứng các yêu cầu của requirements.</a:t>
+            </a:r>
+          </a:p>
+          <a:p>
+            <a:pPr lvl="1"/>
+            <a:r>
+              <a:rPr lang="en-US"/>
+              <a:t> Xử lý tối ưu được các yêu cầu của người dùng.</a:t>
+            </a:r>
+          </a:p>
+          <a:p>
+            <a:pPr lvl="1"/>
+            <a:r>
+              <a:rPr lang="en-US"/>
+              <a:t>Nâng cao trải nghiệm người dùng.</a:t>
+            </a:r>
+          </a:p>
+          <a:p>
+            <a:pPr lvl="1"/>
+            <a:r>
+              <a:rPr lang="en-US"/>
+              <a:t>Thành công trong việc phân tích và xử lý dữ liệu trả về từ OBS.</a:t>
+            </a:r>
+          </a:p>
+          <a:p>
+            <a:pPr lvl="1"/>
+            <a:r>
+              <a:rPr lang="en-US"/>
+              <a:t>Áp dụng các chuẩn Unit test chuyên nghiệp vào dự án.</a:t>
+            </a:r>
+          </a:p>
+          <a:p>
+            <a:pPr lvl="1"/>
+            <a:r>
+              <a:rPr lang="en-US"/>
+              <a:t>Được tham gia vào dự án thực tế ở doanh nghiệp.</a:t>
+            </a:r>
+          </a:p>
+          <a:p>
+            <a:pPr lvl="1"/>
+            <a:r>
+              <a:rPr lang="en-US"/>
+              <a:t>Học hỏi thêm các kĩ năng và công nghệ </a:t>
+            </a:r>
+            <a:r>
+              <a:rPr lang="en-US" smtClean="0"/>
+              <a:t>mới</a:t>
+            </a:r>
+            <a:r>
+              <a:rPr lang="en-US"/>
+              <a:t>.</a:t>
+            </a:r>
+            <a:endParaRPr lang="en-US" smtClean="0"/>
+          </a:p>
+        </p:txBody>
+      </p:sp>
+    </p:spTree>
+    <p:extLst>
+      <p:ext uri="{BB962C8B-B14F-4D97-AF65-F5344CB8AC3E}">
+        <p14:creationId xmlns:p14="http://schemas.microsoft.com/office/powerpoint/2010/main" val="775853568"/>
+      </p:ext>
+    </p:extLst>
+  </p:cSld>
+  <p:clrMapOvr>
+    <a:masterClrMapping/>
+  </p:clrMapOvr>
+  <p:timing>
+    <p:tnLst>
+      <p:par>
+        <p:cTn id="1" dur="indefinite" restart="never" nodeType="tmRoot"/>
+      </p:par>
+    </p:tnLst>
+  </p:timing>
+</p:sld>
+</file>
+
+<file path=ppt/slides/slide16.xml><?xml version="1.0" encoding="utf-8"?>
+<p:sld xmlns:a="http://schemas.openxmlformats.org/drawingml/2006/main" xmlns:r="http://schemas.openxmlformats.org/officeDocument/2006/relationships" xmlns:p="http://schemas.openxmlformats.org/presentationml/2006/main">
+  <p:cSld>
+    <p:spTree>
+      <p:nvGrpSpPr>
+        <p:cNvPr id="1" name=""/>
+        <p:cNvGrpSpPr/>
+        <p:nvPr/>
+      </p:nvGrpSpPr>
+      <p:grpSpPr>
+        <a:xfrm>
+          <a:off x="0" y="0"/>
+          <a:ext cx="0" cy="0"/>
+          <a:chOff x="0" y="0"/>
+          <a:chExt cx="0" cy="0"/>
+        </a:xfrm>
+      </p:grpSpPr>
+      <p:sp>
+        <p:nvSpPr>
+          <p:cNvPr id="2" name="Title 1"/>
+          <p:cNvSpPr>
+            <a:spLocks noGrp="1"/>
+          </p:cNvSpPr>
+          <p:nvPr>
+            <p:ph type="title"/>
+          </p:nvPr>
+        </p:nvSpPr>
+        <p:spPr/>
+        <p:txBody>
+          <a:bodyPr/>
+          <a:lstStyle/>
+          <a:p>
+            <a:r>
+              <a:rPr lang="en-US" smtClean="0"/>
+              <a:t>Kết quả</a:t>
+            </a:r>
+            <a:endParaRPr lang="en-US"/>
+          </a:p>
+        </p:txBody>
+      </p:sp>
+      <p:sp>
+        <p:nvSpPr>
+          <p:cNvPr id="3" name="Content Placeholder 2"/>
+          <p:cNvSpPr>
+            <a:spLocks noGrp="1"/>
+          </p:cNvSpPr>
+          <p:nvPr>
+            <p:ph idx="1"/>
+          </p:nvPr>
+        </p:nvSpPr>
+        <p:spPr>
+          <a:xfrm>
+            <a:off x="838200" y="1817533"/>
+            <a:ext cx="10515600" cy="4351338"/>
+          </a:xfrm>
+        </p:spPr>
+        <p:txBody>
+          <a:bodyPr>
+            <a:normAutofit/>
+          </a:bodyPr>
+          <a:lstStyle/>
+          <a:p>
+            <a:r>
+              <a:rPr lang="en-US"/>
+              <a:t>Hạn chế:</a:t>
+            </a:r>
+          </a:p>
+          <a:p>
+            <a:pPr lvl="1"/>
+            <a:r>
+              <a:rPr lang="en-US"/>
+              <a:t>Trang web chưa tự động thay đổi kích thước phù hợp với nhiều loại màn hình. Đặc biệt là màn hình trên các loại điện thoại di động.</a:t>
+            </a:r>
+          </a:p>
+          <a:p>
+            <a:pPr lvl="1"/>
+            <a:r>
+              <a:rPr lang="en-US"/>
+              <a:t>Chưa hiện thực phân trang cho cột manager, admin, backupset.</a:t>
+            </a:r>
+            <a:endParaRPr lang="en-US" smtClean="0"/>
+          </a:p>
+        </p:txBody>
+      </p:sp>
+    </p:spTree>
+    <p:extLst>
+      <p:ext uri="{BB962C8B-B14F-4D97-AF65-F5344CB8AC3E}">
+        <p14:creationId xmlns:p14="http://schemas.microsoft.com/office/powerpoint/2010/main" val="1134757239"/>
+      </p:ext>
+    </p:extLst>
+  </p:cSld>
+  <p:clrMapOvr>
+    <a:masterClrMapping/>
+  </p:clrMapOvr>
+  <p:timing>
+    <p:tnLst>
+      <p:par>
+        <p:cTn id="1" dur="indefinite" restart="never" nodeType="tmRoot"/>
+      </p:par>
+    </p:tnLst>
+  </p:timing>
+</p:sld>
+</file>
+
+<file path=ppt/slides/slide2.xml><?xml version="1.0" encoding="utf-8"?>
+<p:sld xmlns:a="http://schemas.openxmlformats.org/drawingml/2006/main" xmlns:r="http://schemas.openxmlformats.org/officeDocument/2006/relationships" xmlns:p="http://schemas.openxmlformats.org/presentationml/2006/main">
+  <p:cSld>
+    <p:spTree>
+      <p:nvGrpSpPr>
+        <p:cNvPr id="1" name=""/>
+        <p:cNvGrpSpPr/>
+        <p:nvPr/>
+      </p:nvGrpSpPr>
+      <p:grpSpPr>
+        <a:xfrm>
+          <a:off x="0" y="0"/>
+          <a:ext cx="0" cy="0"/>
+          <a:chOff x="0" y="0"/>
+          <a:chExt cx="0" cy="0"/>
+        </a:xfrm>
+      </p:grpSpPr>
+      <p:sp>
+        <p:nvSpPr>
+          <p:cNvPr id="2" name="Title 1"/>
+          <p:cNvSpPr>
+            <a:spLocks noGrp="1"/>
+          </p:cNvSpPr>
+          <p:nvPr>
+            <p:ph type="title"/>
+          </p:nvPr>
+        </p:nvSpPr>
+        <p:spPr/>
+        <p:txBody>
+          <a:bodyPr/>
+          <a:lstStyle/>
+          <a:p>
+            <a:r>
+              <a:rPr lang="en-US" smtClean="0"/>
+              <a:t>Nội dung</a:t>
+            </a:r>
+            <a:endParaRPr lang="en-US"/>
+          </a:p>
+        </p:txBody>
+      </p:sp>
+      <p:sp>
+        <p:nvSpPr>
+          <p:cNvPr id="3" name="Content Placeholder 2"/>
+          <p:cNvSpPr>
+            <a:spLocks noGrp="1"/>
+          </p:cNvSpPr>
+          <p:nvPr>
+            <p:ph idx="1"/>
+          </p:nvPr>
+        </p:nvSpPr>
+        <p:spPr/>
+        <p:txBody>
+          <a:bodyPr/>
+          <a:lstStyle/>
+          <a:p>
+            <a:r>
+              <a:rPr lang="en-US" smtClean="0"/>
+              <a:t>Giới thiệu về công ty thực tập</a:t>
+            </a:r>
+          </a:p>
+          <a:p>
+            <a:r>
+              <a:rPr lang="en-US" smtClean="0"/>
+              <a:t>Nội dung công việc thực tập</a:t>
+            </a:r>
+          </a:p>
+          <a:p>
+            <a:r>
+              <a:rPr lang="en-US" smtClean="0"/>
+              <a:t>Kết quả đạt được.</a:t>
+            </a:r>
+            <a:endParaRPr lang="en-US"/>
+          </a:p>
+        </p:txBody>
+      </p:sp>
+    </p:spTree>
+    <p:extLst>
+      <p:ext uri="{BB962C8B-B14F-4D97-AF65-F5344CB8AC3E}">
+        <p14:creationId xmlns:p14="http://schemas.microsoft.com/office/powerpoint/2010/main" val="3328964774"/>
+      </p:ext>
+    </p:extLst>
+  </p:cSld>
+  <p:clrMapOvr>
+    <a:masterClrMapping/>
+  </p:clrMapOvr>
+  <p:timing>
+    <p:tnLst>
+      <p:par>
+        <p:cTn id="1" dur="indefinite" restart="never" nodeType="tmRoot"/>
+      </p:par>
+    </p:tnLst>
+  </p:timing>
+</p:sld>
+</file>
+
+<file path=ppt/slides/slide3.xml><?xml version="1.0" encoding="utf-8"?>
+<p:sld xmlns:a="http://schemas.openxmlformats.org/drawingml/2006/main" xmlns:r="http://schemas.openxmlformats.org/officeDocument/2006/relationships" xmlns:p="http://schemas.openxmlformats.org/presentationml/2006/main">
+  <p:cSld>
+    <p:spTree>
+      <p:nvGrpSpPr>
+        <p:cNvPr id="1" name=""/>
+        <p:cNvGrpSpPr/>
+        <p:nvPr/>
+      </p:nvGrpSpPr>
+      <p:grpSpPr>
+        <a:xfrm>
+          <a:off x="0" y="0"/>
+          <a:ext cx="0" cy="0"/>
+          <a:chOff x="0" y="0"/>
+          <a:chExt cx="0" cy="0"/>
+        </a:xfrm>
+      </p:grpSpPr>
+      <p:sp>
+        <p:nvSpPr>
+          <p:cNvPr id="2" name="Title 1"/>
+          <p:cNvSpPr>
+            <a:spLocks noGrp="1"/>
+          </p:cNvSpPr>
+          <p:nvPr>
+            <p:ph type="title"/>
+          </p:nvPr>
+        </p:nvSpPr>
+        <p:spPr/>
+        <p:txBody>
+          <a:bodyPr/>
+          <a:lstStyle/>
+          <a:p>
+            <a:r>
+              <a:rPr lang="en-US" smtClean="0"/>
+              <a:t>Giới thiệu về công ty thực tập</a:t>
+            </a:r>
+            <a:endParaRPr lang="en-US"/>
+          </a:p>
+        </p:txBody>
+      </p:sp>
+      <p:sp>
+        <p:nvSpPr>
+          <p:cNvPr id="3" name="Content Placeholder 2"/>
+          <p:cNvSpPr>
+            <a:spLocks noGrp="1"/>
+          </p:cNvSpPr>
+          <p:nvPr>
+            <p:ph idx="1"/>
+          </p:nvPr>
+        </p:nvSpPr>
+        <p:spPr/>
+        <p:txBody>
+          <a:bodyPr/>
+          <a:lstStyle/>
+          <a:p>
+            <a:r>
+              <a:rPr lang="en-US"/>
+              <a:t>Công ty cổ phần công nghệ truyền thông Việt Nam (VNTT) được thành lập vào tháng 01 </a:t>
+            </a:r>
+            <a:r>
+              <a:rPr lang="en-US"/>
+              <a:t>năm </a:t>
+            </a:r>
+            <a:r>
+              <a:rPr lang="en-US" smtClean="0"/>
+              <a:t>2008.</a:t>
+            </a:r>
+          </a:p>
+          <a:p>
+            <a:r>
+              <a:rPr lang="en-US"/>
+              <a:t>Các lĩnh vực kinh doanh tập trung: Dịch vụ truyền thông, khảo sát, tư vấn, lắp đặt, bảo dưỡng các công trình viễn thông, truyền thông, công nghệ thông tin và các công trình liên quan đến quản lý tự động, sản xuất, gia công, cung ứng, xuất khẩu thiết bị điện tử, cơ khí chính xác, tự động, chuyển giao công nghệ, gia công xuất khẩu phần mềm, đại lý các dịch vụ điện thoại, ADSL,…</a:t>
+            </a:r>
+            <a:endParaRPr lang="en-US"/>
+          </a:p>
+        </p:txBody>
+      </p:sp>
+    </p:spTree>
+    <p:extLst>
+      <p:ext uri="{BB962C8B-B14F-4D97-AF65-F5344CB8AC3E}">
+        <p14:creationId xmlns:p14="http://schemas.microsoft.com/office/powerpoint/2010/main" val="3652134519"/>
+      </p:ext>
+    </p:extLst>
+  </p:cSld>
+  <p:clrMapOvr>
+    <a:masterClrMapping/>
+  </p:clrMapOvr>
+  <p:timing>
+    <p:tnLst>
+      <p:par>
+        <p:cTn id="1" dur="indefinite" restart="never" nodeType="tmRoot"/>
+      </p:par>
+    </p:tnLst>
+  </p:timing>
+</p:sld>
+</file>
+
+<file path=ppt/slides/slide4.xml><?xml version="1.0" encoding="utf-8"?>
+<p:sld xmlns:a="http://schemas.openxmlformats.org/drawingml/2006/main" xmlns:r="http://schemas.openxmlformats.org/officeDocument/2006/relationships" xmlns:p="http://schemas.openxmlformats.org/presentationml/2006/main">
+  <p:cSld>
+    <p:spTree>
+      <p:nvGrpSpPr>
+        <p:cNvPr id="1" name=""/>
+        <p:cNvGrpSpPr/>
+        <p:nvPr/>
+      </p:nvGrpSpPr>
+      <p:grpSpPr>
+        <a:xfrm>
+          <a:off x="0" y="0"/>
+          <a:ext cx="0" cy="0"/>
+          <a:chOff x="0" y="0"/>
+          <a:chExt cx="0" cy="0"/>
+        </a:xfrm>
+      </p:grpSpPr>
+      <p:sp>
+        <p:nvSpPr>
+          <p:cNvPr id="2" name="Title 1"/>
+          <p:cNvSpPr>
+            <a:spLocks noGrp="1"/>
+          </p:cNvSpPr>
+          <p:nvPr>
+            <p:ph type="title"/>
+          </p:nvPr>
+        </p:nvSpPr>
+        <p:spPr/>
+        <p:txBody>
+          <a:bodyPr/>
+          <a:lstStyle/>
+          <a:p>
+            <a:r>
+              <a:rPr lang="en-US" smtClean="0"/>
+              <a:t>Nội dung công việc thực tập</a:t>
+            </a:r>
+            <a:endParaRPr lang="en-US"/>
+          </a:p>
+        </p:txBody>
+      </p:sp>
+      <p:sp>
+        <p:nvSpPr>
+          <p:cNvPr id="3" name="Content Placeholder 2"/>
+          <p:cNvSpPr>
+            <a:spLocks noGrp="1"/>
+          </p:cNvSpPr>
+          <p:nvPr>
+            <p:ph idx="1"/>
+          </p:nvPr>
+        </p:nvSpPr>
+        <p:spPr/>
+        <p:txBody>
+          <a:bodyPr/>
+          <a:lstStyle/>
+          <a:p>
+            <a:r>
+              <a:rPr lang="en-US" smtClean="0"/>
+              <a:t>Tham gia xây dựng web portal cho dịch </a:t>
+            </a:r>
+            <a:r>
+              <a:rPr lang="en-US" smtClean="0"/>
+              <a:t>vụ </a:t>
+            </a:r>
+            <a:r>
+              <a:rPr lang="en-US" smtClean="0"/>
+              <a:t>cloudbackup.</a:t>
+            </a:r>
+          </a:p>
+          <a:p>
+            <a:r>
+              <a:rPr lang="en-US" smtClean="0"/>
+              <a:t>Công việc gồm 2 thành phần chính:</a:t>
+            </a:r>
+          </a:p>
+          <a:p>
+            <a:pPr lvl="1"/>
+            <a:r>
+              <a:rPr lang="en-US" smtClean="0"/>
+              <a:t>Dashboard</a:t>
+            </a:r>
+          </a:p>
+          <a:p>
+            <a:pPr lvl="1"/>
+            <a:r>
+              <a:rPr lang="en-US" smtClean="0"/>
+              <a:t>Phân tích dữ liệu</a:t>
+            </a:r>
+            <a:endParaRPr lang="en-US"/>
+          </a:p>
+        </p:txBody>
+      </p:sp>
+    </p:spTree>
+    <p:extLst>
+      <p:ext uri="{BB962C8B-B14F-4D97-AF65-F5344CB8AC3E}">
+        <p14:creationId xmlns:p14="http://schemas.microsoft.com/office/powerpoint/2010/main" val="2078462675"/>
+      </p:ext>
+    </p:extLst>
+  </p:cSld>
+  <p:clrMapOvr>
+    <a:masterClrMapping/>
+  </p:clrMapOvr>
+  <p:timing>
+    <p:tnLst>
+      <p:par>
+        <p:cTn id="1" dur="indefinite" restart="never" nodeType="tmRoot"/>
+      </p:par>
+    </p:tnLst>
+  </p:timing>
+</p:sld>
+</file>
+
+<file path=ppt/slides/slide5.xml><?xml version="1.0" encoding="utf-8"?>
+<p:sld xmlns:a="http://schemas.openxmlformats.org/drawingml/2006/main" xmlns:r="http://schemas.openxmlformats.org/officeDocument/2006/relationships" xmlns:p="http://schemas.openxmlformats.org/presentationml/2006/main">
+  <p:cSld>
+    <p:spTree>
+      <p:nvGrpSpPr>
+        <p:cNvPr id="1" name=""/>
+        <p:cNvGrpSpPr/>
+        <p:nvPr/>
+      </p:nvGrpSpPr>
+      <p:grpSpPr>
+        <a:xfrm>
+          <a:off x="0" y="0"/>
+          <a:ext cx="0" cy="0"/>
+          <a:chOff x="0" y="0"/>
+          <a:chExt cx="0" cy="0"/>
+        </a:xfrm>
+      </p:grpSpPr>
+      <p:sp>
+        <p:nvSpPr>
+          <p:cNvPr id="2" name="Title 1"/>
+          <p:cNvSpPr>
+            <a:spLocks noGrp="1"/>
+          </p:cNvSpPr>
+          <p:nvPr>
+            <p:ph type="title"/>
+          </p:nvPr>
+        </p:nvSpPr>
+        <p:spPr/>
+        <p:txBody>
+          <a:bodyPr/>
+          <a:lstStyle/>
+          <a:p>
+            <a:r>
+              <a:rPr lang="en-US" smtClean="0"/>
+              <a:t>Giới thiệu về Cloud Backup</a:t>
+            </a:r>
+            <a:endParaRPr lang="en-US"/>
+          </a:p>
+        </p:txBody>
+      </p:sp>
+      <p:sp>
+        <p:nvSpPr>
+          <p:cNvPr id="3" name="Content Placeholder 2"/>
+          <p:cNvSpPr>
+            <a:spLocks noGrp="1"/>
+          </p:cNvSpPr>
+          <p:nvPr>
+            <p:ph idx="1"/>
+          </p:nvPr>
+        </p:nvSpPr>
+        <p:spPr/>
+        <p:txBody>
+          <a:bodyPr/>
+          <a:lstStyle/>
+          <a:p>
+            <a:r>
+              <a:rPr lang="en-US"/>
+              <a:t>vGuard Cloud Backup (Online Backup) là dịch vụ sao lưu dữ liệu trong máy tính KH (server, desktop, laptop) về lưu trữ tại Data Center VNTT thông qua kết nối </a:t>
+            </a:r>
+            <a:r>
+              <a:rPr lang="en-US"/>
+              <a:t>Internet</a:t>
+            </a:r>
+            <a:r>
+              <a:rPr lang="en-US" smtClean="0"/>
+              <a:t>.</a:t>
+            </a:r>
+            <a:endParaRPr lang="en-US"/>
+          </a:p>
+        </p:txBody>
+      </p:sp>
+    </p:spTree>
+    <p:extLst>
+      <p:ext uri="{BB962C8B-B14F-4D97-AF65-F5344CB8AC3E}">
+        <p14:creationId xmlns:p14="http://schemas.microsoft.com/office/powerpoint/2010/main" val="3380060830"/>
+      </p:ext>
+    </p:extLst>
+  </p:cSld>
+  <p:clrMapOvr>
+    <a:masterClrMapping/>
+  </p:clrMapOvr>
+</p:sld>
+</file>
+
+<file path=ppt/slides/slide6.xml><?xml version="1.0" encoding="utf-8"?>
+<p:sld xmlns:a="http://schemas.openxmlformats.org/drawingml/2006/main" xmlns:r="http://schemas.openxmlformats.org/officeDocument/2006/relationships" xmlns:p="http://schemas.openxmlformats.org/presentationml/2006/main">
+  <p:cSld>
+    <p:spTree>
+      <p:nvGrpSpPr>
+        <p:cNvPr id="1" name=""/>
+        <p:cNvGrpSpPr/>
+        <p:nvPr/>
+      </p:nvGrpSpPr>
+      <p:grpSpPr>
+        <a:xfrm>
+          <a:off x="0" y="0"/>
+          <a:ext cx="0" cy="0"/>
+          <a:chOff x="0" y="0"/>
+          <a:chExt cx="0" cy="0"/>
+        </a:xfrm>
+      </p:grpSpPr>
+      <p:sp>
+        <p:nvSpPr>
+          <p:cNvPr id="2" name="Title 1"/>
+          <p:cNvSpPr>
+            <a:spLocks noGrp="1"/>
+          </p:cNvSpPr>
+          <p:nvPr>
+            <p:ph type="title"/>
+          </p:nvPr>
+        </p:nvSpPr>
+        <p:spPr/>
+        <p:txBody>
+          <a:bodyPr/>
+          <a:lstStyle/>
+          <a:p>
+            <a:r>
+              <a:rPr lang="en-US" smtClean="0"/>
+              <a:t>Dashboard</a:t>
+            </a:r>
+            <a:endParaRPr lang="en-US"/>
+          </a:p>
+        </p:txBody>
+      </p:sp>
+      <p:pic>
+        <p:nvPicPr>
+          <p:cNvPr id="5" name="Picture 4"/>
+          <p:cNvPicPr>
+            <a:picLocks noChangeAspect="1"/>
+          </p:cNvPicPr>
+          <p:nvPr/>
+        </p:nvPicPr>
+        <p:blipFill>
+          <a:blip r:embed="rId2"/>
+          <a:stretch>
+            <a:fillRect/>
+          </a:stretch>
+        </p:blipFill>
+        <p:spPr>
+          <a:xfrm>
+            <a:off x="3483662" y="501707"/>
+            <a:ext cx="8282547" cy="5869466"/>
+          </a:xfrm>
+          <a:prstGeom prst="rect">
+            <a:avLst/>
+          </a:prstGeom>
+        </p:spPr>
+      </p:pic>
+    </p:spTree>
+    <p:extLst>
+      <p:ext uri="{BB962C8B-B14F-4D97-AF65-F5344CB8AC3E}">
+        <p14:creationId xmlns:p14="http://schemas.microsoft.com/office/powerpoint/2010/main" val="1510505101"/>
+      </p:ext>
+    </p:extLst>
+  </p:cSld>
+  <p:clrMapOvr>
+    <a:masterClrMapping/>
+  </p:clrMapOvr>
+  <p:timing>
+    <p:tnLst>
+      <p:par>
+        <p:cTn id="1" dur="indefinite" restart="never" nodeType="tmRoot"/>
+      </p:par>
+    </p:tnLst>
+  </p:timing>
+</p:sld>
+</file>
+
+<file path=ppt/slides/slide7.xml><?xml version="1.0" encoding="utf-8"?>
+<p:sld xmlns:a="http://schemas.openxmlformats.org/drawingml/2006/main" xmlns:r="http://schemas.openxmlformats.org/officeDocument/2006/relationships" xmlns:p="http://schemas.openxmlformats.org/presentationml/2006/main">
+  <p:cSld>
+    <p:spTree>
+      <p:nvGrpSpPr>
+        <p:cNvPr id="1" name=""/>
+        <p:cNvGrpSpPr/>
+        <p:nvPr/>
+      </p:nvGrpSpPr>
+      <p:grpSpPr>
+        <a:xfrm>
+          <a:off x="0" y="0"/>
+          <a:ext cx="0" cy="0"/>
+          <a:chOff x="0" y="0"/>
+          <a:chExt cx="0" cy="0"/>
+        </a:xfrm>
+      </p:grpSpPr>
+      <p:sp>
+        <p:nvSpPr>
+          <p:cNvPr id="2" name="Title 1"/>
+          <p:cNvSpPr>
+            <a:spLocks noGrp="1"/>
+          </p:cNvSpPr>
+          <p:nvPr>
+            <p:ph type="title"/>
+          </p:nvPr>
+        </p:nvSpPr>
+        <p:spPr/>
+        <p:txBody>
+          <a:bodyPr/>
+          <a:lstStyle/>
+          <a:p>
+            <a:r>
+              <a:rPr lang="en-US" smtClean="0"/>
+              <a:t>Dashboard</a:t>
+            </a:r>
+            <a:endParaRPr lang="en-US"/>
+          </a:p>
+        </p:txBody>
+      </p:sp>
+      <p:sp>
+        <p:nvSpPr>
+          <p:cNvPr id="3" name="Content Placeholder 2"/>
+          <p:cNvSpPr>
+            <a:spLocks noGrp="1"/>
+          </p:cNvSpPr>
+          <p:nvPr>
+            <p:ph idx="1"/>
+          </p:nvPr>
+        </p:nvSpPr>
+        <p:spPr/>
+        <p:txBody>
+          <a:bodyPr/>
+          <a:lstStyle/>
+          <a:p>
+            <a:r>
+              <a:rPr lang="en-US" smtClean="0"/>
+              <a:t>Trải nghiệm người dùng</a:t>
+            </a:r>
+          </a:p>
+          <a:p>
+            <a:pPr marL="0" indent="0">
+              <a:buNone/>
+            </a:pPr>
+            <a:endParaRPr lang="en-US"/>
+          </a:p>
+        </p:txBody>
+      </p:sp>
+    </p:spTree>
+    <p:extLst>
+      <p:ext uri="{BB962C8B-B14F-4D97-AF65-F5344CB8AC3E}">
+        <p14:creationId xmlns:p14="http://schemas.microsoft.com/office/powerpoint/2010/main" val="238977092"/>
+      </p:ext>
+    </p:extLst>
+  </p:cSld>
+  <p:clrMapOvr>
+    <a:masterClrMapping/>
+  </p:clrMapOvr>
+  <p:timing>
+    <p:tnLst>
+      <p:par>
+        <p:cTn id="1" dur="indefinite" restart="never" nodeType="tmRoot"/>
+      </p:par>
+    </p:tnLst>
+  </p:timing>
+</p:sld>
+</file>
+
+<file path=ppt/slides/slide8.xml><?xml version="1.0" encoding="utf-8"?>
+<p:sld xmlns:a="http://schemas.openxmlformats.org/drawingml/2006/main" xmlns:r="http://schemas.openxmlformats.org/officeDocument/2006/relationships" xmlns:p="http://schemas.openxmlformats.org/presentationml/2006/main">
+  <p:cSld>
+    <p:spTree>
+      <p:nvGrpSpPr>
+        <p:cNvPr id="1" name=""/>
+        <p:cNvGrpSpPr/>
+        <p:nvPr/>
+      </p:nvGrpSpPr>
+      <p:grpSpPr>
+        <a:xfrm>
+          <a:off x="0" y="0"/>
+          <a:ext cx="0" cy="0"/>
+          <a:chOff x="0" y="0"/>
+          <a:chExt cx="0" cy="0"/>
+        </a:xfrm>
+      </p:grpSpPr>
+      <p:sp>
+        <p:nvSpPr>
+          <p:cNvPr id="2" name="Title 1"/>
+          <p:cNvSpPr>
+            <a:spLocks noGrp="1"/>
+          </p:cNvSpPr>
+          <p:nvPr>
+            <p:ph type="title"/>
+          </p:nvPr>
+        </p:nvSpPr>
+        <p:spPr/>
+        <p:txBody>
+          <a:bodyPr/>
+          <a:lstStyle/>
+          <a:p>
+            <a:r>
+              <a:rPr lang="en-US" dirty="0" err="1" smtClean="0"/>
+              <a:t>Các</a:t>
+            </a:r>
+            <a:r>
+              <a:rPr lang="en-US" dirty="0" smtClean="0"/>
+              <a:t> </a:t>
+            </a:r>
+            <a:r>
+              <a:rPr lang="en-US" dirty="0" err="1" smtClean="0"/>
+              <a:t>vấn</a:t>
+            </a:r>
+            <a:r>
+              <a:rPr lang="en-US" dirty="0" smtClean="0"/>
+              <a:t> </a:t>
+            </a:r>
+            <a:r>
+              <a:rPr lang="en-US" dirty="0" err="1" smtClean="0"/>
+              <a:t>đề</a:t>
+            </a:r>
+            <a:r>
+              <a:rPr lang="en-US" dirty="0" smtClean="0"/>
+              <a:t> </a:t>
+            </a:r>
+            <a:r>
+              <a:rPr lang="en-US" dirty="0" err="1" smtClean="0"/>
+              <a:t>về</a:t>
+            </a:r>
+            <a:r>
+              <a:rPr lang="en-US" dirty="0" smtClean="0"/>
+              <a:t> </a:t>
+            </a:r>
+            <a:r>
+              <a:rPr lang="en-US" dirty="0" err="1" smtClean="0"/>
+              <a:t>dữ</a:t>
+            </a:r>
+            <a:r>
+              <a:rPr lang="en-US" dirty="0" smtClean="0"/>
+              <a:t> </a:t>
+            </a:r>
+            <a:r>
+              <a:rPr lang="en-US" dirty="0" err="1" smtClean="0"/>
+              <a:t>liệu</a:t>
+            </a:r>
+            <a:endParaRPr lang="en-US" dirty="0"/>
+          </a:p>
+        </p:txBody>
+      </p:sp>
+      <p:sp>
+        <p:nvSpPr>
+          <p:cNvPr id="3" name="Content Placeholder 2"/>
+          <p:cNvSpPr>
+            <a:spLocks noGrp="1"/>
+          </p:cNvSpPr>
+          <p:nvPr>
+            <p:ph idx="1"/>
+          </p:nvPr>
+        </p:nvSpPr>
+        <p:spPr/>
+        <p:txBody>
+          <a:bodyPr/>
+          <a:lstStyle/>
+          <a:p>
+            <a:r>
+              <a:rPr lang="en-US" dirty="0" err="1" smtClean="0"/>
+              <a:t>Dữ</a:t>
+            </a:r>
+            <a:r>
+              <a:rPr lang="en-US" dirty="0" smtClean="0"/>
+              <a:t> </a:t>
+            </a:r>
+            <a:r>
+              <a:rPr lang="en-US" dirty="0" err="1" smtClean="0"/>
+              <a:t>liệu</a:t>
+            </a:r>
+            <a:r>
+              <a:rPr lang="en-US" dirty="0" smtClean="0"/>
+              <a:t> </a:t>
+            </a:r>
+            <a:r>
+              <a:rPr lang="en-US" dirty="0" err="1" smtClean="0"/>
+              <a:t>Obs</a:t>
+            </a:r>
+            <a:r>
+              <a:rPr lang="en-US" dirty="0" smtClean="0"/>
+              <a:t> Server </a:t>
+            </a:r>
+            <a:r>
+              <a:rPr lang="en-US" dirty="0" err="1" smtClean="0"/>
+              <a:t>dưới</a:t>
+            </a:r>
+            <a:r>
+              <a:rPr lang="en-US" dirty="0" smtClean="0"/>
+              <a:t> </a:t>
+            </a:r>
+            <a:r>
+              <a:rPr lang="en-US" dirty="0" err="1" smtClean="0"/>
+              <a:t>dạng</a:t>
+            </a:r>
+            <a:r>
+              <a:rPr lang="en-US" dirty="0" smtClean="0"/>
+              <a:t> XML.</a:t>
+            </a:r>
+          </a:p>
+          <a:p>
+            <a:r>
+              <a:rPr lang="en-US" dirty="0" err="1" smtClean="0"/>
+              <a:t>Khối</a:t>
+            </a:r>
+            <a:r>
+              <a:rPr lang="en-US" dirty="0" smtClean="0"/>
+              <a:t> </a:t>
+            </a:r>
+            <a:r>
+              <a:rPr lang="en-US" dirty="0" err="1" smtClean="0"/>
+              <a:t>lượng</a:t>
+            </a:r>
+            <a:r>
+              <a:rPr lang="en-US" dirty="0" smtClean="0"/>
+              <a:t> </a:t>
+            </a:r>
+            <a:r>
+              <a:rPr lang="en-US" dirty="0" err="1" smtClean="0"/>
+              <a:t>dữ</a:t>
+            </a:r>
+            <a:r>
+              <a:rPr lang="en-US" dirty="0" smtClean="0"/>
+              <a:t> </a:t>
+            </a:r>
+            <a:r>
+              <a:rPr lang="en-US" dirty="0" err="1" smtClean="0"/>
+              <a:t>liệu</a:t>
+            </a:r>
+            <a:r>
+              <a:rPr lang="en-US" dirty="0" smtClean="0"/>
+              <a:t> </a:t>
+            </a:r>
+            <a:r>
+              <a:rPr lang="en-US" dirty="0" err="1" smtClean="0"/>
+              <a:t>lớn</a:t>
+            </a:r>
+            <a:r>
+              <a:rPr lang="en-US" dirty="0" smtClean="0"/>
+              <a:t>.</a:t>
+            </a:r>
+          </a:p>
+          <a:p>
+            <a:r>
+              <a:rPr lang="en-US" dirty="0" err="1" smtClean="0"/>
+              <a:t>Không</a:t>
+            </a:r>
+            <a:r>
+              <a:rPr lang="en-US" dirty="0" smtClean="0"/>
+              <a:t> </a:t>
+            </a:r>
+            <a:r>
+              <a:rPr lang="en-US" dirty="0" err="1" smtClean="0"/>
+              <a:t>có</a:t>
+            </a:r>
+            <a:r>
+              <a:rPr lang="en-US" dirty="0" smtClean="0"/>
+              <a:t> </a:t>
+            </a:r>
+            <a:r>
+              <a:rPr lang="en-US" dirty="0" err="1" smtClean="0"/>
+              <a:t>đặc</a:t>
+            </a:r>
+            <a:r>
+              <a:rPr lang="en-US" dirty="0" smtClean="0"/>
+              <a:t> </a:t>
+            </a:r>
+            <a:r>
+              <a:rPr lang="en-US" dirty="0" err="1" smtClean="0"/>
+              <a:t>tả</a:t>
+            </a:r>
+            <a:r>
+              <a:rPr lang="en-US" dirty="0" smtClean="0"/>
+              <a:t> </a:t>
+            </a:r>
+            <a:r>
+              <a:rPr lang="en-US" dirty="0" err="1" smtClean="0"/>
+              <a:t>cấu</a:t>
+            </a:r>
+            <a:r>
+              <a:rPr lang="en-US" dirty="0" smtClean="0"/>
+              <a:t> </a:t>
+            </a:r>
+            <a:r>
+              <a:rPr lang="en-US" dirty="0" err="1" smtClean="0"/>
+              <a:t>trúc</a:t>
+            </a:r>
+            <a:r>
+              <a:rPr lang="en-US" dirty="0" smtClean="0"/>
+              <a:t> </a:t>
+            </a:r>
+            <a:r>
+              <a:rPr lang="en-US" dirty="0" err="1" smtClean="0"/>
+              <a:t>dữ</a:t>
+            </a:r>
+            <a:r>
+              <a:rPr lang="en-US" dirty="0" smtClean="0"/>
+              <a:t> </a:t>
+            </a:r>
+            <a:r>
+              <a:rPr lang="en-US" dirty="0" err="1" smtClean="0"/>
+              <a:t>liệu</a:t>
+            </a:r>
+            <a:r>
+              <a:rPr lang="en-US" dirty="0" smtClean="0"/>
+              <a:t>.</a:t>
+            </a:r>
+          </a:p>
+          <a:p>
+            <a:r>
+              <a:rPr lang="en-US" dirty="0" err="1"/>
+              <a:t>D</a:t>
+            </a:r>
+            <a:r>
+              <a:rPr lang="en-US" dirty="0" err="1" smtClean="0"/>
+              <a:t>ữ</a:t>
+            </a:r>
+            <a:r>
+              <a:rPr lang="en-US" dirty="0" smtClean="0"/>
+              <a:t> </a:t>
+            </a:r>
+            <a:r>
+              <a:rPr lang="en-US" dirty="0" err="1" smtClean="0"/>
+              <a:t>liệu</a:t>
+            </a:r>
+            <a:r>
+              <a:rPr lang="en-US" dirty="0"/>
+              <a:t> </a:t>
+            </a:r>
+            <a:r>
+              <a:rPr lang="en-US" dirty="0" err="1" smtClean="0"/>
+              <a:t>có</a:t>
+            </a:r>
+            <a:r>
+              <a:rPr lang="en-US" dirty="0" smtClean="0"/>
+              <a:t> </a:t>
+            </a:r>
+            <a:r>
+              <a:rPr lang="en-US" dirty="0" err="1" smtClean="0"/>
+              <a:t>tần</a:t>
+            </a:r>
+            <a:r>
+              <a:rPr lang="en-US" dirty="0" smtClean="0"/>
+              <a:t> </a:t>
+            </a:r>
+            <a:r>
+              <a:rPr lang="en-US" dirty="0" err="1" smtClean="0"/>
+              <a:t>suất</a:t>
+            </a:r>
+            <a:r>
+              <a:rPr lang="en-US" dirty="0" smtClean="0"/>
+              <a:t> </a:t>
+            </a:r>
+            <a:r>
+              <a:rPr lang="en-US" dirty="0" err="1" smtClean="0"/>
+              <a:t>truy</a:t>
+            </a:r>
+            <a:r>
+              <a:rPr lang="en-US" dirty="0" smtClean="0"/>
+              <a:t> </a:t>
+            </a:r>
+            <a:r>
+              <a:rPr lang="en-US" dirty="0" err="1" smtClean="0"/>
+              <a:t>xuất</a:t>
+            </a:r>
+            <a:r>
+              <a:rPr lang="en-US" dirty="0" smtClean="0"/>
+              <a:t> </a:t>
+            </a:r>
+            <a:r>
+              <a:rPr lang="en-US" dirty="0" err="1" smtClean="0"/>
+              <a:t>cao</a:t>
+            </a:r>
+            <a:r>
+              <a:rPr lang="en-US" dirty="0" smtClean="0"/>
+              <a:t>.</a:t>
+            </a:r>
+            <a:endParaRPr lang="en-US" dirty="0"/>
+          </a:p>
+        </p:txBody>
+      </p:sp>
+    </p:spTree>
+    <p:extLst>
+      <p:ext uri="{BB962C8B-B14F-4D97-AF65-F5344CB8AC3E}">
+        <p14:creationId xmlns:p14="http://schemas.microsoft.com/office/powerpoint/2010/main" val="2296235705"/>
+      </p:ext>
+    </p:extLst>
+  </p:cSld>
+  <p:clrMapOvr>
+    <a:masterClrMapping/>
+  </p:clrMapOvr>
+  <p:timing>
+    <p:tnLst>
+      <p:par>
+        <p:cTn id="1" dur="indefinite" restart="never" nodeType="tmRoot"/>
+      </p:par>
+    </p:tnLst>
+  </p:timing>
+</p:sld>
+</file>
+
+<file path=ppt/slides/slide9.xml><?xml version="1.0" encoding="utf-8"?>
+<p:sld xmlns:a="http://schemas.openxmlformats.org/drawingml/2006/main" xmlns:r="http://schemas.openxmlformats.org/officeDocument/2006/relationships" xmlns:p="http://schemas.openxmlformats.org/presentationml/2006/main">
+  <p:cSld>
+    <p:spTree>
+      <p:nvGrpSpPr>
+        <p:cNvPr id="1" name=""/>
+        <p:cNvGrpSpPr/>
+        <p:nvPr/>
+      </p:nvGrpSpPr>
+      <p:grpSpPr>
+        <a:xfrm>
+          <a:off x="0" y="0"/>
+          <a:ext cx="0" cy="0"/>
+          <a:chOff x="0" y="0"/>
+          <a:chExt cx="0" cy="0"/>
+        </a:xfrm>
+      </p:grpSpPr>
+      <p:sp>
+        <p:nvSpPr>
+          <p:cNvPr id="2" name="Title 1"/>
+          <p:cNvSpPr>
+            <a:spLocks noGrp="1"/>
+          </p:cNvSpPr>
+          <p:nvPr>
+            <p:ph type="title"/>
+          </p:nvPr>
+        </p:nvSpPr>
+        <p:spPr/>
+        <p:txBody>
+          <a:bodyPr/>
+          <a:lstStyle/>
+          <a:p>
+            <a:r>
+              <a:rPr lang="en-US" dirty="0" err="1" smtClean="0"/>
+              <a:t>Giải</a:t>
+            </a:r>
+            <a:r>
+              <a:rPr lang="en-US" dirty="0" smtClean="0"/>
+              <a:t> </a:t>
+            </a:r>
+            <a:r>
+              <a:rPr lang="en-US" dirty="0" err="1" smtClean="0"/>
+              <a:t>pháp</a:t>
+            </a:r>
+            <a:r>
+              <a:rPr lang="en-US" dirty="0" smtClean="0"/>
+              <a:t> </a:t>
+            </a:r>
+            <a:r>
+              <a:rPr lang="en-US" dirty="0" err="1" smtClean="0"/>
+              <a:t>về</a:t>
+            </a:r>
+            <a:r>
+              <a:rPr lang="en-US" dirty="0" smtClean="0"/>
+              <a:t> </a:t>
+            </a:r>
+            <a:r>
+              <a:rPr lang="en-US" dirty="0" err="1" smtClean="0"/>
+              <a:t>dữ</a:t>
+            </a:r>
+            <a:r>
+              <a:rPr lang="en-US" dirty="0" smtClean="0"/>
+              <a:t> </a:t>
+            </a:r>
+            <a:r>
+              <a:rPr lang="en-US" dirty="0" err="1" smtClean="0"/>
+              <a:t>liệu</a:t>
+            </a:r>
+            <a:endParaRPr lang="vi-VN" dirty="0"/>
+          </a:p>
+        </p:txBody>
+      </p:sp>
+      <p:sp>
+        <p:nvSpPr>
+          <p:cNvPr id="3" name="Content Placeholder 2"/>
+          <p:cNvSpPr>
+            <a:spLocks noGrp="1"/>
+          </p:cNvSpPr>
+          <p:nvPr>
+            <p:ph idx="1"/>
+          </p:nvPr>
+        </p:nvSpPr>
+        <p:spPr/>
+        <p:txBody>
+          <a:bodyPr/>
+          <a:lstStyle/>
+          <a:p>
+            <a:r>
+              <a:rPr lang="en-US" dirty="0" err="1" smtClean="0"/>
+              <a:t>Chuyển</a:t>
+            </a:r>
+            <a:r>
+              <a:rPr lang="en-US" dirty="0" smtClean="0"/>
+              <a:t> </a:t>
+            </a:r>
+            <a:r>
+              <a:rPr lang="en-US" dirty="0" err="1" smtClean="0"/>
+              <a:t>đổi</a:t>
+            </a:r>
+            <a:r>
+              <a:rPr lang="en-US" dirty="0" smtClean="0"/>
+              <a:t> </a:t>
+            </a:r>
+            <a:r>
+              <a:rPr lang="en-US" dirty="0" err="1" smtClean="0"/>
+              <a:t>dữ</a:t>
+            </a:r>
+            <a:r>
+              <a:rPr lang="en-US" dirty="0" smtClean="0"/>
+              <a:t> </a:t>
+            </a:r>
+            <a:r>
+              <a:rPr lang="en-US" dirty="0" err="1" smtClean="0"/>
+              <a:t>liệu</a:t>
+            </a:r>
+            <a:r>
+              <a:rPr lang="en-US" dirty="0" smtClean="0"/>
+              <a:t> XML </a:t>
+            </a:r>
+            <a:r>
+              <a:rPr lang="en-US" dirty="0" err="1" smtClean="0"/>
+              <a:t>thành</a:t>
+            </a:r>
+            <a:r>
+              <a:rPr lang="en-US" dirty="0" smtClean="0"/>
+              <a:t> </a:t>
+            </a:r>
+            <a:r>
+              <a:rPr lang="en-US" dirty="0" err="1" smtClean="0"/>
+              <a:t>các</a:t>
+            </a:r>
+            <a:r>
+              <a:rPr lang="en-US" dirty="0" smtClean="0"/>
+              <a:t> </a:t>
+            </a:r>
+            <a:r>
+              <a:rPr lang="en-US" dirty="0" err="1" smtClean="0"/>
+              <a:t>đối</a:t>
+            </a:r>
+            <a:r>
+              <a:rPr lang="en-US" dirty="0" smtClean="0"/>
+              <a:t> </a:t>
+            </a:r>
+            <a:r>
+              <a:rPr lang="en-US" dirty="0" err="1" smtClean="0"/>
+              <a:t>tượng</a:t>
+            </a:r>
+            <a:r>
+              <a:rPr lang="en-US" dirty="0" smtClean="0"/>
+              <a:t> C#.</a:t>
+            </a:r>
+          </a:p>
+          <a:p>
+            <a:pPr lvl="1"/>
+            <a:r>
+              <a:rPr lang="en-US" dirty="0" smtClean="0"/>
+              <a:t>Object</a:t>
+            </a:r>
+          </a:p>
+          <a:p>
+            <a:pPr lvl="1"/>
+            <a:r>
+              <a:rPr lang="en-US" dirty="0" smtClean="0"/>
+              <a:t>Collection</a:t>
+            </a:r>
+          </a:p>
+          <a:p>
+            <a:pPr lvl="1"/>
+            <a:r>
+              <a:rPr lang="en-US" dirty="0" smtClean="0"/>
+              <a:t>Dictionary</a:t>
+            </a:r>
+          </a:p>
+          <a:p>
+            <a:pPr lvl="1"/>
+            <a:r>
+              <a:rPr lang="en-US" dirty="0" smtClean="0"/>
+              <a:t>Primitive</a:t>
+            </a:r>
+          </a:p>
+          <a:p>
+            <a:r>
+              <a:rPr lang="en-US" dirty="0" smtClean="0"/>
+              <a:t>Cache </a:t>
+            </a:r>
+            <a:r>
+              <a:rPr lang="en-US" dirty="0" err="1" smtClean="0"/>
+              <a:t>các</a:t>
+            </a:r>
+            <a:r>
+              <a:rPr lang="en-US" dirty="0" smtClean="0"/>
+              <a:t> </a:t>
+            </a:r>
+            <a:r>
+              <a:rPr lang="en-US" dirty="0" err="1" smtClean="0"/>
+              <a:t>dữ</a:t>
+            </a:r>
+            <a:r>
+              <a:rPr lang="en-US" dirty="0" smtClean="0"/>
+              <a:t> </a:t>
+            </a:r>
+            <a:r>
+              <a:rPr lang="en-US" dirty="0" err="1" smtClean="0"/>
+              <a:t>liệu</a:t>
+            </a:r>
+            <a:r>
+              <a:rPr lang="en-US" dirty="0" smtClean="0"/>
+              <a:t> </a:t>
+            </a:r>
+            <a:r>
+              <a:rPr lang="en-US" dirty="0" err="1" smtClean="0"/>
+              <a:t>được</a:t>
+            </a:r>
+            <a:r>
+              <a:rPr lang="en-US" dirty="0" smtClean="0"/>
+              <a:t> </a:t>
+            </a:r>
+            <a:r>
+              <a:rPr lang="en-US" dirty="0" err="1" smtClean="0"/>
+              <a:t>truy</a:t>
+            </a:r>
+            <a:r>
+              <a:rPr lang="en-US" dirty="0" smtClean="0"/>
+              <a:t> </a:t>
+            </a:r>
+            <a:r>
+              <a:rPr lang="en-US" dirty="0" err="1" smtClean="0"/>
+              <a:t>xuất</a:t>
+            </a:r>
+            <a:r>
+              <a:rPr lang="en-US" dirty="0" smtClean="0"/>
+              <a:t> </a:t>
+            </a:r>
+            <a:r>
+              <a:rPr lang="en-US" dirty="0" err="1" smtClean="0"/>
+              <a:t>thường</a:t>
+            </a:r>
+            <a:r>
+              <a:rPr lang="en-US" dirty="0" smtClean="0"/>
+              <a:t> </a:t>
+            </a:r>
+            <a:r>
+              <a:rPr lang="en-US" dirty="0" err="1" smtClean="0"/>
+              <a:t>xuyên</a:t>
+            </a:r>
+            <a:r>
+              <a:rPr lang="en-US" dirty="0" smtClean="0"/>
+              <a:t>.</a:t>
+            </a:r>
+            <a:endParaRPr lang="vi-VN" dirty="0"/>
+          </a:p>
+        </p:txBody>
+      </p:sp>
+    </p:spTree>
+    <p:extLst>
+      <p:ext uri="{BB962C8B-B14F-4D97-AF65-F5344CB8AC3E}">
+        <p14:creationId xmlns:p14="http://schemas.microsoft.com/office/powerpoint/2010/main" val="1557009442"/>
+      </p:ext>
+    </p:extLst>
+  </p:cSld>
+  <p:clrMapOvr>
+    <a:masterClrMapping/>
+  </p:clrMapOvr>
+  <p:timing>
+    <p:tnLst>
+      <p:par>
+        <p:cTn id="1" dur="indefinite" restart="never" nodeType="tmRoot"/>
+      </p:par>
+    </p:tnLst>
+  </p:timing>
+</p:sld>
+</file>
+
 <file path=ppt/theme/theme1.xml><?xml version="1.0" encoding="utf-8"?>
 <a:theme xmlns:a="http://schemas.openxmlformats.org/drawingml/2006/main" name="Office Theme">
   <a:themeElements>

--- a/BÁO CÁO THỰC TẬP.pptx
+++ b/BÁO CÁO THỰC TẬP.pptx
@@ -3002,28 +3002,24 @@
         </p:spPr>
         <p:txBody>
           <a:bodyPr>
-            <a:normAutofit fontScale="90000"/>
+            <a:normAutofit/>
           </a:bodyPr>
           <a:lstStyle/>
           <a:p>
             <a:r>
+              <a:rPr lang="en-US" sz="4400" b="1"/>
+              <a:t>BÁO CÁO THỰC TẬP</a:t>
+            </a:r>
+            <a:r>
+              <a:rPr lang="en-US" smtClean="0"/>
+              <a:t/>
+            </a:r>
+            <a:br>
+              <a:rPr lang="en-US" smtClean="0"/>
+            </a:br>
+            <a:r>
               <a:rPr lang="en-US" b="1"/>
-              <a:t>BÁO CÁO THỰC TẬP</a:t>
-            </a:r>
-            <a:r>
-              <a:rPr lang="en-US" smtClean="0"/>
-              <a:t/>
-            </a:r>
-            <a:br>
-              <a:rPr lang="en-US" smtClean="0"/>
-            </a:br>
-            <a:r>
-              <a:rPr lang="en-US" b="1"/>
-              <a:t>Xây dựng web portal cho dịch </a:t>
-            </a:r>
-            <a:r>
-              <a:rPr lang="en-US" b="1"/>
-              <a:t>vụ </a:t>
+              <a:t>Xây dựng web portal cho dịch vụ </a:t>
             </a:r>
             <a:r>
               <a:rPr lang="en-US" b="1" smtClean="0"/>
@@ -3727,10 +3723,10 @@
           <a:lstStyle/>
           <a:p>
             <a:r>
-              <a:rPr lang="en-US" dirty="0" smtClean="0"/>
+              <a:rPr lang="en-US" b="1" dirty="0" smtClean="0"/>
               <a:t>Unit Test</a:t>
             </a:r>
-            <a:endParaRPr lang="vi-VN" dirty="0"/>
+            <a:endParaRPr lang="vi-VN" b="1" dirty="0"/>
           </a:p>
         </p:txBody>
       </p:sp>
@@ -4149,42 +4145,42 @@
           <a:lstStyle/>
           <a:p>
             <a:r>
-              <a:rPr lang="en-US" dirty="0" err="1" smtClean="0"/>
+              <a:rPr lang="en-US" b="1" dirty="0" err="1" smtClean="0"/>
               <a:t>Một</a:t>
             </a:r>
             <a:r>
-              <a:rPr lang="en-US" dirty="0" smtClean="0"/>
-              <a:t> </a:t>
-            </a:r>
-            <a:r>
-              <a:rPr lang="en-US" dirty="0" err="1" smtClean="0"/>
+              <a:rPr lang="en-US" b="1" dirty="0" smtClean="0"/>
+              <a:t> </a:t>
+            </a:r>
+            <a:r>
+              <a:rPr lang="en-US" b="1" dirty="0" err="1" smtClean="0"/>
               <a:t>số</a:t>
             </a:r>
             <a:r>
-              <a:rPr lang="en-US" dirty="0" smtClean="0"/>
-              <a:t> </a:t>
-            </a:r>
-            <a:r>
-              <a:rPr lang="en-US" dirty="0" err="1" smtClean="0"/>
+              <a:rPr lang="en-US" b="1" dirty="0" smtClean="0"/>
+              <a:t> </a:t>
+            </a:r>
+            <a:r>
+              <a:rPr lang="en-US" b="1" dirty="0" err="1" smtClean="0"/>
               <a:t>kĩ</a:t>
             </a:r>
             <a:r>
-              <a:rPr lang="en-US" dirty="0" smtClean="0"/>
-              <a:t> </a:t>
-            </a:r>
-            <a:r>
-              <a:rPr lang="en-US" dirty="0" err="1" smtClean="0"/>
+              <a:rPr lang="en-US" b="1" dirty="0" smtClean="0"/>
+              <a:t> </a:t>
+            </a:r>
+            <a:r>
+              <a:rPr lang="en-US" b="1" dirty="0" err="1" smtClean="0"/>
               <a:t>thuật</a:t>
             </a:r>
             <a:r>
-              <a:rPr lang="en-US" dirty="0" smtClean="0"/>
-              <a:t> </a:t>
-            </a:r>
-            <a:r>
-              <a:rPr lang="en-US" dirty="0" err="1" smtClean="0"/>
+              <a:rPr lang="en-US" b="1" dirty="0" smtClean="0"/>
+              <a:t> </a:t>
+            </a:r>
+            <a:r>
+              <a:rPr lang="en-US" b="1" dirty="0" err="1" smtClean="0"/>
               <a:t>chính</a:t>
             </a:r>
-            <a:endParaRPr lang="vi-VN" dirty="0"/>
+            <a:endParaRPr lang="vi-VN" b="1" dirty="0"/>
           </a:p>
         </p:txBody>
       </p:sp>
@@ -4393,10 +4389,10 @@
           <a:lstStyle/>
           <a:p>
             <a:r>
-              <a:rPr lang="en-US" smtClean="0"/>
+              <a:rPr lang="en-US" b="1" smtClean="0"/>
               <a:t>Kết quả</a:t>
             </a:r>
-            <a:endParaRPr lang="en-US"/>
+            <a:endParaRPr lang="en-US" b="1"/>
           </a:p>
         </p:txBody>
       </p:sp>
@@ -4535,10 +4531,10 @@
           <a:lstStyle/>
           <a:p>
             <a:r>
-              <a:rPr lang="en-US" smtClean="0"/>
+              <a:rPr lang="en-US" b="1" smtClean="0"/>
               <a:t>Kết quả</a:t>
             </a:r>
-            <a:endParaRPr lang="en-US"/>
+            <a:endParaRPr lang="en-US" b="1"/>
           </a:p>
         </p:txBody>
       </p:sp>
@@ -4639,10 +4635,10 @@
           <a:lstStyle/>
           <a:p>
             <a:r>
-              <a:rPr lang="en-US" smtClean="0"/>
+              <a:rPr lang="en-US" b="1" smtClean="0"/>
               <a:t>Nội dung</a:t>
             </a:r>
-            <a:endParaRPr lang="en-US"/>
+            <a:endParaRPr lang="en-US" b="1"/>
           </a:p>
         </p:txBody>
       </p:sp>
@@ -4663,19 +4659,33 @@
           <a:p>
             <a:r>
               <a:rPr lang="en-US" smtClean="0"/>
-              <a:t>Giới thiệu về công ty thực tập</a:t>
-            </a:r>
-          </a:p>
-          <a:p>
-            <a:r>
-              <a:rPr lang="en-US" smtClean="0"/>
-              <a:t>Nội dung công việc thực tập</a:t>
-            </a:r>
-          </a:p>
-          <a:p>
-            <a:r>
-              <a:rPr lang="en-US" smtClean="0"/>
-              <a:t>Kết quả đạt được.</a:t>
+              <a:t>Giới thiệu về công ty thực </a:t>
+            </a:r>
+            <a:r>
+              <a:rPr lang="en-US" smtClean="0"/>
+              <a:t>tập - VNTT</a:t>
+            </a:r>
+            <a:endParaRPr lang="en-US" smtClean="0"/>
+          </a:p>
+          <a:p>
+            <a:r>
+              <a:rPr lang="en-US" smtClean="0"/>
+              <a:t>Nội dung công </a:t>
+            </a:r>
+            <a:r>
+              <a:rPr lang="en-US" smtClean="0"/>
+              <a:t>việc</a:t>
+            </a:r>
+            <a:endParaRPr lang="en-US" smtClean="0"/>
+          </a:p>
+          <a:p>
+            <a:r>
+              <a:rPr lang="en-US" smtClean="0"/>
+              <a:t>Kết quả đạt </a:t>
+            </a:r>
+            <a:r>
+              <a:rPr lang="en-US" smtClean="0"/>
+              <a:t>được</a:t>
             </a:r>
             <a:endParaRPr lang="en-US"/>
           </a:p>
@@ -4734,10 +4744,14 @@
           <a:lstStyle/>
           <a:p>
             <a:r>
-              <a:rPr lang="en-US" smtClean="0"/>
-              <a:t>Giới thiệu về công ty thực tập</a:t>
-            </a:r>
-            <a:endParaRPr lang="en-US"/>
+              <a:rPr lang="en-US" b="1" smtClean="0"/>
+              <a:t>Giới thiệu về công ty thực </a:t>
+            </a:r>
+            <a:r>
+              <a:rPr lang="en-US" b="1" smtClean="0"/>
+              <a:t>tập - VNTT</a:t>
+            </a:r>
+            <a:endParaRPr lang="en-US" b="1"/>
           </a:p>
         </p:txBody>
       </p:sp>
@@ -4758,11 +4772,7 @@
           <a:p>
             <a:r>
               <a:rPr lang="en-US"/>
-              <a:t>Công ty cổ phần công nghệ truyền thông Việt Nam (VNTT) được thành lập vào tháng 01 </a:t>
-            </a:r>
-            <a:r>
-              <a:rPr lang="en-US"/>
-              <a:t>năm </a:t>
+              <a:t>Công ty cổ phần công nghệ truyền thông Việt Nam (VNTT) được thành lập vào tháng 01 năm </a:t>
             </a:r>
             <a:r>
               <a:rPr lang="en-US" smtClean="0"/>
@@ -4774,7 +4784,6 @@
               <a:rPr lang="en-US"/>
               <a:t>Các lĩnh vực kinh doanh tập trung: Dịch vụ truyền thông, khảo sát, tư vấn, lắp đặt, bảo dưỡng các công trình viễn thông, truyền thông, công nghệ thông tin và các công trình liên quan đến quản lý tự động, sản xuất, gia công, cung ứng, xuất khẩu thiết bị điện tử, cơ khí chính xác, tự động, chuyển giao công nghệ, gia công xuất khẩu phần mềm, đại lý các dịch vụ điện thoại, ADSL,…</a:t>
             </a:r>
-            <a:endParaRPr lang="en-US"/>
           </a:p>
         </p:txBody>
       </p:sp>
@@ -4831,10 +4840,14 @@
           <a:lstStyle/>
           <a:p>
             <a:r>
-              <a:rPr lang="en-US" smtClean="0"/>
-              <a:t>Nội dung công việc thực tập</a:t>
-            </a:r>
-            <a:endParaRPr lang="en-US"/>
+              <a:rPr lang="en-US" b="1" smtClean="0"/>
+              <a:t>Nội dung công </a:t>
+            </a:r>
+            <a:r>
+              <a:rPr lang="en-US" b="1" smtClean="0"/>
+              <a:t>việc</a:t>
+            </a:r>
+            <a:endParaRPr lang="en-US" b="1"/>
           </a:p>
         </p:txBody>
       </p:sp>
@@ -4855,15 +4868,7 @@
           <a:p>
             <a:r>
               <a:rPr lang="en-US" smtClean="0"/>
-              <a:t>Tham gia xây dựng web portal cho dịch </a:t>
-            </a:r>
-            <a:r>
-              <a:rPr lang="en-US" smtClean="0"/>
-              <a:t>vụ </a:t>
-            </a:r>
-            <a:r>
-              <a:rPr lang="en-US" smtClean="0"/>
-              <a:t>cloudbackup.</a:t>
+              <a:t>Tham gia xây dựng web portal cho dịch vụ cloudbackup.</a:t>
             </a:r>
           </a:p>
           <a:p>
@@ -4876,8 +4881,9 @@
             <a:pPr lvl="1"/>
             <a:r>
               <a:rPr lang="en-US" smtClean="0"/>
-              <a:t>Dashboard</a:t>
-            </a:r>
+              <a:t>Xây dựng Dashboard</a:t>
+            </a:r>
+            <a:endParaRPr lang="en-US" smtClean="0"/>
           </a:p>
           <a:p>
             <a:pPr lvl="1"/>
@@ -4942,10 +4948,10 @@
           <a:lstStyle/>
           <a:p>
             <a:r>
-              <a:rPr lang="en-US" smtClean="0"/>
+              <a:rPr lang="en-US" b="1" smtClean="0"/>
               <a:t>Giới thiệu về Cloud Backup</a:t>
             </a:r>
-            <a:endParaRPr lang="en-US"/>
+            <a:endParaRPr lang="en-US" b="1"/>
           </a:p>
         </p:txBody>
       </p:sp>
@@ -4966,11 +4972,19 @@
           <a:p>
             <a:r>
               <a:rPr lang="en-US"/>
-              <a:t>vGuard Cloud Backup (Online Backup) là dịch vụ sao lưu dữ liệu trong máy tính KH (server, desktop, laptop) về lưu trữ tại Data Center VNTT thông qua kết nối </a:t>
+              <a:t>vGuard Cloud Backup (Online Backup) là dịch vụ sao lưu dữ liệu trong máy tính </a:t>
+            </a:r>
+            <a:r>
+              <a:rPr lang="en-US" smtClean="0"/>
+              <a:t>khách hàng</a:t>
+            </a:r>
+            <a:r>
+              <a:rPr lang="en-US" smtClean="0"/>
+              <a:t> </a:t>
             </a:r>
             <a:r>
               <a:rPr lang="en-US"/>
-              <a:t>Internet</a:t>
+              <a:t>(server, desktop, laptop) về lưu trữ tại Data Center VNTT thông qua kết nối Internet</a:t>
             </a:r>
             <a:r>
               <a:rPr lang="en-US" smtClean="0"/>
@@ -4990,6 +5004,13 @@
   <p:clrMapOvr>
     <a:masterClrMapping/>
   </p:clrMapOvr>
+  <p:timing>
+    <p:tnLst>
+      <p:par>
+        <p:cTn id="1" dur="indefinite" restart="never" nodeType="tmRoot"/>
+      </p:par>
+    </p:tnLst>
+  </p:timing>
 </p:sld>
 </file>
 
@@ -5026,10 +5047,10 @@
           <a:lstStyle/>
           <a:p>
             <a:r>
-              <a:rPr lang="en-US" smtClean="0"/>
+              <a:rPr lang="en-US" b="1" smtClean="0"/>
               <a:t>Dashboard</a:t>
             </a:r>
-            <a:endParaRPr lang="en-US"/>
+            <a:endParaRPr lang="en-US" b="1"/>
           </a:p>
         </p:txBody>
       </p:sp>
@@ -5057,6 +5078,195 @@
           </a:prstGeom>
         </p:spPr>
       </p:pic>
+      <p:cxnSp>
+        <p:nvCxnSpPr>
+          <p:cNvPr id="4" name="Straight Arrow Connector 3"/>
+          <p:cNvCxnSpPr/>
+          <p:nvPr/>
+        </p:nvCxnSpPr>
+        <p:spPr>
+          <a:xfrm flipV="1">
+            <a:off x="2646096" y="2589451"/>
+            <a:ext cx="1286633" cy="525983"/>
+          </a:xfrm>
+          <a:prstGeom prst="straightConnector1">
+            <a:avLst/>
+          </a:prstGeom>
+          <a:ln>
+            <a:tailEnd type="triangle"/>
+          </a:ln>
+        </p:spPr>
+        <p:style>
+          <a:lnRef idx="3">
+            <a:schemeClr val="accent2"/>
+          </a:lnRef>
+          <a:fillRef idx="0">
+            <a:schemeClr val="accent2"/>
+          </a:fillRef>
+          <a:effectRef idx="2">
+            <a:schemeClr val="accent2"/>
+          </a:effectRef>
+          <a:fontRef idx="minor">
+            <a:schemeClr val="tx1"/>
+          </a:fontRef>
+        </p:style>
+      </p:cxnSp>
+      <p:sp>
+        <p:nvSpPr>
+          <p:cNvPr id="6" name="TextBox 5"/>
+          <p:cNvSpPr txBox="1"/>
+          <p:nvPr/>
+        </p:nvSpPr>
+        <p:spPr>
+          <a:xfrm>
+            <a:off x="1433263" y="2949225"/>
+            <a:ext cx="1212833" cy="369332"/>
+          </a:xfrm>
+          <a:prstGeom prst="rect">
+            <a:avLst/>
+          </a:prstGeom>
+          <a:noFill/>
+        </p:spPr>
+        <p:txBody>
+          <a:bodyPr wrap="none" rtlCol="0">
+            <a:spAutoFit/>
+          </a:bodyPr>
+          <a:lstStyle/>
+          <a:p>
+            <a:r>
+              <a:rPr lang="en-US" smtClean="0"/>
+              <a:t>Backup Set</a:t>
+            </a:r>
+            <a:endParaRPr lang="en-US"/>
+          </a:p>
+        </p:txBody>
+      </p:sp>
+      <p:cxnSp>
+        <p:nvCxnSpPr>
+          <p:cNvPr id="7" name="Straight Arrow Connector 6"/>
+          <p:cNvCxnSpPr/>
+          <p:nvPr/>
+        </p:nvCxnSpPr>
+        <p:spPr>
+          <a:xfrm flipV="1">
+            <a:off x="2421563" y="1827270"/>
+            <a:ext cx="1286633" cy="525983"/>
+          </a:xfrm>
+          <a:prstGeom prst="straightConnector1">
+            <a:avLst/>
+          </a:prstGeom>
+          <a:ln>
+            <a:tailEnd type="triangle"/>
+          </a:ln>
+        </p:spPr>
+        <p:style>
+          <a:lnRef idx="3">
+            <a:schemeClr val="accent2"/>
+          </a:lnRef>
+          <a:fillRef idx="0">
+            <a:schemeClr val="accent2"/>
+          </a:fillRef>
+          <a:effectRef idx="2">
+            <a:schemeClr val="accent2"/>
+          </a:effectRef>
+          <a:fontRef idx="minor">
+            <a:schemeClr val="tx1"/>
+          </a:fontRef>
+        </p:style>
+      </p:cxnSp>
+      <p:sp>
+        <p:nvSpPr>
+          <p:cNvPr id="8" name="TextBox 7"/>
+          <p:cNvSpPr txBox="1"/>
+          <p:nvPr/>
+        </p:nvSpPr>
+        <p:spPr>
+          <a:xfrm>
+            <a:off x="1027313" y="2090261"/>
+            <a:ext cx="1258678" cy="369332"/>
+          </a:xfrm>
+          <a:prstGeom prst="rect">
+            <a:avLst/>
+          </a:prstGeom>
+          <a:noFill/>
+        </p:spPr>
+        <p:txBody>
+          <a:bodyPr wrap="none" rtlCol="0">
+            <a:spAutoFit/>
+          </a:bodyPr>
+          <a:lstStyle/>
+          <a:p>
+            <a:r>
+              <a:rPr lang="en-US" smtClean="0"/>
+              <a:t>Admin user</a:t>
+            </a:r>
+            <a:endParaRPr lang="en-US"/>
+          </a:p>
+        </p:txBody>
+      </p:sp>
+      <p:cxnSp>
+        <p:nvCxnSpPr>
+          <p:cNvPr id="9" name="Straight Arrow Connector 8"/>
+          <p:cNvCxnSpPr/>
+          <p:nvPr/>
+        </p:nvCxnSpPr>
+        <p:spPr>
+          <a:xfrm>
+            <a:off x="2047980" y="4577094"/>
+            <a:ext cx="3320432" cy="80920"/>
+          </a:xfrm>
+          <a:prstGeom prst="straightConnector1">
+            <a:avLst/>
+          </a:prstGeom>
+          <a:ln>
+            <a:tailEnd type="triangle"/>
+          </a:ln>
+        </p:spPr>
+        <p:style>
+          <a:lnRef idx="3">
+            <a:schemeClr val="accent2"/>
+          </a:lnRef>
+          <a:fillRef idx="0">
+            <a:schemeClr val="accent2"/>
+          </a:fillRef>
+          <a:effectRef idx="2">
+            <a:schemeClr val="accent2"/>
+          </a:effectRef>
+          <a:fontRef idx="minor">
+            <a:schemeClr val="tx1"/>
+          </a:fontRef>
+        </p:style>
+      </p:cxnSp>
+      <p:sp>
+        <p:nvSpPr>
+          <p:cNvPr id="12" name="TextBox 11"/>
+          <p:cNvSpPr txBox="1"/>
+          <p:nvPr/>
+        </p:nvSpPr>
+        <p:spPr>
+          <a:xfrm>
+            <a:off x="806393" y="4288682"/>
+            <a:ext cx="1233286" cy="369332"/>
+          </a:xfrm>
+          <a:prstGeom prst="rect">
+            <a:avLst/>
+          </a:prstGeom>
+          <a:noFill/>
+        </p:spPr>
+        <p:txBody>
+          <a:bodyPr wrap="none" rtlCol="0">
+            <a:spAutoFit/>
+          </a:bodyPr>
+          <a:lstStyle/>
+          <a:p>
+            <a:r>
+              <a:rPr lang="en-US" smtClean="0"/>
+              <a:t>Backup Job</a:t>
+            </a:r>
+            <a:endParaRPr lang="en-US"/>
+          </a:p>
+        </p:txBody>
+      </p:sp>
     </p:spTree>
     <p:extLst>
       <p:ext uri="{BB962C8B-B14F-4D97-AF65-F5344CB8AC3E}">
@@ -5110,10 +5320,10 @@
           <a:lstStyle/>
           <a:p>
             <a:r>
-              <a:rPr lang="en-US" smtClean="0"/>
+              <a:rPr lang="en-US" b="1" smtClean="0"/>
               <a:t>Dashboard</a:t>
             </a:r>
-            <a:endParaRPr lang="en-US"/>
+            <a:endParaRPr lang="en-US" b="1"/>
           </a:p>
         </p:txBody>
       </p:sp>
@@ -5127,7 +5337,12 @@
             <p:ph idx="1"/>
           </p:nvPr>
         </p:nvSpPr>
-        <p:spPr/>
+        <p:spPr>
+          <a:xfrm>
+            <a:off x="838200" y="1445299"/>
+            <a:ext cx="10515600" cy="4351338"/>
+          </a:xfrm>
+        </p:spPr>
         <p:txBody>
           <a:bodyPr/>
           <a:lstStyle/>
@@ -5145,6 +5360,69 @@
           </a:p>
         </p:txBody>
       </p:sp>
+      <p:pic>
+        <p:nvPicPr>
+          <p:cNvPr id="4" name="Picture 3"/>
+          <p:cNvPicPr/>
+          <p:nvPr/>
+        </p:nvPicPr>
+        <p:blipFill>
+          <a:blip r:embed="rId2">
+            <a:extLst>
+              <a:ext uri="{28A0092B-C50C-407E-A947-70E740481C1C}">
+                <a14:useLocalDpi xmlns:a14="http://schemas.microsoft.com/office/drawing/2010/main" val="0"/>
+              </a:ext>
+            </a:extLst>
+          </a:blip>
+          <a:srcRect/>
+          <a:stretch>
+            <a:fillRect/>
+          </a:stretch>
+        </p:blipFill>
+        <p:spPr bwMode="auto">
+          <a:xfrm>
+            <a:off x="7536000" y="3696074"/>
+            <a:ext cx="3398065" cy="1612760"/>
+          </a:xfrm>
+          <a:prstGeom prst="rect">
+            <a:avLst/>
+          </a:prstGeom>
+          <a:noFill/>
+          <a:ln>
+            <a:noFill/>
+          </a:ln>
+        </p:spPr>
+      </p:pic>
+      <p:pic>
+        <p:nvPicPr>
+          <p:cNvPr id="6" name="Picture 5"/>
+          <p:cNvPicPr/>
+          <p:nvPr/>
+        </p:nvPicPr>
+        <p:blipFill>
+          <a:blip r:embed="rId3">
+            <a:extLst>
+              <a:ext uri="{28A0092B-C50C-407E-A947-70E740481C1C}">
+                <a14:useLocalDpi xmlns:a14="http://schemas.microsoft.com/office/drawing/2010/main" val="0"/>
+              </a:ext>
+            </a:extLst>
+          </a:blip>
+          <a:srcRect/>
+          <a:stretch>
+            <a:fillRect/>
+          </a:stretch>
+        </p:blipFill>
+        <p:spPr bwMode="auto">
+          <a:xfrm>
+            <a:off x="6096000" y="1058880"/>
+            <a:ext cx="4838065" cy="2228850"/>
+          </a:xfrm>
+          <a:prstGeom prst="rect">
+            <a:avLst/>
+          </a:prstGeom>
+          <a:noFill/>
+        </p:spPr>
+      </p:pic>
     </p:spTree>
     <p:extLst>
       <p:ext uri="{BB962C8B-B14F-4D97-AF65-F5344CB8AC3E}">
@@ -5198,50 +5476,50 @@
           <a:lstStyle/>
           <a:p>
             <a:r>
-              <a:rPr lang="en-US" dirty="0" err="1" smtClean="0"/>
+              <a:rPr lang="en-US" b="1" dirty="0" err="1" smtClean="0"/>
               <a:t>Các</a:t>
             </a:r>
             <a:r>
-              <a:rPr lang="en-US" dirty="0" smtClean="0"/>
-              <a:t> </a:t>
-            </a:r>
-            <a:r>
-              <a:rPr lang="en-US" dirty="0" err="1" smtClean="0"/>
+              <a:rPr lang="en-US" b="1" dirty="0" smtClean="0"/>
+              <a:t> </a:t>
+            </a:r>
+            <a:r>
+              <a:rPr lang="en-US" b="1" dirty="0" err="1" smtClean="0"/>
               <a:t>vấn</a:t>
             </a:r>
             <a:r>
-              <a:rPr lang="en-US" dirty="0" smtClean="0"/>
-              <a:t> </a:t>
-            </a:r>
-            <a:r>
-              <a:rPr lang="en-US" dirty="0" err="1" smtClean="0"/>
+              <a:rPr lang="en-US" b="1" dirty="0" smtClean="0"/>
+              <a:t> </a:t>
+            </a:r>
+            <a:r>
+              <a:rPr lang="en-US" b="1" dirty="0" err="1" smtClean="0"/>
               <a:t>đề</a:t>
             </a:r>
             <a:r>
-              <a:rPr lang="en-US" dirty="0" smtClean="0"/>
-              <a:t> </a:t>
-            </a:r>
-            <a:r>
-              <a:rPr lang="en-US" dirty="0" err="1" smtClean="0"/>
+              <a:rPr lang="en-US" b="1" dirty="0" smtClean="0"/>
+              <a:t> </a:t>
+            </a:r>
+            <a:r>
+              <a:rPr lang="en-US" b="1" dirty="0" err="1" smtClean="0"/>
               <a:t>về</a:t>
             </a:r>
             <a:r>
-              <a:rPr lang="en-US" dirty="0" smtClean="0"/>
-              <a:t> </a:t>
-            </a:r>
-            <a:r>
-              <a:rPr lang="en-US" dirty="0" err="1" smtClean="0"/>
+              <a:rPr lang="en-US" b="1" dirty="0" smtClean="0"/>
+              <a:t> </a:t>
+            </a:r>
+            <a:r>
+              <a:rPr lang="en-US" b="1" dirty="0" err="1" smtClean="0"/>
               <a:t>dữ</a:t>
             </a:r>
             <a:r>
-              <a:rPr lang="en-US" dirty="0" smtClean="0"/>
-              <a:t> </a:t>
-            </a:r>
-            <a:r>
-              <a:rPr lang="en-US" dirty="0" err="1" smtClean="0"/>
+              <a:rPr lang="en-US" b="1" dirty="0" smtClean="0"/>
+              <a:t> </a:t>
+            </a:r>
+            <a:r>
+              <a:rPr lang="en-US" b="1" dirty="0" err="1" smtClean="0"/>
               <a:t>liệu</a:t>
             </a:r>
-            <a:endParaRPr lang="en-US" dirty="0"/>
+            <a:endParaRPr lang="en-US" b="1" dirty="0"/>
           </a:p>
         </p:txBody>
       </p:sp>
@@ -5535,42 +5813,42 @@
           <a:lstStyle/>
           <a:p>
             <a:r>
-              <a:rPr lang="en-US" dirty="0" err="1" smtClean="0"/>
+              <a:rPr lang="en-US" b="1" dirty="0" err="1" smtClean="0"/>
               <a:t>Giải</a:t>
             </a:r>
             <a:r>
-              <a:rPr lang="en-US" dirty="0" smtClean="0"/>
-              <a:t> </a:t>
-            </a:r>
-            <a:r>
-              <a:rPr lang="en-US" dirty="0" err="1" smtClean="0"/>
+              <a:rPr lang="en-US" b="1" dirty="0" smtClean="0"/>
+              <a:t> </a:t>
+            </a:r>
+            <a:r>
+              <a:rPr lang="en-US" b="1" dirty="0" err="1" smtClean="0"/>
               <a:t>pháp</a:t>
             </a:r>
             <a:r>
-              <a:rPr lang="en-US" dirty="0" smtClean="0"/>
-              <a:t> </a:t>
-            </a:r>
-            <a:r>
-              <a:rPr lang="en-US" dirty="0" err="1" smtClean="0"/>
+              <a:rPr lang="en-US" b="1" dirty="0" smtClean="0"/>
+              <a:t> </a:t>
+            </a:r>
+            <a:r>
+              <a:rPr lang="en-US" b="1" dirty="0" err="1" smtClean="0"/>
               <a:t>về</a:t>
             </a:r>
             <a:r>
-              <a:rPr lang="en-US" dirty="0" smtClean="0"/>
-              <a:t> </a:t>
-            </a:r>
-            <a:r>
-              <a:rPr lang="en-US" dirty="0" err="1" smtClean="0"/>
+              <a:rPr lang="en-US" b="1" dirty="0" smtClean="0"/>
+              <a:t> </a:t>
+            </a:r>
+            <a:r>
+              <a:rPr lang="en-US" b="1" dirty="0" err="1" smtClean="0"/>
               <a:t>dữ</a:t>
             </a:r>
             <a:r>
-              <a:rPr lang="en-US" dirty="0" smtClean="0"/>
-              <a:t> </a:t>
-            </a:r>
-            <a:r>
-              <a:rPr lang="en-US" dirty="0" err="1" smtClean="0"/>
+              <a:rPr lang="en-US" b="1" dirty="0" smtClean="0"/>
+              <a:t> </a:t>
+            </a:r>
+            <a:r>
+              <a:rPr lang="en-US" b="1" dirty="0" err="1" smtClean="0"/>
               <a:t>liệu</a:t>
             </a:r>
-            <a:endParaRPr lang="vi-VN" dirty="0"/>
+            <a:endParaRPr lang="vi-VN" b="1" dirty="0"/>
           </a:p>
         </p:txBody>
       </p:sp>

--- a/BÁO CÁO THỰC TẬP.pptx
+++ b/BÁO CÁO THỰC TẬP.pptx
@@ -4080,7 +4080,7 @@
         </p:blipFill>
         <p:spPr bwMode="auto">
           <a:xfrm>
-            <a:off x="1262271" y="1690688"/>
+            <a:off x="1167848" y="1027906"/>
             <a:ext cx="9856304" cy="4882564"/>
           </a:xfrm>
           <a:prstGeom prst="rect">
@@ -4318,7 +4318,7 @@
         </p:blipFill>
         <p:spPr bwMode="auto">
           <a:xfrm>
-            <a:off x="1961321" y="1690688"/>
+            <a:off x="1908312" y="1027906"/>
             <a:ext cx="8375375" cy="4829382"/>
           </a:xfrm>
           <a:prstGeom prst="rect">
@@ -4659,33 +4659,19 @@
           <a:p>
             <a:r>
               <a:rPr lang="en-US" smtClean="0"/>
-              <a:t>Giới thiệu về công ty thực </a:t>
-            </a:r>
-            <a:r>
-              <a:rPr lang="en-US" smtClean="0"/>
-              <a:t>tập - VNTT</a:t>
-            </a:r>
-            <a:endParaRPr lang="en-US" smtClean="0"/>
-          </a:p>
-          <a:p>
-            <a:r>
-              <a:rPr lang="en-US" smtClean="0"/>
-              <a:t>Nội dung công </a:t>
-            </a:r>
-            <a:r>
-              <a:rPr lang="en-US" smtClean="0"/>
-              <a:t>việc</a:t>
-            </a:r>
-            <a:endParaRPr lang="en-US" smtClean="0"/>
-          </a:p>
-          <a:p>
-            <a:r>
-              <a:rPr lang="en-US" smtClean="0"/>
-              <a:t>Kết quả đạt </a:t>
-            </a:r>
-            <a:r>
-              <a:rPr lang="en-US" smtClean="0"/>
-              <a:t>được</a:t>
+              <a:t>Giới thiệu về công ty thực tập - VNTT</a:t>
+            </a:r>
+          </a:p>
+          <a:p>
+            <a:r>
+              <a:rPr lang="en-US" smtClean="0"/>
+              <a:t>Nội dung công việc</a:t>
+            </a:r>
+          </a:p>
+          <a:p>
+            <a:r>
+              <a:rPr lang="en-US" smtClean="0"/>
+              <a:t>Kết quả đạt được</a:t>
             </a:r>
             <a:endParaRPr lang="en-US"/>
           </a:p>
@@ -4745,11 +4731,7 @@
           <a:p>
             <a:r>
               <a:rPr lang="en-US" b="1" smtClean="0"/>
-              <a:t>Giới thiệu về công ty thực </a:t>
-            </a:r>
-            <a:r>
-              <a:rPr lang="en-US" b="1" smtClean="0"/>
-              <a:t>tập - VNTT</a:t>
+              <a:t>Giới thiệu về công ty thực tập - VNTT</a:t>
             </a:r>
             <a:endParaRPr lang="en-US" b="1"/>
           </a:p>
@@ -4841,11 +4823,7 @@
           <a:p>
             <a:r>
               <a:rPr lang="en-US" b="1" smtClean="0"/>
-              <a:t>Nội dung công </a:t>
-            </a:r>
-            <a:r>
-              <a:rPr lang="en-US" b="1" smtClean="0"/>
-              <a:t>việc</a:t>
+              <a:t>Nội dung công việc</a:t>
             </a:r>
             <a:endParaRPr lang="en-US" b="1"/>
           </a:p>
@@ -4883,7 +4861,6 @@
               <a:rPr lang="en-US" smtClean="0"/>
               <a:t>Xây dựng Dashboard</a:t>
             </a:r>
-            <a:endParaRPr lang="en-US" smtClean="0"/>
           </a:p>
           <a:p>
             <a:pPr lvl="1"/>
@@ -4976,11 +4953,7 @@
             </a:r>
             <a:r>
               <a:rPr lang="en-US" smtClean="0"/>
-              <a:t>khách hàng</a:t>
-            </a:r>
-            <a:r>
-              <a:rPr lang="en-US" smtClean="0"/>
-              <a:t> </a:t>
+              <a:t>khách hàng </a:t>
             </a:r>
             <a:r>
               <a:rPr lang="en-US"/>

--- a/BÁO CÁO THỰC TẬP.pptx
+++ b/BÁO CÁO THỰC TẬP.pptx
@@ -8,19 +8,17 @@
     <p:sldId id="256" r:id="rId2"/>
     <p:sldId id="257" r:id="rId3"/>
     <p:sldId id="258" r:id="rId4"/>
-    <p:sldId id="259" r:id="rId5"/>
-    <p:sldId id="271" r:id="rId6"/>
-    <p:sldId id="260" r:id="rId7"/>
-    <p:sldId id="263" r:id="rId8"/>
-    <p:sldId id="261" r:id="rId9"/>
-    <p:sldId id="264" r:id="rId10"/>
-    <p:sldId id="266" r:id="rId11"/>
-    <p:sldId id="265" r:id="rId12"/>
-    <p:sldId id="268" r:id="rId13"/>
-    <p:sldId id="267" r:id="rId14"/>
-    <p:sldId id="269" r:id="rId15"/>
-    <p:sldId id="262" r:id="rId16"/>
-    <p:sldId id="270" r:id="rId17"/>
+    <p:sldId id="271" r:id="rId5"/>
+    <p:sldId id="260" r:id="rId6"/>
+    <p:sldId id="261" r:id="rId7"/>
+    <p:sldId id="264" r:id="rId8"/>
+    <p:sldId id="266" r:id="rId9"/>
+    <p:sldId id="265" r:id="rId10"/>
+    <p:sldId id="268" r:id="rId11"/>
+    <p:sldId id="267" r:id="rId12"/>
+    <p:sldId id="269" r:id="rId13"/>
+    <p:sldId id="262" r:id="rId14"/>
+    <p:sldId id="270" r:id="rId15"/>
   </p:sldIdLst>
   <p:sldSz cx="12192000" cy="6858000"/>
   <p:notesSz cx="6858000" cy="9144000"/>
@@ -258,7 +256,7 @@
           <a:p>
             <a:fld id="{B7A56448-5D1E-439A-B006-075676760B93}" type="datetimeFigureOut">
               <a:rPr lang="en-US" smtClean="0"/>
-              <a:t>9/2/2014</a:t>
+              <a:t>9/3/2014</a:t>
             </a:fld>
             <a:endParaRPr lang="en-US"/>
           </a:p>
@@ -428,7 +426,7 @@
           <a:p>
             <a:fld id="{B7A56448-5D1E-439A-B006-075676760B93}" type="datetimeFigureOut">
               <a:rPr lang="en-US" smtClean="0"/>
-              <a:t>9/2/2014</a:t>
+              <a:t>9/3/2014</a:t>
             </a:fld>
             <a:endParaRPr lang="en-US"/>
           </a:p>
@@ -608,7 +606,7 @@
           <a:p>
             <a:fld id="{B7A56448-5D1E-439A-B006-075676760B93}" type="datetimeFigureOut">
               <a:rPr lang="en-US" smtClean="0"/>
-              <a:t>9/2/2014</a:t>
+              <a:t>9/3/2014</a:t>
             </a:fld>
             <a:endParaRPr lang="en-US"/>
           </a:p>
@@ -778,7 +776,7 @@
           <a:p>
             <a:fld id="{B7A56448-5D1E-439A-B006-075676760B93}" type="datetimeFigureOut">
               <a:rPr lang="en-US" smtClean="0"/>
-              <a:t>9/2/2014</a:t>
+              <a:t>9/3/2014</a:t>
             </a:fld>
             <a:endParaRPr lang="en-US"/>
           </a:p>
@@ -1024,7 +1022,7 @@
           <a:p>
             <a:fld id="{B7A56448-5D1E-439A-B006-075676760B93}" type="datetimeFigureOut">
               <a:rPr lang="en-US" smtClean="0"/>
-              <a:t>9/2/2014</a:t>
+              <a:t>9/3/2014</a:t>
             </a:fld>
             <a:endParaRPr lang="en-US"/>
           </a:p>
@@ -1256,7 +1254,7 @@
           <a:p>
             <a:fld id="{B7A56448-5D1E-439A-B006-075676760B93}" type="datetimeFigureOut">
               <a:rPr lang="en-US" smtClean="0"/>
-              <a:t>9/2/2014</a:t>
+              <a:t>9/3/2014</a:t>
             </a:fld>
             <a:endParaRPr lang="en-US"/>
           </a:p>
@@ -1623,7 +1621,7 @@
           <a:p>
             <a:fld id="{B7A56448-5D1E-439A-B006-075676760B93}" type="datetimeFigureOut">
               <a:rPr lang="en-US" smtClean="0"/>
-              <a:t>9/2/2014</a:t>
+              <a:t>9/3/2014</a:t>
             </a:fld>
             <a:endParaRPr lang="en-US"/>
           </a:p>
@@ -1741,7 +1739,7 @@
           <a:p>
             <a:fld id="{B7A56448-5D1E-439A-B006-075676760B93}" type="datetimeFigureOut">
               <a:rPr lang="en-US" smtClean="0"/>
-              <a:t>9/2/2014</a:t>
+              <a:t>9/3/2014</a:t>
             </a:fld>
             <a:endParaRPr lang="en-US"/>
           </a:p>
@@ -1836,7 +1834,7 @@
           <a:p>
             <a:fld id="{B7A56448-5D1E-439A-B006-075676760B93}" type="datetimeFigureOut">
               <a:rPr lang="en-US" smtClean="0"/>
-              <a:t>9/2/2014</a:t>
+              <a:t>9/3/2014</a:t>
             </a:fld>
             <a:endParaRPr lang="en-US"/>
           </a:p>
@@ -2113,7 +2111,7 @@
           <a:p>
             <a:fld id="{B7A56448-5D1E-439A-B006-075676760B93}" type="datetimeFigureOut">
               <a:rPr lang="en-US" smtClean="0"/>
-              <a:t>9/2/2014</a:t>
+              <a:t>9/3/2014</a:t>
             </a:fld>
             <a:endParaRPr lang="en-US"/>
           </a:p>
@@ -2366,7 +2364,7 @@
           <a:p>
             <a:fld id="{B7A56448-5D1E-439A-B006-075676760B93}" type="datetimeFigureOut">
               <a:rPr lang="en-US" smtClean="0"/>
-              <a:t>9/2/2014</a:t>
+              <a:t>9/3/2014</a:t>
             </a:fld>
             <a:endParaRPr lang="en-US"/>
           </a:p>
@@ -2579,7 +2577,7 @@
           <a:p>
             <a:fld id="{B7A56448-5D1E-439A-B006-075676760B93}" type="datetimeFigureOut">
               <a:rPr lang="en-US" smtClean="0"/>
-              <a:t>9/2/2014</a:t>
+              <a:t>9/3/2014</a:t>
             </a:fld>
             <a:endParaRPr lang="en-US"/>
           </a:p>
@@ -3019,11 +3017,27 @@
             </a:br>
             <a:r>
               <a:rPr lang="en-US" b="1"/>
-              <a:t>Xây dựng web portal cho dịch vụ </a:t>
+              <a:t>Xây dựng </a:t>
+            </a:r>
+            <a:r>
+              <a:rPr lang="en-US" b="1"/>
+              <a:t>W</a:t>
             </a:r>
             <a:r>
               <a:rPr lang="en-US" b="1" smtClean="0"/>
-              <a:t>cloudbackup</a:t>
+              <a:t>eb Portal </a:t>
+            </a:r>
+            <a:r>
+              <a:rPr lang="en-US" b="1"/>
+              <a:t>cho dịch vụ </a:t>
+            </a:r>
+            <a:r>
+              <a:rPr lang="en-US" b="1" smtClean="0"/>
+              <a:t>C</a:t>
+            </a:r>
+            <a:r>
+              <a:rPr lang="en-US" b="1" smtClean="0"/>
+              <a:t>loudBackup</a:t>
             </a:r>
             <a:endParaRPr lang="en-US"/>
           </a:p>
@@ -3124,6 +3138,1829 @@
 </file>
 
 <file path=ppt/slides/slide10.xml><?xml version="1.0" encoding="utf-8"?>
+<p:sld xmlns:a="http://schemas.openxmlformats.org/drawingml/2006/main" xmlns:r="http://schemas.openxmlformats.org/officeDocument/2006/relationships" xmlns:p="http://schemas.openxmlformats.org/presentationml/2006/main">
+  <p:cSld>
+    <p:spTree>
+      <p:nvGrpSpPr>
+        <p:cNvPr id="1" name=""/>
+        <p:cNvGrpSpPr/>
+        <p:nvPr/>
+      </p:nvGrpSpPr>
+      <p:grpSpPr>
+        <a:xfrm>
+          <a:off x="0" y="0"/>
+          <a:ext cx="0" cy="0"/>
+          <a:chOff x="0" y="0"/>
+          <a:chExt cx="0" cy="0"/>
+        </a:xfrm>
+      </p:grpSpPr>
+      <p:sp>
+        <p:nvSpPr>
+          <p:cNvPr id="2" name="Title 1"/>
+          <p:cNvSpPr>
+            <a:spLocks noGrp="1"/>
+          </p:cNvSpPr>
+          <p:nvPr>
+            <p:ph type="title"/>
+          </p:nvPr>
+        </p:nvSpPr>
+        <p:spPr/>
+        <p:txBody>
+          <a:bodyPr/>
+          <a:lstStyle/>
+          <a:p>
+            <a:endParaRPr lang="vi-VN"/>
+          </a:p>
+        </p:txBody>
+      </p:sp>
+      <p:pic>
+        <p:nvPicPr>
+          <p:cNvPr id="4" name="Picture 3"/>
+          <p:cNvPicPr/>
+          <p:nvPr/>
+        </p:nvPicPr>
+        <p:blipFill>
+          <a:blip r:embed="rId2">
+            <a:extLst>
+              <a:ext uri="{28A0092B-C50C-407E-A947-70E740481C1C}">
+                <a14:useLocalDpi xmlns:a14="http://schemas.microsoft.com/office/drawing/2010/main" val="0"/>
+              </a:ext>
+            </a:extLst>
+          </a:blip>
+          <a:srcRect/>
+          <a:stretch>
+            <a:fillRect/>
+          </a:stretch>
+        </p:blipFill>
+        <p:spPr bwMode="auto">
+          <a:xfrm>
+            <a:off x="1167848" y="1027906"/>
+            <a:ext cx="9856304" cy="4882564"/>
+          </a:xfrm>
+          <a:prstGeom prst="rect">
+            <a:avLst/>
+          </a:prstGeom>
+          <a:noFill/>
+          <a:ln>
+            <a:noFill/>
+          </a:ln>
+        </p:spPr>
+      </p:pic>
+    </p:spTree>
+    <p:extLst>
+      <p:ext uri="{BB962C8B-B14F-4D97-AF65-F5344CB8AC3E}">
+        <p14:creationId xmlns:p14="http://schemas.microsoft.com/office/powerpoint/2010/main" val="517413923"/>
+      </p:ext>
+    </p:extLst>
+  </p:cSld>
+  <p:clrMapOvr>
+    <a:masterClrMapping/>
+  </p:clrMapOvr>
+  <p:timing>
+    <p:tnLst>
+      <p:par>
+        <p:cTn id="1" dur="indefinite" restart="never" nodeType="tmRoot"/>
+      </p:par>
+    </p:tnLst>
+  </p:timing>
+</p:sld>
+</file>
+
+<file path=ppt/slides/slide11.xml><?xml version="1.0" encoding="utf-8"?>
+<p:sld xmlns:a="http://schemas.openxmlformats.org/drawingml/2006/main" xmlns:r="http://schemas.openxmlformats.org/officeDocument/2006/relationships" xmlns:p="http://schemas.openxmlformats.org/presentationml/2006/main">
+  <p:cSld>
+    <p:spTree>
+      <p:nvGrpSpPr>
+        <p:cNvPr id="1" name=""/>
+        <p:cNvGrpSpPr/>
+        <p:nvPr/>
+      </p:nvGrpSpPr>
+      <p:grpSpPr>
+        <a:xfrm>
+          <a:off x="0" y="0"/>
+          <a:ext cx="0" cy="0"/>
+          <a:chOff x="0" y="0"/>
+          <a:chExt cx="0" cy="0"/>
+        </a:xfrm>
+      </p:grpSpPr>
+      <p:sp>
+        <p:nvSpPr>
+          <p:cNvPr id="2" name="Title 1"/>
+          <p:cNvSpPr>
+            <a:spLocks noGrp="1"/>
+          </p:cNvSpPr>
+          <p:nvPr>
+            <p:ph type="title"/>
+          </p:nvPr>
+        </p:nvSpPr>
+        <p:spPr/>
+        <p:txBody>
+          <a:bodyPr/>
+          <a:lstStyle/>
+          <a:p>
+            <a:r>
+              <a:rPr lang="en-US" b="1" dirty="0" err="1" smtClean="0"/>
+              <a:t>Một</a:t>
+            </a:r>
+            <a:r>
+              <a:rPr lang="en-US" b="1" dirty="0" smtClean="0"/>
+              <a:t> </a:t>
+            </a:r>
+            <a:r>
+              <a:rPr lang="en-US" b="1" dirty="0" err="1" smtClean="0"/>
+              <a:t>số</a:t>
+            </a:r>
+            <a:r>
+              <a:rPr lang="en-US" b="1" dirty="0" smtClean="0"/>
+              <a:t> </a:t>
+            </a:r>
+            <a:r>
+              <a:rPr lang="en-US" b="1" dirty="0" err="1" smtClean="0"/>
+              <a:t>kĩ</a:t>
+            </a:r>
+            <a:r>
+              <a:rPr lang="en-US" b="1" dirty="0" smtClean="0"/>
+              <a:t> </a:t>
+            </a:r>
+            <a:r>
+              <a:rPr lang="en-US" b="1" dirty="0" err="1" smtClean="0"/>
+              <a:t>thuật</a:t>
+            </a:r>
+            <a:r>
+              <a:rPr lang="en-US" b="1" dirty="0" smtClean="0"/>
+              <a:t> </a:t>
+            </a:r>
+            <a:r>
+              <a:rPr lang="en-US" b="1" dirty="0" err="1" smtClean="0"/>
+              <a:t>chính</a:t>
+            </a:r>
+            <a:endParaRPr lang="vi-VN" b="1" dirty="0"/>
+          </a:p>
+        </p:txBody>
+      </p:sp>
+      <p:sp>
+        <p:nvSpPr>
+          <p:cNvPr id="3" name="Content Placeholder 2"/>
+          <p:cNvSpPr>
+            <a:spLocks noGrp="1"/>
+          </p:cNvSpPr>
+          <p:nvPr>
+            <p:ph idx="1"/>
+          </p:nvPr>
+        </p:nvSpPr>
+        <p:spPr/>
+        <p:txBody>
+          <a:bodyPr/>
+          <a:lstStyle/>
+          <a:p>
+            <a:r>
+              <a:rPr lang="en-US" dirty="0" err="1"/>
+              <a:t>Kỹ</a:t>
+            </a:r>
+            <a:r>
+              <a:rPr lang="en-US" dirty="0"/>
+              <a:t> </a:t>
+            </a:r>
+            <a:r>
+              <a:rPr lang="en-US" dirty="0" err="1"/>
+              <a:t>thuật</a:t>
+            </a:r>
+            <a:r>
+              <a:rPr lang="en-US" dirty="0"/>
+              <a:t> </a:t>
+            </a:r>
+            <a:r>
+              <a:rPr lang="en-US" dirty="0" smtClean="0"/>
+              <a:t>Mock</a:t>
+            </a:r>
+          </a:p>
+          <a:p>
+            <a:r>
+              <a:rPr lang="en-US" dirty="0" err="1"/>
+              <a:t>Kỹ</a:t>
+            </a:r>
+            <a:r>
+              <a:rPr lang="en-US" dirty="0"/>
+              <a:t> </a:t>
+            </a:r>
+            <a:r>
+              <a:rPr lang="en-US" dirty="0" err="1"/>
+              <a:t>thuật</a:t>
+            </a:r>
+            <a:r>
+              <a:rPr lang="en-US" dirty="0"/>
+              <a:t> multi test</a:t>
+            </a:r>
+            <a:endParaRPr lang="vi-VN" dirty="0"/>
+          </a:p>
+        </p:txBody>
+      </p:sp>
+    </p:spTree>
+    <p:extLst>
+      <p:ext uri="{BB962C8B-B14F-4D97-AF65-F5344CB8AC3E}">
+        <p14:creationId xmlns:p14="http://schemas.microsoft.com/office/powerpoint/2010/main" val="2283405726"/>
+      </p:ext>
+    </p:extLst>
+  </p:cSld>
+  <p:clrMapOvr>
+    <a:masterClrMapping/>
+  </p:clrMapOvr>
+  <p:timing>
+    <p:tnLst>
+      <p:par>
+        <p:cTn id="1" dur="indefinite" restart="never" nodeType="tmRoot"/>
+      </p:par>
+    </p:tnLst>
+  </p:timing>
+</p:sld>
+</file>
+
+<file path=ppt/slides/slide12.xml><?xml version="1.0" encoding="utf-8"?>
+<p:sld xmlns:a="http://schemas.openxmlformats.org/drawingml/2006/main" xmlns:r="http://schemas.openxmlformats.org/officeDocument/2006/relationships" xmlns:p="http://schemas.openxmlformats.org/presentationml/2006/main">
+  <p:cSld>
+    <p:spTree>
+      <p:nvGrpSpPr>
+        <p:cNvPr id="1" name=""/>
+        <p:cNvGrpSpPr/>
+        <p:nvPr/>
+      </p:nvGrpSpPr>
+      <p:grpSpPr>
+        <a:xfrm>
+          <a:off x="0" y="0"/>
+          <a:ext cx="0" cy="0"/>
+          <a:chOff x="0" y="0"/>
+          <a:chExt cx="0" cy="0"/>
+        </a:xfrm>
+      </p:grpSpPr>
+      <p:sp>
+        <p:nvSpPr>
+          <p:cNvPr id="2" name="Title 1"/>
+          <p:cNvSpPr>
+            <a:spLocks noGrp="1"/>
+          </p:cNvSpPr>
+          <p:nvPr>
+            <p:ph type="title"/>
+          </p:nvPr>
+        </p:nvSpPr>
+        <p:spPr/>
+        <p:txBody>
+          <a:bodyPr/>
+          <a:lstStyle/>
+          <a:p>
+            <a:endParaRPr lang="vi-VN"/>
+          </a:p>
+        </p:txBody>
+      </p:sp>
+      <p:pic>
+        <p:nvPicPr>
+          <p:cNvPr id="4" name="Picture 3"/>
+          <p:cNvPicPr/>
+          <p:nvPr/>
+        </p:nvPicPr>
+        <p:blipFill>
+          <a:blip r:embed="rId2">
+            <a:extLst>
+              <a:ext uri="{28A0092B-C50C-407E-A947-70E740481C1C}">
+                <a14:useLocalDpi xmlns:a14="http://schemas.microsoft.com/office/drawing/2010/main" val="0"/>
+              </a:ext>
+            </a:extLst>
+          </a:blip>
+          <a:srcRect/>
+          <a:stretch>
+            <a:fillRect/>
+          </a:stretch>
+        </p:blipFill>
+        <p:spPr bwMode="auto">
+          <a:xfrm>
+            <a:off x="1908312" y="1027906"/>
+            <a:ext cx="8375375" cy="4829382"/>
+          </a:xfrm>
+          <a:prstGeom prst="rect">
+            <a:avLst/>
+          </a:prstGeom>
+          <a:noFill/>
+          <a:ln w="9525" cmpd="sng">
+            <a:solidFill>
+              <a:srgbClr val="000000"/>
+            </a:solidFill>
+            <a:miter lim="800000"/>
+            <a:headEnd/>
+            <a:tailEnd/>
+          </a:ln>
+          <a:effectLst/>
+        </p:spPr>
+      </p:pic>
+    </p:spTree>
+    <p:extLst>
+      <p:ext uri="{BB962C8B-B14F-4D97-AF65-F5344CB8AC3E}">
+        <p14:creationId xmlns:p14="http://schemas.microsoft.com/office/powerpoint/2010/main" val="3820108349"/>
+      </p:ext>
+    </p:extLst>
+  </p:cSld>
+  <p:clrMapOvr>
+    <a:masterClrMapping/>
+  </p:clrMapOvr>
+  <p:timing>
+    <p:tnLst>
+      <p:par>
+        <p:cTn id="1" dur="indefinite" restart="never" nodeType="tmRoot"/>
+      </p:par>
+    </p:tnLst>
+  </p:timing>
+</p:sld>
+</file>
+
+<file path=ppt/slides/slide13.xml><?xml version="1.0" encoding="utf-8"?>
+<p:sld xmlns:a="http://schemas.openxmlformats.org/drawingml/2006/main" xmlns:r="http://schemas.openxmlformats.org/officeDocument/2006/relationships" xmlns:p="http://schemas.openxmlformats.org/presentationml/2006/main">
+  <p:cSld>
+    <p:spTree>
+      <p:nvGrpSpPr>
+        <p:cNvPr id="1" name=""/>
+        <p:cNvGrpSpPr/>
+        <p:nvPr/>
+      </p:nvGrpSpPr>
+      <p:grpSpPr>
+        <a:xfrm>
+          <a:off x="0" y="0"/>
+          <a:ext cx="0" cy="0"/>
+          <a:chOff x="0" y="0"/>
+          <a:chExt cx="0" cy="0"/>
+        </a:xfrm>
+      </p:grpSpPr>
+      <p:sp>
+        <p:nvSpPr>
+          <p:cNvPr id="2" name="Title 1"/>
+          <p:cNvSpPr>
+            <a:spLocks noGrp="1"/>
+          </p:cNvSpPr>
+          <p:nvPr>
+            <p:ph type="title"/>
+          </p:nvPr>
+        </p:nvSpPr>
+        <p:spPr/>
+        <p:txBody>
+          <a:bodyPr/>
+          <a:lstStyle/>
+          <a:p>
+            <a:r>
+              <a:rPr lang="en-US" b="1" smtClean="0"/>
+              <a:t>Kết quả</a:t>
+            </a:r>
+            <a:endParaRPr lang="en-US" b="1"/>
+          </a:p>
+        </p:txBody>
+      </p:sp>
+      <p:sp>
+        <p:nvSpPr>
+          <p:cNvPr id="3" name="Content Placeholder 2"/>
+          <p:cNvSpPr>
+            <a:spLocks noGrp="1"/>
+          </p:cNvSpPr>
+          <p:nvPr>
+            <p:ph idx="1"/>
+          </p:nvPr>
+        </p:nvSpPr>
+        <p:spPr/>
+        <p:txBody>
+          <a:bodyPr>
+            <a:normAutofit/>
+          </a:bodyPr>
+          <a:lstStyle/>
+          <a:p>
+            <a:r>
+              <a:rPr lang="en-US" smtClean="0"/>
+              <a:t>Đạt được:</a:t>
+            </a:r>
+          </a:p>
+          <a:p>
+            <a:pPr lvl="1"/>
+            <a:r>
+              <a:rPr lang="en-US"/>
+              <a:t>Xây dựng trang dashboard đáp ứng các yêu </a:t>
+            </a:r>
+            <a:r>
+              <a:rPr lang="en-US" smtClean="0"/>
+              <a:t>cầu.</a:t>
+            </a:r>
+            <a:endParaRPr lang="en-US"/>
+          </a:p>
+          <a:p>
+            <a:pPr lvl="1"/>
+            <a:r>
+              <a:rPr lang="en-US"/>
+              <a:t> Xử lý tối ưu được các yêu cầu của người dùng.</a:t>
+            </a:r>
+          </a:p>
+          <a:p>
+            <a:pPr lvl="1"/>
+            <a:r>
+              <a:rPr lang="en-US"/>
+              <a:t>Nâng cao trải nghiệm người dùng.</a:t>
+            </a:r>
+          </a:p>
+          <a:p>
+            <a:pPr lvl="1"/>
+            <a:r>
+              <a:rPr lang="en-US"/>
+              <a:t>Thành công trong việc phân tích và xử lý dữ liệu trả về từ OBS.</a:t>
+            </a:r>
+          </a:p>
+          <a:p>
+            <a:pPr lvl="1"/>
+            <a:r>
+              <a:rPr lang="en-US"/>
+              <a:t>Áp dụng các chuẩn Unit test chuyên nghiệp vào dự án.</a:t>
+            </a:r>
+          </a:p>
+          <a:p>
+            <a:pPr lvl="1"/>
+            <a:r>
+              <a:rPr lang="en-US"/>
+              <a:t>Được tham gia vào dự án thực tế ở doanh nghiệp.</a:t>
+            </a:r>
+          </a:p>
+          <a:p>
+            <a:pPr lvl="1"/>
+            <a:r>
+              <a:rPr lang="en-US"/>
+              <a:t>Học hỏi thêm các kĩ năng và công nghệ </a:t>
+            </a:r>
+            <a:r>
+              <a:rPr lang="en-US" smtClean="0"/>
+              <a:t>mới</a:t>
+            </a:r>
+            <a:r>
+              <a:rPr lang="en-US"/>
+              <a:t>.</a:t>
+            </a:r>
+            <a:endParaRPr lang="en-US" smtClean="0"/>
+          </a:p>
+        </p:txBody>
+      </p:sp>
+    </p:spTree>
+    <p:extLst>
+      <p:ext uri="{BB962C8B-B14F-4D97-AF65-F5344CB8AC3E}">
+        <p14:creationId xmlns:p14="http://schemas.microsoft.com/office/powerpoint/2010/main" val="775853568"/>
+      </p:ext>
+    </p:extLst>
+  </p:cSld>
+  <p:clrMapOvr>
+    <a:masterClrMapping/>
+  </p:clrMapOvr>
+  <p:timing>
+    <p:tnLst>
+      <p:par>
+        <p:cTn id="1" dur="indefinite" restart="never" nodeType="tmRoot"/>
+      </p:par>
+    </p:tnLst>
+  </p:timing>
+</p:sld>
+</file>
+
+<file path=ppt/slides/slide14.xml><?xml version="1.0" encoding="utf-8"?>
+<p:sld xmlns:a="http://schemas.openxmlformats.org/drawingml/2006/main" xmlns:r="http://schemas.openxmlformats.org/officeDocument/2006/relationships" xmlns:p="http://schemas.openxmlformats.org/presentationml/2006/main">
+  <p:cSld>
+    <p:spTree>
+      <p:nvGrpSpPr>
+        <p:cNvPr id="1" name=""/>
+        <p:cNvGrpSpPr/>
+        <p:nvPr/>
+      </p:nvGrpSpPr>
+      <p:grpSpPr>
+        <a:xfrm>
+          <a:off x="0" y="0"/>
+          <a:ext cx="0" cy="0"/>
+          <a:chOff x="0" y="0"/>
+          <a:chExt cx="0" cy="0"/>
+        </a:xfrm>
+      </p:grpSpPr>
+      <p:sp>
+        <p:nvSpPr>
+          <p:cNvPr id="2" name="Title 1"/>
+          <p:cNvSpPr>
+            <a:spLocks noGrp="1"/>
+          </p:cNvSpPr>
+          <p:nvPr>
+            <p:ph type="title"/>
+          </p:nvPr>
+        </p:nvSpPr>
+        <p:spPr/>
+        <p:txBody>
+          <a:bodyPr/>
+          <a:lstStyle/>
+          <a:p>
+            <a:r>
+              <a:rPr lang="en-US" b="1" smtClean="0"/>
+              <a:t>Kết quả</a:t>
+            </a:r>
+            <a:endParaRPr lang="en-US" b="1"/>
+          </a:p>
+        </p:txBody>
+      </p:sp>
+      <p:sp>
+        <p:nvSpPr>
+          <p:cNvPr id="3" name="Content Placeholder 2"/>
+          <p:cNvSpPr>
+            <a:spLocks noGrp="1"/>
+          </p:cNvSpPr>
+          <p:nvPr>
+            <p:ph idx="1"/>
+          </p:nvPr>
+        </p:nvSpPr>
+        <p:spPr>
+          <a:xfrm>
+            <a:off x="838200" y="1817533"/>
+            <a:ext cx="10515600" cy="4351338"/>
+          </a:xfrm>
+        </p:spPr>
+        <p:txBody>
+          <a:bodyPr>
+            <a:normAutofit/>
+          </a:bodyPr>
+          <a:lstStyle/>
+          <a:p>
+            <a:r>
+              <a:rPr lang="en-US" smtClean="0"/>
+              <a:t>Đề xuất cải tiến</a:t>
+            </a:r>
+            <a:r>
+              <a:rPr lang="en-US" smtClean="0"/>
+              <a:t>:</a:t>
+            </a:r>
+            <a:endParaRPr lang="en-US"/>
+          </a:p>
+          <a:p>
+            <a:pPr lvl="1"/>
+            <a:r>
+              <a:rPr lang="en-US"/>
+              <a:t>Trang web chưa tự động thay đổi kích thước phù hợp với nhiều loại màn hình. Đặc biệt là màn hình trên các loại điện thoại di động.</a:t>
+            </a:r>
+          </a:p>
+          <a:p>
+            <a:pPr lvl="1"/>
+            <a:r>
+              <a:rPr lang="en-US"/>
+              <a:t>Chưa hiện thực phân trang cho cột manager, admin, backupset.</a:t>
+            </a:r>
+            <a:endParaRPr lang="en-US" smtClean="0"/>
+          </a:p>
+        </p:txBody>
+      </p:sp>
+    </p:spTree>
+    <p:extLst>
+      <p:ext uri="{BB962C8B-B14F-4D97-AF65-F5344CB8AC3E}">
+        <p14:creationId xmlns:p14="http://schemas.microsoft.com/office/powerpoint/2010/main" val="1134757239"/>
+      </p:ext>
+    </p:extLst>
+  </p:cSld>
+  <p:clrMapOvr>
+    <a:masterClrMapping/>
+  </p:clrMapOvr>
+  <p:timing>
+    <p:tnLst>
+      <p:par>
+        <p:cTn id="1" dur="indefinite" restart="never" nodeType="tmRoot"/>
+      </p:par>
+    </p:tnLst>
+  </p:timing>
+</p:sld>
+</file>
+
+<file path=ppt/slides/slide2.xml><?xml version="1.0" encoding="utf-8"?>
+<p:sld xmlns:a="http://schemas.openxmlformats.org/drawingml/2006/main" xmlns:r="http://schemas.openxmlformats.org/officeDocument/2006/relationships" xmlns:p="http://schemas.openxmlformats.org/presentationml/2006/main">
+  <p:cSld>
+    <p:spTree>
+      <p:nvGrpSpPr>
+        <p:cNvPr id="1" name=""/>
+        <p:cNvGrpSpPr/>
+        <p:nvPr/>
+      </p:nvGrpSpPr>
+      <p:grpSpPr>
+        <a:xfrm>
+          <a:off x="0" y="0"/>
+          <a:ext cx="0" cy="0"/>
+          <a:chOff x="0" y="0"/>
+          <a:chExt cx="0" cy="0"/>
+        </a:xfrm>
+      </p:grpSpPr>
+      <p:sp>
+        <p:nvSpPr>
+          <p:cNvPr id="2" name="Title 1"/>
+          <p:cNvSpPr>
+            <a:spLocks noGrp="1"/>
+          </p:cNvSpPr>
+          <p:nvPr>
+            <p:ph type="title"/>
+          </p:nvPr>
+        </p:nvSpPr>
+        <p:spPr/>
+        <p:txBody>
+          <a:bodyPr/>
+          <a:lstStyle/>
+          <a:p>
+            <a:r>
+              <a:rPr lang="en-US" b="1" smtClean="0"/>
+              <a:t>Nội dung</a:t>
+            </a:r>
+            <a:endParaRPr lang="en-US" b="1"/>
+          </a:p>
+        </p:txBody>
+      </p:sp>
+      <p:sp>
+        <p:nvSpPr>
+          <p:cNvPr id="3" name="Content Placeholder 2"/>
+          <p:cNvSpPr>
+            <a:spLocks noGrp="1"/>
+          </p:cNvSpPr>
+          <p:nvPr>
+            <p:ph idx="1"/>
+          </p:nvPr>
+        </p:nvSpPr>
+        <p:spPr/>
+        <p:txBody>
+          <a:bodyPr/>
+          <a:lstStyle/>
+          <a:p>
+            <a:r>
+              <a:rPr lang="en-US"/>
+              <a:t>Công ty cổ phần công nghệ truyền thông </a:t>
+            </a:r>
+            <a:r>
+              <a:rPr lang="en-US"/>
+              <a:t>Việt </a:t>
+            </a:r>
+            <a:r>
+              <a:rPr lang="en-US" smtClean="0"/>
+              <a:t>Nam</a:t>
+            </a:r>
+          </a:p>
+          <a:p>
+            <a:r>
+              <a:rPr lang="en-US" smtClean="0"/>
+              <a:t>Nội </a:t>
+            </a:r>
+            <a:r>
+              <a:rPr lang="en-US" smtClean="0"/>
+              <a:t>dung công </a:t>
+            </a:r>
+            <a:r>
+              <a:rPr lang="en-US" smtClean="0"/>
+              <a:t>việc</a:t>
+            </a:r>
+          </a:p>
+          <a:p>
+            <a:pPr lvl="1"/>
+            <a:r>
+              <a:rPr lang="en-US" smtClean="0"/>
+              <a:t>Dashboard</a:t>
+            </a:r>
+          </a:p>
+          <a:p>
+            <a:pPr lvl="1"/>
+            <a:r>
+              <a:rPr lang="en-US" smtClean="0"/>
+              <a:t>Nâng cao trải nghiệm người dùng</a:t>
+            </a:r>
+          </a:p>
+          <a:p>
+            <a:pPr lvl="1"/>
+            <a:r>
+              <a:rPr lang="en-US" smtClean="0"/>
+              <a:t>Phân tích dữ liệu</a:t>
+            </a:r>
+          </a:p>
+          <a:p>
+            <a:r>
+              <a:rPr lang="en-US" smtClean="0"/>
+              <a:t>Kết </a:t>
+            </a:r>
+            <a:r>
+              <a:rPr lang="en-US" smtClean="0"/>
+              <a:t>quả đạt </a:t>
+            </a:r>
+            <a:r>
+              <a:rPr lang="en-US" smtClean="0"/>
+              <a:t>được</a:t>
+            </a:r>
+          </a:p>
+          <a:p>
+            <a:pPr lvl="1"/>
+            <a:r>
+              <a:rPr lang="en-US" smtClean="0"/>
+              <a:t>Kết quả</a:t>
+            </a:r>
+          </a:p>
+          <a:p>
+            <a:pPr lvl="1"/>
+            <a:r>
+              <a:rPr lang="en-US" smtClean="0"/>
+              <a:t>Đề xuất cải tiến</a:t>
+            </a:r>
+            <a:endParaRPr lang="en-US"/>
+          </a:p>
+        </p:txBody>
+      </p:sp>
+    </p:spTree>
+    <p:extLst>
+      <p:ext uri="{BB962C8B-B14F-4D97-AF65-F5344CB8AC3E}">
+        <p14:creationId xmlns:p14="http://schemas.microsoft.com/office/powerpoint/2010/main" val="3328964774"/>
+      </p:ext>
+    </p:extLst>
+  </p:cSld>
+  <p:clrMapOvr>
+    <a:masterClrMapping/>
+  </p:clrMapOvr>
+  <p:timing>
+    <p:tnLst>
+      <p:par>
+        <p:cTn id="1" dur="indefinite" restart="never" nodeType="tmRoot"/>
+      </p:par>
+    </p:tnLst>
+  </p:timing>
+</p:sld>
+</file>
+
+<file path=ppt/slides/slide3.xml><?xml version="1.0" encoding="utf-8"?>
+<p:sld xmlns:a="http://schemas.openxmlformats.org/drawingml/2006/main" xmlns:r="http://schemas.openxmlformats.org/officeDocument/2006/relationships" xmlns:p="http://schemas.openxmlformats.org/presentationml/2006/main">
+  <p:cSld>
+    <p:spTree>
+      <p:nvGrpSpPr>
+        <p:cNvPr id="1" name=""/>
+        <p:cNvGrpSpPr/>
+        <p:nvPr/>
+      </p:nvGrpSpPr>
+      <p:grpSpPr>
+        <a:xfrm>
+          <a:off x="0" y="0"/>
+          <a:ext cx="0" cy="0"/>
+          <a:chOff x="0" y="0"/>
+          <a:chExt cx="0" cy="0"/>
+        </a:xfrm>
+      </p:grpSpPr>
+      <p:sp>
+        <p:nvSpPr>
+          <p:cNvPr id="2" name="Title 1"/>
+          <p:cNvSpPr>
+            <a:spLocks noGrp="1"/>
+          </p:cNvSpPr>
+          <p:nvPr>
+            <p:ph type="title"/>
+          </p:nvPr>
+        </p:nvSpPr>
+        <p:spPr/>
+        <p:txBody>
+          <a:bodyPr>
+            <a:normAutofit/>
+          </a:bodyPr>
+          <a:lstStyle/>
+          <a:p>
+            <a:r>
+              <a:rPr lang="en-US" sz="4000" b="1"/>
+              <a:t>Công ty cổ phần công nghệ truyền thông Việt Nam</a:t>
+            </a:r>
+            <a:endParaRPr lang="en-US" sz="4000" b="1"/>
+          </a:p>
+        </p:txBody>
+      </p:sp>
+      <p:sp>
+        <p:nvSpPr>
+          <p:cNvPr id="3" name="Content Placeholder 2"/>
+          <p:cNvSpPr>
+            <a:spLocks noGrp="1"/>
+          </p:cNvSpPr>
+          <p:nvPr>
+            <p:ph idx="1"/>
+          </p:nvPr>
+        </p:nvSpPr>
+        <p:spPr/>
+        <p:txBody>
+          <a:bodyPr/>
+          <a:lstStyle/>
+          <a:p>
+            <a:r>
+              <a:rPr lang="en-US"/>
+              <a:t>Công ty cổ phần công nghệ truyền thông Việt Nam (VNTT) được thành lập vào tháng 01 năm </a:t>
+            </a:r>
+            <a:r>
+              <a:rPr lang="en-US" smtClean="0"/>
+              <a:t>2008.</a:t>
+            </a:r>
+          </a:p>
+          <a:p>
+            <a:r>
+              <a:rPr lang="en-US"/>
+              <a:t>Các lĩnh vực kinh doanh tập trung: Dịch vụ truyền thông, khảo sát, tư vấn, lắp đặt, bảo dưỡng các công trình viễn thông, truyền thông, công nghệ thông tin và các công trình liên quan đến quản lý tự động, sản xuất, gia công, cung ứng, xuất khẩu thiết bị điện tử, cơ khí chính xác, tự động, chuyển giao công nghệ, gia công xuất khẩu phần mềm, đại lý các dịch vụ điện thoại, ADSL,…</a:t>
+            </a:r>
+          </a:p>
+        </p:txBody>
+      </p:sp>
+    </p:spTree>
+    <p:extLst>
+      <p:ext uri="{BB962C8B-B14F-4D97-AF65-F5344CB8AC3E}">
+        <p14:creationId xmlns:p14="http://schemas.microsoft.com/office/powerpoint/2010/main" val="3652134519"/>
+      </p:ext>
+    </p:extLst>
+  </p:cSld>
+  <p:clrMapOvr>
+    <a:masterClrMapping/>
+  </p:clrMapOvr>
+  <p:timing>
+    <p:tnLst>
+      <p:par>
+        <p:cTn id="1" dur="indefinite" restart="never" nodeType="tmRoot"/>
+      </p:par>
+    </p:tnLst>
+  </p:timing>
+</p:sld>
+</file>
+
+<file path=ppt/slides/slide4.xml><?xml version="1.0" encoding="utf-8"?>
+<p:sld xmlns:a="http://schemas.openxmlformats.org/drawingml/2006/main" xmlns:r="http://schemas.openxmlformats.org/officeDocument/2006/relationships" xmlns:p="http://schemas.openxmlformats.org/presentationml/2006/main">
+  <p:cSld>
+    <p:spTree>
+      <p:nvGrpSpPr>
+        <p:cNvPr id="1" name=""/>
+        <p:cNvGrpSpPr/>
+        <p:nvPr/>
+      </p:nvGrpSpPr>
+      <p:grpSpPr>
+        <a:xfrm>
+          <a:off x="0" y="0"/>
+          <a:ext cx="0" cy="0"/>
+          <a:chOff x="0" y="0"/>
+          <a:chExt cx="0" cy="0"/>
+        </a:xfrm>
+      </p:grpSpPr>
+      <p:sp>
+        <p:nvSpPr>
+          <p:cNvPr id="2" name="Title 1"/>
+          <p:cNvSpPr>
+            <a:spLocks noGrp="1"/>
+          </p:cNvSpPr>
+          <p:nvPr>
+            <p:ph type="title"/>
+          </p:nvPr>
+        </p:nvSpPr>
+        <p:spPr/>
+        <p:txBody>
+          <a:bodyPr/>
+          <a:lstStyle/>
+          <a:p>
+            <a:r>
+              <a:rPr lang="en-US" b="1" smtClean="0"/>
+              <a:t>Giới thiệu về Cloud Backup</a:t>
+            </a:r>
+            <a:endParaRPr lang="en-US" b="1"/>
+          </a:p>
+        </p:txBody>
+      </p:sp>
+      <p:sp>
+        <p:nvSpPr>
+          <p:cNvPr id="3" name="Content Placeholder 2"/>
+          <p:cNvSpPr>
+            <a:spLocks noGrp="1"/>
+          </p:cNvSpPr>
+          <p:nvPr>
+            <p:ph idx="1"/>
+          </p:nvPr>
+        </p:nvSpPr>
+        <p:spPr/>
+        <p:txBody>
+          <a:bodyPr/>
+          <a:lstStyle/>
+          <a:p>
+            <a:r>
+              <a:rPr lang="en-US"/>
+              <a:t>vGuard Cloud Backup (Online Backup) là dịch vụ sao lưu dữ liệu trong máy tính </a:t>
+            </a:r>
+            <a:r>
+              <a:rPr lang="en-US" smtClean="0"/>
+              <a:t>khách hàng </a:t>
+            </a:r>
+            <a:r>
+              <a:rPr lang="en-US"/>
+              <a:t>(server, desktop, laptop) về lưu trữ tại Data </a:t>
+            </a:r>
+            <a:r>
+              <a:rPr lang="en-US" smtClean="0"/>
+              <a:t>Center của </a:t>
+            </a:r>
+            <a:r>
+              <a:rPr lang="en-US"/>
+              <a:t>VNTT thông qua kết nối Internet</a:t>
+            </a:r>
+            <a:r>
+              <a:rPr lang="en-US" smtClean="0"/>
+              <a:t>.</a:t>
+            </a:r>
+            <a:endParaRPr lang="en-US"/>
+          </a:p>
+        </p:txBody>
+      </p:sp>
+    </p:spTree>
+    <p:extLst>
+      <p:ext uri="{BB962C8B-B14F-4D97-AF65-F5344CB8AC3E}">
+        <p14:creationId xmlns:p14="http://schemas.microsoft.com/office/powerpoint/2010/main" val="3380060830"/>
+      </p:ext>
+    </p:extLst>
+  </p:cSld>
+  <p:clrMapOvr>
+    <a:masterClrMapping/>
+  </p:clrMapOvr>
+  <p:timing>
+    <p:tnLst>
+      <p:par>
+        <p:cTn id="1" dur="indefinite" restart="never" nodeType="tmRoot"/>
+      </p:par>
+    </p:tnLst>
+  </p:timing>
+</p:sld>
+</file>
+
+<file path=ppt/slides/slide5.xml><?xml version="1.0" encoding="utf-8"?>
+<p:sld xmlns:a="http://schemas.openxmlformats.org/drawingml/2006/main" xmlns:r="http://schemas.openxmlformats.org/officeDocument/2006/relationships" xmlns:p="http://schemas.openxmlformats.org/presentationml/2006/main">
+  <p:cSld>
+    <p:spTree>
+      <p:nvGrpSpPr>
+        <p:cNvPr id="1" name=""/>
+        <p:cNvGrpSpPr/>
+        <p:nvPr/>
+      </p:nvGrpSpPr>
+      <p:grpSpPr>
+        <a:xfrm>
+          <a:off x="0" y="0"/>
+          <a:ext cx="0" cy="0"/>
+          <a:chOff x="0" y="0"/>
+          <a:chExt cx="0" cy="0"/>
+        </a:xfrm>
+      </p:grpSpPr>
+      <p:sp>
+        <p:nvSpPr>
+          <p:cNvPr id="2" name="Title 1"/>
+          <p:cNvSpPr>
+            <a:spLocks noGrp="1"/>
+          </p:cNvSpPr>
+          <p:nvPr>
+            <p:ph type="title"/>
+          </p:nvPr>
+        </p:nvSpPr>
+        <p:spPr/>
+        <p:txBody>
+          <a:bodyPr/>
+          <a:lstStyle/>
+          <a:p>
+            <a:r>
+              <a:rPr lang="en-US" b="1" smtClean="0"/>
+              <a:t>Dashboard</a:t>
+            </a:r>
+            <a:endParaRPr lang="en-US" b="1"/>
+          </a:p>
+        </p:txBody>
+      </p:sp>
+      <p:pic>
+        <p:nvPicPr>
+          <p:cNvPr id="5" name="Picture 4"/>
+          <p:cNvPicPr>
+            <a:picLocks noChangeAspect="1"/>
+          </p:cNvPicPr>
+          <p:nvPr/>
+        </p:nvPicPr>
+        <p:blipFill>
+          <a:blip r:embed="rId2"/>
+          <a:stretch>
+            <a:fillRect/>
+          </a:stretch>
+        </p:blipFill>
+        <p:spPr>
+          <a:xfrm>
+            <a:off x="3483662" y="501707"/>
+            <a:ext cx="8282547" cy="5869466"/>
+          </a:xfrm>
+          <a:prstGeom prst="rect">
+            <a:avLst/>
+          </a:prstGeom>
+        </p:spPr>
+      </p:pic>
+      <p:cxnSp>
+        <p:nvCxnSpPr>
+          <p:cNvPr id="4" name="Straight Arrow Connector 3"/>
+          <p:cNvCxnSpPr/>
+          <p:nvPr/>
+        </p:nvCxnSpPr>
+        <p:spPr>
+          <a:xfrm flipV="1">
+            <a:off x="2646096" y="2589451"/>
+            <a:ext cx="1286633" cy="525983"/>
+          </a:xfrm>
+          <a:prstGeom prst="straightConnector1">
+            <a:avLst/>
+          </a:prstGeom>
+          <a:ln>
+            <a:tailEnd type="triangle"/>
+          </a:ln>
+        </p:spPr>
+        <p:style>
+          <a:lnRef idx="3">
+            <a:schemeClr val="accent2"/>
+          </a:lnRef>
+          <a:fillRef idx="0">
+            <a:schemeClr val="accent2"/>
+          </a:fillRef>
+          <a:effectRef idx="2">
+            <a:schemeClr val="accent2"/>
+          </a:effectRef>
+          <a:fontRef idx="minor">
+            <a:schemeClr val="tx1"/>
+          </a:fontRef>
+        </p:style>
+      </p:cxnSp>
+      <p:sp>
+        <p:nvSpPr>
+          <p:cNvPr id="6" name="TextBox 5"/>
+          <p:cNvSpPr txBox="1"/>
+          <p:nvPr/>
+        </p:nvSpPr>
+        <p:spPr>
+          <a:xfrm>
+            <a:off x="1433263" y="2949225"/>
+            <a:ext cx="1212833" cy="369332"/>
+          </a:xfrm>
+          <a:prstGeom prst="rect">
+            <a:avLst/>
+          </a:prstGeom>
+          <a:noFill/>
+        </p:spPr>
+        <p:txBody>
+          <a:bodyPr wrap="none" rtlCol="0">
+            <a:spAutoFit/>
+          </a:bodyPr>
+          <a:lstStyle/>
+          <a:p>
+            <a:r>
+              <a:rPr lang="en-US" smtClean="0"/>
+              <a:t>Backup Set</a:t>
+            </a:r>
+            <a:endParaRPr lang="en-US"/>
+          </a:p>
+        </p:txBody>
+      </p:sp>
+      <p:cxnSp>
+        <p:nvCxnSpPr>
+          <p:cNvPr id="7" name="Straight Arrow Connector 6"/>
+          <p:cNvCxnSpPr/>
+          <p:nvPr/>
+        </p:nvCxnSpPr>
+        <p:spPr>
+          <a:xfrm flipV="1">
+            <a:off x="2421563" y="1827270"/>
+            <a:ext cx="1286633" cy="525983"/>
+          </a:xfrm>
+          <a:prstGeom prst="straightConnector1">
+            <a:avLst/>
+          </a:prstGeom>
+          <a:ln>
+            <a:tailEnd type="triangle"/>
+          </a:ln>
+        </p:spPr>
+        <p:style>
+          <a:lnRef idx="3">
+            <a:schemeClr val="accent2"/>
+          </a:lnRef>
+          <a:fillRef idx="0">
+            <a:schemeClr val="accent2"/>
+          </a:fillRef>
+          <a:effectRef idx="2">
+            <a:schemeClr val="accent2"/>
+          </a:effectRef>
+          <a:fontRef idx="minor">
+            <a:schemeClr val="tx1"/>
+          </a:fontRef>
+        </p:style>
+      </p:cxnSp>
+      <p:sp>
+        <p:nvSpPr>
+          <p:cNvPr id="8" name="TextBox 7"/>
+          <p:cNvSpPr txBox="1"/>
+          <p:nvPr/>
+        </p:nvSpPr>
+        <p:spPr>
+          <a:xfrm>
+            <a:off x="1027313" y="2090261"/>
+            <a:ext cx="1258678" cy="369332"/>
+          </a:xfrm>
+          <a:prstGeom prst="rect">
+            <a:avLst/>
+          </a:prstGeom>
+          <a:noFill/>
+        </p:spPr>
+        <p:txBody>
+          <a:bodyPr wrap="none" rtlCol="0">
+            <a:spAutoFit/>
+          </a:bodyPr>
+          <a:lstStyle/>
+          <a:p>
+            <a:r>
+              <a:rPr lang="en-US" smtClean="0"/>
+              <a:t>Admin user</a:t>
+            </a:r>
+            <a:endParaRPr lang="en-US"/>
+          </a:p>
+        </p:txBody>
+      </p:sp>
+      <p:cxnSp>
+        <p:nvCxnSpPr>
+          <p:cNvPr id="9" name="Straight Arrow Connector 8"/>
+          <p:cNvCxnSpPr/>
+          <p:nvPr/>
+        </p:nvCxnSpPr>
+        <p:spPr>
+          <a:xfrm>
+            <a:off x="2047980" y="4577094"/>
+            <a:ext cx="3320432" cy="80920"/>
+          </a:xfrm>
+          <a:prstGeom prst="straightConnector1">
+            <a:avLst/>
+          </a:prstGeom>
+          <a:ln>
+            <a:tailEnd type="triangle"/>
+          </a:ln>
+        </p:spPr>
+        <p:style>
+          <a:lnRef idx="3">
+            <a:schemeClr val="accent2"/>
+          </a:lnRef>
+          <a:fillRef idx="0">
+            <a:schemeClr val="accent2"/>
+          </a:fillRef>
+          <a:effectRef idx="2">
+            <a:schemeClr val="accent2"/>
+          </a:effectRef>
+          <a:fontRef idx="minor">
+            <a:schemeClr val="tx1"/>
+          </a:fontRef>
+        </p:style>
+      </p:cxnSp>
+      <p:sp>
+        <p:nvSpPr>
+          <p:cNvPr id="12" name="TextBox 11"/>
+          <p:cNvSpPr txBox="1"/>
+          <p:nvPr/>
+        </p:nvSpPr>
+        <p:spPr>
+          <a:xfrm>
+            <a:off x="806393" y="4288682"/>
+            <a:ext cx="1233286" cy="369332"/>
+          </a:xfrm>
+          <a:prstGeom prst="rect">
+            <a:avLst/>
+          </a:prstGeom>
+          <a:noFill/>
+        </p:spPr>
+        <p:txBody>
+          <a:bodyPr wrap="none" rtlCol="0">
+            <a:spAutoFit/>
+          </a:bodyPr>
+          <a:lstStyle/>
+          <a:p>
+            <a:r>
+              <a:rPr lang="en-US" smtClean="0"/>
+              <a:t>Backup Job</a:t>
+            </a:r>
+            <a:endParaRPr lang="en-US"/>
+          </a:p>
+        </p:txBody>
+      </p:sp>
+    </p:spTree>
+    <p:extLst>
+      <p:ext uri="{BB962C8B-B14F-4D97-AF65-F5344CB8AC3E}">
+        <p14:creationId xmlns:p14="http://schemas.microsoft.com/office/powerpoint/2010/main" val="1510505101"/>
+      </p:ext>
+    </p:extLst>
+  </p:cSld>
+  <p:clrMapOvr>
+    <a:masterClrMapping/>
+  </p:clrMapOvr>
+  <p:timing>
+    <p:tnLst>
+      <p:par>
+        <p:cTn id="1" dur="indefinite" restart="never" nodeType="tmRoot"/>
+      </p:par>
+    </p:tnLst>
+  </p:timing>
+</p:sld>
+</file>
+
+<file path=ppt/slides/slide6.xml><?xml version="1.0" encoding="utf-8"?>
+<p:sld xmlns:a="http://schemas.openxmlformats.org/drawingml/2006/main" xmlns:r="http://schemas.openxmlformats.org/officeDocument/2006/relationships" xmlns:p="http://schemas.openxmlformats.org/presentationml/2006/main">
+  <p:cSld>
+    <p:spTree>
+      <p:nvGrpSpPr>
+        <p:cNvPr id="1" name=""/>
+        <p:cNvGrpSpPr/>
+        <p:nvPr/>
+      </p:nvGrpSpPr>
+      <p:grpSpPr>
+        <a:xfrm>
+          <a:off x="0" y="0"/>
+          <a:ext cx="0" cy="0"/>
+          <a:chOff x="0" y="0"/>
+          <a:chExt cx="0" cy="0"/>
+        </a:xfrm>
+      </p:grpSpPr>
+      <p:sp>
+        <p:nvSpPr>
+          <p:cNvPr id="2" name="Title 1"/>
+          <p:cNvSpPr>
+            <a:spLocks noGrp="1"/>
+          </p:cNvSpPr>
+          <p:nvPr>
+            <p:ph type="title"/>
+          </p:nvPr>
+        </p:nvSpPr>
+        <p:spPr/>
+        <p:txBody>
+          <a:bodyPr/>
+          <a:lstStyle/>
+          <a:p>
+            <a:r>
+              <a:rPr lang="en-US" b="1" dirty="0" err="1" smtClean="0"/>
+              <a:t>Các</a:t>
+            </a:r>
+            <a:r>
+              <a:rPr lang="en-US" b="1" dirty="0" smtClean="0"/>
+              <a:t> </a:t>
+            </a:r>
+            <a:r>
+              <a:rPr lang="en-US" b="1" dirty="0" err="1" smtClean="0"/>
+              <a:t>vấn</a:t>
+            </a:r>
+            <a:r>
+              <a:rPr lang="en-US" b="1" dirty="0" smtClean="0"/>
+              <a:t> </a:t>
+            </a:r>
+            <a:r>
+              <a:rPr lang="en-US" b="1" dirty="0" err="1" smtClean="0"/>
+              <a:t>đề</a:t>
+            </a:r>
+            <a:r>
+              <a:rPr lang="en-US" b="1" dirty="0" smtClean="0"/>
+              <a:t> </a:t>
+            </a:r>
+            <a:r>
+              <a:rPr lang="en-US" b="1" dirty="0" err="1" smtClean="0"/>
+              <a:t>về</a:t>
+            </a:r>
+            <a:r>
+              <a:rPr lang="en-US" b="1" dirty="0" smtClean="0"/>
+              <a:t> </a:t>
+            </a:r>
+            <a:r>
+              <a:rPr lang="en-US" b="1" dirty="0" err="1" smtClean="0"/>
+              <a:t>dữ</a:t>
+            </a:r>
+            <a:r>
+              <a:rPr lang="en-US" b="1" dirty="0" smtClean="0"/>
+              <a:t> </a:t>
+            </a:r>
+            <a:r>
+              <a:rPr lang="en-US" b="1" dirty="0" err="1" smtClean="0"/>
+              <a:t>liệu</a:t>
+            </a:r>
+            <a:endParaRPr lang="en-US" b="1" dirty="0"/>
+          </a:p>
+        </p:txBody>
+      </p:sp>
+      <p:sp>
+        <p:nvSpPr>
+          <p:cNvPr id="3" name="Content Placeholder 2"/>
+          <p:cNvSpPr>
+            <a:spLocks noGrp="1"/>
+          </p:cNvSpPr>
+          <p:nvPr>
+            <p:ph idx="1"/>
+          </p:nvPr>
+        </p:nvSpPr>
+        <p:spPr/>
+        <p:txBody>
+          <a:bodyPr/>
+          <a:lstStyle/>
+          <a:p>
+            <a:r>
+              <a:rPr lang="en-US" dirty="0" err="1" smtClean="0"/>
+              <a:t>Dữ</a:t>
+            </a:r>
+            <a:r>
+              <a:rPr lang="en-US" dirty="0" smtClean="0"/>
+              <a:t> </a:t>
+            </a:r>
+            <a:r>
+              <a:rPr lang="en-US" err="1" smtClean="0"/>
+              <a:t>liệu</a:t>
+            </a:r>
+            <a:r>
+              <a:rPr lang="en-US" smtClean="0"/>
+              <a:t> </a:t>
+            </a:r>
+            <a:r>
+              <a:rPr lang="en-US" smtClean="0"/>
+              <a:t>OBS </a:t>
+            </a:r>
+            <a:r>
+              <a:rPr lang="en-US" dirty="0" smtClean="0"/>
+              <a:t>Server </a:t>
+            </a:r>
+            <a:r>
+              <a:rPr lang="en-US" dirty="0" err="1" smtClean="0"/>
+              <a:t>dưới</a:t>
+            </a:r>
+            <a:r>
+              <a:rPr lang="en-US" dirty="0" smtClean="0"/>
+              <a:t> </a:t>
+            </a:r>
+            <a:r>
+              <a:rPr lang="en-US" dirty="0" err="1" smtClean="0"/>
+              <a:t>dạng</a:t>
+            </a:r>
+            <a:r>
+              <a:rPr lang="en-US" dirty="0" smtClean="0"/>
+              <a:t> XML.</a:t>
+            </a:r>
+          </a:p>
+          <a:p>
+            <a:r>
+              <a:rPr lang="en-US" dirty="0" err="1" smtClean="0"/>
+              <a:t>Khối</a:t>
+            </a:r>
+            <a:r>
+              <a:rPr lang="en-US" dirty="0" smtClean="0"/>
+              <a:t> </a:t>
+            </a:r>
+            <a:r>
+              <a:rPr lang="en-US" dirty="0" err="1" smtClean="0"/>
+              <a:t>lượng</a:t>
+            </a:r>
+            <a:r>
+              <a:rPr lang="en-US" dirty="0" smtClean="0"/>
+              <a:t> </a:t>
+            </a:r>
+            <a:r>
+              <a:rPr lang="en-US" dirty="0" err="1" smtClean="0"/>
+              <a:t>dữ</a:t>
+            </a:r>
+            <a:r>
+              <a:rPr lang="en-US" dirty="0" smtClean="0"/>
+              <a:t> </a:t>
+            </a:r>
+            <a:r>
+              <a:rPr lang="en-US" dirty="0" err="1" smtClean="0"/>
+              <a:t>liệu</a:t>
+            </a:r>
+            <a:r>
+              <a:rPr lang="en-US" dirty="0" smtClean="0"/>
+              <a:t> </a:t>
+            </a:r>
+            <a:r>
+              <a:rPr lang="en-US" dirty="0" err="1" smtClean="0"/>
+              <a:t>lớn</a:t>
+            </a:r>
+            <a:r>
+              <a:rPr lang="en-US" dirty="0" smtClean="0"/>
+              <a:t>.</a:t>
+            </a:r>
+          </a:p>
+          <a:p>
+            <a:r>
+              <a:rPr lang="en-US" dirty="0" err="1" smtClean="0"/>
+              <a:t>Không</a:t>
+            </a:r>
+            <a:r>
+              <a:rPr lang="en-US" dirty="0" smtClean="0"/>
+              <a:t> </a:t>
+            </a:r>
+            <a:r>
+              <a:rPr lang="en-US" dirty="0" err="1" smtClean="0"/>
+              <a:t>có</a:t>
+            </a:r>
+            <a:r>
+              <a:rPr lang="en-US" dirty="0" smtClean="0"/>
+              <a:t> </a:t>
+            </a:r>
+            <a:r>
+              <a:rPr lang="en-US" dirty="0" err="1" smtClean="0"/>
+              <a:t>đặc</a:t>
+            </a:r>
+            <a:r>
+              <a:rPr lang="en-US" dirty="0" smtClean="0"/>
+              <a:t> </a:t>
+            </a:r>
+            <a:r>
+              <a:rPr lang="en-US" dirty="0" err="1" smtClean="0"/>
+              <a:t>tả</a:t>
+            </a:r>
+            <a:r>
+              <a:rPr lang="en-US" dirty="0" smtClean="0"/>
+              <a:t> </a:t>
+            </a:r>
+            <a:r>
+              <a:rPr lang="en-US" dirty="0" err="1" smtClean="0"/>
+              <a:t>cấu</a:t>
+            </a:r>
+            <a:r>
+              <a:rPr lang="en-US" dirty="0" smtClean="0"/>
+              <a:t> </a:t>
+            </a:r>
+            <a:r>
+              <a:rPr lang="en-US" dirty="0" err="1" smtClean="0"/>
+              <a:t>trúc</a:t>
+            </a:r>
+            <a:r>
+              <a:rPr lang="en-US" dirty="0" smtClean="0"/>
+              <a:t> </a:t>
+            </a:r>
+            <a:r>
+              <a:rPr lang="en-US" dirty="0" err="1" smtClean="0"/>
+              <a:t>dữ</a:t>
+            </a:r>
+            <a:r>
+              <a:rPr lang="en-US" dirty="0" smtClean="0"/>
+              <a:t> </a:t>
+            </a:r>
+            <a:r>
+              <a:rPr lang="en-US" dirty="0" err="1" smtClean="0"/>
+              <a:t>liệu</a:t>
+            </a:r>
+            <a:r>
+              <a:rPr lang="en-US" dirty="0" smtClean="0"/>
+              <a:t>.</a:t>
+            </a:r>
+          </a:p>
+          <a:p>
+            <a:r>
+              <a:rPr lang="en-US" dirty="0" err="1"/>
+              <a:t>D</a:t>
+            </a:r>
+            <a:r>
+              <a:rPr lang="en-US" dirty="0" err="1" smtClean="0"/>
+              <a:t>ữ</a:t>
+            </a:r>
+            <a:r>
+              <a:rPr lang="en-US" dirty="0" smtClean="0"/>
+              <a:t> </a:t>
+            </a:r>
+            <a:r>
+              <a:rPr lang="en-US" dirty="0" err="1" smtClean="0"/>
+              <a:t>liệu</a:t>
+            </a:r>
+            <a:r>
+              <a:rPr lang="en-US" dirty="0"/>
+              <a:t> </a:t>
+            </a:r>
+            <a:r>
+              <a:rPr lang="en-US" dirty="0" err="1" smtClean="0"/>
+              <a:t>có</a:t>
+            </a:r>
+            <a:r>
+              <a:rPr lang="en-US" dirty="0" smtClean="0"/>
+              <a:t> </a:t>
+            </a:r>
+            <a:r>
+              <a:rPr lang="en-US" dirty="0" err="1" smtClean="0"/>
+              <a:t>tần</a:t>
+            </a:r>
+            <a:r>
+              <a:rPr lang="en-US" dirty="0" smtClean="0"/>
+              <a:t> </a:t>
+            </a:r>
+            <a:r>
+              <a:rPr lang="en-US" dirty="0" err="1" smtClean="0"/>
+              <a:t>suất</a:t>
+            </a:r>
+            <a:r>
+              <a:rPr lang="en-US" dirty="0" smtClean="0"/>
+              <a:t> </a:t>
+            </a:r>
+            <a:r>
+              <a:rPr lang="en-US" dirty="0" err="1" smtClean="0"/>
+              <a:t>truy</a:t>
+            </a:r>
+            <a:r>
+              <a:rPr lang="en-US" dirty="0" smtClean="0"/>
+              <a:t> </a:t>
+            </a:r>
+            <a:r>
+              <a:rPr lang="en-US" dirty="0" err="1" smtClean="0"/>
+              <a:t>xuất</a:t>
+            </a:r>
+            <a:r>
+              <a:rPr lang="en-US" dirty="0" smtClean="0"/>
+              <a:t> </a:t>
+            </a:r>
+            <a:r>
+              <a:rPr lang="en-US" dirty="0" err="1" smtClean="0"/>
+              <a:t>cao</a:t>
+            </a:r>
+            <a:r>
+              <a:rPr lang="en-US" dirty="0" smtClean="0"/>
+              <a:t>.</a:t>
+            </a:r>
+            <a:endParaRPr lang="en-US" dirty="0"/>
+          </a:p>
+        </p:txBody>
+      </p:sp>
+    </p:spTree>
+    <p:extLst>
+      <p:ext uri="{BB962C8B-B14F-4D97-AF65-F5344CB8AC3E}">
+        <p14:creationId xmlns:p14="http://schemas.microsoft.com/office/powerpoint/2010/main" val="2296235705"/>
+      </p:ext>
+    </p:extLst>
+  </p:cSld>
+  <p:clrMapOvr>
+    <a:masterClrMapping/>
+  </p:clrMapOvr>
+  <p:timing>
+    <p:tnLst>
+      <p:par>
+        <p:cTn id="1" dur="indefinite" restart="never" nodeType="tmRoot"/>
+      </p:par>
+    </p:tnLst>
+  </p:timing>
+</p:sld>
+</file>
+
+<file path=ppt/slides/slide7.xml><?xml version="1.0" encoding="utf-8"?>
+<p:sld xmlns:a="http://schemas.openxmlformats.org/drawingml/2006/main" xmlns:r="http://schemas.openxmlformats.org/officeDocument/2006/relationships" xmlns:p="http://schemas.openxmlformats.org/presentationml/2006/main">
+  <p:cSld>
+    <p:spTree>
+      <p:nvGrpSpPr>
+        <p:cNvPr id="1" name=""/>
+        <p:cNvGrpSpPr/>
+        <p:nvPr/>
+      </p:nvGrpSpPr>
+      <p:grpSpPr>
+        <a:xfrm>
+          <a:off x="0" y="0"/>
+          <a:ext cx="0" cy="0"/>
+          <a:chOff x="0" y="0"/>
+          <a:chExt cx="0" cy="0"/>
+        </a:xfrm>
+      </p:grpSpPr>
+      <p:sp>
+        <p:nvSpPr>
+          <p:cNvPr id="2" name="Title 1"/>
+          <p:cNvSpPr>
+            <a:spLocks noGrp="1"/>
+          </p:cNvSpPr>
+          <p:nvPr>
+            <p:ph type="title"/>
+          </p:nvPr>
+        </p:nvSpPr>
+        <p:spPr/>
+        <p:txBody>
+          <a:bodyPr/>
+          <a:lstStyle/>
+          <a:p>
+            <a:r>
+              <a:rPr lang="en-US" b="1" dirty="0" err="1" smtClean="0"/>
+              <a:t>Giải</a:t>
+            </a:r>
+            <a:r>
+              <a:rPr lang="en-US" b="1" dirty="0" smtClean="0"/>
+              <a:t> </a:t>
+            </a:r>
+            <a:r>
+              <a:rPr lang="en-US" b="1" dirty="0" err="1" smtClean="0"/>
+              <a:t>pháp</a:t>
+            </a:r>
+            <a:r>
+              <a:rPr lang="en-US" b="1" dirty="0" smtClean="0"/>
+              <a:t> </a:t>
+            </a:r>
+            <a:r>
+              <a:rPr lang="en-US" b="1" dirty="0" err="1" smtClean="0"/>
+              <a:t>về</a:t>
+            </a:r>
+            <a:r>
+              <a:rPr lang="en-US" b="1" dirty="0" smtClean="0"/>
+              <a:t> </a:t>
+            </a:r>
+            <a:r>
+              <a:rPr lang="en-US" b="1" dirty="0" err="1" smtClean="0"/>
+              <a:t>dữ</a:t>
+            </a:r>
+            <a:r>
+              <a:rPr lang="en-US" b="1" dirty="0" smtClean="0"/>
+              <a:t> </a:t>
+            </a:r>
+            <a:r>
+              <a:rPr lang="en-US" b="1" dirty="0" err="1" smtClean="0"/>
+              <a:t>liệu</a:t>
+            </a:r>
+            <a:endParaRPr lang="vi-VN" b="1" dirty="0"/>
+          </a:p>
+        </p:txBody>
+      </p:sp>
+      <p:sp>
+        <p:nvSpPr>
+          <p:cNvPr id="3" name="Content Placeholder 2"/>
+          <p:cNvSpPr>
+            <a:spLocks noGrp="1"/>
+          </p:cNvSpPr>
+          <p:nvPr>
+            <p:ph idx="1"/>
+          </p:nvPr>
+        </p:nvSpPr>
+        <p:spPr/>
+        <p:txBody>
+          <a:bodyPr/>
+          <a:lstStyle/>
+          <a:p>
+            <a:r>
+              <a:rPr lang="en-US" dirty="0" err="1" smtClean="0"/>
+              <a:t>Chuyển</a:t>
+            </a:r>
+            <a:r>
+              <a:rPr lang="en-US" dirty="0" smtClean="0"/>
+              <a:t> </a:t>
+            </a:r>
+            <a:r>
+              <a:rPr lang="en-US" dirty="0" err="1" smtClean="0"/>
+              <a:t>đổi</a:t>
+            </a:r>
+            <a:r>
+              <a:rPr lang="en-US" dirty="0" smtClean="0"/>
+              <a:t> </a:t>
+            </a:r>
+            <a:r>
+              <a:rPr lang="en-US" dirty="0" err="1" smtClean="0"/>
+              <a:t>dữ</a:t>
+            </a:r>
+            <a:r>
+              <a:rPr lang="en-US" dirty="0" smtClean="0"/>
+              <a:t> </a:t>
+            </a:r>
+            <a:r>
+              <a:rPr lang="en-US" dirty="0" err="1" smtClean="0"/>
+              <a:t>liệu</a:t>
+            </a:r>
+            <a:r>
+              <a:rPr lang="en-US" dirty="0" smtClean="0"/>
+              <a:t> XML </a:t>
+            </a:r>
+            <a:r>
+              <a:rPr lang="en-US" dirty="0" err="1" smtClean="0"/>
+              <a:t>thành</a:t>
+            </a:r>
+            <a:r>
+              <a:rPr lang="en-US" dirty="0" smtClean="0"/>
+              <a:t> </a:t>
+            </a:r>
+            <a:r>
+              <a:rPr lang="en-US" dirty="0" err="1" smtClean="0"/>
+              <a:t>các</a:t>
+            </a:r>
+            <a:r>
+              <a:rPr lang="en-US" dirty="0" smtClean="0"/>
+              <a:t> </a:t>
+            </a:r>
+            <a:r>
+              <a:rPr lang="en-US" dirty="0" err="1" smtClean="0"/>
+              <a:t>đối</a:t>
+            </a:r>
+            <a:r>
+              <a:rPr lang="en-US" dirty="0" smtClean="0"/>
+              <a:t> </a:t>
+            </a:r>
+            <a:r>
+              <a:rPr lang="en-US" dirty="0" err="1" smtClean="0"/>
+              <a:t>tượng</a:t>
+            </a:r>
+            <a:r>
+              <a:rPr lang="en-US" dirty="0" smtClean="0"/>
+              <a:t> C#.</a:t>
+            </a:r>
+          </a:p>
+          <a:p>
+            <a:pPr lvl="1"/>
+            <a:r>
+              <a:rPr lang="en-US" dirty="0" smtClean="0"/>
+              <a:t>Object</a:t>
+            </a:r>
+          </a:p>
+          <a:p>
+            <a:pPr lvl="1"/>
+            <a:r>
+              <a:rPr lang="en-US" dirty="0" smtClean="0"/>
+              <a:t>Collection</a:t>
+            </a:r>
+          </a:p>
+          <a:p>
+            <a:pPr lvl="1"/>
+            <a:r>
+              <a:rPr lang="en-US" dirty="0" smtClean="0"/>
+              <a:t>Dictionary</a:t>
+            </a:r>
+          </a:p>
+          <a:p>
+            <a:pPr lvl="1"/>
+            <a:r>
+              <a:rPr lang="en-US" dirty="0" smtClean="0"/>
+              <a:t>Primitive</a:t>
+            </a:r>
+          </a:p>
+          <a:p>
+            <a:r>
+              <a:rPr lang="en-US" dirty="0" smtClean="0"/>
+              <a:t>Cache </a:t>
+            </a:r>
+            <a:r>
+              <a:rPr lang="en-US" dirty="0" err="1" smtClean="0"/>
+              <a:t>các</a:t>
+            </a:r>
+            <a:r>
+              <a:rPr lang="en-US" dirty="0" smtClean="0"/>
+              <a:t> </a:t>
+            </a:r>
+            <a:r>
+              <a:rPr lang="en-US" dirty="0" err="1" smtClean="0"/>
+              <a:t>dữ</a:t>
+            </a:r>
+            <a:r>
+              <a:rPr lang="en-US" dirty="0" smtClean="0"/>
+              <a:t> </a:t>
+            </a:r>
+            <a:r>
+              <a:rPr lang="en-US" dirty="0" err="1" smtClean="0"/>
+              <a:t>liệu</a:t>
+            </a:r>
+            <a:r>
+              <a:rPr lang="en-US" dirty="0" smtClean="0"/>
+              <a:t> </a:t>
+            </a:r>
+            <a:r>
+              <a:rPr lang="en-US" dirty="0" err="1" smtClean="0"/>
+              <a:t>được</a:t>
+            </a:r>
+            <a:r>
+              <a:rPr lang="en-US" dirty="0" smtClean="0"/>
+              <a:t> </a:t>
+            </a:r>
+            <a:r>
+              <a:rPr lang="en-US" dirty="0" err="1" smtClean="0"/>
+              <a:t>truy</a:t>
+            </a:r>
+            <a:r>
+              <a:rPr lang="en-US" dirty="0" smtClean="0"/>
+              <a:t> </a:t>
+            </a:r>
+            <a:r>
+              <a:rPr lang="en-US" dirty="0" err="1" smtClean="0"/>
+              <a:t>xuất</a:t>
+            </a:r>
+            <a:r>
+              <a:rPr lang="en-US" dirty="0" smtClean="0"/>
+              <a:t> </a:t>
+            </a:r>
+            <a:r>
+              <a:rPr lang="en-US" dirty="0" err="1" smtClean="0"/>
+              <a:t>thường</a:t>
+            </a:r>
+            <a:r>
+              <a:rPr lang="en-US" dirty="0" smtClean="0"/>
+              <a:t> </a:t>
+            </a:r>
+            <a:r>
+              <a:rPr lang="en-US" dirty="0" err="1" smtClean="0"/>
+              <a:t>xuyên</a:t>
+            </a:r>
+            <a:r>
+              <a:rPr lang="en-US" dirty="0" smtClean="0"/>
+              <a:t>.</a:t>
+            </a:r>
+            <a:endParaRPr lang="vi-VN" dirty="0"/>
+          </a:p>
+        </p:txBody>
+      </p:sp>
+    </p:spTree>
+    <p:extLst>
+      <p:ext uri="{BB962C8B-B14F-4D97-AF65-F5344CB8AC3E}">
+        <p14:creationId xmlns:p14="http://schemas.microsoft.com/office/powerpoint/2010/main" val="1557009442"/>
+      </p:ext>
+    </p:extLst>
+  </p:cSld>
+  <p:clrMapOvr>
+    <a:masterClrMapping/>
+  </p:clrMapOvr>
+  <p:timing>
+    <p:tnLst>
+      <p:par>
+        <p:cTn id="1" dur="indefinite" restart="never" nodeType="tmRoot"/>
+      </p:par>
+    </p:tnLst>
+  </p:timing>
+</p:sld>
+</file>
+
+<file path=ppt/slides/slide8.xml><?xml version="1.0" encoding="utf-8"?>
 <p:sld xmlns:a="http://schemas.openxmlformats.org/drawingml/2006/main" xmlns:r="http://schemas.openxmlformats.org/officeDocument/2006/relationships" xmlns:p="http://schemas.openxmlformats.org/presentationml/2006/main">
   <p:cSld>
     <p:spTree>
@@ -3690,2069 +5527,6 @@
 </p:sld>
 </file>
 
-<file path=ppt/slides/slide11.xml><?xml version="1.0" encoding="utf-8"?>
-<p:sld xmlns:a="http://schemas.openxmlformats.org/drawingml/2006/main" xmlns:r="http://schemas.openxmlformats.org/officeDocument/2006/relationships" xmlns:p="http://schemas.openxmlformats.org/presentationml/2006/main">
-  <p:cSld>
-    <p:spTree>
-      <p:nvGrpSpPr>
-        <p:cNvPr id="1" name=""/>
-        <p:cNvGrpSpPr/>
-        <p:nvPr/>
-      </p:nvGrpSpPr>
-      <p:grpSpPr>
-        <a:xfrm>
-          <a:off x="0" y="0"/>
-          <a:ext cx="0" cy="0"/>
-          <a:chOff x="0" y="0"/>
-          <a:chExt cx="0" cy="0"/>
-        </a:xfrm>
-      </p:grpSpPr>
-      <p:sp>
-        <p:nvSpPr>
-          <p:cNvPr id="2" name="Title 1"/>
-          <p:cNvSpPr>
-            <a:spLocks noGrp="1"/>
-          </p:cNvSpPr>
-          <p:nvPr>
-            <p:ph type="title"/>
-          </p:nvPr>
-        </p:nvSpPr>
-        <p:spPr/>
-        <p:txBody>
-          <a:bodyPr/>
-          <a:lstStyle/>
-          <a:p>
-            <a:r>
-              <a:rPr lang="en-US" b="1" dirty="0" smtClean="0"/>
-              <a:t>Unit Test</a:t>
-            </a:r>
-            <a:endParaRPr lang="vi-VN" b="1" dirty="0"/>
-          </a:p>
-        </p:txBody>
-      </p:sp>
-      <p:sp>
-        <p:nvSpPr>
-          <p:cNvPr id="3" name="Content Placeholder 2"/>
-          <p:cNvSpPr>
-            <a:spLocks noGrp="1"/>
-          </p:cNvSpPr>
-          <p:nvPr>
-            <p:ph idx="1"/>
-          </p:nvPr>
-        </p:nvSpPr>
-        <p:spPr/>
-        <p:txBody>
-          <a:bodyPr/>
-          <a:lstStyle/>
-          <a:p>
-            <a:r>
-              <a:rPr lang="en-US" dirty="0" err="1" smtClean="0"/>
-              <a:t>Tự</a:t>
-            </a:r>
-            <a:r>
-              <a:rPr lang="en-US" dirty="0" smtClean="0"/>
-              <a:t> </a:t>
-            </a:r>
-            <a:r>
-              <a:rPr lang="en-US" dirty="0" err="1" smtClean="0"/>
-              <a:t>động</a:t>
-            </a:r>
-            <a:r>
-              <a:rPr lang="en-US" dirty="0" smtClean="0"/>
-              <a:t> </a:t>
-            </a:r>
-            <a:r>
-              <a:rPr lang="en-US" dirty="0" err="1" smtClean="0"/>
-              <a:t>hóa</a:t>
-            </a:r>
-            <a:r>
-              <a:rPr lang="en-US" dirty="0" smtClean="0"/>
-              <a:t> </a:t>
-            </a:r>
-            <a:r>
-              <a:rPr lang="en-US" dirty="0" err="1" smtClean="0"/>
-              <a:t>công</a:t>
-            </a:r>
-            <a:r>
-              <a:rPr lang="en-US" dirty="0" smtClean="0"/>
-              <a:t> </a:t>
-            </a:r>
-            <a:r>
-              <a:rPr lang="en-US" dirty="0" err="1" smtClean="0"/>
-              <a:t>việc</a:t>
-            </a:r>
-            <a:r>
-              <a:rPr lang="en-US" dirty="0" smtClean="0"/>
-              <a:t> testing.</a:t>
-            </a:r>
-          </a:p>
-          <a:p>
-            <a:r>
-              <a:rPr lang="en-US" dirty="0" err="1" smtClean="0"/>
-              <a:t>Đảm</a:t>
-            </a:r>
-            <a:r>
-              <a:rPr lang="en-US" dirty="0" smtClean="0"/>
-              <a:t> </a:t>
-            </a:r>
-            <a:r>
-              <a:rPr lang="en-US" dirty="0" err="1" smtClean="0"/>
-              <a:t>bảo</a:t>
-            </a:r>
-            <a:r>
-              <a:rPr lang="en-US" dirty="0" smtClean="0"/>
-              <a:t> </a:t>
-            </a:r>
-            <a:r>
-              <a:rPr lang="en-US" dirty="0" err="1" smtClean="0"/>
-              <a:t>chất</a:t>
-            </a:r>
-            <a:r>
-              <a:rPr lang="en-US" dirty="0" smtClean="0"/>
-              <a:t> </a:t>
-            </a:r>
-            <a:r>
-              <a:rPr lang="en-US" dirty="0" err="1" smtClean="0"/>
-              <a:t>lượng</a:t>
-            </a:r>
-            <a:r>
-              <a:rPr lang="en-US" dirty="0" smtClean="0"/>
-              <a:t> </a:t>
-            </a:r>
-            <a:r>
-              <a:rPr lang="en-US" dirty="0" err="1" smtClean="0"/>
-              <a:t>các</a:t>
-            </a:r>
-            <a:r>
-              <a:rPr lang="en-US" dirty="0" smtClean="0"/>
-              <a:t> </a:t>
-            </a:r>
-            <a:r>
-              <a:rPr lang="en-US" dirty="0" err="1" smtClean="0"/>
-              <a:t>thành</a:t>
-            </a:r>
-            <a:r>
-              <a:rPr lang="en-US" dirty="0" smtClean="0"/>
-              <a:t> </a:t>
-            </a:r>
-            <a:r>
-              <a:rPr lang="en-US" dirty="0" err="1" smtClean="0"/>
-              <a:t>phần</a:t>
-            </a:r>
-            <a:r>
-              <a:rPr lang="en-US" dirty="0" smtClean="0"/>
-              <a:t> </a:t>
-            </a:r>
-            <a:r>
-              <a:rPr lang="en-US" dirty="0" err="1" smtClean="0"/>
-              <a:t>của</a:t>
-            </a:r>
-            <a:r>
-              <a:rPr lang="en-US" dirty="0" smtClean="0"/>
-              <a:t> </a:t>
-            </a:r>
-            <a:r>
-              <a:rPr lang="en-US" dirty="0" err="1" smtClean="0"/>
-              <a:t>chương</a:t>
-            </a:r>
-            <a:r>
-              <a:rPr lang="en-US" dirty="0" smtClean="0"/>
-              <a:t> </a:t>
-            </a:r>
-            <a:r>
-              <a:rPr lang="en-US" dirty="0" err="1" smtClean="0"/>
-              <a:t>trình</a:t>
-            </a:r>
-            <a:r>
-              <a:rPr lang="en-US" dirty="0" smtClean="0"/>
-              <a:t>.</a:t>
-            </a:r>
-          </a:p>
-          <a:p>
-            <a:r>
-              <a:rPr lang="en-US" dirty="0" err="1" smtClean="0"/>
-              <a:t>Nhanh</a:t>
-            </a:r>
-            <a:r>
-              <a:rPr lang="en-US" dirty="0" smtClean="0"/>
-              <a:t> </a:t>
-            </a:r>
-            <a:r>
-              <a:rPr lang="en-US" dirty="0" err="1" smtClean="0"/>
-              <a:t>chóng</a:t>
-            </a:r>
-            <a:r>
-              <a:rPr lang="en-US" dirty="0" smtClean="0"/>
-              <a:t> </a:t>
-            </a:r>
-            <a:r>
-              <a:rPr lang="en-US" dirty="0" err="1" smtClean="0"/>
-              <a:t>phát</a:t>
-            </a:r>
-            <a:r>
-              <a:rPr lang="en-US" dirty="0" smtClean="0"/>
-              <a:t> </a:t>
-            </a:r>
-            <a:r>
-              <a:rPr lang="en-US" dirty="0" err="1" smtClean="0"/>
-              <a:t>hiện</a:t>
-            </a:r>
-            <a:r>
-              <a:rPr lang="en-US" dirty="0" smtClean="0"/>
-              <a:t> </a:t>
-            </a:r>
-            <a:r>
-              <a:rPr lang="en-US" dirty="0" err="1" smtClean="0"/>
-              <a:t>ra</a:t>
-            </a:r>
-            <a:r>
-              <a:rPr lang="en-US" dirty="0" smtClean="0"/>
-              <a:t> </a:t>
-            </a:r>
-            <a:r>
-              <a:rPr lang="en-US" dirty="0" err="1" smtClean="0"/>
-              <a:t>các</a:t>
-            </a:r>
-            <a:r>
-              <a:rPr lang="en-US" dirty="0" smtClean="0"/>
-              <a:t> </a:t>
-            </a:r>
-            <a:r>
-              <a:rPr lang="en-US" dirty="0" err="1" smtClean="0"/>
-              <a:t>lỗi</a:t>
-            </a:r>
-            <a:r>
-              <a:rPr lang="en-US" dirty="0" smtClean="0"/>
-              <a:t> </a:t>
-            </a:r>
-            <a:r>
-              <a:rPr lang="en-US" dirty="0" err="1" smtClean="0"/>
-              <a:t>khi</a:t>
-            </a:r>
-            <a:r>
-              <a:rPr lang="en-US" dirty="0" smtClean="0"/>
-              <a:t> </a:t>
-            </a:r>
-            <a:r>
-              <a:rPr lang="en-US" dirty="0" err="1" smtClean="0"/>
-              <a:t>thay</a:t>
-            </a:r>
-            <a:r>
-              <a:rPr lang="en-US" dirty="0" smtClean="0"/>
-              <a:t> </a:t>
-            </a:r>
-            <a:r>
-              <a:rPr lang="en-US" dirty="0" err="1" smtClean="0"/>
-              <a:t>đổi</a:t>
-            </a:r>
-            <a:r>
-              <a:rPr lang="en-US" dirty="0" smtClean="0"/>
-              <a:t> </a:t>
-            </a:r>
-            <a:r>
-              <a:rPr lang="en-US" dirty="0" err="1" smtClean="0"/>
-              <a:t>chương</a:t>
-            </a:r>
-            <a:r>
-              <a:rPr lang="en-US" dirty="0" smtClean="0"/>
-              <a:t> </a:t>
-            </a:r>
-            <a:r>
-              <a:rPr lang="en-US" dirty="0" err="1" smtClean="0"/>
-              <a:t>trình</a:t>
-            </a:r>
-            <a:r>
-              <a:rPr lang="en-US" dirty="0" smtClean="0"/>
-              <a:t>.</a:t>
-            </a:r>
-          </a:p>
-          <a:p>
-            <a:r>
-              <a:rPr lang="en-US" dirty="0" err="1" smtClean="0"/>
-              <a:t>Tiết</a:t>
-            </a:r>
-            <a:r>
-              <a:rPr lang="en-US" dirty="0" smtClean="0"/>
-              <a:t> </a:t>
-            </a:r>
-            <a:r>
-              <a:rPr lang="en-US" dirty="0" err="1" smtClean="0"/>
-              <a:t>kiệm</a:t>
-            </a:r>
-            <a:r>
-              <a:rPr lang="en-US" dirty="0" smtClean="0"/>
-              <a:t> </a:t>
-            </a:r>
-            <a:r>
-              <a:rPr lang="en-US" dirty="0" err="1" smtClean="0"/>
-              <a:t>thời</a:t>
-            </a:r>
-            <a:r>
-              <a:rPr lang="en-US" dirty="0" smtClean="0"/>
-              <a:t> </a:t>
-            </a:r>
-            <a:r>
-              <a:rPr lang="en-US" dirty="0" err="1" smtClean="0"/>
-              <a:t>gian</a:t>
-            </a:r>
-            <a:r>
-              <a:rPr lang="en-US" dirty="0" smtClean="0"/>
-              <a:t> testing.</a:t>
-            </a:r>
-            <a:endParaRPr lang="vi-VN" dirty="0"/>
-          </a:p>
-        </p:txBody>
-      </p:sp>
-    </p:spTree>
-    <p:extLst>
-      <p:ext uri="{BB962C8B-B14F-4D97-AF65-F5344CB8AC3E}">
-        <p14:creationId xmlns:p14="http://schemas.microsoft.com/office/powerpoint/2010/main" val="1767821105"/>
-      </p:ext>
-    </p:extLst>
-  </p:cSld>
-  <p:clrMapOvr>
-    <a:masterClrMapping/>
-  </p:clrMapOvr>
-  <p:timing>
-    <p:tnLst>
-      <p:par>
-        <p:cTn id="1" dur="indefinite" restart="never" nodeType="tmRoot"/>
-      </p:par>
-    </p:tnLst>
-  </p:timing>
-</p:sld>
-</file>
-
-<file path=ppt/slides/slide12.xml><?xml version="1.0" encoding="utf-8"?>
-<p:sld xmlns:a="http://schemas.openxmlformats.org/drawingml/2006/main" xmlns:r="http://schemas.openxmlformats.org/officeDocument/2006/relationships" xmlns:p="http://schemas.openxmlformats.org/presentationml/2006/main">
-  <p:cSld>
-    <p:spTree>
-      <p:nvGrpSpPr>
-        <p:cNvPr id="1" name=""/>
-        <p:cNvGrpSpPr/>
-        <p:nvPr/>
-      </p:nvGrpSpPr>
-      <p:grpSpPr>
-        <a:xfrm>
-          <a:off x="0" y="0"/>
-          <a:ext cx="0" cy="0"/>
-          <a:chOff x="0" y="0"/>
-          <a:chExt cx="0" cy="0"/>
-        </a:xfrm>
-      </p:grpSpPr>
-      <p:sp>
-        <p:nvSpPr>
-          <p:cNvPr id="2" name="Title 1"/>
-          <p:cNvSpPr>
-            <a:spLocks noGrp="1"/>
-          </p:cNvSpPr>
-          <p:nvPr>
-            <p:ph type="title"/>
-          </p:nvPr>
-        </p:nvSpPr>
-        <p:spPr/>
-        <p:txBody>
-          <a:bodyPr/>
-          <a:lstStyle/>
-          <a:p>
-            <a:endParaRPr lang="vi-VN"/>
-          </a:p>
-        </p:txBody>
-      </p:sp>
-      <p:pic>
-        <p:nvPicPr>
-          <p:cNvPr id="4" name="Picture 3"/>
-          <p:cNvPicPr/>
-          <p:nvPr/>
-        </p:nvPicPr>
-        <p:blipFill>
-          <a:blip r:embed="rId2">
-            <a:extLst>
-              <a:ext uri="{28A0092B-C50C-407E-A947-70E740481C1C}">
-                <a14:useLocalDpi xmlns:a14="http://schemas.microsoft.com/office/drawing/2010/main" val="0"/>
-              </a:ext>
-            </a:extLst>
-          </a:blip>
-          <a:srcRect/>
-          <a:stretch>
-            <a:fillRect/>
-          </a:stretch>
-        </p:blipFill>
-        <p:spPr bwMode="auto">
-          <a:xfrm>
-            <a:off x="1167848" y="1027906"/>
-            <a:ext cx="9856304" cy="4882564"/>
-          </a:xfrm>
-          <a:prstGeom prst="rect">
-            <a:avLst/>
-          </a:prstGeom>
-          <a:noFill/>
-          <a:ln>
-            <a:noFill/>
-          </a:ln>
-        </p:spPr>
-      </p:pic>
-    </p:spTree>
-    <p:extLst>
-      <p:ext uri="{BB962C8B-B14F-4D97-AF65-F5344CB8AC3E}">
-        <p14:creationId xmlns:p14="http://schemas.microsoft.com/office/powerpoint/2010/main" val="517413923"/>
-      </p:ext>
-    </p:extLst>
-  </p:cSld>
-  <p:clrMapOvr>
-    <a:masterClrMapping/>
-  </p:clrMapOvr>
-  <p:timing>
-    <p:tnLst>
-      <p:par>
-        <p:cTn id="1" dur="indefinite" restart="never" nodeType="tmRoot"/>
-      </p:par>
-    </p:tnLst>
-  </p:timing>
-</p:sld>
-</file>
-
-<file path=ppt/slides/slide13.xml><?xml version="1.0" encoding="utf-8"?>
-<p:sld xmlns:a="http://schemas.openxmlformats.org/drawingml/2006/main" xmlns:r="http://schemas.openxmlformats.org/officeDocument/2006/relationships" xmlns:p="http://schemas.openxmlformats.org/presentationml/2006/main">
-  <p:cSld>
-    <p:spTree>
-      <p:nvGrpSpPr>
-        <p:cNvPr id="1" name=""/>
-        <p:cNvGrpSpPr/>
-        <p:nvPr/>
-      </p:nvGrpSpPr>
-      <p:grpSpPr>
-        <a:xfrm>
-          <a:off x="0" y="0"/>
-          <a:ext cx="0" cy="0"/>
-          <a:chOff x="0" y="0"/>
-          <a:chExt cx="0" cy="0"/>
-        </a:xfrm>
-      </p:grpSpPr>
-      <p:sp>
-        <p:nvSpPr>
-          <p:cNvPr id="2" name="Title 1"/>
-          <p:cNvSpPr>
-            <a:spLocks noGrp="1"/>
-          </p:cNvSpPr>
-          <p:nvPr>
-            <p:ph type="title"/>
-          </p:nvPr>
-        </p:nvSpPr>
-        <p:spPr/>
-        <p:txBody>
-          <a:bodyPr/>
-          <a:lstStyle/>
-          <a:p>
-            <a:r>
-              <a:rPr lang="en-US" b="1" dirty="0" err="1" smtClean="0"/>
-              <a:t>Một</a:t>
-            </a:r>
-            <a:r>
-              <a:rPr lang="en-US" b="1" dirty="0" smtClean="0"/>
-              <a:t> </a:t>
-            </a:r>
-            <a:r>
-              <a:rPr lang="en-US" b="1" dirty="0" err="1" smtClean="0"/>
-              <a:t>số</a:t>
-            </a:r>
-            <a:r>
-              <a:rPr lang="en-US" b="1" dirty="0" smtClean="0"/>
-              <a:t> </a:t>
-            </a:r>
-            <a:r>
-              <a:rPr lang="en-US" b="1" dirty="0" err="1" smtClean="0"/>
-              <a:t>kĩ</a:t>
-            </a:r>
-            <a:r>
-              <a:rPr lang="en-US" b="1" dirty="0" smtClean="0"/>
-              <a:t> </a:t>
-            </a:r>
-            <a:r>
-              <a:rPr lang="en-US" b="1" dirty="0" err="1" smtClean="0"/>
-              <a:t>thuật</a:t>
-            </a:r>
-            <a:r>
-              <a:rPr lang="en-US" b="1" dirty="0" smtClean="0"/>
-              <a:t> </a:t>
-            </a:r>
-            <a:r>
-              <a:rPr lang="en-US" b="1" dirty="0" err="1" smtClean="0"/>
-              <a:t>chính</a:t>
-            </a:r>
-            <a:endParaRPr lang="vi-VN" b="1" dirty="0"/>
-          </a:p>
-        </p:txBody>
-      </p:sp>
-      <p:sp>
-        <p:nvSpPr>
-          <p:cNvPr id="3" name="Content Placeholder 2"/>
-          <p:cNvSpPr>
-            <a:spLocks noGrp="1"/>
-          </p:cNvSpPr>
-          <p:nvPr>
-            <p:ph idx="1"/>
-          </p:nvPr>
-        </p:nvSpPr>
-        <p:spPr/>
-        <p:txBody>
-          <a:bodyPr/>
-          <a:lstStyle/>
-          <a:p>
-            <a:r>
-              <a:rPr lang="en-US" dirty="0" err="1"/>
-              <a:t>Kỹ</a:t>
-            </a:r>
-            <a:r>
-              <a:rPr lang="en-US" dirty="0"/>
-              <a:t> </a:t>
-            </a:r>
-            <a:r>
-              <a:rPr lang="en-US" dirty="0" err="1"/>
-              <a:t>thuật</a:t>
-            </a:r>
-            <a:r>
-              <a:rPr lang="en-US" dirty="0"/>
-              <a:t> </a:t>
-            </a:r>
-            <a:r>
-              <a:rPr lang="en-US" dirty="0" smtClean="0"/>
-              <a:t>Mock</a:t>
-            </a:r>
-          </a:p>
-          <a:p>
-            <a:r>
-              <a:rPr lang="en-US" dirty="0" err="1"/>
-              <a:t>Kỹ</a:t>
-            </a:r>
-            <a:r>
-              <a:rPr lang="en-US" dirty="0"/>
-              <a:t> </a:t>
-            </a:r>
-            <a:r>
-              <a:rPr lang="en-US" dirty="0" err="1"/>
-              <a:t>thuật</a:t>
-            </a:r>
-            <a:r>
-              <a:rPr lang="en-US" dirty="0"/>
-              <a:t> multi test</a:t>
-            </a:r>
-            <a:endParaRPr lang="vi-VN" dirty="0"/>
-          </a:p>
-        </p:txBody>
-      </p:sp>
-    </p:spTree>
-    <p:extLst>
-      <p:ext uri="{BB962C8B-B14F-4D97-AF65-F5344CB8AC3E}">
-        <p14:creationId xmlns:p14="http://schemas.microsoft.com/office/powerpoint/2010/main" val="2283405726"/>
-      </p:ext>
-    </p:extLst>
-  </p:cSld>
-  <p:clrMapOvr>
-    <a:masterClrMapping/>
-  </p:clrMapOvr>
-  <p:timing>
-    <p:tnLst>
-      <p:par>
-        <p:cTn id="1" dur="indefinite" restart="never" nodeType="tmRoot"/>
-      </p:par>
-    </p:tnLst>
-  </p:timing>
-</p:sld>
-</file>
-
-<file path=ppt/slides/slide14.xml><?xml version="1.0" encoding="utf-8"?>
-<p:sld xmlns:a="http://schemas.openxmlformats.org/drawingml/2006/main" xmlns:r="http://schemas.openxmlformats.org/officeDocument/2006/relationships" xmlns:p="http://schemas.openxmlformats.org/presentationml/2006/main">
-  <p:cSld>
-    <p:spTree>
-      <p:nvGrpSpPr>
-        <p:cNvPr id="1" name=""/>
-        <p:cNvGrpSpPr/>
-        <p:nvPr/>
-      </p:nvGrpSpPr>
-      <p:grpSpPr>
-        <a:xfrm>
-          <a:off x="0" y="0"/>
-          <a:ext cx="0" cy="0"/>
-          <a:chOff x="0" y="0"/>
-          <a:chExt cx="0" cy="0"/>
-        </a:xfrm>
-      </p:grpSpPr>
-      <p:sp>
-        <p:nvSpPr>
-          <p:cNvPr id="2" name="Title 1"/>
-          <p:cNvSpPr>
-            <a:spLocks noGrp="1"/>
-          </p:cNvSpPr>
-          <p:nvPr>
-            <p:ph type="title"/>
-          </p:nvPr>
-        </p:nvSpPr>
-        <p:spPr/>
-        <p:txBody>
-          <a:bodyPr/>
-          <a:lstStyle/>
-          <a:p>
-            <a:endParaRPr lang="vi-VN"/>
-          </a:p>
-        </p:txBody>
-      </p:sp>
-      <p:pic>
-        <p:nvPicPr>
-          <p:cNvPr id="4" name="Picture 3"/>
-          <p:cNvPicPr/>
-          <p:nvPr/>
-        </p:nvPicPr>
-        <p:blipFill>
-          <a:blip r:embed="rId2">
-            <a:extLst>
-              <a:ext uri="{28A0092B-C50C-407E-A947-70E740481C1C}">
-                <a14:useLocalDpi xmlns:a14="http://schemas.microsoft.com/office/drawing/2010/main" val="0"/>
-              </a:ext>
-            </a:extLst>
-          </a:blip>
-          <a:srcRect/>
-          <a:stretch>
-            <a:fillRect/>
-          </a:stretch>
-        </p:blipFill>
-        <p:spPr bwMode="auto">
-          <a:xfrm>
-            <a:off x="1908312" y="1027906"/>
-            <a:ext cx="8375375" cy="4829382"/>
-          </a:xfrm>
-          <a:prstGeom prst="rect">
-            <a:avLst/>
-          </a:prstGeom>
-          <a:noFill/>
-          <a:ln w="9525" cmpd="sng">
-            <a:solidFill>
-              <a:srgbClr val="000000"/>
-            </a:solidFill>
-            <a:miter lim="800000"/>
-            <a:headEnd/>
-            <a:tailEnd/>
-          </a:ln>
-          <a:effectLst/>
-        </p:spPr>
-      </p:pic>
-    </p:spTree>
-    <p:extLst>
-      <p:ext uri="{BB962C8B-B14F-4D97-AF65-F5344CB8AC3E}">
-        <p14:creationId xmlns:p14="http://schemas.microsoft.com/office/powerpoint/2010/main" val="3820108349"/>
-      </p:ext>
-    </p:extLst>
-  </p:cSld>
-  <p:clrMapOvr>
-    <a:masterClrMapping/>
-  </p:clrMapOvr>
-  <p:timing>
-    <p:tnLst>
-      <p:par>
-        <p:cTn id="1" dur="indefinite" restart="never" nodeType="tmRoot"/>
-      </p:par>
-    </p:tnLst>
-  </p:timing>
-</p:sld>
-</file>
-
-<file path=ppt/slides/slide15.xml><?xml version="1.0" encoding="utf-8"?>
-<p:sld xmlns:a="http://schemas.openxmlformats.org/drawingml/2006/main" xmlns:r="http://schemas.openxmlformats.org/officeDocument/2006/relationships" xmlns:p="http://schemas.openxmlformats.org/presentationml/2006/main">
-  <p:cSld>
-    <p:spTree>
-      <p:nvGrpSpPr>
-        <p:cNvPr id="1" name=""/>
-        <p:cNvGrpSpPr/>
-        <p:nvPr/>
-      </p:nvGrpSpPr>
-      <p:grpSpPr>
-        <a:xfrm>
-          <a:off x="0" y="0"/>
-          <a:ext cx="0" cy="0"/>
-          <a:chOff x="0" y="0"/>
-          <a:chExt cx="0" cy="0"/>
-        </a:xfrm>
-      </p:grpSpPr>
-      <p:sp>
-        <p:nvSpPr>
-          <p:cNvPr id="2" name="Title 1"/>
-          <p:cNvSpPr>
-            <a:spLocks noGrp="1"/>
-          </p:cNvSpPr>
-          <p:nvPr>
-            <p:ph type="title"/>
-          </p:nvPr>
-        </p:nvSpPr>
-        <p:spPr/>
-        <p:txBody>
-          <a:bodyPr/>
-          <a:lstStyle/>
-          <a:p>
-            <a:r>
-              <a:rPr lang="en-US" b="1" smtClean="0"/>
-              <a:t>Kết quả</a:t>
-            </a:r>
-            <a:endParaRPr lang="en-US" b="1"/>
-          </a:p>
-        </p:txBody>
-      </p:sp>
-      <p:sp>
-        <p:nvSpPr>
-          <p:cNvPr id="3" name="Content Placeholder 2"/>
-          <p:cNvSpPr>
-            <a:spLocks noGrp="1"/>
-          </p:cNvSpPr>
-          <p:nvPr>
-            <p:ph idx="1"/>
-          </p:nvPr>
-        </p:nvSpPr>
-        <p:spPr/>
-        <p:txBody>
-          <a:bodyPr>
-            <a:normAutofit/>
-          </a:bodyPr>
-          <a:lstStyle/>
-          <a:p>
-            <a:r>
-              <a:rPr lang="en-US" smtClean="0"/>
-              <a:t>Đạt được:</a:t>
-            </a:r>
-          </a:p>
-          <a:p>
-            <a:pPr lvl="1"/>
-            <a:r>
-              <a:rPr lang="en-US"/>
-              <a:t>Xây dựng trang dashboard đáp ứng các yêu cầu của requirements.</a:t>
-            </a:r>
-          </a:p>
-          <a:p>
-            <a:pPr lvl="1"/>
-            <a:r>
-              <a:rPr lang="en-US"/>
-              <a:t> Xử lý tối ưu được các yêu cầu của người dùng.</a:t>
-            </a:r>
-          </a:p>
-          <a:p>
-            <a:pPr lvl="1"/>
-            <a:r>
-              <a:rPr lang="en-US"/>
-              <a:t>Nâng cao trải nghiệm người dùng.</a:t>
-            </a:r>
-          </a:p>
-          <a:p>
-            <a:pPr lvl="1"/>
-            <a:r>
-              <a:rPr lang="en-US"/>
-              <a:t>Thành công trong việc phân tích và xử lý dữ liệu trả về từ OBS.</a:t>
-            </a:r>
-          </a:p>
-          <a:p>
-            <a:pPr lvl="1"/>
-            <a:r>
-              <a:rPr lang="en-US"/>
-              <a:t>Áp dụng các chuẩn Unit test chuyên nghiệp vào dự án.</a:t>
-            </a:r>
-          </a:p>
-          <a:p>
-            <a:pPr lvl="1"/>
-            <a:r>
-              <a:rPr lang="en-US"/>
-              <a:t>Được tham gia vào dự án thực tế ở doanh nghiệp.</a:t>
-            </a:r>
-          </a:p>
-          <a:p>
-            <a:pPr lvl="1"/>
-            <a:r>
-              <a:rPr lang="en-US"/>
-              <a:t>Học hỏi thêm các kĩ năng và công nghệ </a:t>
-            </a:r>
-            <a:r>
-              <a:rPr lang="en-US" smtClean="0"/>
-              <a:t>mới</a:t>
-            </a:r>
-            <a:r>
-              <a:rPr lang="en-US"/>
-              <a:t>.</a:t>
-            </a:r>
-            <a:endParaRPr lang="en-US" smtClean="0"/>
-          </a:p>
-        </p:txBody>
-      </p:sp>
-    </p:spTree>
-    <p:extLst>
-      <p:ext uri="{BB962C8B-B14F-4D97-AF65-F5344CB8AC3E}">
-        <p14:creationId xmlns:p14="http://schemas.microsoft.com/office/powerpoint/2010/main" val="775853568"/>
-      </p:ext>
-    </p:extLst>
-  </p:cSld>
-  <p:clrMapOvr>
-    <a:masterClrMapping/>
-  </p:clrMapOvr>
-  <p:timing>
-    <p:tnLst>
-      <p:par>
-        <p:cTn id="1" dur="indefinite" restart="never" nodeType="tmRoot"/>
-      </p:par>
-    </p:tnLst>
-  </p:timing>
-</p:sld>
-</file>
-
-<file path=ppt/slides/slide16.xml><?xml version="1.0" encoding="utf-8"?>
-<p:sld xmlns:a="http://schemas.openxmlformats.org/drawingml/2006/main" xmlns:r="http://schemas.openxmlformats.org/officeDocument/2006/relationships" xmlns:p="http://schemas.openxmlformats.org/presentationml/2006/main">
-  <p:cSld>
-    <p:spTree>
-      <p:nvGrpSpPr>
-        <p:cNvPr id="1" name=""/>
-        <p:cNvGrpSpPr/>
-        <p:nvPr/>
-      </p:nvGrpSpPr>
-      <p:grpSpPr>
-        <a:xfrm>
-          <a:off x="0" y="0"/>
-          <a:ext cx="0" cy="0"/>
-          <a:chOff x="0" y="0"/>
-          <a:chExt cx="0" cy="0"/>
-        </a:xfrm>
-      </p:grpSpPr>
-      <p:sp>
-        <p:nvSpPr>
-          <p:cNvPr id="2" name="Title 1"/>
-          <p:cNvSpPr>
-            <a:spLocks noGrp="1"/>
-          </p:cNvSpPr>
-          <p:nvPr>
-            <p:ph type="title"/>
-          </p:nvPr>
-        </p:nvSpPr>
-        <p:spPr/>
-        <p:txBody>
-          <a:bodyPr/>
-          <a:lstStyle/>
-          <a:p>
-            <a:r>
-              <a:rPr lang="en-US" b="1" smtClean="0"/>
-              <a:t>Kết quả</a:t>
-            </a:r>
-            <a:endParaRPr lang="en-US" b="1"/>
-          </a:p>
-        </p:txBody>
-      </p:sp>
-      <p:sp>
-        <p:nvSpPr>
-          <p:cNvPr id="3" name="Content Placeholder 2"/>
-          <p:cNvSpPr>
-            <a:spLocks noGrp="1"/>
-          </p:cNvSpPr>
-          <p:nvPr>
-            <p:ph idx="1"/>
-          </p:nvPr>
-        </p:nvSpPr>
-        <p:spPr>
-          <a:xfrm>
-            <a:off x="838200" y="1817533"/>
-            <a:ext cx="10515600" cy="4351338"/>
-          </a:xfrm>
-        </p:spPr>
-        <p:txBody>
-          <a:bodyPr>
-            <a:normAutofit/>
-          </a:bodyPr>
-          <a:lstStyle/>
-          <a:p>
-            <a:r>
-              <a:rPr lang="en-US"/>
-              <a:t>Hạn chế:</a:t>
-            </a:r>
-          </a:p>
-          <a:p>
-            <a:pPr lvl="1"/>
-            <a:r>
-              <a:rPr lang="en-US"/>
-              <a:t>Trang web chưa tự động thay đổi kích thước phù hợp với nhiều loại màn hình. Đặc biệt là màn hình trên các loại điện thoại di động.</a:t>
-            </a:r>
-          </a:p>
-          <a:p>
-            <a:pPr lvl="1"/>
-            <a:r>
-              <a:rPr lang="en-US"/>
-              <a:t>Chưa hiện thực phân trang cho cột manager, admin, backupset.</a:t>
-            </a:r>
-            <a:endParaRPr lang="en-US" smtClean="0"/>
-          </a:p>
-        </p:txBody>
-      </p:sp>
-    </p:spTree>
-    <p:extLst>
-      <p:ext uri="{BB962C8B-B14F-4D97-AF65-F5344CB8AC3E}">
-        <p14:creationId xmlns:p14="http://schemas.microsoft.com/office/powerpoint/2010/main" val="1134757239"/>
-      </p:ext>
-    </p:extLst>
-  </p:cSld>
-  <p:clrMapOvr>
-    <a:masterClrMapping/>
-  </p:clrMapOvr>
-  <p:timing>
-    <p:tnLst>
-      <p:par>
-        <p:cTn id="1" dur="indefinite" restart="never" nodeType="tmRoot"/>
-      </p:par>
-    </p:tnLst>
-  </p:timing>
-</p:sld>
-</file>
-
-<file path=ppt/slides/slide2.xml><?xml version="1.0" encoding="utf-8"?>
-<p:sld xmlns:a="http://schemas.openxmlformats.org/drawingml/2006/main" xmlns:r="http://schemas.openxmlformats.org/officeDocument/2006/relationships" xmlns:p="http://schemas.openxmlformats.org/presentationml/2006/main">
-  <p:cSld>
-    <p:spTree>
-      <p:nvGrpSpPr>
-        <p:cNvPr id="1" name=""/>
-        <p:cNvGrpSpPr/>
-        <p:nvPr/>
-      </p:nvGrpSpPr>
-      <p:grpSpPr>
-        <a:xfrm>
-          <a:off x="0" y="0"/>
-          <a:ext cx="0" cy="0"/>
-          <a:chOff x="0" y="0"/>
-          <a:chExt cx="0" cy="0"/>
-        </a:xfrm>
-      </p:grpSpPr>
-      <p:sp>
-        <p:nvSpPr>
-          <p:cNvPr id="2" name="Title 1"/>
-          <p:cNvSpPr>
-            <a:spLocks noGrp="1"/>
-          </p:cNvSpPr>
-          <p:nvPr>
-            <p:ph type="title"/>
-          </p:nvPr>
-        </p:nvSpPr>
-        <p:spPr/>
-        <p:txBody>
-          <a:bodyPr/>
-          <a:lstStyle/>
-          <a:p>
-            <a:r>
-              <a:rPr lang="en-US" b="1" smtClean="0"/>
-              <a:t>Nội dung</a:t>
-            </a:r>
-            <a:endParaRPr lang="en-US" b="1"/>
-          </a:p>
-        </p:txBody>
-      </p:sp>
-      <p:sp>
-        <p:nvSpPr>
-          <p:cNvPr id="3" name="Content Placeholder 2"/>
-          <p:cNvSpPr>
-            <a:spLocks noGrp="1"/>
-          </p:cNvSpPr>
-          <p:nvPr>
-            <p:ph idx="1"/>
-          </p:nvPr>
-        </p:nvSpPr>
-        <p:spPr/>
-        <p:txBody>
-          <a:bodyPr/>
-          <a:lstStyle/>
-          <a:p>
-            <a:r>
-              <a:rPr lang="en-US" smtClean="0"/>
-              <a:t>Giới thiệu về công ty thực tập - VNTT</a:t>
-            </a:r>
-          </a:p>
-          <a:p>
-            <a:r>
-              <a:rPr lang="en-US" smtClean="0"/>
-              <a:t>Nội dung công việc</a:t>
-            </a:r>
-          </a:p>
-          <a:p>
-            <a:r>
-              <a:rPr lang="en-US" smtClean="0"/>
-              <a:t>Kết quả đạt được</a:t>
-            </a:r>
-            <a:endParaRPr lang="en-US"/>
-          </a:p>
-        </p:txBody>
-      </p:sp>
-    </p:spTree>
-    <p:extLst>
-      <p:ext uri="{BB962C8B-B14F-4D97-AF65-F5344CB8AC3E}">
-        <p14:creationId xmlns:p14="http://schemas.microsoft.com/office/powerpoint/2010/main" val="3328964774"/>
-      </p:ext>
-    </p:extLst>
-  </p:cSld>
-  <p:clrMapOvr>
-    <a:masterClrMapping/>
-  </p:clrMapOvr>
-  <p:timing>
-    <p:tnLst>
-      <p:par>
-        <p:cTn id="1" dur="indefinite" restart="never" nodeType="tmRoot"/>
-      </p:par>
-    </p:tnLst>
-  </p:timing>
-</p:sld>
-</file>
-
-<file path=ppt/slides/slide3.xml><?xml version="1.0" encoding="utf-8"?>
-<p:sld xmlns:a="http://schemas.openxmlformats.org/drawingml/2006/main" xmlns:r="http://schemas.openxmlformats.org/officeDocument/2006/relationships" xmlns:p="http://schemas.openxmlformats.org/presentationml/2006/main">
-  <p:cSld>
-    <p:spTree>
-      <p:nvGrpSpPr>
-        <p:cNvPr id="1" name=""/>
-        <p:cNvGrpSpPr/>
-        <p:nvPr/>
-      </p:nvGrpSpPr>
-      <p:grpSpPr>
-        <a:xfrm>
-          <a:off x="0" y="0"/>
-          <a:ext cx="0" cy="0"/>
-          <a:chOff x="0" y="0"/>
-          <a:chExt cx="0" cy="0"/>
-        </a:xfrm>
-      </p:grpSpPr>
-      <p:sp>
-        <p:nvSpPr>
-          <p:cNvPr id="2" name="Title 1"/>
-          <p:cNvSpPr>
-            <a:spLocks noGrp="1"/>
-          </p:cNvSpPr>
-          <p:nvPr>
-            <p:ph type="title"/>
-          </p:nvPr>
-        </p:nvSpPr>
-        <p:spPr/>
-        <p:txBody>
-          <a:bodyPr/>
-          <a:lstStyle/>
-          <a:p>
-            <a:r>
-              <a:rPr lang="en-US" b="1" smtClean="0"/>
-              <a:t>Giới thiệu về công ty thực tập - VNTT</a:t>
-            </a:r>
-            <a:endParaRPr lang="en-US" b="1"/>
-          </a:p>
-        </p:txBody>
-      </p:sp>
-      <p:sp>
-        <p:nvSpPr>
-          <p:cNvPr id="3" name="Content Placeholder 2"/>
-          <p:cNvSpPr>
-            <a:spLocks noGrp="1"/>
-          </p:cNvSpPr>
-          <p:nvPr>
-            <p:ph idx="1"/>
-          </p:nvPr>
-        </p:nvSpPr>
-        <p:spPr/>
-        <p:txBody>
-          <a:bodyPr/>
-          <a:lstStyle/>
-          <a:p>
-            <a:r>
-              <a:rPr lang="en-US"/>
-              <a:t>Công ty cổ phần công nghệ truyền thông Việt Nam (VNTT) được thành lập vào tháng 01 năm </a:t>
-            </a:r>
-            <a:r>
-              <a:rPr lang="en-US" smtClean="0"/>
-              <a:t>2008.</a:t>
-            </a:r>
-          </a:p>
-          <a:p>
-            <a:r>
-              <a:rPr lang="en-US"/>
-              <a:t>Các lĩnh vực kinh doanh tập trung: Dịch vụ truyền thông, khảo sát, tư vấn, lắp đặt, bảo dưỡng các công trình viễn thông, truyền thông, công nghệ thông tin và các công trình liên quan đến quản lý tự động, sản xuất, gia công, cung ứng, xuất khẩu thiết bị điện tử, cơ khí chính xác, tự động, chuyển giao công nghệ, gia công xuất khẩu phần mềm, đại lý các dịch vụ điện thoại, ADSL,…</a:t>
-            </a:r>
-          </a:p>
-        </p:txBody>
-      </p:sp>
-    </p:spTree>
-    <p:extLst>
-      <p:ext uri="{BB962C8B-B14F-4D97-AF65-F5344CB8AC3E}">
-        <p14:creationId xmlns:p14="http://schemas.microsoft.com/office/powerpoint/2010/main" val="3652134519"/>
-      </p:ext>
-    </p:extLst>
-  </p:cSld>
-  <p:clrMapOvr>
-    <a:masterClrMapping/>
-  </p:clrMapOvr>
-  <p:timing>
-    <p:tnLst>
-      <p:par>
-        <p:cTn id="1" dur="indefinite" restart="never" nodeType="tmRoot"/>
-      </p:par>
-    </p:tnLst>
-  </p:timing>
-</p:sld>
-</file>
-
-<file path=ppt/slides/slide4.xml><?xml version="1.0" encoding="utf-8"?>
-<p:sld xmlns:a="http://schemas.openxmlformats.org/drawingml/2006/main" xmlns:r="http://schemas.openxmlformats.org/officeDocument/2006/relationships" xmlns:p="http://schemas.openxmlformats.org/presentationml/2006/main">
-  <p:cSld>
-    <p:spTree>
-      <p:nvGrpSpPr>
-        <p:cNvPr id="1" name=""/>
-        <p:cNvGrpSpPr/>
-        <p:nvPr/>
-      </p:nvGrpSpPr>
-      <p:grpSpPr>
-        <a:xfrm>
-          <a:off x="0" y="0"/>
-          <a:ext cx="0" cy="0"/>
-          <a:chOff x="0" y="0"/>
-          <a:chExt cx="0" cy="0"/>
-        </a:xfrm>
-      </p:grpSpPr>
-      <p:sp>
-        <p:nvSpPr>
-          <p:cNvPr id="2" name="Title 1"/>
-          <p:cNvSpPr>
-            <a:spLocks noGrp="1"/>
-          </p:cNvSpPr>
-          <p:nvPr>
-            <p:ph type="title"/>
-          </p:nvPr>
-        </p:nvSpPr>
-        <p:spPr/>
-        <p:txBody>
-          <a:bodyPr/>
-          <a:lstStyle/>
-          <a:p>
-            <a:r>
-              <a:rPr lang="en-US" b="1" smtClean="0"/>
-              <a:t>Nội dung công việc</a:t>
-            </a:r>
-            <a:endParaRPr lang="en-US" b="1"/>
-          </a:p>
-        </p:txBody>
-      </p:sp>
-      <p:sp>
-        <p:nvSpPr>
-          <p:cNvPr id="3" name="Content Placeholder 2"/>
-          <p:cNvSpPr>
-            <a:spLocks noGrp="1"/>
-          </p:cNvSpPr>
-          <p:nvPr>
-            <p:ph idx="1"/>
-          </p:nvPr>
-        </p:nvSpPr>
-        <p:spPr/>
-        <p:txBody>
-          <a:bodyPr/>
-          <a:lstStyle/>
-          <a:p>
-            <a:r>
-              <a:rPr lang="en-US" smtClean="0"/>
-              <a:t>Tham gia xây dựng web portal cho dịch vụ cloudbackup.</a:t>
-            </a:r>
-          </a:p>
-          <a:p>
-            <a:r>
-              <a:rPr lang="en-US" smtClean="0"/>
-              <a:t>Công việc gồm 2 thành phần chính:</a:t>
-            </a:r>
-          </a:p>
-          <a:p>
-            <a:pPr lvl="1"/>
-            <a:r>
-              <a:rPr lang="en-US" smtClean="0"/>
-              <a:t>Xây dựng Dashboard</a:t>
-            </a:r>
-          </a:p>
-          <a:p>
-            <a:pPr lvl="1"/>
-            <a:r>
-              <a:rPr lang="en-US" smtClean="0"/>
-              <a:t>Phân tích dữ liệu</a:t>
-            </a:r>
-            <a:endParaRPr lang="en-US"/>
-          </a:p>
-        </p:txBody>
-      </p:sp>
-    </p:spTree>
-    <p:extLst>
-      <p:ext uri="{BB962C8B-B14F-4D97-AF65-F5344CB8AC3E}">
-        <p14:creationId xmlns:p14="http://schemas.microsoft.com/office/powerpoint/2010/main" val="2078462675"/>
-      </p:ext>
-    </p:extLst>
-  </p:cSld>
-  <p:clrMapOvr>
-    <a:masterClrMapping/>
-  </p:clrMapOvr>
-  <p:timing>
-    <p:tnLst>
-      <p:par>
-        <p:cTn id="1" dur="indefinite" restart="never" nodeType="tmRoot"/>
-      </p:par>
-    </p:tnLst>
-  </p:timing>
-</p:sld>
-</file>
-
-<file path=ppt/slides/slide5.xml><?xml version="1.0" encoding="utf-8"?>
-<p:sld xmlns:a="http://schemas.openxmlformats.org/drawingml/2006/main" xmlns:r="http://schemas.openxmlformats.org/officeDocument/2006/relationships" xmlns:p="http://schemas.openxmlformats.org/presentationml/2006/main">
-  <p:cSld>
-    <p:spTree>
-      <p:nvGrpSpPr>
-        <p:cNvPr id="1" name=""/>
-        <p:cNvGrpSpPr/>
-        <p:nvPr/>
-      </p:nvGrpSpPr>
-      <p:grpSpPr>
-        <a:xfrm>
-          <a:off x="0" y="0"/>
-          <a:ext cx="0" cy="0"/>
-          <a:chOff x="0" y="0"/>
-          <a:chExt cx="0" cy="0"/>
-        </a:xfrm>
-      </p:grpSpPr>
-      <p:sp>
-        <p:nvSpPr>
-          <p:cNvPr id="2" name="Title 1"/>
-          <p:cNvSpPr>
-            <a:spLocks noGrp="1"/>
-          </p:cNvSpPr>
-          <p:nvPr>
-            <p:ph type="title"/>
-          </p:nvPr>
-        </p:nvSpPr>
-        <p:spPr/>
-        <p:txBody>
-          <a:bodyPr/>
-          <a:lstStyle/>
-          <a:p>
-            <a:r>
-              <a:rPr lang="en-US" b="1" smtClean="0"/>
-              <a:t>Giới thiệu về Cloud Backup</a:t>
-            </a:r>
-            <a:endParaRPr lang="en-US" b="1"/>
-          </a:p>
-        </p:txBody>
-      </p:sp>
-      <p:sp>
-        <p:nvSpPr>
-          <p:cNvPr id="3" name="Content Placeholder 2"/>
-          <p:cNvSpPr>
-            <a:spLocks noGrp="1"/>
-          </p:cNvSpPr>
-          <p:nvPr>
-            <p:ph idx="1"/>
-          </p:nvPr>
-        </p:nvSpPr>
-        <p:spPr/>
-        <p:txBody>
-          <a:bodyPr/>
-          <a:lstStyle/>
-          <a:p>
-            <a:r>
-              <a:rPr lang="en-US"/>
-              <a:t>vGuard Cloud Backup (Online Backup) là dịch vụ sao lưu dữ liệu trong máy tính </a:t>
-            </a:r>
-            <a:r>
-              <a:rPr lang="en-US" smtClean="0"/>
-              <a:t>khách hàng </a:t>
-            </a:r>
-            <a:r>
-              <a:rPr lang="en-US"/>
-              <a:t>(server, desktop, laptop) về lưu trữ tại Data Center VNTT thông qua kết nối Internet</a:t>
-            </a:r>
-            <a:r>
-              <a:rPr lang="en-US" smtClean="0"/>
-              <a:t>.</a:t>
-            </a:r>
-            <a:endParaRPr lang="en-US"/>
-          </a:p>
-        </p:txBody>
-      </p:sp>
-    </p:spTree>
-    <p:extLst>
-      <p:ext uri="{BB962C8B-B14F-4D97-AF65-F5344CB8AC3E}">
-        <p14:creationId xmlns:p14="http://schemas.microsoft.com/office/powerpoint/2010/main" val="3380060830"/>
-      </p:ext>
-    </p:extLst>
-  </p:cSld>
-  <p:clrMapOvr>
-    <a:masterClrMapping/>
-  </p:clrMapOvr>
-  <p:timing>
-    <p:tnLst>
-      <p:par>
-        <p:cTn id="1" dur="indefinite" restart="never" nodeType="tmRoot"/>
-      </p:par>
-    </p:tnLst>
-  </p:timing>
-</p:sld>
-</file>
-
-<file path=ppt/slides/slide6.xml><?xml version="1.0" encoding="utf-8"?>
-<p:sld xmlns:a="http://schemas.openxmlformats.org/drawingml/2006/main" xmlns:r="http://schemas.openxmlformats.org/officeDocument/2006/relationships" xmlns:p="http://schemas.openxmlformats.org/presentationml/2006/main">
-  <p:cSld>
-    <p:spTree>
-      <p:nvGrpSpPr>
-        <p:cNvPr id="1" name=""/>
-        <p:cNvGrpSpPr/>
-        <p:nvPr/>
-      </p:nvGrpSpPr>
-      <p:grpSpPr>
-        <a:xfrm>
-          <a:off x="0" y="0"/>
-          <a:ext cx="0" cy="0"/>
-          <a:chOff x="0" y="0"/>
-          <a:chExt cx="0" cy="0"/>
-        </a:xfrm>
-      </p:grpSpPr>
-      <p:sp>
-        <p:nvSpPr>
-          <p:cNvPr id="2" name="Title 1"/>
-          <p:cNvSpPr>
-            <a:spLocks noGrp="1"/>
-          </p:cNvSpPr>
-          <p:nvPr>
-            <p:ph type="title"/>
-          </p:nvPr>
-        </p:nvSpPr>
-        <p:spPr/>
-        <p:txBody>
-          <a:bodyPr/>
-          <a:lstStyle/>
-          <a:p>
-            <a:r>
-              <a:rPr lang="en-US" b="1" smtClean="0"/>
-              <a:t>Dashboard</a:t>
-            </a:r>
-            <a:endParaRPr lang="en-US" b="1"/>
-          </a:p>
-        </p:txBody>
-      </p:sp>
-      <p:pic>
-        <p:nvPicPr>
-          <p:cNvPr id="5" name="Picture 4"/>
-          <p:cNvPicPr>
-            <a:picLocks noChangeAspect="1"/>
-          </p:cNvPicPr>
-          <p:nvPr/>
-        </p:nvPicPr>
-        <p:blipFill>
-          <a:blip r:embed="rId2"/>
-          <a:stretch>
-            <a:fillRect/>
-          </a:stretch>
-        </p:blipFill>
-        <p:spPr>
-          <a:xfrm>
-            <a:off x="3483662" y="501707"/>
-            <a:ext cx="8282547" cy="5869466"/>
-          </a:xfrm>
-          <a:prstGeom prst="rect">
-            <a:avLst/>
-          </a:prstGeom>
-        </p:spPr>
-      </p:pic>
-      <p:cxnSp>
-        <p:nvCxnSpPr>
-          <p:cNvPr id="4" name="Straight Arrow Connector 3"/>
-          <p:cNvCxnSpPr/>
-          <p:nvPr/>
-        </p:nvCxnSpPr>
-        <p:spPr>
-          <a:xfrm flipV="1">
-            <a:off x="2646096" y="2589451"/>
-            <a:ext cx="1286633" cy="525983"/>
-          </a:xfrm>
-          <a:prstGeom prst="straightConnector1">
-            <a:avLst/>
-          </a:prstGeom>
-          <a:ln>
-            <a:tailEnd type="triangle"/>
-          </a:ln>
-        </p:spPr>
-        <p:style>
-          <a:lnRef idx="3">
-            <a:schemeClr val="accent2"/>
-          </a:lnRef>
-          <a:fillRef idx="0">
-            <a:schemeClr val="accent2"/>
-          </a:fillRef>
-          <a:effectRef idx="2">
-            <a:schemeClr val="accent2"/>
-          </a:effectRef>
-          <a:fontRef idx="minor">
-            <a:schemeClr val="tx1"/>
-          </a:fontRef>
-        </p:style>
-      </p:cxnSp>
-      <p:sp>
-        <p:nvSpPr>
-          <p:cNvPr id="6" name="TextBox 5"/>
-          <p:cNvSpPr txBox="1"/>
-          <p:nvPr/>
-        </p:nvSpPr>
-        <p:spPr>
-          <a:xfrm>
-            <a:off x="1433263" y="2949225"/>
-            <a:ext cx="1212833" cy="369332"/>
-          </a:xfrm>
-          <a:prstGeom prst="rect">
-            <a:avLst/>
-          </a:prstGeom>
-          <a:noFill/>
-        </p:spPr>
-        <p:txBody>
-          <a:bodyPr wrap="none" rtlCol="0">
-            <a:spAutoFit/>
-          </a:bodyPr>
-          <a:lstStyle/>
-          <a:p>
-            <a:r>
-              <a:rPr lang="en-US" smtClean="0"/>
-              <a:t>Backup Set</a:t>
-            </a:r>
-            <a:endParaRPr lang="en-US"/>
-          </a:p>
-        </p:txBody>
-      </p:sp>
-      <p:cxnSp>
-        <p:nvCxnSpPr>
-          <p:cNvPr id="7" name="Straight Arrow Connector 6"/>
-          <p:cNvCxnSpPr/>
-          <p:nvPr/>
-        </p:nvCxnSpPr>
-        <p:spPr>
-          <a:xfrm flipV="1">
-            <a:off x="2421563" y="1827270"/>
-            <a:ext cx="1286633" cy="525983"/>
-          </a:xfrm>
-          <a:prstGeom prst="straightConnector1">
-            <a:avLst/>
-          </a:prstGeom>
-          <a:ln>
-            <a:tailEnd type="triangle"/>
-          </a:ln>
-        </p:spPr>
-        <p:style>
-          <a:lnRef idx="3">
-            <a:schemeClr val="accent2"/>
-          </a:lnRef>
-          <a:fillRef idx="0">
-            <a:schemeClr val="accent2"/>
-          </a:fillRef>
-          <a:effectRef idx="2">
-            <a:schemeClr val="accent2"/>
-          </a:effectRef>
-          <a:fontRef idx="minor">
-            <a:schemeClr val="tx1"/>
-          </a:fontRef>
-        </p:style>
-      </p:cxnSp>
-      <p:sp>
-        <p:nvSpPr>
-          <p:cNvPr id="8" name="TextBox 7"/>
-          <p:cNvSpPr txBox="1"/>
-          <p:nvPr/>
-        </p:nvSpPr>
-        <p:spPr>
-          <a:xfrm>
-            <a:off x="1027313" y="2090261"/>
-            <a:ext cx="1258678" cy="369332"/>
-          </a:xfrm>
-          <a:prstGeom prst="rect">
-            <a:avLst/>
-          </a:prstGeom>
-          <a:noFill/>
-        </p:spPr>
-        <p:txBody>
-          <a:bodyPr wrap="none" rtlCol="0">
-            <a:spAutoFit/>
-          </a:bodyPr>
-          <a:lstStyle/>
-          <a:p>
-            <a:r>
-              <a:rPr lang="en-US" smtClean="0"/>
-              <a:t>Admin user</a:t>
-            </a:r>
-            <a:endParaRPr lang="en-US"/>
-          </a:p>
-        </p:txBody>
-      </p:sp>
-      <p:cxnSp>
-        <p:nvCxnSpPr>
-          <p:cNvPr id="9" name="Straight Arrow Connector 8"/>
-          <p:cNvCxnSpPr/>
-          <p:nvPr/>
-        </p:nvCxnSpPr>
-        <p:spPr>
-          <a:xfrm>
-            <a:off x="2047980" y="4577094"/>
-            <a:ext cx="3320432" cy="80920"/>
-          </a:xfrm>
-          <a:prstGeom prst="straightConnector1">
-            <a:avLst/>
-          </a:prstGeom>
-          <a:ln>
-            <a:tailEnd type="triangle"/>
-          </a:ln>
-        </p:spPr>
-        <p:style>
-          <a:lnRef idx="3">
-            <a:schemeClr val="accent2"/>
-          </a:lnRef>
-          <a:fillRef idx="0">
-            <a:schemeClr val="accent2"/>
-          </a:fillRef>
-          <a:effectRef idx="2">
-            <a:schemeClr val="accent2"/>
-          </a:effectRef>
-          <a:fontRef idx="minor">
-            <a:schemeClr val="tx1"/>
-          </a:fontRef>
-        </p:style>
-      </p:cxnSp>
-      <p:sp>
-        <p:nvSpPr>
-          <p:cNvPr id="12" name="TextBox 11"/>
-          <p:cNvSpPr txBox="1"/>
-          <p:nvPr/>
-        </p:nvSpPr>
-        <p:spPr>
-          <a:xfrm>
-            <a:off x="806393" y="4288682"/>
-            <a:ext cx="1233286" cy="369332"/>
-          </a:xfrm>
-          <a:prstGeom prst="rect">
-            <a:avLst/>
-          </a:prstGeom>
-          <a:noFill/>
-        </p:spPr>
-        <p:txBody>
-          <a:bodyPr wrap="none" rtlCol="0">
-            <a:spAutoFit/>
-          </a:bodyPr>
-          <a:lstStyle/>
-          <a:p>
-            <a:r>
-              <a:rPr lang="en-US" smtClean="0"/>
-              <a:t>Backup Job</a:t>
-            </a:r>
-            <a:endParaRPr lang="en-US"/>
-          </a:p>
-        </p:txBody>
-      </p:sp>
-    </p:spTree>
-    <p:extLst>
-      <p:ext uri="{BB962C8B-B14F-4D97-AF65-F5344CB8AC3E}">
-        <p14:creationId xmlns:p14="http://schemas.microsoft.com/office/powerpoint/2010/main" val="1510505101"/>
-      </p:ext>
-    </p:extLst>
-  </p:cSld>
-  <p:clrMapOvr>
-    <a:masterClrMapping/>
-  </p:clrMapOvr>
-  <p:timing>
-    <p:tnLst>
-      <p:par>
-        <p:cTn id="1" dur="indefinite" restart="never" nodeType="tmRoot"/>
-      </p:par>
-    </p:tnLst>
-  </p:timing>
-</p:sld>
-</file>
-
-<file path=ppt/slides/slide7.xml><?xml version="1.0" encoding="utf-8"?>
-<p:sld xmlns:a="http://schemas.openxmlformats.org/drawingml/2006/main" xmlns:r="http://schemas.openxmlformats.org/officeDocument/2006/relationships" xmlns:p="http://schemas.openxmlformats.org/presentationml/2006/main">
-  <p:cSld>
-    <p:spTree>
-      <p:nvGrpSpPr>
-        <p:cNvPr id="1" name=""/>
-        <p:cNvGrpSpPr/>
-        <p:nvPr/>
-      </p:nvGrpSpPr>
-      <p:grpSpPr>
-        <a:xfrm>
-          <a:off x="0" y="0"/>
-          <a:ext cx="0" cy="0"/>
-          <a:chOff x="0" y="0"/>
-          <a:chExt cx="0" cy="0"/>
-        </a:xfrm>
-      </p:grpSpPr>
-      <p:sp>
-        <p:nvSpPr>
-          <p:cNvPr id="2" name="Title 1"/>
-          <p:cNvSpPr>
-            <a:spLocks noGrp="1"/>
-          </p:cNvSpPr>
-          <p:nvPr>
-            <p:ph type="title"/>
-          </p:nvPr>
-        </p:nvSpPr>
-        <p:spPr/>
-        <p:txBody>
-          <a:bodyPr/>
-          <a:lstStyle/>
-          <a:p>
-            <a:r>
-              <a:rPr lang="en-US" b="1" smtClean="0"/>
-              <a:t>Dashboard</a:t>
-            </a:r>
-            <a:endParaRPr lang="en-US" b="1"/>
-          </a:p>
-        </p:txBody>
-      </p:sp>
-      <p:sp>
-        <p:nvSpPr>
-          <p:cNvPr id="3" name="Content Placeholder 2"/>
-          <p:cNvSpPr>
-            <a:spLocks noGrp="1"/>
-          </p:cNvSpPr>
-          <p:nvPr>
-            <p:ph idx="1"/>
-          </p:nvPr>
-        </p:nvSpPr>
-        <p:spPr>
-          <a:xfrm>
-            <a:off x="838200" y="1445299"/>
-            <a:ext cx="10515600" cy="4351338"/>
-          </a:xfrm>
-        </p:spPr>
-        <p:txBody>
-          <a:bodyPr/>
-          <a:lstStyle/>
-          <a:p>
-            <a:r>
-              <a:rPr lang="en-US" smtClean="0"/>
-              <a:t>Trải nghiệm người dùng</a:t>
-            </a:r>
-          </a:p>
-          <a:p>
-            <a:pPr marL="0" indent="0">
-              <a:buNone/>
-            </a:pPr>
-            <a:endParaRPr lang="en-US"/>
-          </a:p>
-        </p:txBody>
-      </p:sp>
-      <p:pic>
-        <p:nvPicPr>
-          <p:cNvPr id="4" name="Picture 3"/>
-          <p:cNvPicPr/>
-          <p:nvPr/>
-        </p:nvPicPr>
-        <p:blipFill>
-          <a:blip r:embed="rId2">
-            <a:extLst>
-              <a:ext uri="{28A0092B-C50C-407E-A947-70E740481C1C}">
-                <a14:useLocalDpi xmlns:a14="http://schemas.microsoft.com/office/drawing/2010/main" val="0"/>
-              </a:ext>
-            </a:extLst>
-          </a:blip>
-          <a:srcRect/>
-          <a:stretch>
-            <a:fillRect/>
-          </a:stretch>
-        </p:blipFill>
-        <p:spPr bwMode="auto">
-          <a:xfrm>
-            <a:off x="7536000" y="3696074"/>
-            <a:ext cx="3398065" cy="1612760"/>
-          </a:xfrm>
-          <a:prstGeom prst="rect">
-            <a:avLst/>
-          </a:prstGeom>
-          <a:noFill/>
-          <a:ln>
-            <a:noFill/>
-          </a:ln>
-        </p:spPr>
-      </p:pic>
-      <p:pic>
-        <p:nvPicPr>
-          <p:cNvPr id="6" name="Picture 5"/>
-          <p:cNvPicPr/>
-          <p:nvPr/>
-        </p:nvPicPr>
-        <p:blipFill>
-          <a:blip r:embed="rId3">
-            <a:extLst>
-              <a:ext uri="{28A0092B-C50C-407E-A947-70E740481C1C}">
-                <a14:useLocalDpi xmlns:a14="http://schemas.microsoft.com/office/drawing/2010/main" val="0"/>
-              </a:ext>
-            </a:extLst>
-          </a:blip>
-          <a:srcRect/>
-          <a:stretch>
-            <a:fillRect/>
-          </a:stretch>
-        </p:blipFill>
-        <p:spPr bwMode="auto">
-          <a:xfrm>
-            <a:off x="6096000" y="1058880"/>
-            <a:ext cx="4838065" cy="2228850"/>
-          </a:xfrm>
-          <a:prstGeom prst="rect">
-            <a:avLst/>
-          </a:prstGeom>
-          <a:noFill/>
-        </p:spPr>
-      </p:pic>
-    </p:spTree>
-    <p:extLst>
-      <p:ext uri="{BB962C8B-B14F-4D97-AF65-F5344CB8AC3E}">
-        <p14:creationId xmlns:p14="http://schemas.microsoft.com/office/powerpoint/2010/main" val="238977092"/>
-      </p:ext>
-    </p:extLst>
-  </p:cSld>
-  <p:clrMapOvr>
-    <a:masterClrMapping/>
-  </p:clrMapOvr>
-  <p:timing>
-    <p:tnLst>
-      <p:par>
-        <p:cTn id="1" dur="indefinite" restart="never" nodeType="tmRoot"/>
-      </p:par>
-    </p:tnLst>
-  </p:timing>
-</p:sld>
-</file>
-
-<file path=ppt/slides/slide8.xml><?xml version="1.0" encoding="utf-8"?>
-<p:sld xmlns:a="http://schemas.openxmlformats.org/drawingml/2006/main" xmlns:r="http://schemas.openxmlformats.org/officeDocument/2006/relationships" xmlns:p="http://schemas.openxmlformats.org/presentationml/2006/main">
-  <p:cSld>
-    <p:spTree>
-      <p:nvGrpSpPr>
-        <p:cNvPr id="1" name=""/>
-        <p:cNvGrpSpPr/>
-        <p:nvPr/>
-      </p:nvGrpSpPr>
-      <p:grpSpPr>
-        <a:xfrm>
-          <a:off x="0" y="0"/>
-          <a:ext cx="0" cy="0"/>
-          <a:chOff x="0" y="0"/>
-          <a:chExt cx="0" cy="0"/>
-        </a:xfrm>
-      </p:grpSpPr>
-      <p:sp>
-        <p:nvSpPr>
-          <p:cNvPr id="2" name="Title 1"/>
-          <p:cNvSpPr>
-            <a:spLocks noGrp="1"/>
-          </p:cNvSpPr>
-          <p:nvPr>
-            <p:ph type="title"/>
-          </p:nvPr>
-        </p:nvSpPr>
-        <p:spPr/>
-        <p:txBody>
-          <a:bodyPr/>
-          <a:lstStyle/>
-          <a:p>
-            <a:r>
-              <a:rPr lang="en-US" b="1" dirty="0" err="1" smtClean="0"/>
-              <a:t>Các</a:t>
-            </a:r>
-            <a:r>
-              <a:rPr lang="en-US" b="1" dirty="0" smtClean="0"/>
-              <a:t> </a:t>
-            </a:r>
-            <a:r>
-              <a:rPr lang="en-US" b="1" dirty="0" err="1" smtClean="0"/>
-              <a:t>vấn</a:t>
-            </a:r>
-            <a:r>
-              <a:rPr lang="en-US" b="1" dirty="0" smtClean="0"/>
-              <a:t> </a:t>
-            </a:r>
-            <a:r>
-              <a:rPr lang="en-US" b="1" dirty="0" err="1" smtClean="0"/>
-              <a:t>đề</a:t>
-            </a:r>
-            <a:r>
-              <a:rPr lang="en-US" b="1" dirty="0" smtClean="0"/>
-              <a:t> </a:t>
-            </a:r>
-            <a:r>
-              <a:rPr lang="en-US" b="1" dirty="0" err="1" smtClean="0"/>
-              <a:t>về</a:t>
-            </a:r>
-            <a:r>
-              <a:rPr lang="en-US" b="1" dirty="0" smtClean="0"/>
-              <a:t> </a:t>
-            </a:r>
-            <a:r>
-              <a:rPr lang="en-US" b="1" dirty="0" err="1" smtClean="0"/>
-              <a:t>dữ</a:t>
-            </a:r>
-            <a:r>
-              <a:rPr lang="en-US" b="1" dirty="0" smtClean="0"/>
-              <a:t> </a:t>
-            </a:r>
-            <a:r>
-              <a:rPr lang="en-US" b="1" dirty="0" err="1" smtClean="0"/>
-              <a:t>liệu</a:t>
-            </a:r>
-            <a:endParaRPr lang="en-US" b="1" dirty="0"/>
-          </a:p>
-        </p:txBody>
-      </p:sp>
-      <p:sp>
-        <p:nvSpPr>
-          <p:cNvPr id="3" name="Content Placeholder 2"/>
-          <p:cNvSpPr>
-            <a:spLocks noGrp="1"/>
-          </p:cNvSpPr>
-          <p:nvPr>
-            <p:ph idx="1"/>
-          </p:nvPr>
-        </p:nvSpPr>
-        <p:spPr/>
-        <p:txBody>
-          <a:bodyPr/>
-          <a:lstStyle/>
-          <a:p>
-            <a:r>
-              <a:rPr lang="en-US" dirty="0" err="1" smtClean="0"/>
-              <a:t>Dữ</a:t>
-            </a:r>
-            <a:r>
-              <a:rPr lang="en-US" dirty="0" smtClean="0"/>
-              <a:t> </a:t>
-            </a:r>
-            <a:r>
-              <a:rPr lang="en-US" dirty="0" err="1" smtClean="0"/>
-              <a:t>liệu</a:t>
-            </a:r>
-            <a:r>
-              <a:rPr lang="en-US" dirty="0" smtClean="0"/>
-              <a:t> </a:t>
-            </a:r>
-            <a:r>
-              <a:rPr lang="en-US" dirty="0" err="1" smtClean="0"/>
-              <a:t>Obs</a:t>
-            </a:r>
-            <a:r>
-              <a:rPr lang="en-US" dirty="0" smtClean="0"/>
-              <a:t> Server </a:t>
-            </a:r>
-            <a:r>
-              <a:rPr lang="en-US" dirty="0" err="1" smtClean="0"/>
-              <a:t>dưới</a:t>
-            </a:r>
-            <a:r>
-              <a:rPr lang="en-US" dirty="0" smtClean="0"/>
-              <a:t> </a:t>
-            </a:r>
-            <a:r>
-              <a:rPr lang="en-US" dirty="0" err="1" smtClean="0"/>
-              <a:t>dạng</a:t>
-            </a:r>
-            <a:r>
-              <a:rPr lang="en-US" dirty="0" smtClean="0"/>
-              <a:t> XML.</a:t>
-            </a:r>
-          </a:p>
-          <a:p>
-            <a:r>
-              <a:rPr lang="en-US" dirty="0" err="1" smtClean="0"/>
-              <a:t>Khối</a:t>
-            </a:r>
-            <a:r>
-              <a:rPr lang="en-US" dirty="0" smtClean="0"/>
-              <a:t> </a:t>
-            </a:r>
-            <a:r>
-              <a:rPr lang="en-US" dirty="0" err="1" smtClean="0"/>
-              <a:t>lượng</a:t>
-            </a:r>
-            <a:r>
-              <a:rPr lang="en-US" dirty="0" smtClean="0"/>
-              <a:t> </a:t>
-            </a:r>
-            <a:r>
-              <a:rPr lang="en-US" dirty="0" err="1" smtClean="0"/>
-              <a:t>dữ</a:t>
-            </a:r>
-            <a:r>
-              <a:rPr lang="en-US" dirty="0" smtClean="0"/>
-              <a:t> </a:t>
-            </a:r>
-            <a:r>
-              <a:rPr lang="en-US" dirty="0" err="1" smtClean="0"/>
-              <a:t>liệu</a:t>
-            </a:r>
-            <a:r>
-              <a:rPr lang="en-US" dirty="0" smtClean="0"/>
-              <a:t> </a:t>
-            </a:r>
-            <a:r>
-              <a:rPr lang="en-US" dirty="0" err="1" smtClean="0"/>
-              <a:t>lớn</a:t>
-            </a:r>
-            <a:r>
-              <a:rPr lang="en-US" dirty="0" smtClean="0"/>
-              <a:t>.</a:t>
-            </a:r>
-          </a:p>
-          <a:p>
-            <a:r>
-              <a:rPr lang="en-US" dirty="0" err="1" smtClean="0"/>
-              <a:t>Không</a:t>
-            </a:r>
-            <a:r>
-              <a:rPr lang="en-US" dirty="0" smtClean="0"/>
-              <a:t> </a:t>
-            </a:r>
-            <a:r>
-              <a:rPr lang="en-US" dirty="0" err="1" smtClean="0"/>
-              <a:t>có</a:t>
-            </a:r>
-            <a:r>
-              <a:rPr lang="en-US" dirty="0" smtClean="0"/>
-              <a:t> </a:t>
-            </a:r>
-            <a:r>
-              <a:rPr lang="en-US" dirty="0" err="1" smtClean="0"/>
-              <a:t>đặc</a:t>
-            </a:r>
-            <a:r>
-              <a:rPr lang="en-US" dirty="0" smtClean="0"/>
-              <a:t> </a:t>
-            </a:r>
-            <a:r>
-              <a:rPr lang="en-US" dirty="0" err="1" smtClean="0"/>
-              <a:t>tả</a:t>
-            </a:r>
-            <a:r>
-              <a:rPr lang="en-US" dirty="0" smtClean="0"/>
-              <a:t> </a:t>
-            </a:r>
-            <a:r>
-              <a:rPr lang="en-US" dirty="0" err="1" smtClean="0"/>
-              <a:t>cấu</a:t>
-            </a:r>
-            <a:r>
-              <a:rPr lang="en-US" dirty="0" smtClean="0"/>
-              <a:t> </a:t>
-            </a:r>
-            <a:r>
-              <a:rPr lang="en-US" dirty="0" err="1" smtClean="0"/>
-              <a:t>trúc</a:t>
-            </a:r>
-            <a:r>
-              <a:rPr lang="en-US" dirty="0" smtClean="0"/>
-              <a:t> </a:t>
-            </a:r>
-            <a:r>
-              <a:rPr lang="en-US" dirty="0" err="1" smtClean="0"/>
-              <a:t>dữ</a:t>
-            </a:r>
-            <a:r>
-              <a:rPr lang="en-US" dirty="0" smtClean="0"/>
-              <a:t> </a:t>
-            </a:r>
-            <a:r>
-              <a:rPr lang="en-US" dirty="0" err="1" smtClean="0"/>
-              <a:t>liệu</a:t>
-            </a:r>
-            <a:r>
-              <a:rPr lang="en-US" dirty="0" smtClean="0"/>
-              <a:t>.</a:t>
-            </a:r>
-          </a:p>
-          <a:p>
-            <a:r>
-              <a:rPr lang="en-US" dirty="0" err="1"/>
-              <a:t>D</a:t>
-            </a:r>
-            <a:r>
-              <a:rPr lang="en-US" dirty="0" err="1" smtClean="0"/>
-              <a:t>ữ</a:t>
-            </a:r>
-            <a:r>
-              <a:rPr lang="en-US" dirty="0" smtClean="0"/>
-              <a:t> </a:t>
-            </a:r>
-            <a:r>
-              <a:rPr lang="en-US" dirty="0" err="1" smtClean="0"/>
-              <a:t>liệu</a:t>
-            </a:r>
-            <a:r>
-              <a:rPr lang="en-US" dirty="0"/>
-              <a:t> </a:t>
-            </a:r>
-            <a:r>
-              <a:rPr lang="en-US" dirty="0" err="1" smtClean="0"/>
-              <a:t>có</a:t>
-            </a:r>
-            <a:r>
-              <a:rPr lang="en-US" dirty="0" smtClean="0"/>
-              <a:t> </a:t>
-            </a:r>
-            <a:r>
-              <a:rPr lang="en-US" dirty="0" err="1" smtClean="0"/>
-              <a:t>tần</a:t>
-            </a:r>
-            <a:r>
-              <a:rPr lang="en-US" dirty="0" smtClean="0"/>
-              <a:t> </a:t>
-            </a:r>
-            <a:r>
-              <a:rPr lang="en-US" dirty="0" err="1" smtClean="0"/>
-              <a:t>suất</a:t>
-            </a:r>
-            <a:r>
-              <a:rPr lang="en-US" dirty="0" smtClean="0"/>
-              <a:t> </a:t>
-            </a:r>
-            <a:r>
-              <a:rPr lang="en-US" dirty="0" err="1" smtClean="0"/>
-              <a:t>truy</a:t>
-            </a:r>
-            <a:r>
-              <a:rPr lang="en-US" dirty="0" smtClean="0"/>
-              <a:t> </a:t>
-            </a:r>
-            <a:r>
-              <a:rPr lang="en-US" dirty="0" err="1" smtClean="0"/>
-              <a:t>xuất</a:t>
-            </a:r>
-            <a:r>
-              <a:rPr lang="en-US" dirty="0" smtClean="0"/>
-              <a:t> </a:t>
-            </a:r>
-            <a:r>
-              <a:rPr lang="en-US" dirty="0" err="1" smtClean="0"/>
-              <a:t>cao</a:t>
-            </a:r>
-            <a:r>
-              <a:rPr lang="en-US" dirty="0" smtClean="0"/>
-              <a:t>.</a:t>
-            </a:r>
-            <a:endParaRPr lang="en-US" dirty="0"/>
-          </a:p>
-        </p:txBody>
-      </p:sp>
-    </p:spTree>
-    <p:extLst>
-      <p:ext uri="{BB962C8B-B14F-4D97-AF65-F5344CB8AC3E}">
-        <p14:creationId xmlns:p14="http://schemas.microsoft.com/office/powerpoint/2010/main" val="2296235705"/>
-      </p:ext>
-    </p:extLst>
-  </p:cSld>
-  <p:clrMapOvr>
-    <a:masterClrMapping/>
-  </p:clrMapOvr>
-  <p:timing>
-    <p:tnLst>
-      <p:par>
-        <p:cTn id="1" dur="indefinite" restart="never" nodeType="tmRoot"/>
-      </p:par>
-    </p:tnLst>
-  </p:timing>
-</p:sld>
-</file>
-
 <file path=ppt/slides/slide9.xml><?xml version="1.0" encoding="utf-8"?>
 <p:sld xmlns:a="http://schemas.openxmlformats.org/drawingml/2006/main" xmlns:r="http://schemas.openxmlformats.org/officeDocument/2006/relationships" xmlns:p="http://schemas.openxmlformats.org/presentationml/2006/main">
   <p:cSld>
@@ -5786,40 +5560,8 @@
           <a:lstStyle/>
           <a:p>
             <a:r>
-              <a:rPr lang="en-US" b="1" dirty="0" err="1" smtClean="0"/>
-              <a:t>Giải</a:t>
-            </a:r>
-            <a:r>
               <a:rPr lang="en-US" b="1" dirty="0" smtClean="0"/>
-              <a:t> </a:t>
-            </a:r>
-            <a:r>
-              <a:rPr lang="en-US" b="1" dirty="0" err="1" smtClean="0"/>
-              <a:t>pháp</a:t>
-            </a:r>
-            <a:r>
-              <a:rPr lang="en-US" b="1" dirty="0" smtClean="0"/>
-              <a:t> </a:t>
-            </a:r>
-            <a:r>
-              <a:rPr lang="en-US" b="1" dirty="0" err="1" smtClean="0"/>
-              <a:t>về</a:t>
-            </a:r>
-            <a:r>
-              <a:rPr lang="en-US" b="1" dirty="0" smtClean="0"/>
-              <a:t> </a:t>
-            </a:r>
-            <a:r>
-              <a:rPr lang="en-US" b="1" dirty="0" err="1" smtClean="0"/>
-              <a:t>dữ</a:t>
-            </a:r>
-            <a:r>
-              <a:rPr lang="en-US" b="1" dirty="0" smtClean="0"/>
-              <a:t> </a:t>
-            </a:r>
-            <a:r>
-              <a:rPr lang="en-US" b="1" dirty="0" err="1" smtClean="0"/>
-              <a:t>liệu</a:t>
+              <a:t>Unit Test</a:t>
             </a:r>
             <a:endParaRPr lang="vi-VN" b="1" dirty="0"/>
           </a:p>
@@ -5842,7 +5584,195 @@
           <a:p>
             <a:r>
               <a:rPr lang="en-US" dirty="0" err="1" smtClean="0"/>
-              <a:t>Chuyển</a:t>
+              <a:t>Tự</a:t>
+            </a:r>
+            <a:r>
+              <a:rPr lang="en-US" dirty="0" smtClean="0"/>
+              <a:t> </a:t>
+            </a:r>
+            <a:r>
+              <a:rPr lang="en-US" dirty="0" err="1" smtClean="0"/>
+              <a:t>động</a:t>
+            </a:r>
+            <a:r>
+              <a:rPr lang="en-US" dirty="0" smtClean="0"/>
+              <a:t> </a:t>
+            </a:r>
+            <a:r>
+              <a:rPr lang="en-US" dirty="0" err="1" smtClean="0"/>
+              <a:t>hóa</a:t>
+            </a:r>
+            <a:r>
+              <a:rPr lang="en-US" dirty="0" smtClean="0"/>
+              <a:t> </a:t>
+            </a:r>
+            <a:r>
+              <a:rPr lang="en-US" dirty="0" err="1" smtClean="0"/>
+              <a:t>công</a:t>
+            </a:r>
+            <a:r>
+              <a:rPr lang="en-US" dirty="0" smtClean="0"/>
+              <a:t> </a:t>
+            </a:r>
+            <a:r>
+              <a:rPr lang="en-US" dirty="0" err="1" smtClean="0"/>
+              <a:t>việc</a:t>
+            </a:r>
+            <a:r>
+              <a:rPr lang="en-US" dirty="0" smtClean="0"/>
+              <a:t> testing.</a:t>
+            </a:r>
+          </a:p>
+          <a:p>
+            <a:r>
+              <a:rPr lang="en-US" dirty="0" err="1" smtClean="0"/>
+              <a:t>Đảm</a:t>
+            </a:r>
+            <a:r>
+              <a:rPr lang="en-US" dirty="0" smtClean="0"/>
+              <a:t> </a:t>
+            </a:r>
+            <a:r>
+              <a:rPr lang="en-US" dirty="0" err="1" smtClean="0"/>
+              <a:t>bảo</a:t>
+            </a:r>
+            <a:r>
+              <a:rPr lang="en-US" dirty="0" smtClean="0"/>
+              <a:t> </a:t>
+            </a:r>
+            <a:r>
+              <a:rPr lang="en-US" dirty="0" err="1" smtClean="0"/>
+              <a:t>chất</a:t>
+            </a:r>
+            <a:r>
+              <a:rPr lang="en-US" dirty="0" smtClean="0"/>
+              <a:t> </a:t>
+            </a:r>
+            <a:r>
+              <a:rPr lang="en-US" dirty="0" err="1" smtClean="0"/>
+              <a:t>lượng</a:t>
+            </a:r>
+            <a:r>
+              <a:rPr lang="en-US" dirty="0" smtClean="0"/>
+              <a:t> </a:t>
+            </a:r>
+            <a:r>
+              <a:rPr lang="en-US" dirty="0" err="1" smtClean="0"/>
+              <a:t>các</a:t>
+            </a:r>
+            <a:r>
+              <a:rPr lang="en-US" dirty="0" smtClean="0"/>
+              <a:t> </a:t>
+            </a:r>
+            <a:r>
+              <a:rPr lang="en-US" dirty="0" err="1" smtClean="0"/>
+              <a:t>thành</a:t>
+            </a:r>
+            <a:r>
+              <a:rPr lang="en-US" dirty="0" smtClean="0"/>
+              <a:t> </a:t>
+            </a:r>
+            <a:r>
+              <a:rPr lang="en-US" dirty="0" err="1" smtClean="0"/>
+              <a:t>phần</a:t>
+            </a:r>
+            <a:r>
+              <a:rPr lang="en-US" dirty="0" smtClean="0"/>
+              <a:t> </a:t>
+            </a:r>
+            <a:r>
+              <a:rPr lang="en-US" dirty="0" err="1" smtClean="0"/>
+              <a:t>của</a:t>
+            </a:r>
+            <a:r>
+              <a:rPr lang="en-US" dirty="0" smtClean="0"/>
+              <a:t> </a:t>
+            </a:r>
+            <a:r>
+              <a:rPr lang="en-US" dirty="0" err="1" smtClean="0"/>
+              <a:t>chương</a:t>
+            </a:r>
+            <a:r>
+              <a:rPr lang="en-US" dirty="0" smtClean="0"/>
+              <a:t> </a:t>
+            </a:r>
+            <a:r>
+              <a:rPr lang="en-US" dirty="0" err="1" smtClean="0"/>
+              <a:t>trình</a:t>
+            </a:r>
+            <a:r>
+              <a:rPr lang="en-US" dirty="0" smtClean="0"/>
+              <a:t>.</a:t>
+            </a:r>
+          </a:p>
+          <a:p>
+            <a:r>
+              <a:rPr lang="en-US" dirty="0" err="1" smtClean="0"/>
+              <a:t>Nhanh</a:t>
+            </a:r>
+            <a:r>
+              <a:rPr lang="en-US" dirty="0" smtClean="0"/>
+              <a:t> </a:t>
+            </a:r>
+            <a:r>
+              <a:rPr lang="en-US" dirty="0" err="1" smtClean="0"/>
+              <a:t>chóng</a:t>
+            </a:r>
+            <a:r>
+              <a:rPr lang="en-US" dirty="0" smtClean="0"/>
+              <a:t> </a:t>
+            </a:r>
+            <a:r>
+              <a:rPr lang="en-US" dirty="0" err="1" smtClean="0"/>
+              <a:t>phát</a:t>
+            </a:r>
+            <a:r>
+              <a:rPr lang="en-US" dirty="0" smtClean="0"/>
+              <a:t> </a:t>
+            </a:r>
+            <a:r>
+              <a:rPr lang="en-US" dirty="0" err="1" smtClean="0"/>
+              <a:t>hiện</a:t>
+            </a:r>
+            <a:r>
+              <a:rPr lang="en-US" dirty="0" smtClean="0"/>
+              <a:t> </a:t>
+            </a:r>
+            <a:r>
+              <a:rPr lang="en-US" dirty="0" err="1" smtClean="0"/>
+              <a:t>ra</a:t>
+            </a:r>
+            <a:r>
+              <a:rPr lang="en-US" dirty="0" smtClean="0"/>
+              <a:t> </a:t>
+            </a:r>
+            <a:r>
+              <a:rPr lang="en-US" dirty="0" err="1" smtClean="0"/>
+              <a:t>các</a:t>
+            </a:r>
+            <a:r>
+              <a:rPr lang="en-US" dirty="0" smtClean="0"/>
+              <a:t> </a:t>
+            </a:r>
+            <a:r>
+              <a:rPr lang="en-US" dirty="0" err="1" smtClean="0"/>
+              <a:t>lỗi</a:t>
+            </a:r>
+            <a:r>
+              <a:rPr lang="en-US" dirty="0" smtClean="0"/>
+              <a:t> </a:t>
+            </a:r>
+            <a:r>
+              <a:rPr lang="en-US" dirty="0" err="1" smtClean="0"/>
+              <a:t>khi</a:t>
+            </a:r>
+            <a:r>
+              <a:rPr lang="en-US" dirty="0" smtClean="0"/>
+              <a:t> </a:t>
+            </a:r>
+            <a:r>
+              <a:rPr lang="en-US" dirty="0" err="1" smtClean="0"/>
+              <a:t>thay</a:t>
             </a:r>
             <a:r>
               <a:rPr lang="en-US" dirty="0" smtClean="0"/>
@@ -5858,149 +5788,53 @@
             </a:r>
             <a:r>
               <a:rPr lang="en-US" dirty="0" err="1" smtClean="0"/>
-              <a:t>dữ</a:t>
-            </a:r>
-            <a:r>
-              <a:rPr lang="en-US" dirty="0" smtClean="0"/>
-              <a:t> </a:t>
-            </a:r>
-            <a:r>
-              <a:rPr lang="en-US" dirty="0" err="1" smtClean="0"/>
-              <a:t>liệu</a:t>
-            </a:r>
-            <a:r>
-              <a:rPr lang="en-US" dirty="0" smtClean="0"/>
-              <a:t> XML </a:t>
-            </a:r>
-            <a:r>
-              <a:rPr lang="en-US" dirty="0" err="1" smtClean="0"/>
-              <a:t>thành</a:t>
-            </a:r>
-            <a:r>
-              <a:rPr lang="en-US" dirty="0" smtClean="0"/>
-              <a:t> </a:t>
-            </a:r>
-            <a:r>
-              <a:rPr lang="en-US" dirty="0" err="1" smtClean="0"/>
-              <a:t>các</a:t>
-            </a:r>
-            <a:r>
-              <a:rPr lang="en-US" dirty="0" smtClean="0"/>
-              <a:t> </a:t>
-            </a:r>
-            <a:r>
-              <a:rPr lang="en-US" dirty="0" err="1" smtClean="0"/>
-              <a:t>đối</a:t>
-            </a:r>
-            <a:r>
-              <a:rPr lang="en-US" dirty="0" smtClean="0"/>
-              <a:t> </a:t>
-            </a:r>
-            <a:r>
-              <a:rPr lang="en-US" dirty="0" err="1" smtClean="0"/>
-              <a:t>tượng</a:t>
-            </a:r>
-            <a:r>
-              <a:rPr lang="en-US" dirty="0" smtClean="0"/>
-              <a:t> C#.</a:t>
-            </a:r>
-          </a:p>
-          <a:p>
-            <a:pPr lvl="1"/>
-            <a:r>
-              <a:rPr lang="en-US" dirty="0" smtClean="0"/>
-              <a:t>Object</a:t>
-            </a:r>
-          </a:p>
-          <a:p>
-            <a:pPr lvl="1"/>
-            <a:r>
-              <a:rPr lang="en-US" dirty="0" smtClean="0"/>
-              <a:t>Collection</a:t>
-            </a:r>
-          </a:p>
-          <a:p>
-            <a:pPr lvl="1"/>
-            <a:r>
-              <a:rPr lang="en-US" dirty="0" smtClean="0"/>
-              <a:t>Dictionary</a:t>
-            </a:r>
-          </a:p>
-          <a:p>
-            <a:pPr lvl="1"/>
-            <a:r>
-              <a:rPr lang="en-US" dirty="0" smtClean="0"/>
-              <a:t>Primitive</a:t>
-            </a:r>
-          </a:p>
-          <a:p>
-            <a:r>
-              <a:rPr lang="en-US" dirty="0" smtClean="0"/>
-              <a:t>Cache </a:t>
-            </a:r>
-            <a:r>
-              <a:rPr lang="en-US" dirty="0" err="1" smtClean="0"/>
-              <a:t>các</a:t>
-            </a:r>
-            <a:r>
-              <a:rPr lang="en-US" dirty="0" smtClean="0"/>
-              <a:t> </a:t>
-            </a:r>
-            <a:r>
-              <a:rPr lang="en-US" dirty="0" err="1" smtClean="0"/>
-              <a:t>dữ</a:t>
-            </a:r>
-            <a:r>
-              <a:rPr lang="en-US" dirty="0" smtClean="0"/>
-              <a:t> </a:t>
-            </a:r>
-            <a:r>
-              <a:rPr lang="en-US" dirty="0" err="1" smtClean="0"/>
-              <a:t>liệu</a:t>
-            </a:r>
-            <a:r>
-              <a:rPr lang="en-US" dirty="0" smtClean="0"/>
-              <a:t> </a:t>
-            </a:r>
-            <a:r>
-              <a:rPr lang="en-US" dirty="0" err="1" smtClean="0"/>
-              <a:t>được</a:t>
-            </a:r>
-            <a:r>
-              <a:rPr lang="en-US" dirty="0" smtClean="0"/>
-              <a:t> </a:t>
-            </a:r>
-            <a:r>
-              <a:rPr lang="en-US" dirty="0" err="1" smtClean="0"/>
-              <a:t>truy</a:t>
-            </a:r>
-            <a:r>
-              <a:rPr lang="en-US" dirty="0" smtClean="0"/>
-              <a:t> </a:t>
-            </a:r>
-            <a:r>
-              <a:rPr lang="en-US" dirty="0" err="1" smtClean="0"/>
-              <a:t>xuất</a:t>
-            </a:r>
-            <a:r>
-              <a:rPr lang="en-US" dirty="0" smtClean="0"/>
-              <a:t> </a:t>
-            </a:r>
-            <a:r>
-              <a:rPr lang="en-US" dirty="0" err="1" smtClean="0"/>
-              <a:t>thường</a:t>
-            </a:r>
-            <a:r>
-              <a:rPr lang="en-US" dirty="0" smtClean="0"/>
-              <a:t> </a:t>
-            </a:r>
-            <a:r>
-              <a:rPr lang="en-US" dirty="0" err="1" smtClean="0"/>
-              <a:t>xuyên</a:t>
+              <a:t>chương</a:t>
+            </a:r>
+            <a:r>
+              <a:rPr lang="en-US" dirty="0" smtClean="0"/>
+              <a:t> </a:t>
+            </a:r>
+            <a:r>
+              <a:rPr lang="en-US" dirty="0" err="1" smtClean="0"/>
+              <a:t>trình</a:t>
             </a:r>
             <a:r>
               <a:rPr lang="en-US" dirty="0" smtClean="0"/>
               <a:t>.</a:t>
+            </a:r>
+          </a:p>
+          <a:p>
+            <a:r>
+              <a:rPr lang="en-US" dirty="0" err="1" smtClean="0"/>
+              <a:t>Tiết</a:t>
+            </a:r>
+            <a:r>
+              <a:rPr lang="en-US" dirty="0" smtClean="0"/>
+              <a:t> </a:t>
+            </a:r>
+            <a:r>
+              <a:rPr lang="en-US" dirty="0" err="1" smtClean="0"/>
+              <a:t>kiệm</a:t>
+            </a:r>
+            <a:r>
+              <a:rPr lang="en-US" dirty="0" smtClean="0"/>
+              <a:t> </a:t>
+            </a:r>
+            <a:r>
+              <a:rPr lang="en-US" dirty="0" err="1" smtClean="0"/>
+              <a:t>thời</a:t>
+            </a:r>
+            <a:r>
+              <a:rPr lang="en-US" dirty="0" smtClean="0"/>
+              <a:t> </a:t>
+            </a:r>
+            <a:r>
+              <a:rPr lang="en-US" dirty="0" err="1" smtClean="0"/>
+              <a:t>gian</a:t>
+            </a:r>
+            <a:r>
+              <a:rPr lang="en-US" dirty="0" smtClean="0"/>
+              <a:t> testing.</a:t>
             </a:r>
             <a:endParaRPr lang="vi-VN" dirty="0"/>
           </a:p>
@@ -6009,7 +5843,7 @@
     </p:spTree>
     <p:extLst>
       <p:ext uri="{BB962C8B-B14F-4D97-AF65-F5344CB8AC3E}">
-        <p14:creationId xmlns:p14="http://schemas.microsoft.com/office/powerpoint/2010/main" val="1557009442"/>
+        <p14:creationId xmlns:p14="http://schemas.microsoft.com/office/powerpoint/2010/main" val="1767821105"/>
       </p:ext>
     </p:extLst>
   </p:cSld>

--- a/BÁO CÁO THỰC TẬP.pptx
+++ b/BÁO CÁO THỰC TẬP.pptx
@@ -10,11 +10,11 @@
     <p:sldId id="258" r:id="rId4"/>
     <p:sldId id="271" r:id="rId5"/>
     <p:sldId id="260" r:id="rId6"/>
-    <p:sldId id="261" r:id="rId7"/>
-    <p:sldId id="264" r:id="rId8"/>
-    <p:sldId id="266" r:id="rId9"/>
-    <p:sldId id="265" r:id="rId10"/>
-    <p:sldId id="268" r:id="rId11"/>
+    <p:sldId id="272" r:id="rId7"/>
+    <p:sldId id="261" r:id="rId8"/>
+    <p:sldId id="264" r:id="rId9"/>
+    <p:sldId id="266" r:id="rId10"/>
+    <p:sldId id="265" r:id="rId11"/>
     <p:sldId id="267" r:id="rId12"/>
     <p:sldId id="269" r:id="rId13"/>
     <p:sldId id="262" r:id="rId14"/>
@@ -256,7 +256,7 @@
           <a:p>
             <a:fld id="{B7A56448-5D1E-439A-B006-075676760B93}" type="datetimeFigureOut">
               <a:rPr lang="en-US" smtClean="0"/>
-              <a:t>9/3/2014</a:t>
+              <a:t>9/8/2014</a:t>
             </a:fld>
             <a:endParaRPr lang="en-US"/>
           </a:p>
@@ -426,7 +426,7 @@
           <a:p>
             <a:fld id="{B7A56448-5D1E-439A-B006-075676760B93}" type="datetimeFigureOut">
               <a:rPr lang="en-US" smtClean="0"/>
-              <a:t>9/3/2014</a:t>
+              <a:t>9/8/2014</a:t>
             </a:fld>
             <a:endParaRPr lang="en-US"/>
           </a:p>
@@ -606,7 +606,7 @@
           <a:p>
             <a:fld id="{B7A56448-5D1E-439A-B006-075676760B93}" type="datetimeFigureOut">
               <a:rPr lang="en-US" smtClean="0"/>
-              <a:t>9/3/2014</a:t>
+              <a:t>9/8/2014</a:t>
             </a:fld>
             <a:endParaRPr lang="en-US"/>
           </a:p>
@@ -776,7 +776,7 @@
           <a:p>
             <a:fld id="{B7A56448-5D1E-439A-B006-075676760B93}" type="datetimeFigureOut">
               <a:rPr lang="en-US" smtClean="0"/>
-              <a:t>9/3/2014</a:t>
+              <a:t>9/8/2014</a:t>
             </a:fld>
             <a:endParaRPr lang="en-US"/>
           </a:p>
@@ -1022,7 +1022,7 @@
           <a:p>
             <a:fld id="{B7A56448-5D1E-439A-B006-075676760B93}" type="datetimeFigureOut">
               <a:rPr lang="en-US" smtClean="0"/>
-              <a:t>9/3/2014</a:t>
+              <a:t>9/8/2014</a:t>
             </a:fld>
             <a:endParaRPr lang="en-US"/>
           </a:p>
@@ -1254,7 +1254,7 @@
           <a:p>
             <a:fld id="{B7A56448-5D1E-439A-B006-075676760B93}" type="datetimeFigureOut">
               <a:rPr lang="en-US" smtClean="0"/>
-              <a:t>9/3/2014</a:t>
+              <a:t>9/8/2014</a:t>
             </a:fld>
             <a:endParaRPr lang="en-US"/>
           </a:p>
@@ -1621,7 +1621,7 @@
           <a:p>
             <a:fld id="{B7A56448-5D1E-439A-B006-075676760B93}" type="datetimeFigureOut">
               <a:rPr lang="en-US" smtClean="0"/>
-              <a:t>9/3/2014</a:t>
+              <a:t>9/8/2014</a:t>
             </a:fld>
             <a:endParaRPr lang="en-US"/>
           </a:p>
@@ -1739,7 +1739,7 @@
           <a:p>
             <a:fld id="{B7A56448-5D1E-439A-B006-075676760B93}" type="datetimeFigureOut">
               <a:rPr lang="en-US" smtClean="0"/>
-              <a:t>9/3/2014</a:t>
+              <a:t>9/8/2014</a:t>
             </a:fld>
             <a:endParaRPr lang="en-US"/>
           </a:p>
@@ -1834,7 +1834,7 @@
           <a:p>
             <a:fld id="{B7A56448-5D1E-439A-B006-075676760B93}" type="datetimeFigureOut">
               <a:rPr lang="en-US" smtClean="0"/>
-              <a:t>9/3/2014</a:t>
+              <a:t>9/8/2014</a:t>
             </a:fld>
             <a:endParaRPr lang="en-US"/>
           </a:p>
@@ -2111,7 +2111,7 @@
           <a:p>
             <a:fld id="{B7A56448-5D1E-439A-B006-075676760B93}" type="datetimeFigureOut">
               <a:rPr lang="en-US" smtClean="0"/>
-              <a:t>9/3/2014</a:t>
+              <a:t>9/8/2014</a:t>
             </a:fld>
             <a:endParaRPr lang="en-US"/>
           </a:p>
@@ -2364,7 +2364,7 @@
           <a:p>
             <a:fld id="{B7A56448-5D1E-439A-B006-075676760B93}" type="datetimeFigureOut">
               <a:rPr lang="en-US" smtClean="0"/>
-              <a:t>9/3/2014</a:t>
+              <a:t>9/8/2014</a:t>
             </a:fld>
             <a:endParaRPr lang="en-US"/>
           </a:p>
@@ -2577,7 +2577,7 @@
           <a:p>
             <a:fld id="{B7A56448-5D1E-439A-B006-075676760B93}" type="datetimeFigureOut">
               <a:rPr lang="en-US" smtClean="0"/>
-              <a:t>9/3/2014</a:t>
+              <a:t>9/8/2014</a:t>
             </a:fld>
             <a:endParaRPr lang="en-US"/>
           </a:p>
@@ -3017,11 +3017,7 @@
             </a:br>
             <a:r>
               <a:rPr lang="en-US" b="1"/>
-              <a:t>Xây dựng </a:t>
-            </a:r>
-            <a:r>
-              <a:rPr lang="en-US" b="1"/>
-              <a:t>W</a:t>
+              <a:t>Xây dựng W</a:t>
             </a:r>
             <a:r>
               <a:rPr lang="en-US" b="1" smtClean="0"/>
@@ -3033,11 +3029,7 @@
             </a:r>
             <a:r>
               <a:rPr lang="en-US" b="1" smtClean="0"/>
-              <a:t>C</a:t>
-            </a:r>
-            <a:r>
-              <a:rPr lang="en-US" b="1" smtClean="0"/>
-              <a:t>loudBackup</a:t>
+              <a:t>CloudBackup</a:t>
             </a:r>
             <a:endParaRPr lang="en-US"/>
           </a:p>
@@ -3169,47 +3161,291 @@
           <a:bodyPr/>
           <a:lstStyle/>
           <a:p>
-            <a:endParaRPr lang="vi-VN"/>
-          </a:p>
-        </p:txBody>
-      </p:sp>
-      <p:pic>
-        <p:nvPicPr>
-          <p:cNvPr id="4" name="Picture 3"/>
-          <p:cNvPicPr/>
-          <p:nvPr/>
-        </p:nvPicPr>
-        <p:blipFill>
-          <a:blip r:embed="rId2">
-            <a:extLst>
-              <a:ext uri="{28A0092B-C50C-407E-A947-70E740481C1C}">
-                <a14:useLocalDpi xmlns:a14="http://schemas.microsoft.com/office/drawing/2010/main" val="0"/>
-              </a:ext>
-            </a:extLst>
-          </a:blip>
-          <a:srcRect/>
-          <a:stretch>
-            <a:fillRect/>
-          </a:stretch>
-        </p:blipFill>
-        <p:spPr bwMode="auto">
-          <a:xfrm>
-            <a:off x="1167848" y="1027906"/>
-            <a:ext cx="9856304" cy="4882564"/>
-          </a:xfrm>
-          <a:prstGeom prst="rect">
-            <a:avLst/>
-          </a:prstGeom>
-          <a:noFill/>
-          <a:ln>
-            <a:noFill/>
-          </a:ln>
-        </p:spPr>
-      </p:pic>
+            <a:r>
+              <a:rPr lang="en-US" b="1" dirty="0" smtClean="0"/>
+              <a:t>Unit Test</a:t>
+            </a:r>
+            <a:endParaRPr lang="vi-VN" b="1" dirty="0"/>
+          </a:p>
+        </p:txBody>
+      </p:sp>
+      <p:sp>
+        <p:nvSpPr>
+          <p:cNvPr id="3" name="Content Placeholder 2"/>
+          <p:cNvSpPr>
+            <a:spLocks noGrp="1"/>
+          </p:cNvSpPr>
+          <p:nvPr>
+            <p:ph idx="1"/>
+          </p:nvPr>
+        </p:nvSpPr>
+        <p:spPr/>
+        <p:txBody>
+          <a:bodyPr/>
+          <a:lstStyle/>
+          <a:p>
+            <a:r>
+              <a:rPr lang="en-US" dirty="0" err="1" smtClean="0"/>
+              <a:t>Tự</a:t>
+            </a:r>
+            <a:r>
+              <a:rPr lang="en-US" dirty="0" smtClean="0"/>
+              <a:t> </a:t>
+            </a:r>
+            <a:r>
+              <a:rPr lang="en-US" dirty="0" err="1" smtClean="0"/>
+              <a:t>động</a:t>
+            </a:r>
+            <a:r>
+              <a:rPr lang="en-US" dirty="0" smtClean="0"/>
+              <a:t> </a:t>
+            </a:r>
+            <a:r>
+              <a:rPr lang="en-US" dirty="0" err="1" smtClean="0"/>
+              <a:t>hóa</a:t>
+            </a:r>
+            <a:r>
+              <a:rPr lang="en-US" dirty="0" smtClean="0"/>
+              <a:t> </a:t>
+            </a:r>
+            <a:r>
+              <a:rPr lang="en-US" dirty="0" err="1" smtClean="0"/>
+              <a:t>công</a:t>
+            </a:r>
+            <a:r>
+              <a:rPr lang="en-US" dirty="0" smtClean="0"/>
+              <a:t> </a:t>
+            </a:r>
+            <a:r>
+              <a:rPr lang="en-US" dirty="0" err="1" smtClean="0"/>
+              <a:t>việc</a:t>
+            </a:r>
+            <a:r>
+              <a:rPr lang="en-US" dirty="0" smtClean="0"/>
+              <a:t> testing.</a:t>
+            </a:r>
+          </a:p>
+          <a:p>
+            <a:r>
+              <a:rPr lang="en-US" dirty="0" err="1" smtClean="0"/>
+              <a:t>Đảm</a:t>
+            </a:r>
+            <a:r>
+              <a:rPr lang="en-US" dirty="0" smtClean="0"/>
+              <a:t> </a:t>
+            </a:r>
+            <a:r>
+              <a:rPr lang="en-US" dirty="0" err="1" smtClean="0"/>
+              <a:t>bảo</a:t>
+            </a:r>
+            <a:r>
+              <a:rPr lang="en-US" dirty="0" smtClean="0"/>
+              <a:t> </a:t>
+            </a:r>
+            <a:r>
+              <a:rPr lang="en-US" dirty="0" err="1" smtClean="0"/>
+              <a:t>chất</a:t>
+            </a:r>
+            <a:r>
+              <a:rPr lang="en-US" dirty="0" smtClean="0"/>
+              <a:t> </a:t>
+            </a:r>
+            <a:r>
+              <a:rPr lang="en-US" dirty="0" err="1" smtClean="0"/>
+              <a:t>lượng</a:t>
+            </a:r>
+            <a:r>
+              <a:rPr lang="en-US" dirty="0" smtClean="0"/>
+              <a:t> </a:t>
+            </a:r>
+            <a:r>
+              <a:rPr lang="en-US" dirty="0" err="1" smtClean="0"/>
+              <a:t>các</a:t>
+            </a:r>
+            <a:r>
+              <a:rPr lang="en-US" dirty="0" smtClean="0"/>
+              <a:t> </a:t>
+            </a:r>
+            <a:r>
+              <a:rPr lang="en-US" dirty="0" err="1" smtClean="0"/>
+              <a:t>thành</a:t>
+            </a:r>
+            <a:r>
+              <a:rPr lang="en-US" dirty="0" smtClean="0"/>
+              <a:t> </a:t>
+            </a:r>
+            <a:r>
+              <a:rPr lang="en-US" dirty="0" err="1" smtClean="0"/>
+              <a:t>phần</a:t>
+            </a:r>
+            <a:r>
+              <a:rPr lang="en-US" dirty="0" smtClean="0"/>
+              <a:t> </a:t>
+            </a:r>
+            <a:r>
+              <a:rPr lang="en-US" dirty="0" err="1" smtClean="0"/>
+              <a:t>của</a:t>
+            </a:r>
+            <a:r>
+              <a:rPr lang="en-US" dirty="0" smtClean="0"/>
+              <a:t> </a:t>
+            </a:r>
+            <a:r>
+              <a:rPr lang="en-US" dirty="0" err="1" smtClean="0"/>
+              <a:t>chương</a:t>
+            </a:r>
+            <a:r>
+              <a:rPr lang="en-US" dirty="0" smtClean="0"/>
+              <a:t> </a:t>
+            </a:r>
+            <a:r>
+              <a:rPr lang="en-US" dirty="0" err="1" smtClean="0"/>
+              <a:t>trình</a:t>
+            </a:r>
+            <a:r>
+              <a:rPr lang="en-US" dirty="0" smtClean="0"/>
+              <a:t>.</a:t>
+            </a:r>
+          </a:p>
+          <a:p>
+            <a:r>
+              <a:rPr lang="en-US" dirty="0" err="1" smtClean="0"/>
+              <a:t>Nhanh</a:t>
+            </a:r>
+            <a:r>
+              <a:rPr lang="en-US" dirty="0" smtClean="0"/>
+              <a:t> </a:t>
+            </a:r>
+            <a:r>
+              <a:rPr lang="en-US" dirty="0" err="1" smtClean="0"/>
+              <a:t>chóng</a:t>
+            </a:r>
+            <a:r>
+              <a:rPr lang="en-US" dirty="0" smtClean="0"/>
+              <a:t> </a:t>
+            </a:r>
+            <a:r>
+              <a:rPr lang="en-US" dirty="0" err="1" smtClean="0"/>
+              <a:t>phát</a:t>
+            </a:r>
+            <a:r>
+              <a:rPr lang="en-US" dirty="0" smtClean="0"/>
+              <a:t> </a:t>
+            </a:r>
+            <a:r>
+              <a:rPr lang="en-US" dirty="0" err="1" smtClean="0"/>
+              <a:t>hiện</a:t>
+            </a:r>
+            <a:r>
+              <a:rPr lang="en-US" dirty="0" smtClean="0"/>
+              <a:t> </a:t>
+            </a:r>
+            <a:r>
+              <a:rPr lang="en-US" dirty="0" err="1" smtClean="0"/>
+              <a:t>ra</a:t>
+            </a:r>
+            <a:r>
+              <a:rPr lang="en-US" dirty="0" smtClean="0"/>
+              <a:t> </a:t>
+            </a:r>
+            <a:r>
+              <a:rPr lang="en-US" dirty="0" err="1" smtClean="0"/>
+              <a:t>các</a:t>
+            </a:r>
+            <a:r>
+              <a:rPr lang="en-US" dirty="0" smtClean="0"/>
+              <a:t> </a:t>
+            </a:r>
+            <a:r>
+              <a:rPr lang="en-US" dirty="0" err="1" smtClean="0"/>
+              <a:t>lỗi</a:t>
+            </a:r>
+            <a:r>
+              <a:rPr lang="en-US" dirty="0" smtClean="0"/>
+              <a:t> </a:t>
+            </a:r>
+            <a:r>
+              <a:rPr lang="en-US" dirty="0" err="1" smtClean="0"/>
+              <a:t>khi</a:t>
+            </a:r>
+            <a:r>
+              <a:rPr lang="en-US" dirty="0" smtClean="0"/>
+              <a:t> </a:t>
+            </a:r>
+            <a:r>
+              <a:rPr lang="en-US" dirty="0" err="1" smtClean="0"/>
+              <a:t>thay</a:t>
+            </a:r>
+            <a:r>
+              <a:rPr lang="en-US" dirty="0" smtClean="0"/>
+              <a:t> </a:t>
+            </a:r>
+            <a:r>
+              <a:rPr lang="en-US" dirty="0" err="1" smtClean="0"/>
+              <a:t>đổi</a:t>
+            </a:r>
+            <a:r>
+              <a:rPr lang="en-US" dirty="0" smtClean="0"/>
+              <a:t> </a:t>
+            </a:r>
+            <a:r>
+              <a:rPr lang="en-US" dirty="0" err="1" smtClean="0"/>
+              <a:t>chương</a:t>
+            </a:r>
+            <a:r>
+              <a:rPr lang="en-US" dirty="0" smtClean="0"/>
+              <a:t> </a:t>
+            </a:r>
+            <a:r>
+              <a:rPr lang="en-US" dirty="0" err="1" smtClean="0"/>
+              <a:t>trình</a:t>
+            </a:r>
+            <a:r>
+              <a:rPr lang="en-US" dirty="0" smtClean="0"/>
+              <a:t>.</a:t>
+            </a:r>
+          </a:p>
+          <a:p>
+            <a:r>
+              <a:rPr lang="en-US" dirty="0" err="1" smtClean="0"/>
+              <a:t>Tiết</a:t>
+            </a:r>
+            <a:r>
+              <a:rPr lang="en-US" dirty="0" smtClean="0"/>
+              <a:t> </a:t>
+            </a:r>
+            <a:r>
+              <a:rPr lang="en-US" dirty="0" err="1" smtClean="0"/>
+              <a:t>kiệm</a:t>
+            </a:r>
+            <a:r>
+              <a:rPr lang="en-US" dirty="0" smtClean="0"/>
+              <a:t> </a:t>
+            </a:r>
+            <a:r>
+              <a:rPr lang="en-US" dirty="0" err="1" smtClean="0"/>
+              <a:t>thời</a:t>
+            </a:r>
+            <a:r>
+              <a:rPr lang="en-US" dirty="0" smtClean="0"/>
+              <a:t> </a:t>
+            </a:r>
+            <a:r>
+              <a:rPr lang="en-US" dirty="0" err="1" smtClean="0"/>
+              <a:t>gian</a:t>
+            </a:r>
+            <a:r>
+              <a:rPr lang="en-US" dirty="0" smtClean="0"/>
+              <a:t> testing.</a:t>
+            </a:r>
+            <a:endParaRPr lang="vi-VN" dirty="0"/>
+          </a:p>
+        </p:txBody>
+      </p:sp>
     </p:spTree>
     <p:extLst>
       <p:ext uri="{BB962C8B-B14F-4D97-AF65-F5344CB8AC3E}">
-        <p14:creationId xmlns:p14="http://schemas.microsoft.com/office/powerpoint/2010/main" val="517413923"/>
+        <p14:creationId xmlns:p14="http://schemas.microsoft.com/office/powerpoint/2010/main" val="1767821105"/>
       </p:ext>
     </p:extLst>
   </p:cSld>
@@ -3411,45 +3647,246 @@
           </a:p>
         </p:txBody>
       </p:sp>
-      <p:pic>
-        <p:nvPicPr>
-          <p:cNvPr id="4" name="Picture 3"/>
-          <p:cNvPicPr/>
+      <p:grpSp>
+        <p:nvGrpSpPr>
+          <p:cNvPr id="5" name="Group 4"/>
+          <p:cNvGrpSpPr/>
           <p:nvPr/>
-        </p:nvPicPr>
-        <p:blipFill>
-          <a:blip r:embed="rId2">
-            <a:extLst>
-              <a:ext uri="{28A0092B-C50C-407E-A947-70E740481C1C}">
-                <a14:useLocalDpi xmlns:a14="http://schemas.microsoft.com/office/drawing/2010/main" val="0"/>
-              </a:ext>
-            </a:extLst>
-          </a:blip>
-          <a:srcRect/>
-          <a:stretch>
-            <a:fillRect/>
-          </a:stretch>
-        </p:blipFill>
-        <p:spPr bwMode="auto">
+        </p:nvGrpSpPr>
+        <p:grpSpPr>
           <a:xfrm>
-            <a:off x="1908312" y="1027906"/>
-            <a:ext cx="8375375" cy="4829382"/>
+            <a:off x="0" y="26504"/>
+            <a:ext cx="12192000" cy="6858000"/>
+            <a:chOff x="-2878455" y="194337"/>
+            <a:chExt cx="12192000" cy="6858000"/>
+          </a:xfrm>
+        </p:grpSpPr>
+        <p:grpSp>
+          <p:nvGrpSpPr>
+            <p:cNvPr id="8" name="Group 7"/>
+            <p:cNvGrpSpPr/>
+            <p:nvPr/>
+          </p:nvGrpSpPr>
+          <p:grpSpPr>
+            <a:xfrm>
+              <a:off x="-2878455" y="194337"/>
+              <a:ext cx="12192000" cy="6858000"/>
+              <a:chOff x="-2878455" y="194337"/>
+              <a:chExt cx="12192000" cy="6858000"/>
+            </a:xfrm>
+          </p:grpSpPr>
+          <p:pic>
+            <p:nvPicPr>
+              <p:cNvPr id="10" name="Picture 9"/>
+              <p:cNvPicPr>
+                <a:picLocks noChangeAspect="1"/>
+              </p:cNvPicPr>
+              <p:nvPr/>
+            </p:nvPicPr>
+            <p:blipFill>
+              <a:blip r:embed="rId2">
+                <a:extLst>
+                  <a:ext uri="{28A0092B-C50C-407E-A947-70E740481C1C}">
+                    <a14:useLocalDpi xmlns:a14="http://schemas.microsoft.com/office/drawing/2010/main" val="0"/>
+                  </a:ext>
+                </a:extLst>
+              </a:blip>
+              <a:srcRect/>
+              <a:stretch>
+                <a:fillRect/>
+              </a:stretch>
+            </p:blipFill>
+            <p:spPr bwMode="auto">
+              <a:xfrm>
+                <a:off x="-2878455" y="194337"/>
+                <a:ext cx="6713284" cy="3578087"/>
+              </a:xfrm>
+              <a:prstGeom prst="rect">
+                <a:avLst/>
+              </a:prstGeom>
+              <a:noFill/>
+              <a:ln>
+                <a:noFill/>
+              </a:ln>
+            </p:spPr>
+          </p:pic>
+          <p:pic>
+            <p:nvPicPr>
+              <p:cNvPr id="11" name="Picture 10"/>
+              <p:cNvPicPr>
+                <a:picLocks noChangeAspect="1"/>
+              </p:cNvPicPr>
+              <p:nvPr/>
+            </p:nvPicPr>
+            <p:blipFill>
+              <a:blip r:embed="rId3">
+                <a:extLst>
+                  <a:ext uri="{28A0092B-C50C-407E-A947-70E740481C1C}">
+                    <a14:useLocalDpi xmlns:a14="http://schemas.microsoft.com/office/drawing/2010/main" val="0"/>
+                  </a:ext>
+                </a:extLst>
+              </a:blip>
+              <a:stretch>
+                <a:fillRect/>
+              </a:stretch>
+            </p:blipFill>
+            <p:spPr>
+              <a:xfrm>
+                <a:off x="3823335" y="2527327"/>
+                <a:ext cx="5490210" cy="4525010"/>
+              </a:xfrm>
+              <a:prstGeom prst="rect">
+                <a:avLst/>
+              </a:prstGeom>
+            </p:spPr>
+          </p:pic>
+        </p:grpSp>
+        <p:sp>
+          <p:nvSpPr>
+            <p:cNvPr id="7" name="Text Box 43"/>
+            <p:cNvSpPr txBox="1"/>
+            <p:nvPr/>
+          </p:nvSpPr>
+          <p:spPr>
+            <a:xfrm>
+              <a:off x="5400675" y="3028950"/>
+              <a:ext cx="895350" cy="342900"/>
+            </a:xfrm>
+            <a:prstGeom prst="rect">
+              <a:avLst/>
+            </a:prstGeom>
+            <a:solidFill>
+              <a:schemeClr val="lt1"/>
+            </a:solidFill>
+            <a:ln w="6350">
+              <a:solidFill>
+                <a:schemeClr val="bg1"/>
+              </a:solidFill>
+            </a:ln>
+            <a:effectLst/>
+          </p:spPr>
+          <p:style>
+            <a:lnRef idx="0">
+              <a:schemeClr val="accent1"/>
+            </a:lnRef>
+            <a:fillRef idx="0">
+              <a:schemeClr val="accent1"/>
+            </a:fillRef>
+            <a:effectRef idx="0">
+              <a:schemeClr val="accent1"/>
+            </a:effectRef>
+            <a:fontRef idx="minor">
+              <a:schemeClr val="dk1"/>
+            </a:fontRef>
+          </p:style>
+          <p:txBody>
+            <a:bodyPr rot="0" spcFirstLastPara="0" vert="horz" wrap="square" lIns="91440" tIns="45720" rIns="91440" bIns="45720" numCol="1" spcCol="0" rtlCol="0" fromWordArt="0" anchor="t" anchorCtr="0" forceAA="0" compatLnSpc="1">
+              <a:prstTxWarp prst="textNoShape">
+                <a:avLst/>
+              </a:prstTxWarp>
+              <a:noAutofit/>
+            </a:bodyPr>
+            <a:lstStyle/>
+            <a:p>
+              <a:pPr algn="just">
+                <a:spcBef>
+                  <a:spcPts val="400"/>
+                </a:spcBef>
+                <a:spcAft>
+                  <a:spcPts val="0"/>
+                </a:spcAft>
+              </a:pPr>
+              <a:r>
+                <a:rPr lang="en-US" sz="1300">
+                  <a:effectLst/>
+                  <a:latin typeface="Times New Roman" panose="02020603050405020304" pitchFamily="18" charset="0"/>
+                  <a:ea typeface="Times New Roman" panose="02020603050405020304" pitchFamily="18" charset="0"/>
+                </a:rPr>
+                <a:t>Multi-test</a:t>
+              </a:r>
+              <a:endParaRPr lang="vi-VN" sz="1300">
+                <a:effectLst/>
+                <a:latin typeface="Times New Roman" panose="02020603050405020304" pitchFamily="18" charset="0"/>
+                <a:ea typeface="Times New Roman" panose="02020603050405020304" pitchFamily="18" charset="0"/>
+              </a:endParaRPr>
+            </a:p>
+          </p:txBody>
+        </p:sp>
+      </p:grpSp>
+      <p:sp>
+        <p:nvSpPr>
+          <p:cNvPr id="3" name="Curved Right Arrow 2"/>
+          <p:cNvSpPr/>
+          <p:nvPr/>
+        </p:nvSpPr>
+        <p:spPr>
+          <a:xfrm rot="18322378">
+            <a:off x="5194148" y="3307788"/>
+            <a:ext cx="901148" cy="2507511"/>
+          </a:xfrm>
+          <a:prstGeom prst="curvedRightArrow">
+            <a:avLst/>
+          </a:prstGeom>
+        </p:spPr>
+        <p:style>
+          <a:lnRef idx="2">
+            <a:schemeClr val="accent1">
+              <a:shade val="50000"/>
+            </a:schemeClr>
+          </a:lnRef>
+          <a:fillRef idx="1">
+            <a:schemeClr val="accent1"/>
+          </a:fillRef>
+          <a:effectRef idx="0">
+            <a:schemeClr val="accent1"/>
+          </a:effectRef>
+          <a:fontRef idx="minor">
+            <a:schemeClr val="lt1"/>
+          </a:fontRef>
+        </p:style>
+        <p:txBody>
+          <a:bodyPr rtlCol="0" anchor="ctr"/>
+          <a:lstStyle/>
+          <a:p>
+            <a:pPr algn="ctr"/>
+            <a:endParaRPr lang="vi-VN">
+              <a:solidFill>
+                <a:schemeClr val="tx1"/>
+              </a:solidFill>
+            </a:endParaRPr>
+          </a:p>
+        </p:txBody>
+      </p:sp>
+      <p:sp>
+        <p:nvSpPr>
+          <p:cNvPr id="12" name="TextBox 11"/>
+          <p:cNvSpPr txBox="1"/>
+          <p:nvPr/>
+        </p:nvSpPr>
+        <p:spPr>
+          <a:xfrm rot="2387375">
+            <a:off x="5080625" y="4278173"/>
+            <a:ext cx="1128194" cy="369332"/>
           </a:xfrm>
           <a:prstGeom prst="rect">
             <a:avLst/>
           </a:prstGeom>
           <a:noFill/>
-          <a:ln w="9525" cmpd="sng">
-            <a:solidFill>
-              <a:srgbClr val="000000"/>
-            </a:solidFill>
-            <a:miter lim="800000"/>
-            <a:headEnd/>
-            <a:tailEnd/>
-          </a:ln>
-          <a:effectLst/>
         </p:spPr>
-      </p:pic>
+        <p:txBody>
+          <a:bodyPr wrap="none" rtlCol="0">
+            <a:spAutoFit/>
+          </a:bodyPr>
+          <a:lstStyle/>
+          <a:p>
+            <a:r>
+              <a:rPr lang="en-US" dirty="0" smtClean="0"/>
+              <a:t>Multi-Test</a:t>
+            </a:r>
+            <a:endParaRPr lang="vi-VN" dirty="0"/>
+          </a:p>
+        </p:txBody>
+      </p:sp>
     </p:spTree>
     <p:extLst>
       <p:ext uri="{BB962C8B-B14F-4D97-AF65-F5344CB8AC3E}">
@@ -3463,9 +3900,253 @@
   <p:timing>
     <p:tnLst>
       <p:par>
-        <p:cTn id="1" dur="indefinite" restart="never" nodeType="tmRoot"/>
+        <p:cTn id="1" dur="indefinite" restart="never" nodeType="tmRoot">
+          <p:childTnLst>
+            <p:seq concurrent="1" nextAc="seek">
+              <p:cTn id="2" dur="indefinite" nodeType="mainSeq">
+                <p:childTnLst>
+                  <p:par>
+                    <p:cTn id="3" fill="hold">
+                      <p:stCondLst>
+                        <p:cond delay="indefinite"/>
+                      </p:stCondLst>
+                      <p:childTnLst>
+                        <p:par>
+                          <p:cTn id="4" fill="hold">
+                            <p:stCondLst>
+                              <p:cond delay="0"/>
+                            </p:stCondLst>
+                            <p:childTnLst>
+                              <p:par>
+                                <p:cTn id="5" presetID="16" presetClass="entr" presetSubtype="21" fill="hold" nodeType="clickEffect">
+                                  <p:stCondLst>
+                                    <p:cond delay="0"/>
+                                  </p:stCondLst>
+                                  <p:childTnLst>
+                                    <p:set>
+                                      <p:cBhvr>
+                                        <p:cTn id="6" dur="1" fill="hold">
+                                          <p:stCondLst>
+                                            <p:cond delay="0"/>
+                                          </p:stCondLst>
+                                        </p:cTn>
+                                        <p:tgtEl>
+                                          <p:spTgt spid="5"/>
+                                        </p:tgtEl>
+                                        <p:attrNameLst>
+                                          <p:attrName>style.visibility</p:attrName>
+                                        </p:attrNameLst>
+                                      </p:cBhvr>
+                                      <p:to>
+                                        <p:strVal val="visible"/>
+                                      </p:to>
+                                    </p:set>
+                                    <p:animEffect transition="in" filter="barn(inVertical)">
+                                      <p:cBhvr>
+                                        <p:cTn id="7" dur="500"/>
+                                        <p:tgtEl>
+                                          <p:spTgt spid="5"/>
+                                        </p:tgtEl>
+                                      </p:cBhvr>
+                                    </p:animEffect>
+                                  </p:childTnLst>
+                                </p:cTn>
+                              </p:par>
+                            </p:childTnLst>
+                          </p:cTn>
+                        </p:par>
+                      </p:childTnLst>
+                    </p:cTn>
+                  </p:par>
+                  <p:par>
+                    <p:cTn id="8" fill="hold">
+                      <p:stCondLst>
+                        <p:cond delay="indefinite"/>
+                      </p:stCondLst>
+                      <p:childTnLst>
+                        <p:par>
+                          <p:cTn id="9" fill="hold">
+                            <p:stCondLst>
+                              <p:cond delay="0"/>
+                            </p:stCondLst>
+                            <p:childTnLst>
+                              <p:par>
+                                <p:cTn id="10" presetID="2" presetClass="entr" presetSubtype="4" fill="hold" grpId="0" nodeType="clickEffect">
+                                  <p:stCondLst>
+                                    <p:cond delay="0"/>
+                                  </p:stCondLst>
+                                  <p:childTnLst>
+                                    <p:set>
+                                      <p:cBhvr>
+                                        <p:cTn id="11" dur="1" fill="hold">
+                                          <p:stCondLst>
+                                            <p:cond delay="0"/>
+                                          </p:stCondLst>
+                                        </p:cTn>
+                                        <p:tgtEl>
+                                          <p:spTgt spid="3"/>
+                                        </p:tgtEl>
+                                        <p:attrNameLst>
+                                          <p:attrName>style.visibility</p:attrName>
+                                        </p:attrNameLst>
+                                      </p:cBhvr>
+                                      <p:to>
+                                        <p:strVal val="visible"/>
+                                      </p:to>
+                                    </p:set>
+                                    <p:anim calcmode="lin" valueType="num">
+                                      <p:cBhvr additive="base">
+                                        <p:cTn id="12" dur="500" fill="hold"/>
+                                        <p:tgtEl>
+                                          <p:spTgt spid="3"/>
+                                        </p:tgtEl>
+                                        <p:attrNameLst>
+                                          <p:attrName>ppt_x</p:attrName>
+                                        </p:attrNameLst>
+                                      </p:cBhvr>
+                                      <p:tavLst>
+                                        <p:tav tm="0">
+                                          <p:val>
+                                            <p:strVal val="#ppt_x"/>
+                                          </p:val>
+                                        </p:tav>
+                                        <p:tav tm="100000">
+                                          <p:val>
+                                            <p:strVal val="#ppt_x"/>
+                                          </p:val>
+                                        </p:tav>
+                                      </p:tavLst>
+                                    </p:anim>
+                                    <p:anim calcmode="lin" valueType="num">
+                                      <p:cBhvr additive="base">
+                                        <p:cTn id="13" dur="500" fill="hold"/>
+                                        <p:tgtEl>
+                                          <p:spTgt spid="3"/>
+                                        </p:tgtEl>
+                                        <p:attrNameLst>
+                                          <p:attrName>ppt_y</p:attrName>
+                                        </p:attrNameLst>
+                                      </p:cBhvr>
+                                      <p:tavLst>
+                                        <p:tav tm="0">
+                                          <p:val>
+                                            <p:strVal val="1+#ppt_h/2"/>
+                                          </p:val>
+                                        </p:tav>
+                                        <p:tav tm="100000">
+                                          <p:val>
+                                            <p:strVal val="#ppt_y"/>
+                                          </p:val>
+                                        </p:tav>
+                                      </p:tavLst>
+                                    </p:anim>
+                                  </p:childTnLst>
+                                </p:cTn>
+                              </p:par>
+                              <p:par>
+                                <p:cTn id="14" presetID="2" presetClass="entr" presetSubtype="4" fill="hold" grpId="0" nodeType="withEffect">
+                                  <p:stCondLst>
+                                    <p:cond delay="0"/>
+                                  </p:stCondLst>
+                                  <p:childTnLst>
+                                    <p:set>
+                                      <p:cBhvr>
+                                        <p:cTn id="15" dur="1" fill="hold">
+                                          <p:stCondLst>
+                                            <p:cond delay="0"/>
+                                          </p:stCondLst>
+                                        </p:cTn>
+                                        <p:tgtEl>
+                                          <p:spTgt spid="12"/>
+                                        </p:tgtEl>
+                                        <p:attrNameLst>
+                                          <p:attrName>style.visibility</p:attrName>
+                                        </p:attrNameLst>
+                                      </p:cBhvr>
+                                      <p:to>
+                                        <p:strVal val="visible"/>
+                                      </p:to>
+                                    </p:set>
+                                    <p:anim calcmode="lin" valueType="num">
+                                      <p:cBhvr additive="base">
+                                        <p:cTn id="16" dur="500" fill="hold"/>
+                                        <p:tgtEl>
+                                          <p:spTgt spid="12"/>
+                                        </p:tgtEl>
+                                        <p:attrNameLst>
+                                          <p:attrName>ppt_x</p:attrName>
+                                        </p:attrNameLst>
+                                      </p:cBhvr>
+                                      <p:tavLst>
+                                        <p:tav tm="0">
+                                          <p:val>
+                                            <p:strVal val="#ppt_x"/>
+                                          </p:val>
+                                        </p:tav>
+                                        <p:tav tm="100000">
+                                          <p:val>
+                                            <p:strVal val="#ppt_x"/>
+                                          </p:val>
+                                        </p:tav>
+                                      </p:tavLst>
+                                    </p:anim>
+                                    <p:anim calcmode="lin" valueType="num">
+                                      <p:cBhvr additive="base">
+                                        <p:cTn id="17" dur="500" fill="hold"/>
+                                        <p:tgtEl>
+                                          <p:spTgt spid="12"/>
+                                        </p:tgtEl>
+                                        <p:attrNameLst>
+                                          <p:attrName>ppt_y</p:attrName>
+                                        </p:attrNameLst>
+                                      </p:cBhvr>
+                                      <p:tavLst>
+                                        <p:tav tm="0">
+                                          <p:val>
+                                            <p:strVal val="1+#ppt_h/2"/>
+                                          </p:val>
+                                        </p:tav>
+                                        <p:tav tm="100000">
+                                          <p:val>
+                                            <p:strVal val="#ppt_y"/>
+                                          </p:val>
+                                        </p:tav>
+                                      </p:tavLst>
+                                    </p:anim>
+                                  </p:childTnLst>
+                                </p:cTn>
+                              </p:par>
+                            </p:childTnLst>
+                          </p:cTn>
+                        </p:par>
+                      </p:childTnLst>
+                    </p:cTn>
+                  </p:par>
+                </p:childTnLst>
+              </p:cTn>
+              <p:prevCondLst>
+                <p:cond evt="onPrev" delay="0">
+                  <p:tgtEl>
+                    <p:sldTgt/>
+                  </p:tgtEl>
+                </p:cond>
+              </p:prevCondLst>
+              <p:nextCondLst>
+                <p:cond evt="onNext" delay="0">
+                  <p:tgtEl>
+                    <p:sldTgt/>
+                  </p:tgtEl>
+                </p:cond>
+              </p:nextCondLst>
+            </p:seq>
+          </p:childTnLst>
+        </p:cTn>
       </p:par>
     </p:tnLst>
+    <p:bldLst>
+      <p:bldP spid="3" grpId="0" animBg="1"/>
+      <p:bldP spid="12" grpId="0"/>
+    </p:bldLst>
   </p:timing>
 </p:sld>
 </file>
@@ -3681,11 +4362,7 @@
           <a:p>
             <a:r>
               <a:rPr lang="en-US" smtClean="0"/>
-              <a:t>Đề xuất cải tiến</a:t>
-            </a:r>
-            <a:r>
-              <a:rPr lang="en-US" smtClean="0"/>
-              <a:t>:</a:t>
+              <a:t>Đề xuất cải tiến:</a:t>
             </a:r>
             <a:endParaRPr lang="en-US"/>
           </a:p>
@@ -3783,11 +4460,7 @@
           <a:p>
             <a:r>
               <a:rPr lang="en-US"/>
-              <a:t>Công ty cổ phần công nghệ truyền thông </a:t>
-            </a:r>
-            <a:r>
-              <a:rPr lang="en-US"/>
-              <a:t>Việt </a:t>
+              <a:t>Công ty cổ phần công nghệ truyền thông Việt </a:t>
             </a:r>
             <a:r>
               <a:rPr lang="en-US" smtClean="0"/>
@@ -3797,15 +4470,7 @@
           <a:p>
             <a:r>
               <a:rPr lang="en-US" smtClean="0"/>
-              <a:t>Nội </a:t>
-            </a:r>
-            <a:r>
-              <a:rPr lang="en-US" smtClean="0"/>
-              <a:t>dung công </a:t>
-            </a:r>
-            <a:r>
-              <a:rPr lang="en-US" smtClean="0"/>
-              <a:t>việc</a:t>
+              <a:t>Nội dung công việc</a:t>
             </a:r>
           </a:p>
           <a:p>
@@ -3832,15 +4497,7 @@
           <a:p>
             <a:r>
               <a:rPr lang="en-US" smtClean="0"/>
-              <a:t>Kết </a:t>
-            </a:r>
-            <a:r>
-              <a:rPr lang="en-US" smtClean="0"/>
-              <a:t>quả đạt </a:t>
-            </a:r>
-            <a:r>
-              <a:rPr lang="en-US" smtClean="0"/>
-              <a:t>được</a:t>
+              <a:t>Kết quả đạt được</a:t>
             </a:r>
           </a:p>
           <a:p>
@@ -3918,7 +4575,6 @@
               <a:rPr lang="en-US" sz="4000" b="1"/>
               <a:t>Công ty cổ phần công nghệ truyền thông Việt Nam</a:t>
             </a:r>
-            <a:endParaRPr lang="en-US" sz="4000" b="1"/>
           </a:p>
         </p:txBody>
       </p:sp>
@@ -4383,146 +5039,170 @@
           <a:lstStyle/>
           <a:p>
             <a:r>
-              <a:rPr lang="en-US" b="1" dirty="0" err="1" smtClean="0"/>
-              <a:t>Các</a:t>
-            </a:r>
-            <a:r>
-              <a:rPr lang="en-US" b="1" dirty="0" smtClean="0"/>
-              <a:t> </a:t>
-            </a:r>
-            <a:r>
-              <a:rPr lang="en-US" b="1" dirty="0" err="1" smtClean="0"/>
-              <a:t>vấn</a:t>
-            </a:r>
-            <a:r>
-              <a:rPr lang="en-US" b="1" dirty="0" smtClean="0"/>
-              <a:t> </a:t>
-            </a:r>
-            <a:r>
-              <a:rPr lang="en-US" b="1" dirty="0" err="1" smtClean="0"/>
-              <a:t>đề</a:t>
-            </a:r>
-            <a:r>
-              <a:rPr lang="en-US" b="1" dirty="0" smtClean="0"/>
-              <a:t> </a:t>
-            </a:r>
-            <a:r>
-              <a:rPr lang="en-US" b="1" dirty="0" err="1" smtClean="0"/>
+              <a:rPr lang="en-US" dirty="0" err="1" smtClean="0"/>
+              <a:t>Hiện</a:t>
+            </a:r>
+            <a:r>
+              <a:rPr lang="en-US" dirty="0" smtClean="0"/>
+              <a:t> </a:t>
+            </a:r>
+            <a:r>
+              <a:rPr lang="en-US" dirty="0" err="1" smtClean="0"/>
+              <a:t>trạng</a:t>
+            </a:r>
+            <a:r>
+              <a:rPr lang="en-US" dirty="0" smtClean="0"/>
+              <a:t> </a:t>
+            </a:r>
+            <a:r>
+              <a:rPr lang="en-US" dirty="0" err="1" smtClean="0"/>
+              <a:t>dữ</a:t>
+            </a:r>
+            <a:r>
+              <a:rPr lang="en-US" dirty="0" smtClean="0"/>
+              <a:t> </a:t>
+            </a:r>
+            <a:r>
+              <a:rPr lang="en-US" dirty="0" err="1" smtClean="0"/>
+              <a:t>liệu</a:t>
+            </a:r>
+            <a:endParaRPr lang="vi-VN" dirty="0"/>
+          </a:p>
+        </p:txBody>
+      </p:sp>
+      <p:sp>
+        <p:nvSpPr>
+          <p:cNvPr id="3" name="Content Placeholder 2"/>
+          <p:cNvSpPr>
+            <a:spLocks noGrp="1"/>
+          </p:cNvSpPr>
+          <p:nvPr>
+            <p:ph idx="1"/>
+          </p:nvPr>
+        </p:nvSpPr>
+        <p:spPr/>
+        <p:txBody>
+          <a:bodyPr/>
+          <a:lstStyle/>
+          <a:p>
+            <a:r>
+              <a:rPr lang="en-US" dirty="0" err="1" smtClean="0"/>
+              <a:t>Dữ</a:t>
+            </a:r>
+            <a:r>
+              <a:rPr lang="en-US" dirty="0" smtClean="0"/>
+              <a:t> </a:t>
+            </a:r>
+            <a:r>
+              <a:rPr lang="en-US" dirty="0" err="1" smtClean="0"/>
+              <a:t>liệu</a:t>
+            </a:r>
+            <a:r>
+              <a:rPr lang="en-US" dirty="0" smtClean="0"/>
+              <a:t> OBS Server </a:t>
+            </a:r>
+            <a:r>
+              <a:rPr lang="en-US" dirty="0" err="1" smtClean="0"/>
+              <a:t>trả</a:t>
+            </a:r>
+            <a:r>
+              <a:rPr lang="en-US" dirty="0" smtClean="0"/>
+              <a:t> </a:t>
+            </a:r>
+            <a:r>
+              <a:rPr lang="en-US" dirty="0" err="1" smtClean="0"/>
               <a:t>về</a:t>
             </a:r>
             <a:r>
-              <a:rPr lang="en-US" b="1" dirty="0" smtClean="0"/>
-              <a:t> </a:t>
-            </a:r>
-            <a:r>
-              <a:rPr lang="en-US" b="1" dirty="0" err="1" smtClean="0"/>
+              <a:rPr lang="en-US" dirty="0" smtClean="0"/>
+              <a:t> </a:t>
+            </a:r>
+            <a:r>
+              <a:rPr lang="en-US" dirty="0" err="1" smtClean="0"/>
+              <a:t>dưới</a:t>
+            </a:r>
+            <a:r>
+              <a:rPr lang="en-US" dirty="0" smtClean="0"/>
+              <a:t> </a:t>
+            </a:r>
+            <a:r>
+              <a:rPr lang="en-US" dirty="0" err="1" smtClean="0"/>
+              <a:t>dạng</a:t>
+            </a:r>
+            <a:r>
+              <a:rPr lang="en-US" dirty="0" smtClean="0"/>
+              <a:t> XML.</a:t>
+            </a:r>
+          </a:p>
+          <a:p>
+            <a:r>
+              <a:rPr lang="en-US" dirty="0" err="1" smtClean="0"/>
+              <a:t>Thiếu</a:t>
+            </a:r>
+            <a:r>
+              <a:rPr lang="en-US" dirty="0" smtClean="0"/>
+              <a:t> </a:t>
+            </a:r>
+            <a:r>
+              <a:rPr lang="en-US" dirty="0" err="1" smtClean="0"/>
+              <a:t>cấu</a:t>
+            </a:r>
+            <a:r>
+              <a:rPr lang="en-US" dirty="0" smtClean="0"/>
+              <a:t> </a:t>
+            </a:r>
+            <a:r>
+              <a:rPr lang="en-US" dirty="0" err="1" smtClean="0"/>
+              <a:t>trúc</a:t>
+            </a:r>
+            <a:r>
+              <a:rPr lang="en-US" dirty="0" smtClean="0"/>
+              <a:t> </a:t>
+            </a:r>
+            <a:r>
+              <a:rPr lang="en-US" dirty="0" err="1" smtClean="0"/>
+              <a:t>đặc</a:t>
+            </a:r>
+            <a:r>
+              <a:rPr lang="en-US" dirty="0" smtClean="0"/>
+              <a:t> </a:t>
+            </a:r>
+            <a:r>
+              <a:rPr lang="en-US" dirty="0" err="1" smtClean="0"/>
+              <a:t>tả</a:t>
+            </a:r>
+            <a:r>
+              <a:rPr lang="en-US" dirty="0" smtClean="0"/>
+              <a:t> </a:t>
+            </a:r>
+            <a:r>
+              <a:rPr lang="en-US" dirty="0" err="1" smtClean="0"/>
+              <a:t>cấu</a:t>
+            </a:r>
+            <a:r>
+              <a:rPr lang="en-US" dirty="0" smtClean="0"/>
+              <a:t> </a:t>
+            </a:r>
+            <a:r>
+              <a:rPr lang="en-US" dirty="0" err="1" smtClean="0"/>
+              <a:t>trúc</a:t>
+            </a:r>
+            <a:r>
+              <a:rPr lang="en-US" dirty="0" smtClean="0"/>
+              <a:t> </a:t>
+            </a:r>
+            <a:r>
+              <a:rPr lang="en-US" dirty="0" err="1" smtClean="0"/>
               <a:t>dữ</a:t>
             </a:r>
             <a:r>
-              <a:rPr lang="en-US" b="1" dirty="0" smtClean="0"/>
-              <a:t> </a:t>
-            </a:r>
-            <a:r>
-              <a:rPr lang="en-US" b="1" dirty="0" err="1" smtClean="0"/>
+              <a:rPr lang="en-US" dirty="0" smtClean="0"/>
+              <a:t> </a:t>
+            </a:r>
+            <a:r>
+              <a:rPr lang="en-US" dirty="0" err="1" smtClean="0"/>
               <a:t>liệu</a:t>
             </a:r>
-            <a:endParaRPr lang="en-US" b="1" dirty="0"/>
-          </a:p>
-        </p:txBody>
-      </p:sp>
-      <p:sp>
-        <p:nvSpPr>
-          <p:cNvPr id="3" name="Content Placeholder 2"/>
-          <p:cNvSpPr>
-            <a:spLocks noGrp="1"/>
-          </p:cNvSpPr>
-          <p:nvPr>
-            <p:ph idx="1"/>
-          </p:nvPr>
-        </p:nvSpPr>
-        <p:spPr/>
-        <p:txBody>
-          <a:bodyPr/>
-          <a:lstStyle/>
-          <a:p>
-            <a:r>
-              <a:rPr lang="en-US" dirty="0" err="1" smtClean="0"/>
-              <a:t>Dữ</a:t>
-            </a:r>
-            <a:r>
-              <a:rPr lang="en-US" dirty="0" smtClean="0"/>
-              <a:t> </a:t>
-            </a:r>
-            <a:r>
-              <a:rPr lang="en-US" err="1" smtClean="0"/>
-              <a:t>liệu</a:t>
-            </a:r>
-            <a:r>
-              <a:rPr lang="en-US" smtClean="0"/>
-              <a:t> </a:t>
-            </a:r>
-            <a:r>
-              <a:rPr lang="en-US" smtClean="0"/>
-              <a:t>OBS </a:t>
-            </a:r>
-            <a:r>
-              <a:rPr lang="en-US" dirty="0" smtClean="0"/>
-              <a:t>Server </a:t>
-            </a:r>
-            <a:r>
-              <a:rPr lang="en-US" dirty="0" err="1" smtClean="0"/>
-              <a:t>dưới</a:t>
-            </a:r>
-            <a:r>
-              <a:rPr lang="en-US" dirty="0" smtClean="0"/>
-              <a:t> </a:t>
-            </a:r>
-            <a:r>
-              <a:rPr lang="en-US" dirty="0" err="1" smtClean="0"/>
-              <a:t>dạng</a:t>
-            </a:r>
-            <a:r>
-              <a:rPr lang="en-US" dirty="0" smtClean="0"/>
-              <a:t> XML.</a:t>
-            </a:r>
-          </a:p>
-          <a:p>
-            <a:r>
-              <a:rPr lang="en-US" dirty="0" err="1" smtClean="0"/>
-              <a:t>Khối</a:t>
-            </a:r>
-            <a:r>
-              <a:rPr lang="en-US" dirty="0" smtClean="0"/>
-              <a:t> </a:t>
-            </a:r>
-            <a:r>
-              <a:rPr lang="en-US" dirty="0" err="1" smtClean="0"/>
-              <a:t>lượng</a:t>
-            </a:r>
-            <a:r>
-              <a:rPr lang="en-US" dirty="0" smtClean="0"/>
-              <a:t> </a:t>
-            </a:r>
-            <a:r>
-              <a:rPr lang="en-US" dirty="0" err="1" smtClean="0"/>
-              <a:t>dữ</a:t>
-            </a:r>
-            <a:r>
-              <a:rPr lang="en-US" dirty="0" smtClean="0"/>
-              <a:t> </a:t>
-            </a:r>
-            <a:r>
-              <a:rPr lang="en-US" dirty="0" err="1" smtClean="0"/>
-              <a:t>liệu</a:t>
-            </a:r>
-            <a:r>
-              <a:rPr lang="en-US" dirty="0" smtClean="0"/>
-              <a:t> </a:t>
-            </a:r>
-            <a:r>
-              <a:rPr lang="en-US" dirty="0" err="1" smtClean="0"/>
-              <a:t>lớn</a:t>
-            </a:r>
             <a:r>
               <a:rPr lang="en-US" dirty="0" smtClean="0"/>
               <a:t>.</a:t>
@@ -4531,7 +5211,7 @@
           <a:p>
             <a:r>
               <a:rPr lang="en-US" dirty="0" err="1" smtClean="0"/>
-              <a:t>Không</a:t>
+              <a:t>Chưa</a:t>
             </a:r>
             <a:r>
               <a:rPr lang="en-US" dirty="0" smtClean="0"/>
@@ -4547,15 +5227,15 @@
             </a:r>
             <a:r>
               <a:rPr lang="en-US" dirty="0" err="1" smtClean="0"/>
-              <a:t>đặc</a:t>
-            </a:r>
-            <a:r>
-              <a:rPr lang="en-US" dirty="0" smtClean="0"/>
-              <a:t> </a:t>
-            </a:r>
-            <a:r>
-              <a:rPr lang="en-US" dirty="0" err="1" smtClean="0"/>
-              <a:t>tả</a:t>
+              <a:t>thiết</a:t>
+            </a:r>
+            <a:r>
+              <a:rPr lang="en-US" dirty="0" smtClean="0"/>
+              <a:t> </a:t>
+            </a:r>
+            <a:r>
+              <a:rPr lang="en-US" dirty="0" err="1" smtClean="0"/>
+              <a:t>kế</a:t>
             </a:r>
             <a:r>
               <a:rPr lang="en-US" dirty="0" smtClean="0"/>
@@ -4579,111 +5259,49 @@
             </a:r>
             <a:r>
               <a:rPr lang="en-US" dirty="0" err="1" smtClean="0"/>
-              <a:t>dữ</a:t>
-            </a:r>
-            <a:r>
-              <a:rPr lang="en-US" dirty="0" smtClean="0"/>
-              <a:t> </a:t>
-            </a:r>
-            <a:r>
-              <a:rPr lang="en-US" dirty="0" err="1" smtClean="0"/>
-              <a:t>liệu</a:t>
+              <a:t>lưu</a:t>
+            </a:r>
+            <a:r>
+              <a:rPr lang="en-US" dirty="0" smtClean="0"/>
+              <a:t> </a:t>
+            </a:r>
+            <a:r>
+              <a:rPr lang="en-US" dirty="0" err="1" smtClean="0"/>
+              <a:t>trữ</a:t>
+            </a:r>
+            <a:r>
+              <a:rPr lang="en-US" dirty="0" smtClean="0"/>
+              <a:t> </a:t>
+            </a:r>
+            <a:r>
+              <a:rPr lang="en-US" dirty="0" err="1" smtClean="0"/>
+              <a:t>phù</a:t>
+            </a:r>
+            <a:r>
+              <a:rPr lang="en-US" dirty="0" smtClean="0"/>
+              <a:t> </a:t>
+            </a:r>
+            <a:r>
+              <a:rPr lang="en-US" dirty="0" err="1" smtClean="0"/>
+              <a:t>hợp</a:t>
             </a:r>
             <a:r>
               <a:rPr lang="en-US" dirty="0" smtClean="0"/>
               <a:t>.</a:t>
             </a:r>
-          </a:p>
-          <a:p>
-            <a:r>
-              <a:rPr lang="en-US" dirty="0" err="1"/>
-              <a:t>D</a:t>
-            </a:r>
-            <a:r>
-              <a:rPr lang="en-US" dirty="0" err="1" smtClean="0"/>
-              <a:t>ữ</a:t>
-            </a:r>
-            <a:r>
-              <a:rPr lang="en-US" dirty="0" smtClean="0"/>
-              <a:t> </a:t>
-            </a:r>
-            <a:r>
-              <a:rPr lang="en-US" dirty="0" err="1" smtClean="0"/>
-              <a:t>liệu</a:t>
-            </a:r>
-            <a:r>
-              <a:rPr lang="en-US" dirty="0"/>
-              <a:t> </a:t>
-            </a:r>
-            <a:r>
-              <a:rPr lang="en-US" dirty="0" err="1" smtClean="0"/>
-              <a:t>có</a:t>
-            </a:r>
-            <a:r>
-              <a:rPr lang="en-US" dirty="0" smtClean="0"/>
-              <a:t> </a:t>
-            </a:r>
-            <a:r>
-              <a:rPr lang="en-US" dirty="0" err="1" smtClean="0"/>
-              <a:t>tần</a:t>
-            </a:r>
-            <a:r>
-              <a:rPr lang="en-US" dirty="0" smtClean="0"/>
-              <a:t> </a:t>
-            </a:r>
-            <a:r>
-              <a:rPr lang="en-US" dirty="0" err="1" smtClean="0"/>
-              <a:t>suất</a:t>
-            </a:r>
-            <a:r>
-              <a:rPr lang="en-US" dirty="0" smtClean="0"/>
-              <a:t> </a:t>
-            </a:r>
-            <a:r>
-              <a:rPr lang="en-US" dirty="0" err="1" smtClean="0"/>
-              <a:t>truy</a:t>
-            </a:r>
-            <a:r>
-              <a:rPr lang="en-US" dirty="0" smtClean="0"/>
-              <a:t> </a:t>
-            </a:r>
-            <a:r>
-              <a:rPr lang="en-US" dirty="0" err="1" smtClean="0"/>
-              <a:t>xuất</a:t>
-            </a:r>
-            <a:r>
-              <a:rPr lang="en-US" dirty="0" smtClean="0"/>
-              <a:t> </a:t>
-            </a:r>
-            <a:r>
-              <a:rPr lang="en-US" dirty="0" err="1" smtClean="0"/>
-              <a:t>cao</a:t>
-            </a:r>
-            <a:r>
-              <a:rPr lang="en-US" dirty="0" smtClean="0"/>
-              <a:t>.</a:t>
-            </a:r>
-            <a:endParaRPr lang="en-US" dirty="0"/>
           </a:p>
         </p:txBody>
       </p:sp>
     </p:spTree>
     <p:extLst>
       <p:ext uri="{BB962C8B-B14F-4D97-AF65-F5344CB8AC3E}">
-        <p14:creationId xmlns:p14="http://schemas.microsoft.com/office/powerpoint/2010/main" val="2296235705"/>
+        <p14:creationId xmlns:p14="http://schemas.microsoft.com/office/powerpoint/2010/main" val="1186771158"/>
       </p:ext>
     </p:extLst>
   </p:cSld>
   <p:clrMapOvr>
     <a:masterClrMapping/>
   </p:clrMapOvr>
-  <p:timing>
-    <p:tnLst>
-      <p:par>
-        <p:cTn id="1" dur="indefinite" restart="never" nodeType="tmRoot"/>
-      </p:par>
-    </p:tnLst>
-  </p:timing>
 </p:sld>
 </file>
 
@@ -4721,7 +5339,7 @@
           <a:p>
             <a:r>
               <a:rPr lang="en-US" b="1" dirty="0" err="1" smtClean="0"/>
-              <a:t>Giải</a:t>
+              <a:t>Các</a:t>
             </a:r>
             <a:r>
               <a:rPr lang="en-US" b="1" dirty="0" smtClean="0"/>
@@ -4729,7 +5347,15 @@
             </a:r>
             <a:r>
               <a:rPr lang="en-US" b="1" dirty="0" err="1" smtClean="0"/>
-              <a:t>pháp</a:t>
+              <a:t>vấn</a:t>
+            </a:r>
+            <a:r>
+              <a:rPr lang="en-US" b="1" dirty="0" smtClean="0"/>
+              <a:t> </a:t>
+            </a:r>
+            <a:r>
+              <a:rPr lang="en-US" b="1" dirty="0" err="1" smtClean="0"/>
+              <a:t>đề</a:t>
             </a:r>
             <a:r>
               <a:rPr lang="en-US" b="1" dirty="0" smtClean="0"/>
@@ -4755,7 +5381,7 @@
               <a:rPr lang="en-US" b="1" dirty="0" err="1" smtClean="0"/>
               <a:t>liệu</a:t>
             </a:r>
-            <a:endParaRPr lang="vi-VN" b="1" dirty="0"/>
+            <a:endParaRPr lang="en-US" b="1" dirty="0"/>
           </a:p>
         </p:txBody>
       </p:sp>
@@ -4776,15 +5402,39 @@
           <a:p>
             <a:r>
               <a:rPr lang="en-US" dirty="0" err="1" smtClean="0"/>
-              <a:t>Chuyển</a:t>
-            </a:r>
-            <a:r>
-              <a:rPr lang="en-US" dirty="0" smtClean="0"/>
-              <a:t> </a:t>
-            </a:r>
-            <a:r>
-              <a:rPr lang="en-US" dirty="0" err="1" smtClean="0"/>
-              <a:t>đổi</a:t>
+              <a:t>Thông</a:t>
+            </a:r>
+            <a:r>
+              <a:rPr lang="en-US" dirty="0" smtClean="0"/>
+              <a:t> </a:t>
+            </a:r>
+            <a:r>
+              <a:rPr lang="en-US" dirty="0" err="1" smtClean="0"/>
+              <a:t>số</a:t>
+            </a:r>
+            <a:r>
+              <a:rPr lang="en-US" dirty="0" smtClean="0"/>
+              <a:t> </a:t>
+            </a:r>
+            <a:r>
+              <a:rPr lang="en-US" dirty="0" err="1" smtClean="0"/>
+              <a:t>đầu</a:t>
+            </a:r>
+            <a:r>
+              <a:rPr lang="en-US" dirty="0" smtClean="0"/>
+              <a:t> </a:t>
+            </a:r>
+            <a:r>
+              <a:rPr lang="en-US" dirty="0" err="1" smtClean="0"/>
+              <a:t>vào</a:t>
+            </a:r>
+            <a:r>
+              <a:rPr lang="en-US" dirty="0" smtClean="0"/>
+              <a:t> </a:t>
+            </a:r>
+            <a:r>
+              <a:rPr lang="en-US" dirty="0" err="1" smtClean="0"/>
+              <a:t>và</a:t>
             </a:r>
             <a:r>
               <a:rPr lang="en-US" dirty="0" smtClean="0"/>
@@ -4804,77 +5454,126 @@
             </a:r>
             <a:r>
               <a:rPr lang="en-US" dirty="0" smtClean="0"/>
-              <a:t> XML </a:t>
-            </a:r>
-            <a:r>
-              <a:rPr lang="en-US" dirty="0" err="1" smtClean="0"/>
-              <a:t>thành</a:t>
-            </a:r>
-            <a:r>
-              <a:rPr lang="en-US" dirty="0" smtClean="0"/>
-              <a:t> </a:t>
-            </a:r>
-            <a:r>
-              <a:rPr lang="en-US" dirty="0" err="1" smtClean="0"/>
-              <a:t>các</a:t>
-            </a:r>
-            <a:r>
-              <a:rPr lang="en-US" dirty="0" smtClean="0"/>
-              <a:t> </a:t>
-            </a:r>
-            <a:r>
-              <a:rPr lang="en-US" dirty="0" err="1" smtClean="0"/>
-              <a:t>đối</a:t>
-            </a:r>
-            <a:r>
-              <a:rPr lang="en-US" dirty="0" smtClean="0"/>
-              <a:t> </a:t>
-            </a:r>
-            <a:r>
-              <a:rPr lang="en-US" dirty="0" err="1" smtClean="0"/>
-              <a:t>tượng</a:t>
-            </a:r>
-            <a:r>
-              <a:rPr lang="en-US" dirty="0" smtClean="0"/>
-              <a:t> C#.</a:t>
-            </a:r>
-          </a:p>
-          <a:p>
-            <a:pPr lvl="1"/>
-            <a:r>
-              <a:rPr lang="en-US" dirty="0" smtClean="0"/>
-              <a:t>Object</a:t>
-            </a:r>
-          </a:p>
-          <a:p>
-            <a:pPr lvl="1"/>
-            <a:r>
-              <a:rPr lang="en-US" dirty="0" smtClean="0"/>
-              <a:t>Collection</a:t>
-            </a:r>
-          </a:p>
-          <a:p>
-            <a:pPr lvl="1"/>
-            <a:r>
-              <a:rPr lang="en-US" dirty="0" smtClean="0"/>
-              <a:t>Dictionary</a:t>
-            </a:r>
-          </a:p>
-          <a:p>
-            <a:pPr lvl="1"/>
-            <a:r>
-              <a:rPr lang="en-US" dirty="0" smtClean="0"/>
-              <a:t>Primitive</a:t>
-            </a:r>
-          </a:p>
-          <a:p>
-            <a:r>
-              <a:rPr lang="en-US" dirty="0" smtClean="0"/>
-              <a:t>Cache </a:t>
-            </a:r>
-            <a:r>
-              <a:rPr lang="en-US" dirty="0" err="1" smtClean="0"/>
-              <a:t>các</a:t>
+              <a:t> </a:t>
+            </a:r>
+            <a:r>
+              <a:rPr lang="en-US" dirty="0" err="1" smtClean="0"/>
+              <a:t>trả</a:t>
+            </a:r>
+            <a:r>
+              <a:rPr lang="en-US" dirty="0" smtClean="0"/>
+              <a:t> </a:t>
+            </a:r>
+            <a:r>
+              <a:rPr lang="en-US" dirty="0" err="1" smtClean="0"/>
+              <a:t>về</a:t>
+            </a:r>
+            <a:r>
+              <a:rPr lang="en-US" dirty="0" smtClean="0"/>
+              <a:t> </a:t>
+            </a:r>
+            <a:r>
+              <a:rPr lang="en-US" dirty="0" err="1" smtClean="0"/>
+              <a:t>lớn</a:t>
+            </a:r>
+            <a:r>
+              <a:rPr lang="en-US" dirty="0" smtClean="0"/>
+              <a:t>.</a:t>
+            </a:r>
+            <a:endParaRPr lang="en-US" dirty="0" smtClean="0"/>
+          </a:p>
+          <a:p>
+            <a:r>
+              <a:rPr lang="en-US" dirty="0" err="1" smtClean="0"/>
+              <a:t>Không</a:t>
+            </a:r>
+            <a:r>
+              <a:rPr lang="en-US" dirty="0" smtClean="0"/>
+              <a:t> </a:t>
+            </a:r>
+            <a:r>
+              <a:rPr lang="en-US" dirty="0" err="1" smtClean="0"/>
+              <a:t>thể</a:t>
+            </a:r>
+            <a:r>
+              <a:rPr lang="en-US" dirty="0" smtClean="0"/>
+              <a:t> </a:t>
+            </a:r>
+            <a:r>
+              <a:rPr lang="en-US" dirty="0" err="1" smtClean="0"/>
+              <a:t>dùng</a:t>
+            </a:r>
+            <a:r>
+              <a:rPr lang="en-US" dirty="0" smtClean="0"/>
+              <a:t> </a:t>
+            </a:r>
+            <a:r>
+              <a:rPr lang="en-US" dirty="0" err="1" smtClean="0"/>
+              <a:t>công</a:t>
+            </a:r>
+            <a:r>
+              <a:rPr lang="en-US" dirty="0" smtClean="0"/>
+              <a:t> </a:t>
+            </a:r>
+            <a:r>
+              <a:rPr lang="en-US" dirty="0" err="1" smtClean="0"/>
+              <a:t>nghệ</a:t>
+            </a:r>
+            <a:r>
+              <a:rPr lang="en-US" dirty="0" smtClean="0"/>
+              <a:t> </a:t>
+            </a:r>
+            <a:r>
+              <a:rPr lang="en-US" dirty="0" err="1" smtClean="0"/>
+              <a:t>có</a:t>
+            </a:r>
+            <a:r>
+              <a:rPr lang="en-US" dirty="0" smtClean="0"/>
+              <a:t> </a:t>
+            </a:r>
+            <a:r>
+              <a:rPr lang="en-US" dirty="0" err="1" smtClean="0"/>
+              <a:t>sẵn</a:t>
+            </a:r>
+            <a:r>
+              <a:rPr lang="en-US" dirty="0" smtClean="0"/>
+              <a:t> </a:t>
+            </a:r>
+            <a:r>
+              <a:rPr lang="en-US" dirty="0" err="1" smtClean="0"/>
+              <a:t>của</a:t>
+            </a:r>
+            <a:r>
+              <a:rPr lang="en-US" dirty="0" smtClean="0"/>
+              <a:t> </a:t>
+            </a:r>
+            <a:r>
+              <a:rPr lang="en-US" dirty="0" err="1" smtClean="0"/>
+              <a:t>.Net</a:t>
+            </a:r>
+            <a:r>
+              <a:rPr lang="en-US" dirty="0" smtClean="0"/>
+              <a:t> </a:t>
+            </a:r>
+            <a:r>
+              <a:rPr lang="en-US" dirty="0" err="1" smtClean="0"/>
+              <a:t>để</a:t>
+            </a:r>
+            <a:r>
+              <a:rPr lang="en-US" dirty="0" smtClean="0"/>
+              <a:t> </a:t>
+            </a:r>
+            <a:r>
+              <a:rPr lang="en-US" dirty="0" err="1" smtClean="0"/>
+              <a:t>phân</a:t>
+            </a:r>
+            <a:r>
+              <a:rPr lang="en-US" dirty="0" smtClean="0"/>
+              <a:t> </a:t>
+            </a:r>
+            <a:r>
+              <a:rPr lang="en-US" dirty="0" err="1" smtClean="0"/>
+              <a:t>tích</a:t>
             </a:r>
             <a:r>
               <a:rPr lang="en-US" dirty="0" smtClean="0"/>
@@ -4894,11 +5593,50 @@
             </a:r>
             <a:r>
               <a:rPr lang="en-US" dirty="0" smtClean="0"/>
-              <a:t> </a:t>
-            </a:r>
-            <a:r>
-              <a:rPr lang="en-US" dirty="0" err="1" smtClean="0"/>
-              <a:t>được</a:t>
+              <a:t> XML.</a:t>
+            </a:r>
+            <a:endParaRPr lang="en-US" dirty="0" smtClean="0"/>
+          </a:p>
+          <a:p>
+            <a:r>
+              <a:rPr lang="en-US" dirty="0" err="1"/>
+              <a:t>D</a:t>
+            </a:r>
+            <a:r>
+              <a:rPr lang="en-US" dirty="0" err="1" smtClean="0"/>
+              <a:t>ữ</a:t>
+            </a:r>
+            <a:r>
+              <a:rPr lang="en-US" dirty="0" smtClean="0"/>
+              <a:t> </a:t>
+            </a:r>
+            <a:r>
+              <a:rPr lang="en-US" dirty="0" err="1" smtClean="0"/>
+              <a:t>liệu</a:t>
+            </a:r>
+            <a:r>
+              <a:rPr lang="en-US" dirty="0"/>
+              <a:t> </a:t>
+            </a:r>
+            <a:r>
+              <a:rPr lang="en-US" dirty="0" err="1" smtClean="0"/>
+              <a:t>có</a:t>
+            </a:r>
+            <a:r>
+              <a:rPr lang="en-US" dirty="0" smtClean="0"/>
+              <a:t> </a:t>
+            </a:r>
+            <a:r>
+              <a:rPr lang="en-US" dirty="0" err="1" smtClean="0"/>
+              <a:t>tần</a:t>
+            </a:r>
+            <a:r>
+              <a:rPr lang="en-US" dirty="0" smtClean="0"/>
+              <a:t> </a:t>
+            </a:r>
+            <a:r>
+              <a:rPr lang="en-US" dirty="0" err="1" smtClean="0"/>
+              <a:t>suất</a:t>
             </a:r>
             <a:r>
               <a:rPr lang="en-US" dirty="0" smtClean="0"/>
@@ -4922,28 +5660,20 @@
             </a:r>
             <a:r>
               <a:rPr lang="en-US" dirty="0" err="1" smtClean="0"/>
-              <a:t>thường</a:t>
-            </a:r>
-            <a:r>
-              <a:rPr lang="en-US" dirty="0" smtClean="0"/>
-              <a:t> </a:t>
-            </a:r>
-            <a:r>
-              <a:rPr lang="en-US" dirty="0" err="1" smtClean="0"/>
-              <a:t>xuyên</a:t>
+              <a:t>cao</a:t>
             </a:r>
             <a:r>
               <a:rPr lang="en-US" dirty="0" smtClean="0"/>
               <a:t>.</a:t>
             </a:r>
-            <a:endParaRPr lang="vi-VN" dirty="0"/>
+            <a:endParaRPr lang="en-US" dirty="0"/>
           </a:p>
         </p:txBody>
       </p:sp>
     </p:spTree>
     <p:extLst>
       <p:ext uri="{BB962C8B-B14F-4D97-AF65-F5344CB8AC3E}">
-        <p14:creationId xmlns:p14="http://schemas.microsoft.com/office/powerpoint/2010/main" val="1557009442"/>
+        <p14:creationId xmlns:p14="http://schemas.microsoft.com/office/powerpoint/2010/main" val="2296235705"/>
       </p:ext>
     </p:extLst>
   </p:cSld>
@@ -4992,193 +5722,306 @@
           <a:bodyPr/>
           <a:lstStyle/>
           <a:p>
-            <a:endParaRPr lang="vi-VN"/>
-          </a:p>
-        </p:txBody>
-      </p:sp>
-      <p:grpSp>
-        <p:nvGrpSpPr>
-          <p:cNvPr id="8" name="Group 7"/>
-          <p:cNvGrpSpPr/>
-          <p:nvPr/>
-        </p:nvGrpSpPr>
-        <p:grpSpPr>
-          <a:xfrm>
-            <a:off x="5731317" y="829124"/>
-            <a:ext cx="6028690" cy="5761990"/>
-            <a:chOff x="0" y="0"/>
-            <a:chExt cx="6028690" cy="5761990"/>
-          </a:xfrm>
-        </p:grpSpPr>
-        <p:pic>
-          <p:nvPicPr>
-            <p:cNvPr id="9" name="Picture 8"/>
-            <p:cNvPicPr>
-              <a:picLocks noChangeAspect="1"/>
-            </p:cNvPicPr>
-            <p:nvPr/>
-          </p:nvPicPr>
-          <p:blipFill>
-            <a:blip r:embed="rId2">
-              <a:extLst>
-                <a:ext uri="{28A0092B-C50C-407E-A947-70E740481C1C}">
-                  <a14:useLocalDpi xmlns:a14="http://schemas.microsoft.com/office/drawing/2010/main" val="0"/>
-                </a:ext>
-              </a:extLst>
-            </a:blip>
-            <a:stretch>
-              <a:fillRect/>
-            </a:stretch>
-          </p:blipFill>
-          <p:spPr>
-            <a:xfrm>
-              <a:off x="4019550" y="0"/>
-              <a:ext cx="2009140" cy="5761355"/>
-            </a:xfrm>
-            <a:prstGeom prst="rect">
-              <a:avLst/>
-            </a:prstGeom>
-          </p:spPr>
-        </p:pic>
-        <p:pic>
-          <p:nvPicPr>
-            <p:cNvPr id="10" name="Picture 9"/>
-            <p:cNvPicPr>
-              <a:picLocks noChangeAspect="1"/>
-            </p:cNvPicPr>
-            <p:nvPr/>
-          </p:nvPicPr>
-          <p:blipFill>
-            <a:blip r:embed="rId3">
-              <a:extLst>
-                <a:ext uri="{28A0092B-C50C-407E-A947-70E740481C1C}">
-                  <a14:useLocalDpi xmlns:a14="http://schemas.microsoft.com/office/drawing/2010/main" val="0"/>
-                </a:ext>
-              </a:extLst>
-            </a:blip>
-            <a:stretch>
-              <a:fillRect/>
-            </a:stretch>
-          </p:blipFill>
-          <p:spPr>
-            <a:xfrm>
-              <a:off x="2009775" y="4276725"/>
-              <a:ext cx="2009140" cy="1485265"/>
-            </a:xfrm>
-            <a:prstGeom prst="rect">
-              <a:avLst/>
-            </a:prstGeom>
-          </p:spPr>
-        </p:pic>
-        <p:pic>
-          <p:nvPicPr>
-            <p:cNvPr id="11" name="Picture 10"/>
-            <p:cNvPicPr>
-              <a:picLocks noChangeAspect="1"/>
-            </p:cNvPicPr>
-            <p:nvPr/>
-          </p:nvPicPr>
-          <p:blipFill>
-            <a:blip r:embed="rId4">
-              <a:extLst>
-                <a:ext uri="{28A0092B-C50C-407E-A947-70E740481C1C}">
-                  <a14:useLocalDpi xmlns:a14="http://schemas.microsoft.com/office/drawing/2010/main" val="0"/>
-                </a:ext>
-              </a:extLst>
-            </a:blip>
-            <a:stretch>
-              <a:fillRect/>
-            </a:stretch>
-          </p:blipFill>
-          <p:spPr>
-            <a:xfrm>
-              <a:off x="0" y="3876675"/>
-              <a:ext cx="2009140" cy="1885315"/>
-            </a:xfrm>
-            <a:prstGeom prst="rect">
-              <a:avLst/>
-            </a:prstGeom>
-          </p:spPr>
-        </p:pic>
-      </p:grpSp>
-      <p:pic>
-        <p:nvPicPr>
-          <p:cNvPr id="12" name="Picture 11"/>
-          <p:cNvPicPr/>
-          <p:nvPr/>
-        </p:nvPicPr>
-        <p:blipFill>
-          <a:blip r:embed="rId5">
-            <a:extLst>
-              <a:ext uri="{28A0092B-C50C-407E-A947-70E740481C1C}">
-                <a14:useLocalDpi xmlns:a14="http://schemas.microsoft.com/office/drawing/2010/main" val="0"/>
-              </a:ext>
-            </a:extLst>
-          </a:blip>
-          <a:srcRect/>
-          <a:stretch>
-            <a:fillRect/>
-          </a:stretch>
-        </p:blipFill>
-        <p:spPr bwMode="auto">
-          <a:xfrm>
-            <a:off x="301939" y="365125"/>
-            <a:ext cx="5943600" cy="2619375"/>
-          </a:xfrm>
-          <a:prstGeom prst="rect">
-            <a:avLst/>
-          </a:prstGeom>
-          <a:noFill/>
-          <a:ln w="9525" cmpd="sng">
-            <a:solidFill>
-              <a:srgbClr val="000000"/>
-            </a:solidFill>
-            <a:miter lim="800000"/>
-            <a:headEnd/>
-            <a:tailEnd/>
-          </a:ln>
-          <a:effectLst/>
-        </p:spPr>
-      </p:pic>
-      <p:sp>
-        <p:nvSpPr>
-          <p:cNvPr id="13" name="Down Arrow 12"/>
-          <p:cNvSpPr/>
-          <p:nvPr/>
-        </p:nvSpPr>
-        <p:spPr>
-          <a:xfrm rot="18451782">
-            <a:off x="6287003" y="2765649"/>
-            <a:ext cx="1413214" cy="1721134"/>
-          </a:xfrm>
-          <a:prstGeom prst="downArrow">
-            <a:avLst/>
-          </a:prstGeom>
-        </p:spPr>
-        <p:style>
-          <a:lnRef idx="2">
-            <a:schemeClr val="accent1">
-              <a:shade val="50000"/>
-            </a:schemeClr>
-          </a:lnRef>
-          <a:fillRef idx="1">
-            <a:schemeClr val="accent1"/>
-          </a:fillRef>
-          <a:effectRef idx="0">
-            <a:schemeClr val="accent1"/>
-          </a:effectRef>
-          <a:fontRef idx="minor">
-            <a:schemeClr val="lt1"/>
-          </a:fontRef>
-        </p:style>
-        <p:txBody>
-          <a:bodyPr rtlCol="0" anchor="ctr"/>
-          <a:lstStyle/>
-          <a:p>
-            <a:pPr algn="ctr"/>
-            <a:r>
-              <a:rPr lang="en-US" dirty="0" err="1" smtClean="0"/>
-              <a:t>Pasre</a:t>
+            <a:r>
+              <a:rPr lang="en-US" b="1" dirty="0" err="1" smtClean="0"/>
+              <a:t>Giải</a:t>
+            </a:r>
+            <a:r>
+              <a:rPr lang="en-US" b="1" dirty="0" smtClean="0"/>
+              <a:t> </a:t>
+            </a:r>
+            <a:r>
+              <a:rPr lang="en-US" b="1" dirty="0" err="1" smtClean="0"/>
+              <a:t>pháp</a:t>
+            </a:r>
+            <a:r>
+              <a:rPr lang="en-US" b="1" dirty="0" smtClean="0"/>
+              <a:t> </a:t>
+            </a:r>
+            <a:r>
+              <a:rPr lang="en-US" b="1" dirty="0" err="1" smtClean="0"/>
+              <a:t>về</a:t>
+            </a:r>
+            <a:r>
+              <a:rPr lang="en-US" b="1" dirty="0" smtClean="0"/>
+              <a:t> </a:t>
+            </a:r>
+            <a:r>
+              <a:rPr lang="en-US" b="1" dirty="0" err="1" smtClean="0"/>
+              <a:t>dữ</a:t>
+            </a:r>
+            <a:r>
+              <a:rPr lang="en-US" b="1" dirty="0" smtClean="0"/>
+              <a:t> </a:t>
+            </a:r>
+            <a:r>
+              <a:rPr lang="en-US" b="1" dirty="0" err="1" smtClean="0"/>
+              <a:t>liệu</a:t>
+            </a:r>
+            <a:endParaRPr lang="vi-VN" b="1" dirty="0"/>
+          </a:p>
+        </p:txBody>
+      </p:sp>
+      <p:sp>
+        <p:nvSpPr>
+          <p:cNvPr id="3" name="Content Placeholder 2"/>
+          <p:cNvSpPr>
+            <a:spLocks noGrp="1"/>
+          </p:cNvSpPr>
+          <p:nvPr>
+            <p:ph idx="1"/>
+          </p:nvPr>
+        </p:nvSpPr>
+        <p:spPr/>
+        <p:txBody>
+          <a:bodyPr/>
+          <a:lstStyle/>
+          <a:p>
+            <a:r>
+              <a:rPr lang="en-US" dirty="0" err="1" smtClean="0"/>
+              <a:t>Sử</a:t>
+            </a:r>
+            <a:r>
+              <a:rPr lang="en-US" dirty="0" smtClean="0"/>
+              <a:t> </a:t>
+            </a:r>
+            <a:r>
+              <a:rPr lang="en-US" dirty="0" err="1" smtClean="0"/>
+              <a:t>dụng</a:t>
+            </a:r>
+            <a:r>
+              <a:rPr lang="en-US" dirty="0" smtClean="0"/>
+              <a:t> </a:t>
+            </a:r>
+            <a:r>
+              <a:rPr lang="en-US" dirty="0" err="1" smtClean="0"/>
+              <a:t>tính</a:t>
+            </a:r>
+            <a:r>
+              <a:rPr lang="en-US" dirty="0" smtClean="0"/>
+              <a:t> </a:t>
+            </a:r>
+            <a:r>
+              <a:rPr lang="en-US" dirty="0" err="1" smtClean="0"/>
+              <a:t>kế</a:t>
+            </a:r>
+            <a:r>
+              <a:rPr lang="en-US" dirty="0" smtClean="0"/>
+              <a:t> </a:t>
+            </a:r>
+            <a:r>
+              <a:rPr lang="en-US" dirty="0" err="1" smtClean="0"/>
+              <a:t>thừa</a:t>
+            </a:r>
+            <a:r>
+              <a:rPr lang="en-US" dirty="0"/>
+              <a:t> </a:t>
+            </a:r>
+            <a:r>
+              <a:rPr lang="en-US" dirty="0" err="1" smtClean="0"/>
+              <a:t>để</a:t>
+            </a:r>
+            <a:r>
+              <a:rPr lang="en-US" dirty="0" smtClean="0"/>
+              <a:t> </a:t>
+            </a:r>
+            <a:r>
+              <a:rPr lang="en-US" dirty="0" err="1" smtClean="0"/>
+              <a:t>giảm</a:t>
+            </a:r>
+            <a:r>
+              <a:rPr lang="en-US" dirty="0" smtClean="0"/>
+              <a:t> </a:t>
+            </a:r>
+            <a:r>
+              <a:rPr lang="en-US" dirty="0" err="1" smtClean="0"/>
+              <a:t>số</a:t>
+            </a:r>
+            <a:r>
+              <a:rPr lang="en-US" dirty="0" smtClean="0"/>
+              <a:t> </a:t>
+            </a:r>
+            <a:r>
+              <a:rPr lang="en-US" dirty="0" err="1" smtClean="0"/>
+              <a:t>lượng</a:t>
+            </a:r>
+            <a:r>
+              <a:rPr lang="en-US" dirty="0" smtClean="0"/>
+              <a:t> </a:t>
+            </a:r>
+            <a:r>
+              <a:rPr lang="en-US" dirty="0" err="1" smtClean="0"/>
+              <a:t>thuộc</a:t>
+            </a:r>
+            <a:r>
+              <a:rPr lang="en-US" dirty="0" smtClean="0"/>
+              <a:t> </a:t>
+            </a:r>
+            <a:r>
+              <a:rPr lang="en-US" dirty="0" err="1" smtClean="0"/>
+              <a:t>tính</a:t>
+            </a:r>
+            <a:r>
+              <a:rPr lang="en-US" dirty="0" smtClean="0"/>
+              <a:t> </a:t>
+            </a:r>
+            <a:r>
+              <a:rPr lang="en-US" dirty="0" err="1" smtClean="0"/>
+              <a:t>lặp</a:t>
+            </a:r>
+            <a:r>
+              <a:rPr lang="en-US" dirty="0" smtClean="0"/>
+              <a:t> </a:t>
+            </a:r>
+            <a:r>
+              <a:rPr lang="en-US" dirty="0" err="1" smtClean="0"/>
+              <a:t>lại</a:t>
+            </a:r>
+            <a:endParaRPr lang="en-US" dirty="0" smtClean="0"/>
+          </a:p>
+          <a:p>
+            <a:r>
+              <a:rPr lang="en-US" dirty="0" err="1" smtClean="0"/>
+              <a:t>Thiết</a:t>
+            </a:r>
+            <a:r>
+              <a:rPr lang="en-US" dirty="0" smtClean="0"/>
+              <a:t> </a:t>
+            </a:r>
+            <a:r>
+              <a:rPr lang="en-US" dirty="0" err="1" smtClean="0"/>
+              <a:t>kế</a:t>
+            </a:r>
+            <a:r>
+              <a:rPr lang="en-US" dirty="0" smtClean="0"/>
+              <a:t> </a:t>
+            </a:r>
+            <a:r>
+              <a:rPr lang="en-US" dirty="0" err="1" smtClean="0"/>
+              <a:t>các</a:t>
+            </a:r>
+            <a:r>
+              <a:rPr lang="en-US" dirty="0" smtClean="0"/>
+              <a:t> </a:t>
+            </a:r>
+            <a:r>
+              <a:rPr lang="en-US" dirty="0" err="1" smtClean="0"/>
+              <a:t>phương</a:t>
+            </a:r>
+            <a:r>
+              <a:rPr lang="en-US" dirty="0" smtClean="0"/>
+              <a:t> </a:t>
+            </a:r>
+            <a:r>
+              <a:rPr lang="en-US" dirty="0" err="1" smtClean="0"/>
+              <a:t>thức</a:t>
+            </a:r>
+            <a:r>
+              <a:rPr lang="en-US" dirty="0" smtClean="0"/>
+              <a:t> </a:t>
+            </a:r>
+            <a:r>
+              <a:rPr lang="en-US" dirty="0" err="1" smtClean="0"/>
+              <a:t>phân</a:t>
+            </a:r>
+            <a:r>
+              <a:rPr lang="en-US" dirty="0" smtClean="0"/>
+              <a:t> </a:t>
+            </a:r>
+            <a:r>
+              <a:rPr lang="en-US" dirty="0" err="1" smtClean="0"/>
+              <a:t>tích</a:t>
+            </a:r>
+            <a:r>
+              <a:rPr lang="en-US" dirty="0" smtClean="0"/>
+              <a:t> </a:t>
+            </a:r>
+            <a:r>
+              <a:rPr lang="en-US" dirty="0" err="1" smtClean="0"/>
+              <a:t>dữ</a:t>
+            </a:r>
+            <a:r>
+              <a:rPr lang="en-US" dirty="0" smtClean="0"/>
+              <a:t> </a:t>
+            </a:r>
+            <a:r>
+              <a:rPr lang="en-US" dirty="0" err="1" smtClean="0"/>
+              <a:t>liệu</a:t>
+            </a:r>
+            <a:r>
+              <a:rPr lang="en-US" dirty="0"/>
+              <a:t>.</a:t>
+            </a:r>
+            <a:endParaRPr lang="en-US" dirty="0" smtClean="0"/>
+          </a:p>
+          <a:p>
+            <a:r>
+              <a:rPr lang="en-US" dirty="0" smtClean="0"/>
+              <a:t>Cache </a:t>
+            </a:r>
+            <a:r>
+              <a:rPr lang="en-US" dirty="0" err="1" smtClean="0"/>
+              <a:t>các</a:t>
+            </a:r>
+            <a:r>
+              <a:rPr lang="en-US" dirty="0" smtClean="0"/>
+              <a:t> </a:t>
+            </a:r>
+            <a:r>
+              <a:rPr lang="en-US" dirty="0" err="1" smtClean="0"/>
+              <a:t>dữ</a:t>
+            </a:r>
+            <a:r>
+              <a:rPr lang="en-US" dirty="0" smtClean="0"/>
+              <a:t> </a:t>
+            </a:r>
+            <a:r>
+              <a:rPr lang="en-US" dirty="0" err="1" smtClean="0"/>
+              <a:t>liệu</a:t>
+            </a:r>
+            <a:r>
+              <a:rPr lang="en-US" dirty="0" smtClean="0"/>
+              <a:t> </a:t>
+            </a:r>
+            <a:r>
+              <a:rPr lang="en-US" dirty="0" err="1" smtClean="0"/>
+              <a:t>được</a:t>
+            </a:r>
+            <a:r>
+              <a:rPr lang="en-US" dirty="0" smtClean="0"/>
+              <a:t> </a:t>
+            </a:r>
+            <a:r>
+              <a:rPr lang="en-US" dirty="0" err="1" smtClean="0"/>
+              <a:t>truy</a:t>
+            </a:r>
+            <a:r>
+              <a:rPr lang="en-US" dirty="0" smtClean="0"/>
+              <a:t> </a:t>
+            </a:r>
+            <a:r>
+              <a:rPr lang="en-US" dirty="0" err="1" smtClean="0"/>
+              <a:t>xuất</a:t>
+            </a:r>
+            <a:r>
+              <a:rPr lang="en-US" dirty="0" smtClean="0"/>
+              <a:t> </a:t>
+            </a:r>
+            <a:r>
+              <a:rPr lang="en-US" dirty="0" err="1" smtClean="0"/>
+              <a:t>thường</a:t>
+            </a:r>
+            <a:r>
+              <a:rPr lang="en-US" dirty="0" smtClean="0"/>
+              <a:t> </a:t>
+            </a:r>
+            <a:r>
+              <a:rPr lang="en-US" dirty="0" err="1" smtClean="0"/>
+              <a:t>xuyên</a:t>
+            </a:r>
+            <a:r>
+              <a:rPr lang="en-US" dirty="0" smtClean="0"/>
+              <a:t>.</a:t>
             </a:r>
             <a:endParaRPr lang="vi-VN" dirty="0"/>
           </a:p>
@@ -5187,7 +6030,7 @@
     </p:spTree>
     <p:extLst>
       <p:ext uri="{BB962C8B-B14F-4D97-AF65-F5344CB8AC3E}">
-        <p14:creationId xmlns:p14="http://schemas.microsoft.com/office/powerpoint/2010/main" val="2888905233"/>
+        <p14:creationId xmlns:p14="http://schemas.microsoft.com/office/powerpoint/2010/main" val="1557009442"/>
       </p:ext>
     </p:extLst>
   </p:cSld>
@@ -5197,332 +6040,9 @@
   <p:timing>
     <p:tnLst>
       <p:par>
-        <p:cTn id="1" dur="indefinite" restart="never" nodeType="tmRoot">
-          <p:childTnLst>
-            <p:seq concurrent="1" nextAc="seek">
-              <p:cTn id="2" dur="indefinite" nodeType="mainSeq">
-                <p:childTnLst>
-                  <p:par>
-                    <p:cTn id="3" fill="hold">
-                      <p:stCondLst>
-                        <p:cond delay="indefinite"/>
-                      </p:stCondLst>
-                      <p:childTnLst>
-                        <p:par>
-                          <p:cTn id="4" fill="hold">
-                            <p:stCondLst>
-                              <p:cond delay="0"/>
-                            </p:stCondLst>
-                            <p:childTnLst>
-                              <p:par>
-                                <p:cTn id="5" presetID="42" presetClass="entr" presetSubtype="0" fill="hold" nodeType="clickEffect">
-                                  <p:stCondLst>
-                                    <p:cond delay="0"/>
-                                  </p:stCondLst>
-                                  <p:childTnLst>
-                                    <p:set>
-                                      <p:cBhvr>
-                                        <p:cTn id="6" dur="1" fill="hold">
-                                          <p:stCondLst>
-                                            <p:cond delay="0"/>
-                                          </p:stCondLst>
-                                        </p:cTn>
-                                        <p:tgtEl>
-                                          <p:spTgt spid="12"/>
-                                        </p:tgtEl>
-                                        <p:attrNameLst>
-                                          <p:attrName>style.visibility</p:attrName>
-                                        </p:attrNameLst>
-                                      </p:cBhvr>
-                                      <p:to>
-                                        <p:strVal val="visible"/>
-                                      </p:to>
-                                    </p:set>
-                                    <p:animEffect transition="in" filter="fade">
-                                      <p:cBhvr>
-                                        <p:cTn id="7" dur="1000"/>
-                                        <p:tgtEl>
-                                          <p:spTgt spid="12"/>
-                                        </p:tgtEl>
-                                      </p:cBhvr>
-                                    </p:animEffect>
-                                    <p:anim calcmode="lin" valueType="num">
-                                      <p:cBhvr>
-                                        <p:cTn id="8" dur="1000" fill="hold"/>
-                                        <p:tgtEl>
-                                          <p:spTgt spid="12"/>
-                                        </p:tgtEl>
-                                        <p:attrNameLst>
-                                          <p:attrName>ppt_x</p:attrName>
-                                        </p:attrNameLst>
-                                      </p:cBhvr>
-                                      <p:tavLst>
-                                        <p:tav tm="0">
-                                          <p:val>
-                                            <p:strVal val="#ppt_x"/>
-                                          </p:val>
-                                        </p:tav>
-                                        <p:tav tm="100000">
-                                          <p:val>
-                                            <p:strVal val="#ppt_x"/>
-                                          </p:val>
-                                        </p:tav>
-                                      </p:tavLst>
-                                    </p:anim>
-                                    <p:anim calcmode="lin" valueType="num">
-                                      <p:cBhvr>
-                                        <p:cTn id="9" dur="1000" fill="hold"/>
-                                        <p:tgtEl>
-                                          <p:spTgt spid="12"/>
-                                        </p:tgtEl>
-                                        <p:attrNameLst>
-                                          <p:attrName>ppt_y</p:attrName>
-                                        </p:attrNameLst>
-                                      </p:cBhvr>
-                                      <p:tavLst>
-                                        <p:tav tm="0">
-                                          <p:val>
-                                            <p:strVal val="#ppt_y+.1"/>
-                                          </p:val>
-                                        </p:tav>
-                                        <p:tav tm="100000">
-                                          <p:val>
-                                            <p:strVal val="#ppt_y"/>
-                                          </p:val>
-                                        </p:tav>
-                                      </p:tavLst>
-                                    </p:anim>
-                                  </p:childTnLst>
-                                </p:cTn>
-                              </p:par>
-                            </p:childTnLst>
-                          </p:cTn>
-                        </p:par>
-                      </p:childTnLst>
-                    </p:cTn>
-                  </p:par>
-                  <p:par>
-                    <p:cTn id="10" fill="hold">
-                      <p:stCondLst>
-                        <p:cond delay="indefinite"/>
-                      </p:stCondLst>
-                      <p:childTnLst>
-                        <p:par>
-                          <p:cTn id="11" fill="hold">
-                            <p:stCondLst>
-                              <p:cond delay="0"/>
-                            </p:stCondLst>
-                            <p:childTnLst>
-                              <p:par>
-                                <p:cTn id="12" presetID="42" presetClass="entr" presetSubtype="0" fill="hold" grpId="0" nodeType="clickEffect">
-                                  <p:stCondLst>
-                                    <p:cond delay="0"/>
-                                  </p:stCondLst>
-                                  <p:childTnLst>
-                                    <p:set>
-                                      <p:cBhvr>
-                                        <p:cTn id="13" dur="1" fill="hold">
-                                          <p:stCondLst>
-                                            <p:cond delay="0"/>
-                                          </p:stCondLst>
-                                        </p:cTn>
-                                        <p:tgtEl>
-                                          <p:spTgt spid="13"/>
-                                        </p:tgtEl>
-                                        <p:attrNameLst>
-                                          <p:attrName>style.visibility</p:attrName>
-                                        </p:attrNameLst>
-                                      </p:cBhvr>
-                                      <p:to>
-                                        <p:strVal val="visible"/>
-                                      </p:to>
-                                    </p:set>
-                                    <p:animEffect transition="in" filter="fade">
-                                      <p:cBhvr>
-                                        <p:cTn id="14" dur="1000"/>
-                                        <p:tgtEl>
-                                          <p:spTgt spid="13"/>
-                                        </p:tgtEl>
-                                      </p:cBhvr>
-                                    </p:animEffect>
-                                    <p:anim calcmode="lin" valueType="num">
-                                      <p:cBhvr>
-                                        <p:cTn id="15" dur="1000" fill="hold"/>
-                                        <p:tgtEl>
-                                          <p:spTgt spid="13"/>
-                                        </p:tgtEl>
-                                        <p:attrNameLst>
-                                          <p:attrName>ppt_x</p:attrName>
-                                        </p:attrNameLst>
-                                      </p:cBhvr>
-                                      <p:tavLst>
-                                        <p:tav tm="0">
-                                          <p:val>
-                                            <p:strVal val="#ppt_x"/>
-                                          </p:val>
-                                        </p:tav>
-                                        <p:tav tm="100000">
-                                          <p:val>
-                                            <p:strVal val="#ppt_x"/>
-                                          </p:val>
-                                        </p:tav>
-                                      </p:tavLst>
-                                    </p:anim>
-                                    <p:anim calcmode="lin" valueType="num">
-                                      <p:cBhvr>
-                                        <p:cTn id="16" dur="1000" fill="hold"/>
-                                        <p:tgtEl>
-                                          <p:spTgt spid="13"/>
-                                        </p:tgtEl>
-                                        <p:attrNameLst>
-                                          <p:attrName>ppt_y</p:attrName>
-                                        </p:attrNameLst>
-                                      </p:cBhvr>
-                                      <p:tavLst>
-                                        <p:tav tm="0">
-                                          <p:val>
-                                            <p:strVal val="#ppt_y+.1"/>
-                                          </p:val>
-                                        </p:tav>
-                                        <p:tav tm="100000">
-                                          <p:val>
-                                            <p:strVal val="#ppt_y"/>
-                                          </p:val>
-                                        </p:tav>
-                                      </p:tavLst>
-                                    </p:anim>
-                                  </p:childTnLst>
-                                </p:cTn>
-                              </p:par>
-                            </p:childTnLst>
-                          </p:cTn>
-                        </p:par>
-                      </p:childTnLst>
-                    </p:cTn>
-                  </p:par>
-                  <p:par>
-                    <p:cTn id="17" fill="hold">
-                      <p:stCondLst>
-                        <p:cond delay="indefinite"/>
-                      </p:stCondLst>
-                      <p:childTnLst>
-                        <p:par>
-                          <p:cTn id="18" fill="hold">
-                            <p:stCondLst>
-                              <p:cond delay="0"/>
-                            </p:stCondLst>
-                            <p:childTnLst>
-                              <p:par>
-                                <p:cTn id="19" presetID="42" presetClass="entr" presetSubtype="0" fill="hold" nodeType="clickEffect">
-                                  <p:stCondLst>
-                                    <p:cond delay="0"/>
-                                  </p:stCondLst>
-                                  <p:childTnLst>
-                                    <p:set>
-                                      <p:cBhvr>
-                                        <p:cTn id="20" dur="1" fill="hold">
-                                          <p:stCondLst>
-                                            <p:cond delay="0"/>
-                                          </p:stCondLst>
-                                        </p:cTn>
-                                        <p:tgtEl>
-                                          <p:spTgt spid="8"/>
-                                        </p:tgtEl>
-                                        <p:attrNameLst>
-                                          <p:attrName>style.visibility</p:attrName>
-                                        </p:attrNameLst>
-                                      </p:cBhvr>
-                                      <p:to>
-                                        <p:strVal val="visible"/>
-                                      </p:to>
-                                    </p:set>
-                                    <p:animEffect transition="in" filter="fade">
-                                      <p:cBhvr>
-                                        <p:cTn id="21" dur="1000"/>
-                                        <p:tgtEl>
-                                          <p:spTgt spid="8"/>
-                                        </p:tgtEl>
-                                      </p:cBhvr>
-                                    </p:animEffect>
-                                    <p:anim calcmode="lin" valueType="num">
-                                      <p:cBhvr>
-                                        <p:cTn id="22" dur="1000" fill="hold"/>
-                                        <p:tgtEl>
-                                          <p:spTgt spid="8"/>
-                                        </p:tgtEl>
-                                        <p:attrNameLst>
-                                          <p:attrName>ppt_x</p:attrName>
-                                        </p:attrNameLst>
-                                      </p:cBhvr>
-                                      <p:tavLst>
-                                        <p:tav tm="0">
-                                          <p:val>
-                                            <p:strVal val="#ppt_x"/>
-                                          </p:val>
-                                        </p:tav>
-                                        <p:tav tm="100000">
-                                          <p:val>
-                                            <p:strVal val="#ppt_x"/>
-                                          </p:val>
-                                        </p:tav>
-                                      </p:tavLst>
-                                    </p:anim>
-                                    <p:anim calcmode="lin" valueType="num">
-                                      <p:cBhvr>
-                                        <p:cTn id="23" dur="1000" fill="hold"/>
-                                        <p:tgtEl>
-                                          <p:spTgt spid="8"/>
-                                        </p:tgtEl>
-                                        <p:attrNameLst>
-                                          <p:attrName>ppt_y</p:attrName>
-                                        </p:attrNameLst>
-                                      </p:cBhvr>
-                                      <p:tavLst>
-                                        <p:tav tm="0">
-                                          <p:val>
-                                            <p:strVal val="#ppt_y+.1"/>
-                                          </p:val>
-                                        </p:tav>
-                                        <p:tav tm="100000">
-                                          <p:val>
-                                            <p:strVal val="#ppt_y"/>
-                                          </p:val>
-                                        </p:tav>
-                                      </p:tavLst>
-                                    </p:anim>
-                                  </p:childTnLst>
-                                </p:cTn>
-                              </p:par>
-                            </p:childTnLst>
-                          </p:cTn>
-                        </p:par>
-                      </p:childTnLst>
-                    </p:cTn>
-                  </p:par>
-                </p:childTnLst>
-              </p:cTn>
-              <p:prevCondLst>
-                <p:cond evt="onPrev" delay="0">
-                  <p:tgtEl>
-                    <p:sldTgt/>
-                  </p:tgtEl>
-                </p:cond>
-              </p:prevCondLst>
-              <p:nextCondLst>
-                <p:cond evt="onNext" delay="0">
-                  <p:tgtEl>
-                    <p:sldTgt/>
-                  </p:tgtEl>
-                </p:cond>
-              </p:nextCondLst>
-            </p:seq>
-          </p:childTnLst>
-        </p:cTn>
+        <p:cTn id="1" dur="indefinite" restart="never" nodeType="tmRoot"/>
       </p:par>
     </p:tnLst>
-    <p:bldLst>
-      <p:bldP spid="13" grpId="0" animBg="1"/>
-    </p:bldLst>
   </p:timing>
 </p:sld>
 </file>
@@ -5559,291 +6079,144 @@
           <a:bodyPr/>
           <a:lstStyle/>
           <a:p>
-            <a:r>
-              <a:rPr lang="en-US" b="1" dirty="0" smtClean="0"/>
-              <a:t>Unit Test</a:t>
-            </a:r>
-            <a:endParaRPr lang="vi-VN" b="1" dirty="0"/>
-          </a:p>
-        </p:txBody>
-      </p:sp>
-      <p:sp>
-        <p:nvSpPr>
-          <p:cNvPr id="3" name="Content Placeholder 2"/>
-          <p:cNvSpPr>
-            <a:spLocks noGrp="1"/>
-          </p:cNvSpPr>
-          <p:nvPr>
-            <p:ph idx="1"/>
-          </p:nvPr>
-        </p:nvSpPr>
-        <p:spPr/>
-        <p:txBody>
-          <a:bodyPr/>
-          <a:lstStyle/>
-          <a:p>
-            <a:r>
-              <a:rPr lang="en-US" dirty="0" err="1" smtClean="0"/>
-              <a:t>Tự</a:t>
-            </a:r>
-            <a:r>
-              <a:rPr lang="en-US" dirty="0" smtClean="0"/>
-              <a:t> </a:t>
-            </a:r>
-            <a:r>
-              <a:rPr lang="en-US" dirty="0" err="1" smtClean="0"/>
-              <a:t>động</a:t>
-            </a:r>
-            <a:r>
-              <a:rPr lang="en-US" dirty="0" smtClean="0"/>
-              <a:t> </a:t>
-            </a:r>
-            <a:r>
-              <a:rPr lang="en-US" dirty="0" err="1" smtClean="0"/>
-              <a:t>hóa</a:t>
-            </a:r>
-            <a:r>
-              <a:rPr lang="en-US" dirty="0" smtClean="0"/>
-              <a:t> </a:t>
-            </a:r>
-            <a:r>
-              <a:rPr lang="en-US" dirty="0" err="1" smtClean="0"/>
-              <a:t>công</a:t>
-            </a:r>
-            <a:r>
-              <a:rPr lang="en-US" dirty="0" smtClean="0"/>
-              <a:t> </a:t>
-            </a:r>
-            <a:r>
-              <a:rPr lang="en-US" dirty="0" err="1" smtClean="0"/>
-              <a:t>việc</a:t>
-            </a:r>
-            <a:r>
-              <a:rPr lang="en-US" dirty="0" smtClean="0"/>
-              <a:t> testing.</a:t>
-            </a:r>
-          </a:p>
-          <a:p>
-            <a:r>
-              <a:rPr lang="en-US" dirty="0" err="1" smtClean="0"/>
-              <a:t>Đảm</a:t>
-            </a:r>
-            <a:r>
-              <a:rPr lang="en-US" dirty="0" smtClean="0"/>
-              <a:t> </a:t>
-            </a:r>
-            <a:r>
-              <a:rPr lang="en-US" dirty="0" err="1" smtClean="0"/>
-              <a:t>bảo</a:t>
-            </a:r>
-            <a:r>
-              <a:rPr lang="en-US" dirty="0" smtClean="0"/>
-              <a:t> </a:t>
-            </a:r>
-            <a:r>
-              <a:rPr lang="en-US" dirty="0" err="1" smtClean="0"/>
-              <a:t>chất</a:t>
-            </a:r>
-            <a:r>
-              <a:rPr lang="en-US" dirty="0" smtClean="0"/>
-              <a:t> </a:t>
-            </a:r>
-            <a:r>
-              <a:rPr lang="en-US" dirty="0" err="1" smtClean="0"/>
-              <a:t>lượng</a:t>
-            </a:r>
-            <a:r>
-              <a:rPr lang="en-US" dirty="0" smtClean="0"/>
-              <a:t> </a:t>
-            </a:r>
-            <a:r>
-              <a:rPr lang="en-US" dirty="0" err="1" smtClean="0"/>
-              <a:t>các</a:t>
-            </a:r>
-            <a:r>
-              <a:rPr lang="en-US" dirty="0" smtClean="0"/>
-              <a:t> </a:t>
-            </a:r>
-            <a:r>
-              <a:rPr lang="en-US" dirty="0" err="1" smtClean="0"/>
-              <a:t>thành</a:t>
-            </a:r>
-            <a:r>
-              <a:rPr lang="en-US" dirty="0" smtClean="0"/>
-              <a:t> </a:t>
-            </a:r>
-            <a:r>
-              <a:rPr lang="en-US" dirty="0" err="1" smtClean="0"/>
-              <a:t>phần</a:t>
-            </a:r>
-            <a:r>
-              <a:rPr lang="en-US" dirty="0" smtClean="0"/>
-              <a:t> </a:t>
-            </a:r>
-            <a:r>
-              <a:rPr lang="en-US" dirty="0" err="1" smtClean="0"/>
-              <a:t>của</a:t>
-            </a:r>
-            <a:r>
-              <a:rPr lang="en-US" dirty="0" smtClean="0"/>
-              <a:t> </a:t>
-            </a:r>
-            <a:r>
-              <a:rPr lang="en-US" dirty="0" err="1" smtClean="0"/>
-              <a:t>chương</a:t>
-            </a:r>
-            <a:r>
-              <a:rPr lang="en-US" dirty="0" smtClean="0"/>
-              <a:t> </a:t>
-            </a:r>
-            <a:r>
-              <a:rPr lang="en-US" dirty="0" err="1" smtClean="0"/>
-              <a:t>trình</a:t>
-            </a:r>
-            <a:r>
-              <a:rPr lang="en-US" dirty="0" smtClean="0"/>
-              <a:t>.</a:t>
-            </a:r>
-          </a:p>
-          <a:p>
-            <a:r>
-              <a:rPr lang="en-US" dirty="0" err="1" smtClean="0"/>
-              <a:t>Nhanh</a:t>
-            </a:r>
-            <a:r>
-              <a:rPr lang="en-US" dirty="0" smtClean="0"/>
-              <a:t> </a:t>
-            </a:r>
-            <a:r>
-              <a:rPr lang="en-US" dirty="0" err="1" smtClean="0"/>
-              <a:t>chóng</a:t>
-            </a:r>
-            <a:r>
-              <a:rPr lang="en-US" dirty="0" smtClean="0"/>
-              <a:t> </a:t>
-            </a:r>
-            <a:r>
-              <a:rPr lang="en-US" dirty="0" err="1" smtClean="0"/>
-              <a:t>phát</a:t>
-            </a:r>
-            <a:r>
-              <a:rPr lang="en-US" dirty="0" smtClean="0"/>
-              <a:t> </a:t>
-            </a:r>
-            <a:r>
-              <a:rPr lang="en-US" dirty="0" err="1" smtClean="0"/>
-              <a:t>hiện</a:t>
-            </a:r>
-            <a:r>
-              <a:rPr lang="en-US" dirty="0" smtClean="0"/>
-              <a:t> </a:t>
-            </a:r>
-            <a:r>
-              <a:rPr lang="en-US" dirty="0" err="1" smtClean="0"/>
-              <a:t>ra</a:t>
-            </a:r>
-            <a:r>
-              <a:rPr lang="en-US" dirty="0" smtClean="0"/>
-              <a:t> </a:t>
-            </a:r>
-            <a:r>
-              <a:rPr lang="en-US" dirty="0" err="1" smtClean="0"/>
-              <a:t>các</a:t>
-            </a:r>
-            <a:r>
-              <a:rPr lang="en-US" dirty="0" smtClean="0"/>
-              <a:t> </a:t>
-            </a:r>
-            <a:r>
-              <a:rPr lang="en-US" dirty="0" err="1" smtClean="0"/>
-              <a:t>lỗi</a:t>
-            </a:r>
-            <a:r>
-              <a:rPr lang="en-US" dirty="0" smtClean="0"/>
-              <a:t> </a:t>
-            </a:r>
-            <a:r>
-              <a:rPr lang="en-US" dirty="0" err="1" smtClean="0"/>
-              <a:t>khi</a:t>
-            </a:r>
-            <a:r>
-              <a:rPr lang="en-US" dirty="0" smtClean="0"/>
-              <a:t> </a:t>
-            </a:r>
-            <a:r>
-              <a:rPr lang="en-US" dirty="0" err="1" smtClean="0"/>
-              <a:t>thay</a:t>
-            </a:r>
-            <a:r>
-              <a:rPr lang="en-US" dirty="0" smtClean="0"/>
-              <a:t> </a:t>
-            </a:r>
-            <a:r>
-              <a:rPr lang="en-US" dirty="0" err="1" smtClean="0"/>
-              <a:t>đổi</a:t>
-            </a:r>
-            <a:r>
-              <a:rPr lang="en-US" dirty="0" smtClean="0"/>
-              <a:t> </a:t>
-            </a:r>
-            <a:r>
-              <a:rPr lang="en-US" dirty="0" err="1" smtClean="0"/>
-              <a:t>chương</a:t>
-            </a:r>
-            <a:r>
-              <a:rPr lang="en-US" dirty="0" smtClean="0"/>
-              <a:t> </a:t>
-            </a:r>
-            <a:r>
-              <a:rPr lang="en-US" dirty="0" err="1" smtClean="0"/>
-              <a:t>trình</a:t>
-            </a:r>
-            <a:r>
-              <a:rPr lang="en-US" dirty="0" smtClean="0"/>
-              <a:t>.</a:t>
-            </a:r>
-          </a:p>
-          <a:p>
-            <a:r>
-              <a:rPr lang="en-US" dirty="0" err="1" smtClean="0"/>
-              <a:t>Tiết</a:t>
-            </a:r>
-            <a:r>
-              <a:rPr lang="en-US" dirty="0" smtClean="0"/>
-              <a:t> </a:t>
-            </a:r>
-            <a:r>
-              <a:rPr lang="en-US" dirty="0" err="1" smtClean="0"/>
-              <a:t>kiệm</a:t>
-            </a:r>
-            <a:r>
-              <a:rPr lang="en-US" dirty="0" smtClean="0"/>
-              <a:t> </a:t>
-            </a:r>
-            <a:r>
-              <a:rPr lang="en-US" dirty="0" err="1" smtClean="0"/>
-              <a:t>thời</a:t>
-            </a:r>
-            <a:r>
-              <a:rPr lang="en-US" dirty="0" smtClean="0"/>
-              <a:t> </a:t>
-            </a:r>
-            <a:r>
-              <a:rPr lang="en-US" dirty="0" err="1" smtClean="0"/>
-              <a:t>gian</a:t>
-            </a:r>
-            <a:r>
-              <a:rPr lang="en-US" dirty="0" smtClean="0"/>
-              <a:t> testing.</a:t>
-            </a:r>
-            <a:endParaRPr lang="vi-VN" dirty="0"/>
-          </a:p>
-        </p:txBody>
-      </p:sp>
+            <a:endParaRPr lang="vi-VN"/>
+          </a:p>
+        </p:txBody>
+      </p:sp>
+      <p:sp>
+        <p:nvSpPr>
+          <p:cNvPr id="3" name="Rectangle 2"/>
+          <p:cNvSpPr>
+            <a:spLocks noChangeArrowheads="1"/>
+          </p:cNvSpPr>
+          <p:nvPr/>
+        </p:nvSpPr>
+        <p:spPr bwMode="auto">
+          <a:xfrm>
+            <a:off x="1610435" y="1146411"/>
+            <a:ext cx="16665189" cy="45719"/>
+          </a:xfrm>
+          <a:prstGeom prst="rect">
+            <a:avLst/>
+          </a:prstGeom>
+          <a:noFill/>
+          <a:ln>
+            <a:noFill/>
+          </a:ln>
+          <a:effectLst/>
+          <a:extLst>
+            <a:ext uri="{909E8E84-426E-40DD-AFC4-6F175D3DCCD1}">
+              <a14:hiddenFill xmlns:a14="http://schemas.microsoft.com/office/drawing/2010/main">
+                <a:solidFill>
+                  <a:schemeClr val="accent1"/>
+                </a:solidFill>
+              </a14:hiddenFill>
+            </a:ext>
+            <a:ext uri="{91240B29-F687-4F45-9708-019B960494DF}">
+              <a14:hiddenLine xmlns:a14="http://schemas.microsoft.com/office/drawing/2010/main" w="9525">
+                <a:solidFill>
+                  <a:schemeClr val="tx1"/>
+                </a:solidFill>
+                <a:miter lim="800000"/>
+                <a:headEnd/>
+                <a:tailEnd/>
+              </a14:hiddenLine>
+            </a:ext>
+            <a:ext uri="{AF507438-7753-43E0-B8FC-AC1667EBCBE1}">
+              <a14:hiddenEffects xmlns:a14="http://schemas.microsoft.com/office/drawing/2010/main">
+                <a:effectLst>
+                  <a:outerShdw dist="35921" dir="2700000" algn="ctr" rotWithShape="0">
+                    <a:schemeClr val="bg2"/>
+                  </a:outerShdw>
+                </a:effectLst>
+              </a14:hiddenEffects>
+            </a:ext>
+          </a:extLst>
+        </p:spPr>
+        <p:txBody>
+          <a:bodyPr vert="horz" wrap="square" lIns="91440" tIns="45720" rIns="91440" bIns="45720" numCol="1" anchor="ctr" anchorCtr="0" compatLnSpc="1">
+            <a:prstTxWarp prst="textNoShape">
+              <a:avLst/>
+            </a:prstTxWarp>
+            <a:spAutoFit/>
+          </a:bodyPr>
+          <a:lstStyle/>
+          <a:p>
+            <a:endParaRPr lang="vi-VN"/>
+          </a:p>
+        </p:txBody>
+      </p:sp>
+      <p:graphicFrame>
+        <p:nvGraphicFramePr>
+          <p:cNvPr id="4" name="Object 3"/>
+          <p:cNvGraphicFramePr>
+            <a:graphicFrameLocks noChangeAspect="1"/>
+          </p:cNvGraphicFramePr>
+          <p:nvPr>
+            <p:extLst>
+              <p:ext uri="{D42A27DB-BD31-4B8C-83A1-F6EECF244321}">
+                <p14:modId xmlns:p14="http://schemas.microsoft.com/office/powerpoint/2010/main" val="2601077281"/>
+              </p:ext>
+            </p:extLst>
+          </p:nvPr>
+        </p:nvGraphicFramePr>
+        <p:xfrm>
+          <a:off x="959015" y="1146411"/>
+          <a:ext cx="9844743" cy="5008729"/>
+        </p:xfrm>
+        <a:graphic>
+          <a:graphicData uri="http://schemas.openxmlformats.org/presentationml/2006/ole">
+            <mc:AlternateContent xmlns:mc="http://schemas.openxmlformats.org/markup-compatibility/2006">
+              <mc:Choice xmlns:v="urn:schemas-microsoft-com:vml" Requires="v">
+                <p:oleObj spid="_x0000_s1027" name="Visio" r:id="rId3" imgW="5429129" imgH="2762341" progId="Visio.Drawing.11">
+                  <p:embed/>
+                </p:oleObj>
+              </mc:Choice>
+              <mc:Fallback>
+                <p:oleObj name="Visio" r:id="rId3" imgW="5429129" imgH="2762341" progId="Visio.Drawing.11">
+                  <p:embed/>
+                  <p:pic>
+                    <p:nvPicPr>
+                      <p:cNvPr id="0" name="Object 1"/>
+                      <p:cNvPicPr>
+                        <a:picLocks noChangeAspect="1" noChangeArrowheads="1"/>
+                      </p:cNvPicPr>
+                      <p:nvPr/>
+                    </p:nvPicPr>
+                    <p:blipFill>
+                      <a:blip r:embed="rId4">
+                        <a:extLst>
+                          <a:ext uri="{28A0092B-C50C-407E-A947-70E740481C1C}">
+                            <a14:useLocalDpi xmlns:a14="http://schemas.microsoft.com/office/drawing/2010/main" val="0"/>
+                          </a:ext>
+                        </a:extLst>
+                      </a:blip>
+                      <a:srcRect/>
+                      <a:stretch>
+                        <a:fillRect/>
+                      </a:stretch>
+                    </p:blipFill>
+                    <p:spPr bwMode="auto">
+                      <a:xfrm>
+                        <a:off x="959015" y="1146411"/>
+                        <a:ext cx="9844743" cy="5008729"/>
+                      </a:xfrm>
+                      <a:prstGeom prst="rect">
+                        <a:avLst/>
+                      </a:prstGeom>
+                      <a:noFill/>
+                    </p:spPr>
+                  </p:pic>
+                </p:oleObj>
+              </mc:Fallback>
+            </mc:AlternateContent>
+          </a:graphicData>
+        </a:graphic>
+      </p:graphicFrame>
     </p:spTree>
     <p:extLst>
       <p:ext uri="{BB962C8B-B14F-4D97-AF65-F5344CB8AC3E}">
-        <p14:creationId xmlns:p14="http://schemas.microsoft.com/office/powerpoint/2010/main" val="1767821105"/>
+        <p14:creationId xmlns:p14="http://schemas.microsoft.com/office/powerpoint/2010/main" val="2888905233"/>
       </p:ext>
     </p:extLst>
   </p:cSld>

--- a/BÁO CÁO THỰC TẬP.pptx
+++ b/BÁO CÁO THỰC TẬP.pptx
@@ -9,16 +9,20 @@
     <p:sldId id="257" r:id="rId3"/>
     <p:sldId id="258" r:id="rId4"/>
     <p:sldId id="271" r:id="rId5"/>
-    <p:sldId id="260" r:id="rId6"/>
-    <p:sldId id="272" r:id="rId7"/>
-    <p:sldId id="261" r:id="rId8"/>
-    <p:sldId id="264" r:id="rId9"/>
-    <p:sldId id="266" r:id="rId10"/>
-    <p:sldId id="265" r:id="rId11"/>
-    <p:sldId id="267" r:id="rId12"/>
-    <p:sldId id="269" r:id="rId13"/>
-    <p:sldId id="262" r:id="rId14"/>
-    <p:sldId id="270" r:id="rId15"/>
+    <p:sldId id="273" r:id="rId6"/>
+    <p:sldId id="274" r:id="rId7"/>
+    <p:sldId id="275" r:id="rId8"/>
+    <p:sldId id="276" r:id="rId9"/>
+    <p:sldId id="277" r:id="rId10"/>
+    <p:sldId id="272" r:id="rId11"/>
+    <p:sldId id="261" r:id="rId12"/>
+    <p:sldId id="264" r:id="rId13"/>
+    <p:sldId id="266" r:id="rId14"/>
+    <p:sldId id="265" r:id="rId15"/>
+    <p:sldId id="267" r:id="rId16"/>
+    <p:sldId id="269" r:id="rId17"/>
+    <p:sldId id="262" r:id="rId18"/>
+    <p:sldId id="270" r:id="rId19"/>
   </p:sldIdLst>
   <p:sldSz cx="12192000" cy="6858000"/>
   <p:notesSz cx="6858000" cy="9144000"/>
@@ -3162,6 +3166,1231 @@
           <a:lstStyle/>
           <a:p>
             <a:r>
+              <a:rPr lang="en-US" dirty="0" err="1" smtClean="0"/>
+              <a:t>Hiện</a:t>
+            </a:r>
+            <a:r>
+              <a:rPr lang="en-US" dirty="0" smtClean="0"/>
+              <a:t> </a:t>
+            </a:r>
+            <a:r>
+              <a:rPr lang="en-US" dirty="0" err="1" smtClean="0"/>
+              <a:t>trạng</a:t>
+            </a:r>
+            <a:r>
+              <a:rPr lang="en-US" dirty="0" smtClean="0"/>
+              <a:t> </a:t>
+            </a:r>
+            <a:r>
+              <a:rPr lang="en-US" dirty="0" err="1" smtClean="0"/>
+              <a:t>dữ</a:t>
+            </a:r>
+            <a:r>
+              <a:rPr lang="en-US" dirty="0" smtClean="0"/>
+              <a:t> </a:t>
+            </a:r>
+            <a:r>
+              <a:rPr lang="en-US" dirty="0" err="1" smtClean="0"/>
+              <a:t>liệu</a:t>
+            </a:r>
+            <a:endParaRPr lang="vi-VN" dirty="0"/>
+          </a:p>
+        </p:txBody>
+      </p:sp>
+      <p:sp>
+        <p:nvSpPr>
+          <p:cNvPr id="3" name="Content Placeholder 2"/>
+          <p:cNvSpPr>
+            <a:spLocks noGrp="1"/>
+          </p:cNvSpPr>
+          <p:nvPr>
+            <p:ph idx="1"/>
+          </p:nvPr>
+        </p:nvSpPr>
+        <p:spPr/>
+        <p:txBody>
+          <a:bodyPr/>
+          <a:lstStyle/>
+          <a:p>
+            <a:r>
+              <a:rPr lang="en-US" dirty="0" err="1" smtClean="0"/>
+              <a:t>Dữ</a:t>
+            </a:r>
+            <a:r>
+              <a:rPr lang="en-US" dirty="0" smtClean="0"/>
+              <a:t> </a:t>
+            </a:r>
+            <a:r>
+              <a:rPr lang="en-US" dirty="0" err="1" smtClean="0"/>
+              <a:t>liệu</a:t>
+            </a:r>
+            <a:r>
+              <a:rPr lang="en-US" dirty="0" smtClean="0"/>
+              <a:t> OBS Server </a:t>
+            </a:r>
+            <a:r>
+              <a:rPr lang="en-US" dirty="0" err="1" smtClean="0"/>
+              <a:t>trả</a:t>
+            </a:r>
+            <a:r>
+              <a:rPr lang="en-US" dirty="0" smtClean="0"/>
+              <a:t> </a:t>
+            </a:r>
+            <a:r>
+              <a:rPr lang="en-US" dirty="0" err="1" smtClean="0"/>
+              <a:t>về</a:t>
+            </a:r>
+            <a:r>
+              <a:rPr lang="en-US" dirty="0" smtClean="0"/>
+              <a:t> </a:t>
+            </a:r>
+            <a:r>
+              <a:rPr lang="en-US" dirty="0" err="1" smtClean="0"/>
+              <a:t>dưới</a:t>
+            </a:r>
+            <a:r>
+              <a:rPr lang="en-US" dirty="0" smtClean="0"/>
+              <a:t> </a:t>
+            </a:r>
+            <a:r>
+              <a:rPr lang="en-US" dirty="0" err="1" smtClean="0"/>
+              <a:t>dạng</a:t>
+            </a:r>
+            <a:r>
+              <a:rPr lang="en-US" dirty="0" smtClean="0"/>
+              <a:t> XML.</a:t>
+            </a:r>
+          </a:p>
+          <a:p>
+            <a:r>
+              <a:rPr lang="en-US" dirty="0" err="1" smtClean="0"/>
+              <a:t>Thiếu</a:t>
+            </a:r>
+            <a:r>
+              <a:rPr lang="en-US" dirty="0" smtClean="0"/>
+              <a:t> </a:t>
+            </a:r>
+            <a:r>
+              <a:rPr lang="en-US" dirty="0" err="1" smtClean="0"/>
+              <a:t>cấu</a:t>
+            </a:r>
+            <a:r>
+              <a:rPr lang="en-US" dirty="0" smtClean="0"/>
+              <a:t> </a:t>
+            </a:r>
+            <a:r>
+              <a:rPr lang="en-US" dirty="0" err="1" smtClean="0"/>
+              <a:t>trúc</a:t>
+            </a:r>
+            <a:r>
+              <a:rPr lang="en-US" dirty="0" smtClean="0"/>
+              <a:t> </a:t>
+            </a:r>
+            <a:r>
+              <a:rPr lang="en-US" dirty="0" err="1" smtClean="0"/>
+              <a:t>đặc</a:t>
+            </a:r>
+            <a:r>
+              <a:rPr lang="en-US" dirty="0" smtClean="0"/>
+              <a:t> </a:t>
+            </a:r>
+            <a:r>
+              <a:rPr lang="en-US" dirty="0" err="1" smtClean="0"/>
+              <a:t>tả</a:t>
+            </a:r>
+            <a:r>
+              <a:rPr lang="en-US" dirty="0" smtClean="0"/>
+              <a:t> </a:t>
+            </a:r>
+            <a:r>
+              <a:rPr lang="en-US" dirty="0" err="1" smtClean="0"/>
+              <a:t>cấu</a:t>
+            </a:r>
+            <a:r>
+              <a:rPr lang="en-US" dirty="0" smtClean="0"/>
+              <a:t> </a:t>
+            </a:r>
+            <a:r>
+              <a:rPr lang="en-US" dirty="0" err="1" smtClean="0"/>
+              <a:t>trúc</a:t>
+            </a:r>
+            <a:r>
+              <a:rPr lang="en-US" dirty="0" smtClean="0"/>
+              <a:t> </a:t>
+            </a:r>
+            <a:r>
+              <a:rPr lang="en-US" dirty="0" err="1" smtClean="0"/>
+              <a:t>dữ</a:t>
+            </a:r>
+            <a:r>
+              <a:rPr lang="en-US" dirty="0" smtClean="0"/>
+              <a:t> </a:t>
+            </a:r>
+            <a:r>
+              <a:rPr lang="en-US" dirty="0" err="1" smtClean="0"/>
+              <a:t>liệu</a:t>
+            </a:r>
+            <a:r>
+              <a:rPr lang="en-US" dirty="0" smtClean="0"/>
+              <a:t>.</a:t>
+            </a:r>
+          </a:p>
+          <a:p>
+            <a:r>
+              <a:rPr lang="en-US" dirty="0" err="1" smtClean="0"/>
+              <a:t>Chưa</a:t>
+            </a:r>
+            <a:r>
+              <a:rPr lang="en-US" dirty="0" smtClean="0"/>
+              <a:t> </a:t>
+            </a:r>
+            <a:r>
+              <a:rPr lang="en-US" dirty="0" err="1" smtClean="0"/>
+              <a:t>có</a:t>
+            </a:r>
+            <a:r>
+              <a:rPr lang="en-US" dirty="0" smtClean="0"/>
+              <a:t> </a:t>
+            </a:r>
+            <a:r>
+              <a:rPr lang="en-US" dirty="0" err="1" smtClean="0"/>
+              <a:t>thiết</a:t>
+            </a:r>
+            <a:r>
+              <a:rPr lang="en-US" dirty="0" smtClean="0"/>
+              <a:t> </a:t>
+            </a:r>
+            <a:r>
+              <a:rPr lang="en-US" dirty="0" err="1" smtClean="0"/>
+              <a:t>kế</a:t>
+            </a:r>
+            <a:r>
+              <a:rPr lang="en-US" dirty="0" smtClean="0"/>
+              <a:t> </a:t>
+            </a:r>
+            <a:r>
+              <a:rPr lang="en-US" dirty="0" err="1" smtClean="0"/>
+              <a:t>cấu</a:t>
+            </a:r>
+            <a:r>
+              <a:rPr lang="en-US" dirty="0" smtClean="0"/>
+              <a:t> </a:t>
+            </a:r>
+            <a:r>
+              <a:rPr lang="en-US" dirty="0" err="1" smtClean="0"/>
+              <a:t>trúc</a:t>
+            </a:r>
+            <a:r>
+              <a:rPr lang="en-US" dirty="0" smtClean="0"/>
+              <a:t> </a:t>
+            </a:r>
+            <a:r>
+              <a:rPr lang="en-US" dirty="0" err="1" smtClean="0"/>
+              <a:t>lưu</a:t>
+            </a:r>
+            <a:r>
+              <a:rPr lang="en-US" dirty="0" smtClean="0"/>
+              <a:t> </a:t>
+            </a:r>
+            <a:r>
+              <a:rPr lang="en-US" dirty="0" err="1" smtClean="0"/>
+              <a:t>trữ</a:t>
+            </a:r>
+            <a:r>
+              <a:rPr lang="en-US" dirty="0" smtClean="0"/>
+              <a:t> </a:t>
+            </a:r>
+            <a:r>
+              <a:rPr lang="en-US" dirty="0" err="1" smtClean="0"/>
+              <a:t>phù</a:t>
+            </a:r>
+            <a:r>
+              <a:rPr lang="en-US" dirty="0" smtClean="0"/>
+              <a:t> </a:t>
+            </a:r>
+            <a:r>
+              <a:rPr lang="en-US" dirty="0" err="1" smtClean="0"/>
+              <a:t>hợp</a:t>
+            </a:r>
+            <a:r>
+              <a:rPr lang="en-US" dirty="0" smtClean="0"/>
+              <a:t>.</a:t>
+            </a:r>
+          </a:p>
+        </p:txBody>
+      </p:sp>
+    </p:spTree>
+    <p:extLst>
+      <p:ext uri="{BB962C8B-B14F-4D97-AF65-F5344CB8AC3E}">
+        <p14:creationId xmlns:p14="http://schemas.microsoft.com/office/powerpoint/2010/main" val="1186771158"/>
+      </p:ext>
+    </p:extLst>
+  </p:cSld>
+  <p:clrMapOvr>
+    <a:masterClrMapping/>
+  </p:clrMapOvr>
+</p:sld>
+</file>
+
+<file path=ppt/slides/slide11.xml><?xml version="1.0" encoding="utf-8"?>
+<p:sld xmlns:a="http://schemas.openxmlformats.org/drawingml/2006/main" xmlns:r="http://schemas.openxmlformats.org/officeDocument/2006/relationships" xmlns:p="http://schemas.openxmlformats.org/presentationml/2006/main">
+  <p:cSld>
+    <p:spTree>
+      <p:nvGrpSpPr>
+        <p:cNvPr id="1" name=""/>
+        <p:cNvGrpSpPr/>
+        <p:nvPr/>
+      </p:nvGrpSpPr>
+      <p:grpSpPr>
+        <a:xfrm>
+          <a:off x="0" y="0"/>
+          <a:ext cx="0" cy="0"/>
+          <a:chOff x="0" y="0"/>
+          <a:chExt cx="0" cy="0"/>
+        </a:xfrm>
+      </p:grpSpPr>
+      <p:sp>
+        <p:nvSpPr>
+          <p:cNvPr id="2" name="Title 1"/>
+          <p:cNvSpPr>
+            <a:spLocks noGrp="1"/>
+          </p:cNvSpPr>
+          <p:nvPr>
+            <p:ph type="title"/>
+          </p:nvPr>
+        </p:nvSpPr>
+        <p:spPr/>
+        <p:txBody>
+          <a:bodyPr/>
+          <a:lstStyle/>
+          <a:p>
+            <a:r>
+              <a:rPr lang="en-US" b="1" dirty="0" err="1" smtClean="0"/>
+              <a:t>Các</a:t>
+            </a:r>
+            <a:r>
+              <a:rPr lang="en-US" b="1" dirty="0" smtClean="0"/>
+              <a:t> </a:t>
+            </a:r>
+            <a:r>
+              <a:rPr lang="en-US" b="1" dirty="0" err="1" smtClean="0"/>
+              <a:t>vấn</a:t>
+            </a:r>
+            <a:r>
+              <a:rPr lang="en-US" b="1" dirty="0" smtClean="0"/>
+              <a:t> </a:t>
+            </a:r>
+            <a:r>
+              <a:rPr lang="en-US" b="1" dirty="0" err="1" smtClean="0"/>
+              <a:t>đề</a:t>
+            </a:r>
+            <a:r>
+              <a:rPr lang="en-US" b="1" dirty="0" smtClean="0"/>
+              <a:t> </a:t>
+            </a:r>
+            <a:r>
+              <a:rPr lang="en-US" b="1" dirty="0" err="1" smtClean="0"/>
+              <a:t>về</a:t>
+            </a:r>
+            <a:r>
+              <a:rPr lang="en-US" b="1" dirty="0" smtClean="0"/>
+              <a:t> </a:t>
+            </a:r>
+            <a:r>
+              <a:rPr lang="en-US" b="1" dirty="0" err="1" smtClean="0"/>
+              <a:t>dữ</a:t>
+            </a:r>
+            <a:r>
+              <a:rPr lang="en-US" b="1" dirty="0" smtClean="0"/>
+              <a:t> </a:t>
+            </a:r>
+            <a:r>
+              <a:rPr lang="en-US" b="1" dirty="0" err="1" smtClean="0"/>
+              <a:t>liệu</a:t>
+            </a:r>
+            <a:endParaRPr lang="en-US" b="1" dirty="0"/>
+          </a:p>
+        </p:txBody>
+      </p:sp>
+      <p:sp>
+        <p:nvSpPr>
+          <p:cNvPr id="3" name="Content Placeholder 2"/>
+          <p:cNvSpPr>
+            <a:spLocks noGrp="1"/>
+          </p:cNvSpPr>
+          <p:nvPr>
+            <p:ph idx="1"/>
+          </p:nvPr>
+        </p:nvSpPr>
+        <p:spPr/>
+        <p:txBody>
+          <a:bodyPr/>
+          <a:lstStyle/>
+          <a:p>
+            <a:r>
+              <a:rPr lang="en-US" dirty="0" err="1" smtClean="0"/>
+              <a:t>Thông</a:t>
+            </a:r>
+            <a:r>
+              <a:rPr lang="en-US" dirty="0" smtClean="0"/>
+              <a:t> </a:t>
+            </a:r>
+            <a:r>
+              <a:rPr lang="en-US" dirty="0" err="1" smtClean="0"/>
+              <a:t>số</a:t>
+            </a:r>
+            <a:r>
+              <a:rPr lang="en-US" dirty="0" smtClean="0"/>
+              <a:t> </a:t>
+            </a:r>
+            <a:r>
+              <a:rPr lang="en-US" dirty="0" err="1" smtClean="0"/>
+              <a:t>đầu</a:t>
+            </a:r>
+            <a:r>
+              <a:rPr lang="en-US" dirty="0" smtClean="0"/>
+              <a:t> </a:t>
+            </a:r>
+            <a:r>
+              <a:rPr lang="en-US" dirty="0" err="1" smtClean="0"/>
+              <a:t>vào</a:t>
+            </a:r>
+            <a:r>
+              <a:rPr lang="en-US" dirty="0" smtClean="0"/>
+              <a:t> </a:t>
+            </a:r>
+            <a:r>
+              <a:rPr lang="en-US" dirty="0" err="1" smtClean="0"/>
+              <a:t>và</a:t>
+            </a:r>
+            <a:r>
+              <a:rPr lang="en-US" dirty="0" smtClean="0"/>
+              <a:t> </a:t>
+            </a:r>
+            <a:r>
+              <a:rPr lang="en-US" dirty="0" err="1" smtClean="0"/>
+              <a:t>dữ</a:t>
+            </a:r>
+            <a:r>
+              <a:rPr lang="en-US" dirty="0" smtClean="0"/>
+              <a:t> </a:t>
+            </a:r>
+            <a:r>
+              <a:rPr lang="en-US" dirty="0" err="1" smtClean="0"/>
+              <a:t>liệu</a:t>
+            </a:r>
+            <a:r>
+              <a:rPr lang="en-US" dirty="0" smtClean="0"/>
+              <a:t> </a:t>
+            </a:r>
+            <a:r>
+              <a:rPr lang="en-US" dirty="0" err="1" smtClean="0"/>
+              <a:t>trả</a:t>
+            </a:r>
+            <a:r>
+              <a:rPr lang="en-US" dirty="0" smtClean="0"/>
+              <a:t> </a:t>
+            </a:r>
+            <a:r>
+              <a:rPr lang="en-US" dirty="0" err="1" smtClean="0"/>
+              <a:t>về</a:t>
+            </a:r>
+            <a:r>
+              <a:rPr lang="en-US" dirty="0" smtClean="0"/>
+              <a:t> </a:t>
+            </a:r>
+            <a:r>
+              <a:rPr lang="en-US" dirty="0" err="1" smtClean="0"/>
+              <a:t>lớn</a:t>
+            </a:r>
+            <a:r>
+              <a:rPr lang="en-US" dirty="0" smtClean="0"/>
+              <a:t>.</a:t>
+            </a:r>
+          </a:p>
+          <a:p>
+            <a:r>
+              <a:rPr lang="en-US" dirty="0" err="1" smtClean="0"/>
+              <a:t>Không</a:t>
+            </a:r>
+            <a:r>
+              <a:rPr lang="en-US" dirty="0" smtClean="0"/>
+              <a:t> </a:t>
+            </a:r>
+            <a:r>
+              <a:rPr lang="en-US" dirty="0" err="1" smtClean="0"/>
+              <a:t>thể</a:t>
+            </a:r>
+            <a:r>
+              <a:rPr lang="en-US" dirty="0" smtClean="0"/>
+              <a:t> </a:t>
+            </a:r>
+            <a:r>
+              <a:rPr lang="en-US" dirty="0" err="1" smtClean="0"/>
+              <a:t>dùng</a:t>
+            </a:r>
+            <a:r>
+              <a:rPr lang="en-US" dirty="0" smtClean="0"/>
+              <a:t> </a:t>
+            </a:r>
+            <a:r>
+              <a:rPr lang="en-US" dirty="0" err="1" smtClean="0"/>
+              <a:t>công</a:t>
+            </a:r>
+            <a:r>
+              <a:rPr lang="en-US" dirty="0" smtClean="0"/>
+              <a:t> </a:t>
+            </a:r>
+            <a:r>
+              <a:rPr lang="en-US" dirty="0" err="1" smtClean="0"/>
+              <a:t>nghệ</a:t>
+            </a:r>
+            <a:r>
+              <a:rPr lang="en-US" dirty="0" smtClean="0"/>
+              <a:t> </a:t>
+            </a:r>
+            <a:r>
+              <a:rPr lang="en-US" dirty="0" err="1" smtClean="0"/>
+              <a:t>có</a:t>
+            </a:r>
+            <a:r>
+              <a:rPr lang="en-US" dirty="0" smtClean="0"/>
+              <a:t> </a:t>
+            </a:r>
+            <a:r>
+              <a:rPr lang="en-US" dirty="0" err="1" smtClean="0"/>
+              <a:t>sẵn</a:t>
+            </a:r>
+            <a:r>
+              <a:rPr lang="en-US" dirty="0" smtClean="0"/>
+              <a:t> </a:t>
+            </a:r>
+            <a:r>
+              <a:rPr lang="en-US" dirty="0" err="1" smtClean="0"/>
+              <a:t>của</a:t>
+            </a:r>
+            <a:r>
+              <a:rPr lang="en-US" dirty="0" smtClean="0"/>
+              <a:t> </a:t>
+            </a:r>
+            <a:r>
+              <a:rPr lang="en-US" dirty="0" err="1" smtClean="0"/>
+              <a:t>.Net</a:t>
+            </a:r>
+            <a:r>
+              <a:rPr lang="en-US" dirty="0" smtClean="0"/>
+              <a:t> </a:t>
+            </a:r>
+            <a:r>
+              <a:rPr lang="en-US" dirty="0" err="1" smtClean="0"/>
+              <a:t>để</a:t>
+            </a:r>
+            <a:r>
+              <a:rPr lang="en-US" dirty="0" smtClean="0"/>
+              <a:t> </a:t>
+            </a:r>
+            <a:r>
+              <a:rPr lang="en-US" dirty="0" err="1" smtClean="0"/>
+              <a:t>phân</a:t>
+            </a:r>
+            <a:r>
+              <a:rPr lang="en-US" dirty="0" smtClean="0"/>
+              <a:t> </a:t>
+            </a:r>
+            <a:r>
+              <a:rPr lang="en-US" dirty="0" err="1" smtClean="0"/>
+              <a:t>tích</a:t>
+            </a:r>
+            <a:r>
+              <a:rPr lang="en-US" dirty="0" smtClean="0"/>
+              <a:t> </a:t>
+            </a:r>
+            <a:r>
+              <a:rPr lang="en-US" dirty="0" err="1" smtClean="0"/>
+              <a:t>dữ</a:t>
+            </a:r>
+            <a:r>
+              <a:rPr lang="en-US" dirty="0" smtClean="0"/>
+              <a:t> </a:t>
+            </a:r>
+            <a:r>
+              <a:rPr lang="en-US" dirty="0" err="1" smtClean="0"/>
+              <a:t>liệu</a:t>
+            </a:r>
+            <a:r>
+              <a:rPr lang="en-US" dirty="0" smtClean="0"/>
+              <a:t> XML.</a:t>
+            </a:r>
+          </a:p>
+          <a:p>
+            <a:r>
+              <a:rPr lang="en-US" dirty="0" err="1"/>
+              <a:t>D</a:t>
+            </a:r>
+            <a:r>
+              <a:rPr lang="en-US" dirty="0" err="1" smtClean="0"/>
+              <a:t>ữ</a:t>
+            </a:r>
+            <a:r>
+              <a:rPr lang="en-US" dirty="0" smtClean="0"/>
+              <a:t> </a:t>
+            </a:r>
+            <a:r>
+              <a:rPr lang="en-US" dirty="0" err="1" smtClean="0"/>
+              <a:t>liệu</a:t>
+            </a:r>
+            <a:r>
+              <a:rPr lang="en-US" dirty="0"/>
+              <a:t> </a:t>
+            </a:r>
+            <a:r>
+              <a:rPr lang="en-US" dirty="0" err="1" smtClean="0"/>
+              <a:t>có</a:t>
+            </a:r>
+            <a:r>
+              <a:rPr lang="en-US" dirty="0" smtClean="0"/>
+              <a:t> </a:t>
+            </a:r>
+            <a:r>
+              <a:rPr lang="en-US" dirty="0" err="1" smtClean="0"/>
+              <a:t>tần</a:t>
+            </a:r>
+            <a:r>
+              <a:rPr lang="en-US" dirty="0" smtClean="0"/>
+              <a:t> </a:t>
+            </a:r>
+            <a:r>
+              <a:rPr lang="en-US" dirty="0" err="1" smtClean="0"/>
+              <a:t>suất</a:t>
+            </a:r>
+            <a:r>
+              <a:rPr lang="en-US" dirty="0" smtClean="0"/>
+              <a:t> </a:t>
+            </a:r>
+            <a:r>
+              <a:rPr lang="en-US" dirty="0" err="1" smtClean="0"/>
+              <a:t>truy</a:t>
+            </a:r>
+            <a:r>
+              <a:rPr lang="en-US" dirty="0" smtClean="0"/>
+              <a:t> </a:t>
+            </a:r>
+            <a:r>
+              <a:rPr lang="en-US" dirty="0" err="1" smtClean="0"/>
+              <a:t>xuất</a:t>
+            </a:r>
+            <a:r>
+              <a:rPr lang="en-US" dirty="0" smtClean="0"/>
+              <a:t> </a:t>
+            </a:r>
+            <a:r>
+              <a:rPr lang="en-US" dirty="0" err="1" smtClean="0"/>
+              <a:t>cao</a:t>
+            </a:r>
+            <a:r>
+              <a:rPr lang="en-US" dirty="0" smtClean="0"/>
+              <a:t>.</a:t>
+            </a:r>
+            <a:endParaRPr lang="en-US" dirty="0"/>
+          </a:p>
+        </p:txBody>
+      </p:sp>
+    </p:spTree>
+    <p:extLst>
+      <p:ext uri="{BB962C8B-B14F-4D97-AF65-F5344CB8AC3E}">
+        <p14:creationId xmlns:p14="http://schemas.microsoft.com/office/powerpoint/2010/main" val="2296235705"/>
+      </p:ext>
+    </p:extLst>
+  </p:cSld>
+  <p:clrMapOvr>
+    <a:masterClrMapping/>
+  </p:clrMapOvr>
+  <p:timing>
+    <p:tnLst>
+      <p:par>
+        <p:cTn id="1" dur="indefinite" restart="never" nodeType="tmRoot"/>
+      </p:par>
+    </p:tnLst>
+  </p:timing>
+</p:sld>
+</file>
+
+<file path=ppt/slides/slide12.xml><?xml version="1.0" encoding="utf-8"?>
+<p:sld xmlns:a="http://schemas.openxmlformats.org/drawingml/2006/main" xmlns:r="http://schemas.openxmlformats.org/officeDocument/2006/relationships" xmlns:p="http://schemas.openxmlformats.org/presentationml/2006/main">
+  <p:cSld>
+    <p:spTree>
+      <p:nvGrpSpPr>
+        <p:cNvPr id="1" name=""/>
+        <p:cNvGrpSpPr/>
+        <p:nvPr/>
+      </p:nvGrpSpPr>
+      <p:grpSpPr>
+        <a:xfrm>
+          <a:off x="0" y="0"/>
+          <a:ext cx="0" cy="0"/>
+          <a:chOff x="0" y="0"/>
+          <a:chExt cx="0" cy="0"/>
+        </a:xfrm>
+      </p:grpSpPr>
+      <p:sp>
+        <p:nvSpPr>
+          <p:cNvPr id="2" name="Title 1"/>
+          <p:cNvSpPr>
+            <a:spLocks noGrp="1"/>
+          </p:cNvSpPr>
+          <p:nvPr>
+            <p:ph type="title"/>
+          </p:nvPr>
+        </p:nvSpPr>
+        <p:spPr/>
+        <p:txBody>
+          <a:bodyPr/>
+          <a:lstStyle/>
+          <a:p>
+            <a:r>
+              <a:rPr lang="en-US" b="1" dirty="0" err="1" smtClean="0"/>
+              <a:t>Giải</a:t>
+            </a:r>
+            <a:r>
+              <a:rPr lang="en-US" b="1" dirty="0" smtClean="0"/>
+              <a:t> </a:t>
+            </a:r>
+            <a:r>
+              <a:rPr lang="en-US" b="1" dirty="0" err="1" smtClean="0"/>
+              <a:t>pháp</a:t>
+            </a:r>
+            <a:r>
+              <a:rPr lang="en-US" b="1" dirty="0" smtClean="0"/>
+              <a:t> </a:t>
+            </a:r>
+            <a:r>
+              <a:rPr lang="en-US" b="1" dirty="0" err="1" smtClean="0"/>
+              <a:t>về</a:t>
+            </a:r>
+            <a:r>
+              <a:rPr lang="en-US" b="1" dirty="0" smtClean="0"/>
+              <a:t> </a:t>
+            </a:r>
+            <a:r>
+              <a:rPr lang="en-US" b="1" dirty="0" err="1" smtClean="0"/>
+              <a:t>dữ</a:t>
+            </a:r>
+            <a:r>
+              <a:rPr lang="en-US" b="1" dirty="0" smtClean="0"/>
+              <a:t> </a:t>
+            </a:r>
+            <a:r>
+              <a:rPr lang="en-US" b="1" dirty="0" err="1" smtClean="0"/>
+              <a:t>liệu</a:t>
+            </a:r>
+            <a:endParaRPr lang="vi-VN" b="1" dirty="0"/>
+          </a:p>
+        </p:txBody>
+      </p:sp>
+      <p:sp>
+        <p:nvSpPr>
+          <p:cNvPr id="3" name="Content Placeholder 2"/>
+          <p:cNvSpPr>
+            <a:spLocks noGrp="1"/>
+          </p:cNvSpPr>
+          <p:nvPr>
+            <p:ph idx="1"/>
+          </p:nvPr>
+        </p:nvSpPr>
+        <p:spPr/>
+        <p:txBody>
+          <a:bodyPr/>
+          <a:lstStyle/>
+          <a:p>
+            <a:r>
+              <a:rPr lang="en-US" dirty="0" err="1" smtClean="0"/>
+              <a:t>Sử</a:t>
+            </a:r>
+            <a:r>
+              <a:rPr lang="en-US" dirty="0" smtClean="0"/>
+              <a:t> </a:t>
+            </a:r>
+            <a:r>
+              <a:rPr lang="en-US" dirty="0" err="1" smtClean="0"/>
+              <a:t>dụng</a:t>
+            </a:r>
+            <a:r>
+              <a:rPr lang="en-US" dirty="0" smtClean="0"/>
+              <a:t> </a:t>
+            </a:r>
+            <a:r>
+              <a:rPr lang="en-US" dirty="0" err="1" smtClean="0"/>
+              <a:t>tính</a:t>
+            </a:r>
+            <a:r>
+              <a:rPr lang="en-US" dirty="0" smtClean="0"/>
+              <a:t> </a:t>
+            </a:r>
+            <a:r>
+              <a:rPr lang="en-US" dirty="0" err="1" smtClean="0"/>
+              <a:t>kế</a:t>
+            </a:r>
+            <a:r>
+              <a:rPr lang="en-US" dirty="0" smtClean="0"/>
+              <a:t> </a:t>
+            </a:r>
+            <a:r>
+              <a:rPr lang="en-US" dirty="0" err="1" smtClean="0"/>
+              <a:t>thừa</a:t>
+            </a:r>
+            <a:r>
+              <a:rPr lang="en-US" dirty="0"/>
+              <a:t> </a:t>
+            </a:r>
+            <a:r>
+              <a:rPr lang="en-US" dirty="0" err="1" smtClean="0"/>
+              <a:t>để</a:t>
+            </a:r>
+            <a:r>
+              <a:rPr lang="en-US" dirty="0" smtClean="0"/>
+              <a:t> </a:t>
+            </a:r>
+            <a:r>
+              <a:rPr lang="en-US" dirty="0" err="1" smtClean="0"/>
+              <a:t>giảm</a:t>
+            </a:r>
+            <a:r>
+              <a:rPr lang="en-US" dirty="0" smtClean="0"/>
+              <a:t> </a:t>
+            </a:r>
+            <a:r>
+              <a:rPr lang="en-US" dirty="0" err="1" smtClean="0"/>
+              <a:t>số</a:t>
+            </a:r>
+            <a:r>
+              <a:rPr lang="en-US" dirty="0" smtClean="0"/>
+              <a:t> </a:t>
+            </a:r>
+            <a:r>
+              <a:rPr lang="en-US" dirty="0" err="1" smtClean="0"/>
+              <a:t>lượng</a:t>
+            </a:r>
+            <a:r>
+              <a:rPr lang="en-US" dirty="0" smtClean="0"/>
+              <a:t> </a:t>
+            </a:r>
+            <a:r>
+              <a:rPr lang="en-US" dirty="0" err="1" smtClean="0"/>
+              <a:t>thuộc</a:t>
+            </a:r>
+            <a:r>
+              <a:rPr lang="en-US" dirty="0" smtClean="0"/>
+              <a:t> </a:t>
+            </a:r>
+            <a:r>
+              <a:rPr lang="en-US" dirty="0" err="1" smtClean="0"/>
+              <a:t>tính</a:t>
+            </a:r>
+            <a:r>
+              <a:rPr lang="en-US" dirty="0" smtClean="0"/>
+              <a:t> </a:t>
+            </a:r>
+            <a:r>
+              <a:rPr lang="en-US" dirty="0" err="1" smtClean="0"/>
+              <a:t>lặp</a:t>
+            </a:r>
+            <a:r>
+              <a:rPr lang="en-US" dirty="0" smtClean="0"/>
+              <a:t> </a:t>
+            </a:r>
+            <a:r>
+              <a:rPr lang="en-US" dirty="0" err="1" smtClean="0"/>
+              <a:t>lại</a:t>
+            </a:r>
+            <a:endParaRPr lang="en-US" dirty="0" smtClean="0"/>
+          </a:p>
+          <a:p>
+            <a:r>
+              <a:rPr lang="en-US" dirty="0" err="1" smtClean="0"/>
+              <a:t>Thiết</a:t>
+            </a:r>
+            <a:r>
+              <a:rPr lang="en-US" dirty="0" smtClean="0"/>
+              <a:t> </a:t>
+            </a:r>
+            <a:r>
+              <a:rPr lang="en-US" dirty="0" err="1" smtClean="0"/>
+              <a:t>kế</a:t>
+            </a:r>
+            <a:r>
+              <a:rPr lang="en-US" dirty="0" smtClean="0"/>
+              <a:t> </a:t>
+            </a:r>
+            <a:r>
+              <a:rPr lang="en-US" dirty="0" err="1" smtClean="0"/>
+              <a:t>các</a:t>
+            </a:r>
+            <a:r>
+              <a:rPr lang="en-US" dirty="0" smtClean="0"/>
+              <a:t> </a:t>
+            </a:r>
+            <a:r>
+              <a:rPr lang="en-US" dirty="0" err="1" smtClean="0"/>
+              <a:t>phương</a:t>
+            </a:r>
+            <a:r>
+              <a:rPr lang="en-US" dirty="0" smtClean="0"/>
+              <a:t> </a:t>
+            </a:r>
+            <a:r>
+              <a:rPr lang="en-US" dirty="0" err="1" smtClean="0"/>
+              <a:t>thức</a:t>
+            </a:r>
+            <a:r>
+              <a:rPr lang="en-US" dirty="0" smtClean="0"/>
+              <a:t> </a:t>
+            </a:r>
+            <a:r>
+              <a:rPr lang="en-US" dirty="0" err="1" smtClean="0"/>
+              <a:t>phân</a:t>
+            </a:r>
+            <a:r>
+              <a:rPr lang="en-US" dirty="0" smtClean="0"/>
+              <a:t> </a:t>
+            </a:r>
+            <a:r>
+              <a:rPr lang="en-US" dirty="0" err="1" smtClean="0"/>
+              <a:t>tích</a:t>
+            </a:r>
+            <a:r>
+              <a:rPr lang="en-US" dirty="0" smtClean="0"/>
+              <a:t> </a:t>
+            </a:r>
+            <a:r>
+              <a:rPr lang="en-US" dirty="0" err="1" smtClean="0"/>
+              <a:t>dữ</a:t>
+            </a:r>
+            <a:r>
+              <a:rPr lang="en-US" dirty="0" smtClean="0"/>
+              <a:t> </a:t>
+            </a:r>
+            <a:r>
+              <a:rPr lang="en-US" dirty="0" err="1" smtClean="0"/>
+              <a:t>liệu</a:t>
+            </a:r>
+            <a:r>
+              <a:rPr lang="en-US" dirty="0"/>
+              <a:t>.</a:t>
+            </a:r>
+            <a:endParaRPr lang="en-US" dirty="0" smtClean="0"/>
+          </a:p>
+          <a:p>
+            <a:r>
+              <a:rPr lang="en-US" dirty="0" smtClean="0"/>
+              <a:t>Cache </a:t>
+            </a:r>
+            <a:r>
+              <a:rPr lang="en-US" dirty="0" err="1" smtClean="0"/>
+              <a:t>các</a:t>
+            </a:r>
+            <a:r>
+              <a:rPr lang="en-US" dirty="0" smtClean="0"/>
+              <a:t> </a:t>
+            </a:r>
+            <a:r>
+              <a:rPr lang="en-US" dirty="0" err="1" smtClean="0"/>
+              <a:t>dữ</a:t>
+            </a:r>
+            <a:r>
+              <a:rPr lang="en-US" dirty="0" smtClean="0"/>
+              <a:t> </a:t>
+            </a:r>
+            <a:r>
+              <a:rPr lang="en-US" dirty="0" err="1" smtClean="0"/>
+              <a:t>liệu</a:t>
+            </a:r>
+            <a:r>
+              <a:rPr lang="en-US" dirty="0" smtClean="0"/>
+              <a:t> </a:t>
+            </a:r>
+            <a:r>
+              <a:rPr lang="en-US" dirty="0" err="1" smtClean="0"/>
+              <a:t>được</a:t>
+            </a:r>
+            <a:r>
+              <a:rPr lang="en-US" dirty="0" smtClean="0"/>
+              <a:t> </a:t>
+            </a:r>
+            <a:r>
+              <a:rPr lang="en-US" dirty="0" err="1" smtClean="0"/>
+              <a:t>truy</a:t>
+            </a:r>
+            <a:r>
+              <a:rPr lang="en-US" dirty="0" smtClean="0"/>
+              <a:t> </a:t>
+            </a:r>
+            <a:r>
+              <a:rPr lang="en-US" dirty="0" err="1" smtClean="0"/>
+              <a:t>xuất</a:t>
+            </a:r>
+            <a:r>
+              <a:rPr lang="en-US" dirty="0" smtClean="0"/>
+              <a:t> </a:t>
+            </a:r>
+            <a:r>
+              <a:rPr lang="en-US" dirty="0" err="1" smtClean="0"/>
+              <a:t>thường</a:t>
+            </a:r>
+            <a:r>
+              <a:rPr lang="en-US" dirty="0" smtClean="0"/>
+              <a:t> </a:t>
+            </a:r>
+            <a:r>
+              <a:rPr lang="en-US" dirty="0" err="1" smtClean="0"/>
+              <a:t>xuyên</a:t>
+            </a:r>
+            <a:r>
+              <a:rPr lang="en-US" dirty="0" smtClean="0"/>
+              <a:t>.</a:t>
+            </a:r>
+            <a:endParaRPr lang="vi-VN" dirty="0"/>
+          </a:p>
+        </p:txBody>
+      </p:sp>
+    </p:spTree>
+    <p:extLst>
+      <p:ext uri="{BB962C8B-B14F-4D97-AF65-F5344CB8AC3E}">
+        <p14:creationId xmlns:p14="http://schemas.microsoft.com/office/powerpoint/2010/main" val="1557009442"/>
+      </p:ext>
+    </p:extLst>
+  </p:cSld>
+  <p:clrMapOvr>
+    <a:masterClrMapping/>
+  </p:clrMapOvr>
+  <p:timing>
+    <p:tnLst>
+      <p:par>
+        <p:cTn id="1" dur="indefinite" restart="never" nodeType="tmRoot"/>
+      </p:par>
+    </p:tnLst>
+  </p:timing>
+</p:sld>
+</file>
+
+<file path=ppt/slides/slide13.xml><?xml version="1.0" encoding="utf-8"?>
+<p:sld xmlns:a="http://schemas.openxmlformats.org/drawingml/2006/main" xmlns:r="http://schemas.openxmlformats.org/officeDocument/2006/relationships" xmlns:p="http://schemas.openxmlformats.org/presentationml/2006/main">
+  <p:cSld>
+    <p:spTree>
+      <p:nvGrpSpPr>
+        <p:cNvPr id="1" name=""/>
+        <p:cNvGrpSpPr/>
+        <p:nvPr/>
+      </p:nvGrpSpPr>
+      <p:grpSpPr>
+        <a:xfrm>
+          <a:off x="0" y="0"/>
+          <a:ext cx="0" cy="0"/>
+          <a:chOff x="0" y="0"/>
+          <a:chExt cx="0" cy="0"/>
+        </a:xfrm>
+      </p:grpSpPr>
+      <p:sp>
+        <p:nvSpPr>
+          <p:cNvPr id="2" name="Title 1"/>
+          <p:cNvSpPr>
+            <a:spLocks noGrp="1"/>
+          </p:cNvSpPr>
+          <p:nvPr>
+            <p:ph type="title"/>
+          </p:nvPr>
+        </p:nvSpPr>
+        <p:spPr/>
+        <p:txBody>
+          <a:bodyPr/>
+          <a:lstStyle/>
+          <a:p>
+            <a:endParaRPr lang="vi-VN"/>
+          </a:p>
+        </p:txBody>
+      </p:sp>
+      <p:sp>
+        <p:nvSpPr>
+          <p:cNvPr id="3" name="Rectangle 2"/>
+          <p:cNvSpPr>
+            <a:spLocks noChangeArrowheads="1"/>
+          </p:cNvSpPr>
+          <p:nvPr/>
+        </p:nvSpPr>
+        <p:spPr bwMode="auto">
+          <a:xfrm>
+            <a:off x="1610435" y="1146411"/>
+            <a:ext cx="16665189" cy="45719"/>
+          </a:xfrm>
+          <a:prstGeom prst="rect">
+            <a:avLst/>
+          </a:prstGeom>
+          <a:noFill/>
+          <a:ln>
+            <a:noFill/>
+          </a:ln>
+          <a:effectLst/>
+          <a:extLst>
+            <a:ext uri="{909E8E84-426E-40DD-AFC4-6F175D3DCCD1}">
+              <a14:hiddenFill xmlns:a14="http://schemas.microsoft.com/office/drawing/2010/main">
+                <a:solidFill>
+                  <a:schemeClr val="accent1"/>
+                </a:solidFill>
+              </a14:hiddenFill>
+            </a:ext>
+            <a:ext uri="{91240B29-F687-4F45-9708-019B960494DF}">
+              <a14:hiddenLine xmlns:a14="http://schemas.microsoft.com/office/drawing/2010/main" w="9525">
+                <a:solidFill>
+                  <a:schemeClr val="tx1"/>
+                </a:solidFill>
+                <a:miter lim="800000"/>
+                <a:headEnd/>
+                <a:tailEnd/>
+              </a14:hiddenLine>
+            </a:ext>
+            <a:ext uri="{AF507438-7753-43E0-B8FC-AC1667EBCBE1}">
+              <a14:hiddenEffects xmlns:a14="http://schemas.microsoft.com/office/drawing/2010/main">
+                <a:effectLst>
+                  <a:outerShdw dist="35921" dir="2700000" algn="ctr" rotWithShape="0">
+                    <a:schemeClr val="bg2"/>
+                  </a:outerShdw>
+                </a:effectLst>
+              </a14:hiddenEffects>
+            </a:ext>
+          </a:extLst>
+        </p:spPr>
+        <p:txBody>
+          <a:bodyPr vert="horz" wrap="square" lIns="91440" tIns="45720" rIns="91440" bIns="45720" numCol="1" anchor="ctr" anchorCtr="0" compatLnSpc="1">
+            <a:prstTxWarp prst="textNoShape">
+              <a:avLst/>
+            </a:prstTxWarp>
+            <a:spAutoFit/>
+          </a:bodyPr>
+          <a:lstStyle/>
+          <a:p>
+            <a:endParaRPr lang="vi-VN"/>
+          </a:p>
+        </p:txBody>
+      </p:sp>
+      <p:graphicFrame>
+        <p:nvGraphicFramePr>
+          <p:cNvPr id="4" name="Object 3"/>
+          <p:cNvGraphicFramePr>
+            <a:graphicFrameLocks noChangeAspect="1"/>
+          </p:cNvGraphicFramePr>
+          <p:nvPr>
+            <p:extLst>
+              <p:ext uri="{D42A27DB-BD31-4B8C-83A1-F6EECF244321}">
+                <p14:modId xmlns:p14="http://schemas.microsoft.com/office/powerpoint/2010/main" val="2601077281"/>
+              </p:ext>
+            </p:extLst>
+          </p:nvPr>
+        </p:nvGraphicFramePr>
+        <p:xfrm>
+          <a:off x="959015" y="1146411"/>
+          <a:ext cx="9844743" cy="5008729"/>
+        </p:xfrm>
+        <a:graphic>
+          <a:graphicData uri="http://schemas.openxmlformats.org/presentationml/2006/ole">
+            <mc:AlternateContent xmlns:mc="http://schemas.openxmlformats.org/markup-compatibility/2006">
+              <mc:Choice xmlns:v="urn:schemas-microsoft-com:vml" Requires="v">
+                <p:oleObj spid="_x0000_s1028" name="Visio" r:id="rId4" imgW="5429129" imgH="2762341" progId="Visio.Drawing.11">
+                  <p:embed/>
+                </p:oleObj>
+              </mc:Choice>
+              <mc:Fallback>
+                <p:oleObj name="Visio" r:id="rId4" imgW="5429129" imgH="2762341" progId="Visio.Drawing.11">
+                  <p:embed/>
+                  <p:pic>
+                    <p:nvPicPr>
+                      <p:cNvPr id="0" name="Object 1"/>
+                      <p:cNvPicPr>
+                        <a:picLocks noChangeAspect="1" noChangeArrowheads="1"/>
+                      </p:cNvPicPr>
+                      <p:nvPr/>
+                    </p:nvPicPr>
+                    <p:blipFill>
+                      <a:blip r:embed="rId5">
+                        <a:extLst>
+                          <a:ext uri="{28A0092B-C50C-407E-A947-70E740481C1C}">
+                            <a14:useLocalDpi xmlns:a14="http://schemas.microsoft.com/office/drawing/2010/main" val="0"/>
+                          </a:ext>
+                        </a:extLst>
+                      </a:blip>
+                      <a:srcRect/>
+                      <a:stretch>
+                        <a:fillRect/>
+                      </a:stretch>
+                    </p:blipFill>
+                    <p:spPr bwMode="auto">
+                      <a:xfrm>
+                        <a:off x="959015" y="1146411"/>
+                        <a:ext cx="9844743" cy="5008729"/>
+                      </a:xfrm>
+                      <a:prstGeom prst="rect">
+                        <a:avLst/>
+                      </a:prstGeom>
+                      <a:noFill/>
+                    </p:spPr>
+                  </p:pic>
+                </p:oleObj>
+              </mc:Fallback>
+            </mc:AlternateContent>
+          </a:graphicData>
+        </a:graphic>
+      </p:graphicFrame>
+    </p:spTree>
+    <p:extLst>
+      <p:ext uri="{BB962C8B-B14F-4D97-AF65-F5344CB8AC3E}">
+        <p14:creationId xmlns:p14="http://schemas.microsoft.com/office/powerpoint/2010/main" val="2888905233"/>
+      </p:ext>
+    </p:extLst>
+  </p:cSld>
+  <p:clrMapOvr>
+    <a:masterClrMapping/>
+  </p:clrMapOvr>
+  <p:timing>
+    <p:tnLst>
+      <p:par>
+        <p:cTn id="1" dur="indefinite" restart="never" nodeType="tmRoot"/>
+      </p:par>
+    </p:tnLst>
+  </p:timing>
+</p:sld>
+</file>
+
+<file path=ppt/slides/slide14.xml><?xml version="1.0" encoding="utf-8"?>
+<p:sld xmlns:a="http://schemas.openxmlformats.org/drawingml/2006/main" xmlns:r="http://schemas.openxmlformats.org/officeDocument/2006/relationships" xmlns:p="http://schemas.openxmlformats.org/presentationml/2006/main">
+  <p:cSld>
+    <p:spTree>
+      <p:nvGrpSpPr>
+        <p:cNvPr id="1" name=""/>
+        <p:cNvGrpSpPr/>
+        <p:nvPr/>
+      </p:nvGrpSpPr>
+      <p:grpSpPr>
+        <a:xfrm>
+          <a:off x="0" y="0"/>
+          <a:ext cx="0" cy="0"/>
+          <a:chOff x="0" y="0"/>
+          <a:chExt cx="0" cy="0"/>
+        </a:xfrm>
+      </p:grpSpPr>
+      <p:sp>
+        <p:nvSpPr>
+          <p:cNvPr id="2" name="Title 1"/>
+          <p:cNvSpPr>
+            <a:spLocks noGrp="1"/>
+          </p:cNvSpPr>
+          <p:nvPr>
+            <p:ph type="title"/>
+          </p:nvPr>
+        </p:nvSpPr>
+        <p:spPr/>
+        <p:txBody>
+          <a:bodyPr/>
+          <a:lstStyle/>
+          <a:p>
+            <a:r>
               <a:rPr lang="en-US" b="1" dirty="0" smtClean="0"/>
               <a:t>Unit Test</a:t>
             </a:r>
@@ -3462,7 +4691,7 @@
 </p:sld>
 </file>
 
-<file path=ppt/slides/slide11.xml><?xml version="1.0" encoding="utf-8"?>
+<file path=ppt/slides/slide15.xml><?xml version="1.0" encoding="utf-8"?>
 <p:sld xmlns:a="http://schemas.openxmlformats.org/drawingml/2006/main" xmlns:r="http://schemas.openxmlformats.org/officeDocument/2006/relationships" xmlns:p="http://schemas.openxmlformats.org/presentationml/2006/main">
   <p:cSld>
     <p:spTree>
@@ -3611,7 +4840,7 @@
 </p:sld>
 </file>
 
-<file path=ppt/slides/slide12.xml><?xml version="1.0" encoding="utf-8"?>
+<file path=ppt/slides/slide16.xml><?xml version="1.0" encoding="utf-8"?>
 <p:sld xmlns:a="http://schemas.openxmlformats.org/drawingml/2006/main" xmlns:r="http://schemas.openxmlformats.org/officeDocument/2006/relationships" xmlns:p="http://schemas.openxmlformats.org/presentationml/2006/main">
   <p:cSld>
     <p:spTree>
@@ -4151,7 +5380,7 @@
 </p:sld>
 </file>
 
-<file path=ppt/slides/slide13.xml><?xml version="1.0" encoding="utf-8"?>
+<file path=ppt/slides/slide17.xml><?xml version="1.0" encoding="utf-8"?>
 <p:sld xmlns:a="http://schemas.openxmlformats.org/drawingml/2006/main" xmlns:r="http://schemas.openxmlformats.org/officeDocument/2006/relationships" xmlns:p="http://schemas.openxmlformats.org/presentationml/2006/main">
   <p:cSld>
     <p:spTree>
@@ -4298,7 +5527,7 @@
 </p:sld>
 </file>
 
-<file path=ppt/slides/slide14.xml><?xml version="1.0" encoding="utf-8"?>
+<file path=ppt/slides/slide18.xml><?xml version="1.0" encoding="utf-8"?>
 <p:sld xmlns:a="http://schemas.openxmlformats.org/drawingml/2006/main" xmlns:r="http://schemas.openxmlformats.org/officeDocument/2006/relationships" xmlns:p="http://schemas.openxmlformats.org/presentationml/2006/main">
   <p:cSld>
     <p:spTree>
@@ -4734,6 +5963,90 @@
 </file>
 
 <file path=ppt/slides/slide5.xml><?xml version="1.0" encoding="utf-8"?>
+<p:sld xmlns:a="http://schemas.openxmlformats.org/drawingml/2006/main" xmlns:r="http://schemas.openxmlformats.org/officeDocument/2006/relationships" xmlns:p="http://schemas.openxmlformats.org/presentationml/2006/main">
+  <p:cSld>
+    <p:spTree>
+      <p:nvGrpSpPr>
+        <p:cNvPr id="1" name=""/>
+        <p:cNvGrpSpPr/>
+        <p:nvPr/>
+      </p:nvGrpSpPr>
+      <p:grpSpPr>
+        <a:xfrm>
+          <a:off x="0" y="0"/>
+          <a:ext cx="0" cy="0"/>
+          <a:chOff x="0" y="0"/>
+          <a:chExt cx="0" cy="0"/>
+        </a:xfrm>
+      </p:grpSpPr>
+      <p:sp>
+        <p:nvSpPr>
+          <p:cNvPr id="2" name="Title 1"/>
+          <p:cNvSpPr>
+            <a:spLocks noGrp="1"/>
+          </p:cNvSpPr>
+          <p:nvPr>
+            <p:ph type="title"/>
+          </p:nvPr>
+        </p:nvSpPr>
+        <p:spPr/>
+        <p:txBody>
+          <a:bodyPr/>
+          <a:lstStyle/>
+          <a:p>
+            <a:r>
+              <a:rPr lang="en-US" b="1" smtClean="0"/>
+              <a:t>Dashboard</a:t>
+            </a:r>
+            <a:endParaRPr lang="en-US" b="1"/>
+          </a:p>
+        </p:txBody>
+      </p:sp>
+      <p:pic>
+        <p:nvPicPr>
+          <p:cNvPr id="5" name="Picture 4"/>
+          <p:cNvPicPr>
+            <a:picLocks noChangeAspect="1"/>
+          </p:cNvPicPr>
+          <p:nvPr/>
+        </p:nvPicPr>
+        <p:blipFill>
+          <a:blip r:embed="rId2"/>
+          <a:stretch>
+            <a:fillRect/>
+          </a:stretch>
+        </p:blipFill>
+        <p:spPr>
+          <a:xfrm>
+            <a:off x="3483662" y="501707"/>
+            <a:ext cx="8282547" cy="5869466"/>
+          </a:xfrm>
+          <a:prstGeom prst="rect">
+            <a:avLst/>
+          </a:prstGeom>
+        </p:spPr>
+      </p:pic>
+    </p:spTree>
+    <p:extLst>
+      <p:ext uri="{BB962C8B-B14F-4D97-AF65-F5344CB8AC3E}">
+        <p14:creationId xmlns:p14="http://schemas.microsoft.com/office/powerpoint/2010/main" val="1144011573"/>
+      </p:ext>
+    </p:extLst>
+  </p:cSld>
+  <p:clrMapOvr>
+    <a:masterClrMapping/>
+  </p:clrMapOvr>
+  <p:timing>
+    <p:tnLst>
+      <p:par>
+        <p:cTn id="1" dur="indefinite" restart="never" nodeType="tmRoot"/>
+      </p:par>
+    </p:tnLst>
+  </p:timing>
+</p:sld>
+</file>
+
+<file path=ppt/slides/slide6.xml><?xml version="1.0" encoding="utf-8"?>
 <p:sld xmlns:a="http://schemas.openxmlformats.org/drawingml/2006/main" xmlns:r="http://schemas.openxmlformats.org/officeDocument/2006/relationships" xmlns:p="http://schemas.openxmlformats.org/presentationml/2006/main">
   <p:cSld>
     <p:spTree>
@@ -4989,7 +6302,7 @@
     </p:spTree>
     <p:extLst>
       <p:ext uri="{BB962C8B-B14F-4D97-AF65-F5344CB8AC3E}">
-        <p14:creationId xmlns:p14="http://schemas.microsoft.com/office/powerpoint/2010/main" val="1510505101"/>
+        <p14:creationId xmlns:p14="http://schemas.microsoft.com/office/powerpoint/2010/main" val="4244124644"/>
       </p:ext>
     </p:extLst>
   </p:cSld>
@@ -5003,305 +6316,6 @@
       </p:par>
     </p:tnLst>
   </p:timing>
-</p:sld>
-</file>
-
-<file path=ppt/slides/slide6.xml><?xml version="1.0" encoding="utf-8"?>
-<p:sld xmlns:a="http://schemas.openxmlformats.org/drawingml/2006/main" xmlns:r="http://schemas.openxmlformats.org/officeDocument/2006/relationships" xmlns:p="http://schemas.openxmlformats.org/presentationml/2006/main">
-  <p:cSld>
-    <p:spTree>
-      <p:nvGrpSpPr>
-        <p:cNvPr id="1" name=""/>
-        <p:cNvGrpSpPr/>
-        <p:nvPr/>
-      </p:nvGrpSpPr>
-      <p:grpSpPr>
-        <a:xfrm>
-          <a:off x="0" y="0"/>
-          <a:ext cx="0" cy="0"/>
-          <a:chOff x="0" y="0"/>
-          <a:chExt cx="0" cy="0"/>
-        </a:xfrm>
-      </p:grpSpPr>
-      <p:sp>
-        <p:nvSpPr>
-          <p:cNvPr id="2" name="Title 1"/>
-          <p:cNvSpPr>
-            <a:spLocks noGrp="1"/>
-          </p:cNvSpPr>
-          <p:nvPr>
-            <p:ph type="title"/>
-          </p:nvPr>
-        </p:nvSpPr>
-        <p:spPr/>
-        <p:txBody>
-          <a:bodyPr/>
-          <a:lstStyle/>
-          <a:p>
-            <a:r>
-              <a:rPr lang="en-US" dirty="0" err="1" smtClean="0"/>
-              <a:t>Hiện</a:t>
-            </a:r>
-            <a:r>
-              <a:rPr lang="en-US" dirty="0" smtClean="0"/>
-              <a:t> </a:t>
-            </a:r>
-            <a:r>
-              <a:rPr lang="en-US" dirty="0" err="1" smtClean="0"/>
-              <a:t>trạng</a:t>
-            </a:r>
-            <a:r>
-              <a:rPr lang="en-US" dirty="0" smtClean="0"/>
-              <a:t> </a:t>
-            </a:r>
-            <a:r>
-              <a:rPr lang="en-US" dirty="0" err="1" smtClean="0"/>
-              <a:t>dữ</a:t>
-            </a:r>
-            <a:r>
-              <a:rPr lang="en-US" dirty="0" smtClean="0"/>
-              <a:t> </a:t>
-            </a:r>
-            <a:r>
-              <a:rPr lang="en-US" dirty="0" err="1" smtClean="0"/>
-              <a:t>liệu</a:t>
-            </a:r>
-            <a:endParaRPr lang="vi-VN" dirty="0"/>
-          </a:p>
-        </p:txBody>
-      </p:sp>
-      <p:sp>
-        <p:nvSpPr>
-          <p:cNvPr id="3" name="Content Placeholder 2"/>
-          <p:cNvSpPr>
-            <a:spLocks noGrp="1"/>
-          </p:cNvSpPr>
-          <p:nvPr>
-            <p:ph idx="1"/>
-          </p:nvPr>
-        </p:nvSpPr>
-        <p:spPr/>
-        <p:txBody>
-          <a:bodyPr/>
-          <a:lstStyle/>
-          <a:p>
-            <a:r>
-              <a:rPr lang="en-US" dirty="0" err="1" smtClean="0"/>
-              <a:t>Dữ</a:t>
-            </a:r>
-            <a:r>
-              <a:rPr lang="en-US" dirty="0" smtClean="0"/>
-              <a:t> </a:t>
-            </a:r>
-            <a:r>
-              <a:rPr lang="en-US" dirty="0" err="1" smtClean="0"/>
-              <a:t>liệu</a:t>
-            </a:r>
-            <a:r>
-              <a:rPr lang="en-US" dirty="0" smtClean="0"/>
-              <a:t> OBS Server </a:t>
-            </a:r>
-            <a:r>
-              <a:rPr lang="en-US" dirty="0" err="1" smtClean="0"/>
-              <a:t>trả</a:t>
-            </a:r>
-            <a:r>
-              <a:rPr lang="en-US" dirty="0" smtClean="0"/>
-              <a:t> </a:t>
-            </a:r>
-            <a:r>
-              <a:rPr lang="en-US" dirty="0" err="1" smtClean="0"/>
-              <a:t>về</a:t>
-            </a:r>
-            <a:r>
-              <a:rPr lang="en-US" dirty="0" smtClean="0"/>
-              <a:t> </a:t>
-            </a:r>
-            <a:r>
-              <a:rPr lang="en-US" dirty="0" err="1" smtClean="0"/>
-              <a:t>dưới</a:t>
-            </a:r>
-            <a:r>
-              <a:rPr lang="en-US" dirty="0" smtClean="0"/>
-              <a:t> </a:t>
-            </a:r>
-            <a:r>
-              <a:rPr lang="en-US" dirty="0" err="1" smtClean="0"/>
-              <a:t>dạng</a:t>
-            </a:r>
-            <a:r>
-              <a:rPr lang="en-US" dirty="0" smtClean="0"/>
-              <a:t> XML.</a:t>
-            </a:r>
-          </a:p>
-          <a:p>
-            <a:r>
-              <a:rPr lang="en-US" dirty="0" err="1" smtClean="0"/>
-              <a:t>Thiếu</a:t>
-            </a:r>
-            <a:r>
-              <a:rPr lang="en-US" dirty="0" smtClean="0"/>
-              <a:t> </a:t>
-            </a:r>
-            <a:r>
-              <a:rPr lang="en-US" dirty="0" err="1" smtClean="0"/>
-              <a:t>cấu</a:t>
-            </a:r>
-            <a:r>
-              <a:rPr lang="en-US" dirty="0" smtClean="0"/>
-              <a:t> </a:t>
-            </a:r>
-            <a:r>
-              <a:rPr lang="en-US" dirty="0" err="1" smtClean="0"/>
-              <a:t>trúc</a:t>
-            </a:r>
-            <a:r>
-              <a:rPr lang="en-US" dirty="0" smtClean="0"/>
-              <a:t> </a:t>
-            </a:r>
-            <a:r>
-              <a:rPr lang="en-US" dirty="0" err="1" smtClean="0"/>
-              <a:t>đặc</a:t>
-            </a:r>
-            <a:r>
-              <a:rPr lang="en-US" dirty="0" smtClean="0"/>
-              <a:t> </a:t>
-            </a:r>
-            <a:r>
-              <a:rPr lang="en-US" dirty="0" err="1" smtClean="0"/>
-              <a:t>tả</a:t>
-            </a:r>
-            <a:r>
-              <a:rPr lang="en-US" dirty="0" smtClean="0"/>
-              <a:t> </a:t>
-            </a:r>
-            <a:r>
-              <a:rPr lang="en-US" dirty="0" err="1" smtClean="0"/>
-              <a:t>cấu</a:t>
-            </a:r>
-            <a:r>
-              <a:rPr lang="en-US" dirty="0" smtClean="0"/>
-              <a:t> </a:t>
-            </a:r>
-            <a:r>
-              <a:rPr lang="en-US" dirty="0" err="1" smtClean="0"/>
-              <a:t>trúc</a:t>
-            </a:r>
-            <a:r>
-              <a:rPr lang="en-US" dirty="0" smtClean="0"/>
-              <a:t> </a:t>
-            </a:r>
-            <a:r>
-              <a:rPr lang="en-US" dirty="0" err="1" smtClean="0"/>
-              <a:t>dữ</a:t>
-            </a:r>
-            <a:r>
-              <a:rPr lang="en-US" dirty="0" smtClean="0"/>
-              <a:t> </a:t>
-            </a:r>
-            <a:r>
-              <a:rPr lang="en-US" dirty="0" err="1" smtClean="0"/>
-              <a:t>liệu</a:t>
-            </a:r>
-            <a:r>
-              <a:rPr lang="en-US" dirty="0" smtClean="0"/>
-              <a:t>.</a:t>
-            </a:r>
-          </a:p>
-          <a:p>
-            <a:r>
-              <a:rPr lang="en-US" dirty="0" err="1" smtClean="0"/>
-              <a:t>Chưa</a:t>
-            </a:r>
-            <a:r>
-              <a:rPr lang="en-US" dirty="0" smtClean="0"/>
-              <a:t> </a:t>
-            </a:r>
-            <a:r>
-              <a:rPr lang="en-US" dirty="0" err="1" smtClean="0"/>
-              <a:t>có</a:t>
-            </a:r>
-            <a:r>
-              <a:rPr lang="en-US" dirty="0" smtClean="0"/>
-              <a:t> </a:t>
-            </a:r>
-            <a:r>
-              <a:rPr lang="en-US" dirty="0" err="1" smtClean="0"/>
-              <a:t>thiết</a:t>
-            </a:r>
-            <a:r>
-              <a:rPr lang="en-US" dirty="0" smtClean="0"/>
-              <a:t> </a:t>
-            </a:r>
-            <a:r>
-              <a:rPr lang="en-US" dirty="0" err="1" smtClean="0"/>
-              <a:t>kế</a:t>
-            </a:r>
-            <a:r>
-              <a:rPr lang="en-US" dirty="0" smtClean="0"/>
-              <a:t> </a:t>
-            </a:r>
-            <a:r>
-              <a:rPr lang="en-US" dirty="0" err="1" smtClean="0"/>
-              <a:t>cấu</a:t>
-            </a:r>
-            <a:r>
-              <a:rPr lang="en-US" dirty="0" smtClean="0"/>
-              <a:t> </a:t>
-            </a:r>
-            <a:r>
-              <a:rPr lang="en-US" dirty="0" err="1" smtClean="0"/>
-              <a:t>trúc</a:t>
-            </a:r>
-            <a:r>
-              <a:rPr lang="en-US" dirty="0" smtClean="0"/>
-              <a:t> </a:t>
-            </a:r>
-            <a:r>
-              <a:rPr lang="en-US" dirty="0" err="1" smtClean="0"/>
-              <a:t>lưu</a:t>
-            </a:r>
-            <a:r>
-              <a:rPr lang="en-US" dirty="0" smtClean="0"/>
-              <a:t> </a:t>
-            </a:r>
-            <a:r>
-              <a:rPr lang="en-US" dirty="0" err="1" smtClean="0"/>
-              <a:t>trữ</a:t>
-            </a:r>
-            <a:r>
-              <a:rPr lang="en-US" dirty="0" smtClean="0"/>
-              <a:t> </a:t>
-            </a:r>
-            <a:r>
-              <a:rPr lang="en-US" dirty="0" err="1" smtClean="0"/>
-              <a:t>phù</a:t>
-            </a:r>
-            <a:r>
-              <a:rPr lang="en-US" dirty="0" smtClean="0"/>
-              <a:t> </a:t>
-            </a:r>
-            <a:r>
-              <a:rPr lang="en-US" dirty="0" err="1" smtClean="0"/>
-              <a:t>hợp</a:t>
-            </a:r>
-            <a:r>
-              <a:rPr lang="en-US" dirty="0" smtClean="0"/>
-              <a:t>.</a:t>
-            </a:r>
-          </a:p>
-        </p:txBody>
-      </p:sp>
-    </p:spTree>
-    <p:extLst>
-      <p:ext uri="{BB962C8B-B14F-4D97-AF65-F5344CB8AC3E}">
-        <p14:creationId xmlns:p14="http://schemas.microsoft.com/office/powerpoint/2010/main" val="1186771158"/>
-      </p:ext>
-    </p:extLst>
-  </p:cSld>
-  <p:clrMapOvr>
-    <a:masterClrMapping/>
-  </p:clrMapOvr>
 </p:sld>
 </file>
 
@@ -5338,342 +6352,41 @@
           <a:lstStyle/>
           <a:p>
             <a:r>
-              <a:rPr lang="en-US" b="1" dirty="0" err="1" smtClean="0"/>
-              <a:t>Các</a:t>
-            </a:r>
-            <a:r>
-              <a:rPr lang="en-US" b="1" dirty="0" smtClean="0"/>
-              <a:t> </a:t>
-            </a:r>
-            <a:r>
-              <a:rPr lang="en-US" b="1" dirty="0" err="1" smtClean="0"/>
-              <a:t>vấn</a:t>
-            </a:r>
-            <a:r>
-              <a:rPr lang="en-US" b="1" dirty="0" smtClean="0"/>
-              <a:t> </a:t>
-            </a:r>
-            <a:r>
-              <a:rPr lang="en-US" b="1" dirty="0" err="1" smtClean="0"/>
-              <a:t>đề</a:t>
-            </a:r>
-            <a:r>
-              <a:rPr lang="en-US" b="1" dirty="0" smtClean="0"/>
-              <a:t> </a:t>
-            </a:r>
-            <a:r>
-              <a:rPr lang="en-US" b="1" dirty="0" err="1" smtClean="0"/>
-              <a:t>về</a:t>
-            </a:r>
-            <a:r>
-              <a:rPr lang="en-US" b="1" dirty="0" smtClean="0"/>
-              <a:t> </a:t>
-            </a:r>
-            <a:r>
-              <a:rPr lang="en-US" b="1" dirty="0" err="1" smtClean="0"/>
-              <a:t>dữ</a:t>
-            </a:r>
-            <a:r>
-              <a:rPr lang="en-US" b="1" dirty="0" smtClean="0"/>
-              <a:t> </a:t>
-            </a:r>
-            <a:r>
-              <a:rPr lang="en-US" b="1" dirty="0" err="1" smtClean="0"/>
-              <a:t>liệu</a:t>
-            </a:r>
-            <a:endParaRPr lang="en-US" b="1" dirty="0"/>
-          </a:p>
-        </p:txBody>
-      </p:sp>
-      <p:sp>
-        <p:nvSpPr>
-          <p:cNvPr id="3" name="Content Placeholder 2"/>
-          <p:cNvSpPr>
-            <a:spLocks noGrp="1"/>
-          </p:cNvSpPr>
-          <p:nvPr>
-            <p:ph idx="1"/>
-          </p:nvPr>
-        </p:nvSpPr>
-        <p:spPr/>
-        <p:txBody>
-          <a:bodyPr/>
-          <a:lstStyle/>
-          <a:p>
-            <a:r>
-              <a:rPr lang="en-US" dirty="0" err="1" smtClean="0"/>
-              <a:t>Thông</a:t>
-            </a:r>
-            <a:r>
-              <a:rPr lang="en-US" dirty="0" smtClean="0"/>
-              <a:t> </a:t>
-            </a:r>
-            <a:r>
-              <a:rPr lang="en-US" dirty="0" err="1" smtClean="0"/>
-              <a:t>số</a:t>
-            </a:r>
-            <a:r>
-              <a:rPr lang="en-US" dirty="0" smtClean="0"/>
-              <a:t> </a:t>
-            </a:r>
-            <a:r>
-              <a:rPr lang="en-US" dirty="0" err="1" smtClean="0"/>
-              <a:t>đầu</a:t>
-            </a:r>
-            <a:r>
-              <a:rPr lang="en-US" dirty="0" smtClean="0"/>
-              <a:t> </a:t>
-            </a:r>
-            <a:r>
-              <a:rPr lang="en-US" dirty="0" err="1" smtClean="0"/>
-              <a:t>vào</a:t>
-            </a:r>
-            <a:r>
-              <a:rPr lang="en-US" dirty="0" smtClean="0"/>
-              <a:t> </a:t>
-            </a:r>
-            <a:r>
-              <a:rPr lang="en-US" dirty="0" err="1" smtClean="0"/>
-              <a:t>và</a:t>
-            </a:r>
-            <a:r>
-              <a:rPr lang="en-US" dirty="0" smtClean="0"/>
-              <a:t> </a:t>
-            </a:r>
-            <a:r>
-              <a:rPr lang="en-US" dirty="0" err="1" smtClean="0"/>
-              <a:t>dữ</a:t>
-            </a:r>
-            <a:r>
-              <a:rPr lang="en-US" dirty="0" smtClean="0"/>
-              <a:t> </a:t>
-            </a:r>
-            <a:r>
-              <a:rPr lang="en-US" dirty="0" err="1" smtClean="0"/>
-              <a:t>liệu</a:t>
-            </a:r>
-            <a:r>
-              <a:rPr lang="en-US" dirty="0" smtClean="0"/>
-              <a:t> </a:t>
-            </a:r>
-            <a:r>
-              <a:rPr lang="en-US" dirty="0" err="1" smtClean="0"/>
-              <a:t>trả</a:t>
-            </a:r>
-            <a:r>
-              <a:rPr lang="en-US" dirty="0" smtClean="0"/>
-              <a:t> </a:t>
-            </a:r>
-            <a:r>
-              <a:rPr lang="en-US" dirty="0" err="1" smtClean="0"/>
-              <a:t>về</a:t>
-            </a:r>
-            <a:r>
-              <a:rPr lang="en-US" dirty="0" smtClean="0"/>
-              <a:t> </a:t>
-            </a:r>
-            <a:r>
-              <a:rPr lang="en-US" dirty="0" err="1" smtClean="0"/>
-              <a:t>lớn</a:t>
-            </a:r>
-            <a:r>
-              <a:rPr lang="en-US" dirty="0" smtClean="0"/>
-              <a:t>.</a:t>
-            </a:r>
-            <a:endParaRPr lang="en-US" dirty="0" smtClean="0"/>
-          </a:p>
-          <a:p>
-            <a:r>
-              <a:rPr lang="en-US" dirty="0" err="1" smtClean="0"/>
-              <a:t>Không</a:t>
-            </a:r>
-            <a:r>
-              <a:rPr lang="en-US" dirty="0" smtClean="0"/>
-              <a:t> </a:t>
-            </a:r>
-            <a:r>
-              <a:rPr lang="en-US" dirty="0" err="1" smtClean="0"/>
-              <a:t>thể</a:t>
-            </a:r>
-            <a:r>
-              <a:rPr lang="en-US" dirty="0" smtClean="0"/>
-              <a:t> </a:t>
-            </a:r>
-            <a:r>
-              <a:rPr lang="en-US" dirty="0" err="1" smtClean="0"/>
-              <a:t>dùng</a:t>
-            </a:r>
-            <a:r>
-              <a:rPr lang="en-US" dirty="0" smtClean="0"/>
-              <a:t> </a:t>
-            </a:r>
-            <a:r>
-              <a:rPr lang="en-US" dirty="0" err="1" smtClean="0"/>
-              <a:t>công</a:t>
-            </a:r>
-            <a:r>
-              <a:rPr lang="en-US" dirty="0" smtClean="0"/>
-              <a:t> </a:t>
-            </a:r>
-            <a:r>
-              <a:rPr lang="en-US" dirty="0" err="1" smtClean="0"/>
-              <a:t>nghệ</a:t>
-            </a:r>
-            <a:r>
-              <a:rPr lang="en-US" dirty="0" smtClean="0"/>
-              <a:t> </a:t>
-            </a:r>
-            <a:r>
-              <a:rPr lang="en-US" dirty="0" err="1" smtClean="0"/>
-              <a:t>có</a:t>
-            </a:r>
-            <a:r>
-              <a:rPr lang="en-US" dirty="0" smtClean="0"/>
-              <a:t> </a:t>
-            </a:r>
-            <a:r>
-              <a:rPr lang="en-US" dirty="0" err="1" smtClean="0"/>
-              <a:t>sẵn</a:t>
-            </a:r>
-            <a:r>
-              <a:rPr lang="en-US" dirty="0" smtClean="0"/>
-              <a:t> </a:t>
-            </a:r>
-            <a:r>
-              <a:rPr lang="en-US" dirty="0" err="1" smtClean="0"/>
-              <a:t>của</a:t>
-            </a:r>
-            <a:r>
-              <a:rPr lang="en-US" dirty="0" smtClean="0"/>
-              <a:t> </a:t>
-            </a:r>
-            <a:r>
-              <a:rPr lang="en-US" dirty="0" err="1" smtClean="0"/>
-              <a:t>.Net</a:t>
-            </a:r>
-            <a:r>
-              <a:rPr lang="en-US" dirty="0" smtClean="0"/>
-              <a:t> </a:t>
-            </a:r>
-            <a:r>
-              <a:rPr lang="en-US" dirty="0" err="1" smtClean="0"/>
-              <a:t>để</a:t>
-            </a:r>
-            <a:r>
-              <a:rPr lang="en-US" dirty="0" smtClean="0"/>
-              <a:t> </a:t>
-            </a:r>
-            <a:r>
-              <a:rPr lang="en-US" dirty="0" err="1" smtClean="0"/>
-              <a:t>phân</a:t>
-            </a:r>
-            <a:r>
-              <a:rPr lang="en-US" dirty="0" smtClean="0"/>
-              <a:t> </a:t>
-            </a:r>
-            <a:r>
-              <a:rPr lang="en-US" dirty="0" err="1" smtClean="0"/>
-              <a:t>tích</a:t>
-            </a:r>
-            <a:r>
-              <a:rPr lang="en-US" dirty="0" smtClean="0"/>
-              <a:t> </a:t>
-            </a:r>
-            <a:r>
-              <a:rPr lang="en-US" dirty="0" err="1" smtClean="0"/>
-              <a:t>dữ</a:t>
-            </a:r>
-            <a:r>
-              <a:rPr lang="en-US" dirty="0" smtClean="0"/>
-              <a:t> </a:t>
-            </a:r>
-            <a:r>
-              <a:rPr lang="en-US" dirty="0" err="1" smtClean="0"/>
-              <a:t>liệu</a:t>
-            </a:r>
-            <a:r>
-              <a:rPr lang="en-US" dirty="0" smtClean="0"/>
-              <a:t> XML.</a:t>
-            </a:r>
-            <a:endParaRPr lang="en-US" dirty="0" smtClean="0"/>
-          </a:p>
-          <a:p>
-            <a:r>
-              <a:rPr lang="en-US" dirty="0" err="1"/>
-              <a:t>D</a:t>
-            </a:r>
-            <a:r>
-              <a:rPr lang="en-US" dirty="0" err="1" smtClean="0"/>
-              <a:t>ữ</a:t>
-            </a:r>
-            <a:r>
-              <a:rPr lang="en-US" dirty="0" smtClean="0"/>
-              <a:t> </a:t>
-            </a:r>
-            <a:r>
-              <a:rPr lang="en-US" dirty="0" err="1" smtClean="0"/>
-              <a:t>liệu</a:t>
-            </a:r>
-            <a:r>
-              <a:rPr lang="en-US" dirty="0"/>
-              <a:t> </a:t>
-            </a:r>
-            <a:r>
-              <a:rPr lang="en-US" dirty="0" err="1" smtClean="0"/>
-              <a:t>có</a:t>
-            </a:r>
-            <a:r>
-              <a:rPr lang="en-US" dirty="0" smtClean="0"/>
-              <a:t> </a:t>
-            </a:r>
-            <a:r>
-              <a:rPr lang="en-US" dirty="0" err="1" smtClean="0"/>
-              <a:t>tần</a:t>
-            </a:r>
-            <a:r>
-              <a:rPr lang="en-US" dirty="0" smtClean="0"/>
-              <a:t> </a:t>
-            </a:r>
-            <a:r>
-              <a:rPr lang="en-US" dirty="0" err="1" smtClean="0"/>
-              <a:t>suất</a:t>
-            </a:r>
-            <a:r>
-              <a:rPr lang="en-US" dirty="0" smtClean="0"/>
-              <a:t> </a:t>
-            </a:r>
-            <a:r>
-              <a:rPr lang="en-US" dirty="0" err="1" smtClean="0"/>
-              <a:t>truy</a:t>
-            </a:r>
-            <a:r>
-              <a:rPr lang="en-US" dirty="0" smtClean="0"/>
-              <a:t> </a:t>
-            </a:r>
-            <a:r>
-              <a:rPr lang="en-US" dirty="0" err="1" smtClean="0"/>
-              <a:t>xuất</a:t>
-            </a:r>
-            <a:r>
-              <a:rPr lang="en-US" dirty="0" smtClean="0"/>
-              <a:t> </a:t>
-            </a:r>
-            <a:r>
-              <a:rPr lang="en-US" dirty="0" err="1" smtClean="0"/>
-              <a:t>cao</a:t>
-            </a:r>
-            <a:r>
-              <a:rPr lang="en-US" dirty="0" smtClean="0"/>
-              <a:t>.</a:t>
-            </a:r>
-            <a:endParaRPr lang="en-US" dirty="0"/>
-          </a:p>
-        </p:txBody>
-      </p:sp>
+              <a:rPr lang="en-US" b="1" smtClean="0"/>
+              <a:t>Dashboard</a:t>
+            </a:r>
+            <a:endParaRPr lang="en-US" b="1"/>
+          </a:p>
+        </p:txBody>
+      </p:sp>
+      <p:pic>
+        <p:nvPicPr>
+          <p:cNvPr id="3" name="Picture 2"/>
+          <p:cNvPicPr>
+            <a:picLocks noChangeAspect="1"/>
+          </p:cNvPicPr>
+          <p:nvPr/>
+        </p:nvPicPr>
+        <p:blipFill>
+          <a:blip r:embed="rId2"/>
+          <a:stretch>
+            <a:fillRect/>
+          </a:stretch>
+        </p:blipFill>
+        <p:spPr>
+          <a:xfrm>
+            <a:off x="2975678" y="1417197"/>
+            <a:ext cx="8854878" cy="4927548"/>
+          </a:xfrm>
+          <a:prstGeom prst="rect">
+            <a:avLst/>
+          </a:prstGeom>
+        </p:spPr>
+      </p:pic>
     </p:spTree>
     <p:extLst>
       <p:ext uri="{BB962C8B-B14F-4D97-AF65-F5344CB8AC3E}">
-        <p14:creationId xmlns:p14="http://schemas.microsoft.com/office/powerpoint/2010/main" val="2296235705"/>
+        <p14:creationId xmlns:p14="http://schemas.microsoft.com/office/powerpoint/2010/main" val="3865307372"/>
       </p:ext>
     </p:extLst>
   </p:cSld>
@@ -5723,314 +6436,41 @@
           <a:lstStyle/>
           <a:p>
             <a:r>
-              <a:rPr lang="en-US" b="1" dirty="0" err="1" smtClean="0"/>
-              <a:t>Giải</a:t>
-            </a:r>
-            <a:r>
-              <a:rPr lang="en-US" b="1" dirty="0" smtClean="0"/>
-              <a:t> </a:t>
-            </a:r>
-            <a:r>
-              <a:rPr lang="en-US" b="1" dirty="0" err="1" smtClean="0"/>
-              <a:t>pháp</a:t>
-            </a:r>
-            <a:r>
-              <a:rPr lang="en-US" b="1" dirty="0" smtClean="0"/>
-              <a:t> </a:t>
-            </a:r>
-            <a:r>
-              <a:rPr lang="en-US" b="1" dirty="0" err="1" smtClean="0"/>
-              <a:t>về</a:t>
-            </a:r>
-            <a:r>
-              <a:rPr lang="en-US" b="1" dirty="0" smtClean="0"/>
-              <a:t> </a:t>
-            </a:r>
-            <a:r>
-              <a:rPr lang="en-US" b="1" dirty="0" err="1" smtClean="0"/>
-              <a:t>dữ</a:t>
-            </a:r>
-            <a:r>
-              <a:rPr lang="en-US" b="1" dirty="0" smtClean="0"/>
-              <a:t> </a:t>
-            </a:r>
-            <a:r>
-              <a:rPr lang="en-US" b="1" dirty="0" err="1" smtClean="0"/>
-              <a:t>liệu</a:t>
-            </a:r>
-            <a:endParaRPr lang="vi-VN" b="1" dirty="0"/>
-          </a:p>
-        </p:txBody>
-      </p:sp>
-      <p:sp>
-        <p:nvSpPr>
-          <p:cNvPr id="3" name="Content Placeholder 2"/>
-          <p:cNvSpPr>
-            <a:spLocks noGrp="1"/>
-          </p:cNvSpPr>
-          <p:nvPr>
-            <p:ph idx="1"/>
-          </p:nvPr>
-        </p:nvSpPr>
-        <p:spPr/>
-        <p:txBody>
-          <a:bodyPr/>
-          <a:lstStyle/>
-          <a:p>
-            <a:r>
-              <a:rPr lang="en-US" dirty="0" err="1" smtClean="0"/>
-              <a:t>Sử</a:t>
-            </a:r>
-            <a:r>
-              <a:rPr lang="en-US" dirty="0" smtClean="0"/>
-              <a:t> </a:t>
-            </a:r>
-            <a:r>
-              <a:rPr lang="en-US" dirty="0" err="1" smtClean="0"/>
-              <a:t>dụng</a:t>
-            </a:r>
-            <a:r>
-              <a:rPr lang="en-US" dirty="0" smtClean="0"/>
-              <a:t> </a:t>
-            </a:r>
-            <a:r>
-              <a:rPr lang="en-US" dirty="0" err="1" smtClean="0"/>
-              <a:t>tính</a:t>
-            </a:r>
-            <a:r>
-              <a:rPr lang="en-US" dirty="0" smtClean="0"/>
-              <a:t> </a:t>
-            </a:r>
-            <a:r>
-              <a:rPr lang="en-US" dirty="0" err="1" smtClean="0"/>
-              <a:t>kế</a:t>
-            </a:r>
-            <a:r>
-              <a:rPr lang="en-US" dirty="0" smtClean="0"/>
-              <a:t> </a:t>
-            </a:r>
-            <a:r>
-              <a:rPr lang="en-US" dirty="0" err="1" smtClean="0"/>
-              <a:t>thừa</a:t>
-            </a:r>
-            <a:r>
-              <a:rPr lang="en-US" dirty="0"/>
-              <a:t> </a:t>
-            </a:r>
-            <a:r>
-              <a:rPr lang="en-US" dirty="0" err="1" smtClean="0"/>
-              <a:t>để</a:t>
-            </a:r>
-            <a:r>
-              <a:rPr lang="en-US" dirty="0" smtClean="0"/>
-              <a:t> </a:t>
-            </a:r>
-            <a:r>
-              <a:rPr lang="en-US" dirty="0" err="1" smtClean="0"/>
-              <a:t>giảm</a:t>
-            </a:r>
-            <a:r>
-              <a:rPr lang="en-US" dirty="0" smtClean="0"/>
-              <a:t> </a:t>
-            </a:r>
-            <a:r>
-              <a:rPr lang="en-US" dirty="0" err="1" smtClean="0"/>
-              <a:t>số</a:t>
-            </a:r>
-            <a:r>
-              <a:rPr lang="en-US" dirty="0" smtClean="0"/>
-              <a:t> </a:t>
-            </a:r>
-            <a:r>
-              <a:rPr lang="en-US" dirty="0" err="1" smtClean="0"/>
-              <a:t>lượng</a:t>
-            </a:r>
-            <a:r>
-              <a:rPr lang="en-US" dirty="0" smtClean="0"/>
-              <a:t> </a:t>
-            </a:r>
-            <a:r>
-              <a:rPr lang="en-US" dirty="0" err="1" smtClean="0"/>
-              <a:t>thuộc</a:t>
-            </a:r>
-            <a:r>
-              <a:rPr lang="en-US" dirty="0" smtClean="0"/>
-              <a:t> </a:t>
-            </a:r>
-            <a:r>
-              <a:rPr lang="en-US" dirty="0" err="1" smtClean="0"/>
-              <a:t>tính</a:t>
-            </a:r>
-            <a:r>
-              <a:rPr lang="en-US" dirty="0" smtClean="0"/>
-              <a:t> </a:t>
-            </a:r>
-            <a:r>
-              <a:rPr lang="en-US" dirty="0" err="1" smtClean="0"/>
-              <a:t>lặp</a:t>
-            </a:r>
-            <a:r>
-              <a:rPr lang="en-US" dirty="0" smtClean="0"/>
-              <a:t> </a:t>
-            </a:r>
-            <a:r>
-              <a:rPr lang="en-US" dirty="0" err="1" smtClean="0"/>
-              <a:t>lại</a:t>
-            </a:r>
-            <a:endParaRPr lang="en-US" dirty="0" smtClean="0"/>
-          </a:p>
-          <a:p>
-            <a:r>
-              <a:rPr lang="en-US" dirty="0" err="1" smtClean="0"/>
-              <a:t>Thiết</a:t>
-            </a:r>
-            <a:r>
-              <a:rPr lang="en-US" dirty="0" smtClean="0"/>
-              <a:t> </a:t>
-            </a:r>
-            <a:r>
-              <a:rPr lang="en-US" dirty="0" err="1" smtClean="0"/>
-              <a:t>kế</a:t>
-            </a:r>
-            <a:r>
-              <a:rPr lang="en-US" dirty="0" smtClean="0"/>
-              <a:t> </a:t>
-            </a:r>
-            <a:r>
-              <a:rPr lang="en-US" dirty="0" err="1" smtClean="0"/>
-              <a:t>các</a:t>
-            </a:r>
-            <a:r>
-              <a:rPr lang="en-US" dirty="0" smtClean="0"/>
-              <a:t> </a:t>
-            </a:r>
-            <a:r>
-              <a:rPr lang="en-US" dirty="0" err="1" smtClean="0"/>
-              <a:t>phương</a:t>
-            </a:r>
-            <a:r>
-              <a:rPr lang="en-US" dirty="0" smtClean="0"/>
-              <a:t> </a:t>
-            </a:r>
-            <a:r>
-              <a:rPr lang="en-US" dirty="0" err="1" smtClean="0"/>
-              <a:t>thức</a:t>
-            </a:r>
-            <a:r>
-              <a:rPr lang="en-US" dirty="0" smtClean="0"/>
-              <a:t> </a:t>
-            </a:r>
-            <a:r>
-              <a:rPr lang="en-US" dirty="0" err="1" smtClean="0"/>
-              <a:t>phân</a:t>
-            </a:r>
-            <a:r>
-              <a:rPr lang="en-US" dirty="0" smtClean="0"/>
-              <a:t> </a:t>
-            </a:r>
-            <a:r>
-              <a:rPr lang="en-US" dirty="0" err="1" smtClean="0"/>
-              <a:t>tích</a:t>
-            </a:r>
-            <a:r>
-              <a:rPr lang="en-US" dirty="0" smtClean="0"/>
-              <a:t> </a:t>
-            </a:r>
-            <a:r>
-              <a:rPr lang="en-US" dirty="0" err="1" smtClean="0"/>
-              <a:t>dữ</a:t>
-            </a:r>
-            <a:r>
-              <a:rPr lang="en-US" dirty="0" smtClean="0"/>
-              <a:t> </a:t>
-            </a:r>
-            <a:r>
-              <a:rPr lang="en-US" dirty="0" err="1" smtClean="0"/>
-              <a:t>liệu</a:t>
-            </a:r>
-            <a:r>
-              <a:rPr lang="en-US" dirty="0"/>
-              <a:t>.</a:t>
-            </a:r>
-            <a:endParaRPr lang="en-US" dirty="0" smtClean="0"/>
-          </a:p>
-          <a:p>
-            <a:r>
-              <a:rPr lang="en-US" dirty="0" smtClean="0"/>
-              <a:t>Cache </a:t>
-            </a:r>
-            <a:r>
-              <a:rPr lang="en-US" dirty="0" err="1" smtClean="0"/>
-              <a:t>các</a:t>
-            </a:r>
-            <a:r>
-              <a:rPr lang="en-US" dirty="0" smtClean="0"/>
-              <a:t> </a:t>
-            </a:r>
-            <a:r>
-              <a:rPr lang="en-US" dirty="0" err="1" smtClean="0"/>
-              <a:t>dữ</a:t>
-            </a:r>
-            <a:r>
-              <a:rPr lang="en-US" dirty="0" smtClean="0"/>
-              <a:t> </a:t>
-            </a:r>
-            <a:r>
-              <a:rPr lang="en-US" dirty="0" err="1" smtClean="0"/>
-              <a:t>liệu</a:t>
-            </a:r>
-            <a:r>
-              <a:rPr lang="en-US" dirty="0" smtClean="0"/>
-              <a:t> </a:t>
-            </a:r>
-            <a:r>
-              <a:rPr lang="en-US" dirty="0" err="1" smtClean="0"/>
-              <a:t>được</a:t>
-            </a:r>
-            <a:r>
-              <a:rPr lang="en-US" dirty="0" smtClean="0"/>
-              <a:t> </a:t>
-            </a:r>
-            <a:r>
-              <a:rPr lang="en-US" dirty="0" err="1" smtClean="0"/>
-              <a:t>truy</a:t>
-            </a:r>
-            <a:r>
-              <a:rPr lang="en-US" dirty="0" smtClean="0"/>
-              <a:t> </a:t>
-            </a:r>
-            <a:r>
-              <a:rPr lang="en-US" dirty="0" err="1" smtClean="0"/>
-              <a:t>xuất</a:t>
-            </a:r>
-            <a:r>
-              <a:rPr lang="en-US" dirty="0" smtClean="0"/>
-              <a:t> </a:t>
-            </a:r>
-            <a:r>
-              <a:rPr lang="en-US" dirty="0" err="1" smtClean="0"/>
-              <a:t>thường</a:t>
-            </a:r>
-            <a:r>
-              <a:rPr lang="en-US" dirty="0" smtClean="0"/>
-              <a:t> </a:t>
-            </a:r>
-            <a:r>
-              <a:rPr lang="en-US" dirty="0" err="1" smtClean="0"/>
-              <a:t>xuyên</a:t>
-            </a:r>
-            <a:r>
-              <a:rPr lang="en-US" dirty="0" smtClean="0"/>
-              <a:t>.</a:t>
-            </a:r>
-            <a:endParaRPr lang="vi-VN" dirty="0"/>
-          </a:p>
-        </p:txBody>
-      </p:sp>
+              <a:rPr lang="en-US" b="1" smtClean="0"/>
+              <a:t>Dashboard</a:t>
+            </a:r>
+            <a:endParaRPr lang="en-US" b="1"/>
+          </a:p>
+        </p:txBody>
+      </p:sp>
+      <p:pic>
+        <p:nvPicPr>
+          <p:cNvPr id="4" name="Picture 3"/>
+          <p:cNvPicPr>
+            <a:picLocks noChangeAspect="1"/>
+          </p:cNvPicPr>
+          <p:nvPr/>
+        </p:nvPicPr>
+        <p:blipFill>
+          <a:blip r:embed="rId2"/>
+          <a:stretch>
+            <a:fillRect/>
+          </a:stretch>
+        </p:blipFill>
+        <p:spPr>
+          <a:xfrm>
+            <a:off x="2913134" y="1423301"/>
+            <a:ext cx="8998342" cy="4993300"/>
+          </a:xfrm>
+          <a:prstGeom prst="rect">
+            <a:avLst/>
+          </a:prstGeom>
+        </p:spPr>
+      </p:pic>
     </p:spTree>
     <p:extLst>
       <p:ext uri="{BB962C8B-B14F-4D97-AF65-F5344CB8AC3E}">
-        <p14:creationId xmlns:p14="http://schemas.microsoft.com/office/powerpoint/2010/main" val="1557009442"/>
+        <p14:creationId xmlns:p14="http://schemas.microsoft.com/office/powerpoint/2010/main" val="2613104343"/>
       </p:ext>
     </p:extLst>
   </p:cSld>
@@ -6079,144 +6519,42 @@
           <a:bodyPr/>
           <a:lstStyle/>
           <a:p>
-            <a:endParaRPr lang="vi-VN"/>
-          </a:p>
-        </p:txBody>
-      </p:sp>
-      <p:sp>
-        <p:nvSpPr>
-          <p:cNvPr id="3" name="Rectangle 2"/>
-          <p:cNvSpPr>
-            <a:spLocks noChangeArrowheads="1"/>
-          </p:cNvSpPr>
+            <a:r>
+              <a:rPr lang="en-US" b="1" smtClean="0"/>
+              <a:t>Dashboard</a:t>
+            </a:r>
+            <a:endParaRPr lang="en-US" b="1"/>
+          </a:p>
+        </p:txBody>
+      </p:sp>
+      <p:pic>
+        <p:nvPicPr>
+          <p:cNvPr id="5" name="Picture 4"/>
+          <p:cNvPicPr>
+            <a:picLocks noChangeAspect="1"/>
+          </p:cNvPicPr>
           <p:nvPr/>
-        </p:nvSpPr>
-        <p:spPr bwMode="auto">
+        </p:nvPicPr>
+        <p:blipFill>
+          <a:blip r:embed="rId2"/>
+          <a:stretch>
+            <a:fillRect/>
+          </a:stretch>
+        </p:blipFill>
+        <p:spPr>
           <a:xfrm>
-            <a:off x="1610435" y="1146411"/>
-            <a:ext cx="16665189" cy="45719"/>
+            <a:off x="2780162" y="1461841"/>
+            <a:ext cx="9123222" cy="4720473"/>
           </a:xfrm>
           <a:prstGeom prst="rect">
             <a:avLst/>
           </a:prstGeom>
-          <a:noFill/>
-          <a:ln>
-            <a:noFill/>
-          </a:ln>
-          <a:effectLst/>
-          <a:extLst>
-            <a:ext uri="{909E8E84-426E-40DD-AFC4-6F175D3DCCD1}">
-              <a14:hiddenFill xmlns:a14="http://schemas.microsoft.com/office/drawing/2010/main">
-                <a:solidFill>
-                  <a:schemeClr val="accent1"/>
-                </a:solidFill>
-              </a14:hiddenFill>
-            </a:ext>
-            <a:ext uri="{91240B29-F687-4F45-9708-019B960494DF}">
-              <a14:hiddenLine xmlns:a14="http://schemas.microsoft.com/office/drawing/2010/main" w="9525">
-                <a:solidFill>
-                  <a:schemeClr val="tx1"/>
-                </a:solidFill>
-                <a:miter lim="800000"/>
-                <a:headEnd/>
-                <a:tailEnd/>
-              </a14:hiddenLine>
-            </a:ext>
-            <a:ext uri="{AF507438-7753-43E0-B8FC-AC1667EBCBE1}">
-              <a14:hiddenEffects xmlns:a14="http://schemas.microsoft.com/office/drawing/2010/main">
-                <a:effectLst>
-                  <a:outerShdw dist="35921" dir="2700000" algn="ctr" rotWithShape="0">
-                    <a:schemeClr val="bg2"/>
-                  </a:outerShdw>
-                </a:effectLst>
-              </a14:hiddenEffects>
-            </a:ext>
-          </a:extLst>
         </p:spPr>
-        <p:txBody>
-          <a:bodyPr vert="horz" wrap="square" lIns="91440" tIns="45720" rIns="91440" bIns="45720" numCol="1" anchor="ctr" anchorCtr="0" compatLnSpc="1">
-            <a:prstTxWarp prst="textNoShape">
-              <a:avLst/>
-            </a:prstTxWarp>
-            <a:spAutoFit/>
-          </a:bodyPr>
-          <a:lstStyle/>
-          <a:p>
-            <a:endParaRPr lang="vi-VN"/>
-          </a:p>
-        </p:txBody>
-      </p:sp>
-      <p:graphicFrame>
-        <p:nvGraphicFramePr>
-          <p:cNvPr id="4" name="Object 3"/>
-          <p:cNvGraphicFramePr>
-            <a:graphicFrameLocks noChangeAspect="1"/>
-          </p:cNvGraphicFramePr>
-          <p:nvPr>
-            <p:extLst>
-              <p:ext uri="{D42A27DB-BD31-4B8C-83A1-F6EECF244321}">
-                <p14:modId xmlns:p14="http://schemas.microsoft.com/office/powerpoint/2010/main" val="2601077281"/>
-              </p:ext>
-            </p:extLst>
-          </p:nvPr>
-        </p:nvGraphicFramePr>
-        <p:xfrm>
-          <a:off x="959015" y="1146411"/>
-          <a:ext cx="9844743" cy="5008729"/>
-        </p:xfrm>
-        <a:graphic>
-          <a:graphicData uri="http://schemas.openxmlformats.org/presentationml/2006/ole">
-            <mc:AlternateContent xmlns:mc="http://schemas.openxmlformats.org/markup-compatibility/2006">
-              <mc:Choice xmlns:v="urn:schemas-microsoft-com:vml" Requires="v">
-                <p:oleObj spid="_x0000_s1027" name="Visio" r:id="rId3" imgW="5429129" imgH="2762341" progId="Visio.Drawing.11">
-                  <p:embed/>
-                </p:oleObj>
-              </mc:Choice>
-              <mc:Fallback>
-                <p:oleObj name="Visio" r:id="rId3" imgW="5429129" imgH="2762341" progId="Visio.Drawing.11">
-                  <p:embed/>
-                  <p:pic>
-                    <p:nvPicPr>
-                      <p:cNvPr id="0" name="Object 1"/>
-                      <p:cNvPicPr>
-                        <a:picLocks noChangeAspect="1" noChangeArrowheads="1"/>
-                      </p:cNvPicPr>
-                      <p:nvPr/>
-                    </p:nvPicPr>
-                    <p:blipFill>
-                      <a:blip r:embed="rId4">
-                        <a:extLst>
-                          <a:ext uri="{28A0092B-C50C-407E-A947-70E740481C1C}">
-                            <a14:useLocalDpi xmlns:a14="http://schemas.microsoft.com/office/drawing/2010/main" val="0"/>
-                          </a:ext>
-                        </a:extLst>
-                      </a:blip>
-                      <a:srcRect/>
-                      <a:stretch>
-                        <a:fillRect/>
-                      </a:stretch>
-                    </p:blipFill>
-                    <p:spPr bwMode="auto">
-                      <a:xfrm>
-                        <a:off x="959015" y="1146411"/>
-                        <a:ext cx="9844743" cy="5008729"/>
-                      </a:xfrm>
-                      <a:prstGeom prst="rect">
-                        <a:avLst/>
-                      </a:prstGeom>
-                      <a:noFill/>
-                    </p:spPr>
-                  </p:pic>
-                </p:oleObj>
-              </mc:Fallback>
-            </mc:AlternateContent>
-          </a:graphicData>
-        </a:graphic>
-      </p:graphicFrame>
+      </p:pic>
     </p:spTree>
     <p:extLst>
       <p:ext uri="{BB962C8B-B14F-4D97-AF65-F5344CB8AC3E}">
-        <p14:creationId xmlns:p14="http://schemas.microsoft.com/office/powerpoint/2010/main" val="2888905233"/>
+        <p14:creationId xmlns:p14="http://schemas.microsoft.com/office/powerpoint/2010/main" val="2496894391"/>
       </p:ext>
     </p:extLst>
   </p:cSld>

--- a/BÁO CÁO THỰC TẬP.pptx
+++ b/BÁO CÁO THỰC TẬP.pptx
@@ -2,7 +2,7 @@
 <file path=ppt/presentation.xml><?xml version="1.0" encoding="utf-8"?>
 <p:presentation xmlns:a="http://schemas.openxmlformats.org/drawingml/2006/main" xmlns:r="http://schemas.openxmlformats.org/officeDocument/2006/relationships" xmlns:p="http://schemas.openxmlformats.org/presentationml/2006/main" saveSubsetFonts="1">
   <p:sldMasterIdLst>
-    <p:sldMasterId id="2147483648" r:id="rId1"/>
+    <p:sldMasterId id="2147483696" r:id="rId1"/>
   </p:sldMasterIdLst>
   <p:sldIdLst>
     <p:sldId id="256" r:id="rId2"/>
@@ -260,7 +260,7 @@
           <a:p>
             <a:fld id="{B7A56448-5D1E-439A-B006-075676760B93}" type="datetimeFigureOut">
               <a:rPr lang="en-US" smtClean="0"/>
-              <a:t>9/8/2014</a:t>
+              <a:t>9/14/2014</a:t>
             </a:fld>
             <a:endParaRPr lang="en-US"/>
           </a:p>
@@ -311,7 +311,7 @@
     </p:spTree>
     <p:extLst>
       <p:ext uri="{BB962C8B-B14F-4D97-AF65-F5344CB8AC3E}">
-        <p14:creationId xmlns:p14="http://schemas.microsoft.com/office/powerpoint/2010/main" val="3402263950"/>
+        <p14:creationId xmlns:p14="http://schemas.microsoft.com/office/powerpoint/2010/main" val="1829440175"/>
       </p:ext>
     </p:extLst>
   </p:cSld>
@@ -430,7 +430,7 @@
           <a:p>
             <a:fld id="{B7A56448-5D1E-439A-B006-075676760B93}" type="datetimeFigureOut">
               <a:rPr lang="en-US" smtClean="0"/>
-              <a:t>9/8/2014</a:t>
+              <a:t>9/14/2014</a:t>
             </a:fld>
             <a:endParaRPr lang="en-US"/>
           </a:p>
@@ -481,7 +481,7 @@
     </p:spTree>
     <p:extLst>
       <p:ext uri="{BB962C8B-B14F-4D97-AF65-F5344CB8AC3E}">
-        <p14:creationId xmlns:p14="http://schemas.microsoft.com/office/powerpoint/2010/main" val="2432115480"/>
+        <p14:creationId xmlns:p14="http://schemas.microsoft.com/office/powerpoint/2010/main" val="1843377679"/>
       </p:ext>
     </p:extLst>
   </p:cSld>
@@ -610,7 +610,7 @@
           <a:p>
             <a:fld id="{B7A56448-5D1E-439A-B006-075676760B93}" type="datetimeFigureOut">
               <a:rPr lang="en-US" smtClean="0"/>
-              <a:t>9/8/2014</a:t>
+              <a:t>9/14/2014</a:t>
             </a:fld>
             <a:endParaRPr lang="en-US"/>
           </a:p>
@@ -661,7 +661,7 @@
     </p:spTree>
     <p:extLst>
       <p:ext uri="{BB962C8B-B14F-4D97-AF65-F5344CB8AC3E}">
-        <p14:creationId xmlns:p14="http://schemas.microsoft.com/office/powerpoint/2010/main" val="3922098711"/>
+        <p14:creationId xmlns:p14="http://schemas.microsoft.com/office/powerpoint/2010/main" val="8389180"/>
       </p:ext>
     </p:extLst>
   </p:cSld>
@@ -780,7 +780,7 @@
           <a:p>
             <a:fld id="{B7A56448-5D1E-439A-B006-075676760B93}" type="datetimeFigureOut">
               <a:rPr lang="en-US" smtClean="0"/>
-              <a:t>9/8/2014</a:t>
+              <a:t>9/14/2014</a:t>
             </a:fld>
             <a:endParaRPr lang="en-US"/>
           </a:p>
@@ -831,7 +831,7 @@
     </p:spTree>
     <p:extLst>
       <p:ext uri="{BB962C8B-B14F-4D97-AF65-F5344CB8AC3E}">
-        <p14:creationId xmlns:p14="http://schemas.microsoft.com/office/powerpoint/2010/main" val="2037493809"/>
+        <p14:creationId xmlns:p14="http://schemas.microsoft.com/office/powerpoint/2010/main" val="824948861"/>
       </p:ext>
     </p:extLst>
   </p:cSld>
@@ -1026,7 +1026,7 @@
           <a:p>
             <a:fld id="{B7A56448-5D1E-439A-B006-075676760B93}" type="datetimeFigureOut">
               <a:rPr lang="en-US" smtClean="0"/>
-              <a:t>9/8/2014</a:t>
+              <a:t>9/14/2014</a:t>
             </a:fld>
             <a:endParaRPr lang="en-US"/>
           </a:p>
@@ -1077,7 +1077,7 @@
     </p:spTree>
     <p:extLst>
       <p:ext uri="{BB962C8B-B14F-4D97-AF65-F5344CB8AC3E}">
-        <p14:creationId xmlns:p14="http://schemas.microsoft.com/office/powerpoint/2010/main" val="2333377987"/>
+        <p14:creationId xmlns:p14="http://schemas.microsoft.com/office/powerpoint/2010/main" val="1167419047"/>
       </p:ext>
     </p:extLst>
   </p:cSld>
@@ -1258,7 +1258,7 @@
           <a:p>
             <a:fld id="{B7A56448-5D1E-439A-B006-075676760B93}" type="datetimeFigureOut">
               <a:rPr lang="en-US" smtClean="0"/>
-              <a:t>9/8/2014</a:t>
+              <a:t>9/14/2014</a:t>
             </a:fld>
             <a:endParaRPr lang="en-US"/>
           </a:p>
@@ -1309,7 +1309,7 @@
     </p:spTree>
     <p:extLst>
       <p:ext uri="{BB962C8B-B14F-4D97-AF65-F5344CB8AC3E}">
-        <p14:creationId xmlns:p14="http://schemas.microsoft.com/office/powerpoint/2010/main" val="4261249034"/>
+        <p14:creationId xmlns:p14="http://schemas.microsoft.com/office/powerpoint/2010/main" val="2732644520"/>
       </p:ext>
     </p:extLst>
   </p:cSld>
@@ -1625,7 +1625,7 @@
           <a:p>
             <a:fld id="{B7A56448-5D1E-439A-B006-075676760B93}" type="datetimeFigureOut">
               <a:rPr lang="en-US" smtClean="0"/>
-              <a:t>9/8/2014</a:t>
+              <a:t>9/14/2014</a:t>
             </a:fld>
             <a:endParaRPr lang="en-US"/>
           </a:p>
@@ -1676,7 +1676,7 @@
     </p:spTree>
     <p:extLst>
       <p:ext uri="{BB962C8B-B14F-4D97-AF65-F5344CB8AC3E}">
-        <p14:creationId xmlns:p14="http://schemas.microsoft.com/office/powerpoint/2010/main" val="160833319"/>
+        <p14:creationId xmlns:p14="http://schemas.microsoft.com/office/powerpoint/2010/main" val="2324044950"/>
       </p:ext>
     </p:extLst>
   </p:cSld>
@@ -1743,7 +1743,7 @@
           <a:p>
             <a:fld id="{B7A56448-5D1E-439A-B006-075676760B93}" type="datetimeFigureOut">
               <a:rPr lang="en-US" smtClean="0"/>
-              <a:t>9/8/2014</a:t>
+              <a:t>9/14/2014</a:t>
             </a:fld>
             <a:endParaRPr lang="en-US"/>
           </a:p>
@@ -1794,7 +1794,7 @@
     </p:spTree>
     <p:extLst>
       <p:ext uri="{BB962C8B-B14F-4D97-AF65-F5344CB8AC3E}">
-        <p14:creationId xmlns:p14="http://schemas.microsoft.com/office/powerpoint/2010/main" val="1259661556"/>
+        <p14:creationId xmlns:p14="http://schemas.microsoft.com/office/powerpoint/2010/main" val="3239998804"/>
       </p:ext>
     </p:extLst>
   </p:cSld>
@@ -1838,7 +1838,7 @@
           <a:p>
             <a:fld id="{B7A56448-5D1E-439A-B006-075676760B93}" type="datetimeFigureOut">
               <a:rPr lang="en-US" smtClean="0"/>
-              <a:t>9/8/2014</a:t>
+              <a:t>9/14/2014</a:t>
             </a:fld>
             <a:endParaRPr lang="en-US"/>
           </a:p>
@@ -1889,7 +1889,7 @@
     </p:spTree>
     <p:extLst>
       <p:ext uri="{BB962C8B-B14F-4D97-AF65-F5344CB8AC3E}">
-        <p14:creationId xmlns:p14="http://schemas.microsoft.com/office/powerpoint/2010/main" val="2935385746"/>
+        <p14:creationId xmlns:p14="http://schemas.microsoft.com/office/powerpoint/2010/main" val="3422531146"/>
       </p:ext>
     </p:extLst>
   </p:cSld>
@@ -2115,7 +2115,7 @@
           <a:p>
             <a:fld id="{B7A56448-5D1E-439A-B006-075676760B93}" type="datetimeFigureOut">
               <a:rPr lang="en-US" smtClean="0"/>
-              <a:t>9/8/2014</a:t>
+              <a:t>9/14/2014</a:t>
             </a:fld>
             <a:endParaRPr lang="en-US"/>
           </a:p>
@@ -2166,7 +2166,7 @@
     </p:spTree>
     <p:extLst>
       <p:ext uri="{BB962C8B-B14F-4D97-AF65-F5344CB8AC3E}">
-        <p14:creationId xmlns:p14="http://schemas.microsoft.com/office/powerpoint/2010/main" val="1972167215"/>
+        <p14:creationId xmlns:p14="http://schemas.microsoft.com/office/powerpoint/2010/main" val="2823668559"/>
       </p:ext>
     </p:extLst>
   </p:cSld>
@@ -2368,7 +2368,7 @@
           <a:p>
             <a:fld id="{B7A56448-5D1E-439A-B006-075676760B93}" type="datetimeFigureOut">
               <a:rPr lang="en-US" smtClean="0"/>
-              <a:t>9/8/2014</a:t>
+              <a:t>9/14/2014</a:t>
             </a:fld>
             <a:endParaRPr lang="en-US"/>
           </a:p>
@@ -2419,7 +2419,7 @@
     </p:spTree>
     <p:extLst>
       <p:ext uri="{BB962C8B-B14F-4D97-AF65-F5344CB8AC3E}">
-        <p14:creationId xmlns:p14="http://schemas.microsoft.com/office/powerpoint/2010/main" val="1946248067"/>
+        <p14:creationId xmlns:p14="http://schemas.microsoft.com/office/powerpoint/2010/main" val="269381729"/>
       </p:ext>
     </p:extLst>
   </p:cSld>
@@ -2581,7 +2581,7 @@
           <a:p>
             <a:fld id="{B7A56448-5D1E-439A-B006-075676760B93}" type="datetimeFigureOut">
               <a:rPr lang="en-US" smtClean="0"/>
-              <a:t>9/8/2014</a:t>
+              <a:t>9/14/2014</a:t>
             </a:fld>
             <a:endParaRPr lang="en-US"/>
           </a:p>
@@ -2668,23 +2668,23 @@
     </p:spTree>
     <p:extLst>
       <p:ext uri="{BB962C8B-B14F-4D97-AF65-F5344CB8AC3E}">
-        <p14:creationId xmlns:p14="http://schemas.microsoft.com/office/powerpoint/2010/main" val="3512493728"/>
+        <p14:creationId xmlns:p14="http://schemas.microsoft.com/office/powerpoint/2010/main" val="109298262"/>
       </p:ext>
     </p:extLst>
   </p:cSld>
   <p:clrMap bg1="lt1" tx1="dk1" bg2="lt2" tx2="dk2" accent1="accent1" accent2="accent2" accent3="accent3" accent4="accent4" accent5="accent5" accent6="accent6" hlink="hlink" folHlink="folHlink"/>
   <p:sldLayoutIdLst>
-    <p:sldLayoutId id="2147483649" r:id="rId1"/>
-    <p:sldLayoutId id="2147483650" r:id="rId2"/>
-    <p:sldLayoutId id="2147483651" r:id="rId3"/>
-    <p:sldLayoutId id="2147483652" r:id="rId4"/>
-    <p:sldLayoutId id="2147483653" r:id="rId5"/>
-    <p:sldLayoutId id="2147483654" r:id="rId6"/>
-    <p:sldLayoutId id="2147483655" r:id="rId7"/>
-    <p:sldLayoutId id="2147483656" r:id="rId8"/>
-    <p:sldLayoutId id="2147483657" r:id="rId9"/>
-    <p:sldLayoutId id="2147483658" r:id="rId10"/>
-    <p:sldLayoutId id="2147483659" r:id="rId11"/>
+    <p:sldLayoutId id="2147483697" r:id="rId1"/>
+    <p:sldLayoutId id="2147483698" r:id="rId2"/>
+    <p:sldLayoutId id="2147483699" r:id="rId3"/>
+    <p:sldLayoutId id="2147483700" r:id="rId4"/>
+    <p:sldLayoutId id="2147483701" r:id="rId5"/>
+    <p:sldLayoutId id="2147483702" r:id="rId6"/>
+    <p:sldLayoutId id="2147483703" r:id="rId7"/>
+    <p:sldLayoutId id="2147483704" r:id="rId8"/>
+    <p:sldLayoutId id="2147483705" r:id="rId9"/>
+    <p:sldLayoutId id="2147483706" r:id="rId10"/>
+    <p:sldLayoutId id="2147483707" r:id="rId11"/>
   </p:sldLayoutIdLst>
   <p:txStyles>
     <p:titleStyle>
@@ -4293,7 +4293,7 @@
           <a:graphicData uri="http://schemas.openxmlformats.org/presentationml/2006/ole">
             <mc:AlternateContent xmlns:mc="http://schemas.openxmlformats.org/markup-compatibility/2006">
               <mc:Choice xmlns:v="urn:schemas-microsoft-com:vml" Requires="v">
-                <p:oleObj spid="_x0000_s1028" name="Visio" r:id="rId4" imgW="5429129" imgH="2762341" progId="Visio.Drawing.11">
+                <p:oleObj spid="_x0000_s1029" name="Visio" r:id="rId4" imgW="5429129" imgH="2762341" progId="Visio.Drawing.11">
                   <p:embed/>
                 </p:oleObj>
               </mc:Choice>

--- a/BÁO CÁO THỰC TẬP.pptx
+++ b/BÁO CÁO THỰC TẬP.pptx
@@ -260,7 +260,7 @@
           <a:p>
             <a:fld id="{B7A56448-5D1E-439A-B006-075676760B93}" type="datetimeFigureOut">
               <a:rPr lang="en-US" smtClean="0"/>
-              <a:t>9/14/2014</a:t>
+              <a:t>9/17/2014</a:t>
             </a:fld>
             <a:endParaRPr lang="en-US"/>
           </a:p>
@@ -430,7 +430,7 @@
           <a:p>
             <a:fld id="{B7A56448-5D1E-439A-B006-075676760B93}" type="datetimeFigureOut">
               <a:rPr lang="en-US" smtClean="0"/>
-              <a:t>9/14/2014</a:t>
+              <a:t>9/17/2014</a:t>
             </a:fld>
             <a:endParaRPr lang="en-US"/>
           </a:p>
@@ -610,7 +610,7 @@
           <a:p>
             <a:fld id="{B7A56448-5D1E-439A-B006-075676760B93}" type="datetimeFigureOut">
               <a:rPr lang="en-US" smtClean="0"/>
-              <a:t>9/14/2014</a:t>
+              <a:t>9/17/2014</a:t>
             </a:fld>
             <a:endParaRPr lang="en-US"/>
           </a:p>
@@ -780,7 +780,7 @@
           <a:p>
             <a:fld id="{B7A56448-5D1E-439A-B006-075676760B93}" type="datetimeFigureOut">
               <a:rPr lang="en-US" smtClean="0"/>
-              <a:t>9/14/2014</a:t>
+              <a:t>9/17/2014</a:t>
             </a:fld>
             <a:endParaRPr lang="en-US"/>
           </a:p>
@@ -1026,7 +1026,7 @@
           <a:p>
             <a:fld id="{B7A56448-5D1E-439A-B006-075676760B93}" type="datetimeFigureOut">
               <a:rPr lang="en-US" smtClean="0"/>
-              <a:t>9/14/2014</a:t>
+              <a:t>9/17/2014</a:t>
             </a:fld>
             <a:endParaRPr lang="en-US"/>
           </a:p>
@@ -1258,7 +1258,7 @@
           <a:p>
             <a:fld id="{B7A56448-5D1E-439A-B006-075676760B93}" type="datetimeFigureOut">
               <a:rPr lang="en-US" smtClean="0"/>
-              <a:t>9/14/2014</a:t>
+              <a:t>9/17/2014</a:t>
             </a:fld>
             <a:endParaRPr lang="en-US"/>
           </a:p>
@@ -1625,7 +1625,7 @@
           <a:p>
             <a:fld id="{B7A56448-5D1E-439A-B006-075676760B93}" type="datetimeFigureOut">
               <a:rPr lang="en-US" smtClean="0"/>
-              <a:t>9/14/2014</a:t>
+              <a:t>9/17/2014</a:t>
             </a:fld>
             <a:endParaRPr lang="en-US"/>
           </a:p>
@@ -1743,7 +1743,7 @@
           <a:p>
             <a:fld id="{B7A56448-5D1E-439A-B006-075676760B93}" type="datetimeFigureOut">
               <a:rPr lang="en-US" smtClean="0"/>
-              <a:t>9/14/2014</a:t>
+              <a:t>9/17/2014</a:t>
             </a:fld>
             <a:endParaRPr lang="en-US"/>
           </a:p>
@@ -1838,7 +1838,7 @@
           <a:p>
             <a:fld id="{B7A56448-5D1E-439A-B006-075676760B93}" type="datetimeFigureOut">
               <a:rPr lang="en-US" smtClean="0"/>
-              <a:t>9/14/2014</a:t>
+              <a:t>9/17/2014</a:t>
             </a:fld>
             <a:endParaRPr lang="en-US"/>
           </a:p>
@@ -2115,7 +2115,7 @@
           <a:p>
             <a:fld id="{B7A56448-5D1E-439A-B006-075676760B93}" type="datetimeFigureOut">
               <a:rPr lang="en-US" smtClean="0"/>
-              <a:t>9/14/2014</a:t>
+              <a:t>9/17/2014</a:t>
             </a:fld>
             <a:endParaRPr lang="en-US"/>
           </a:p>
@@ -2368,7 +2368,7 @@
           <a:p>
             <a:fld id="{B7A56448-5D1E-439A-B006-075676760B93}" type="datetimeFigureOut">
               <a:rPr lang="en-US" smtClean="0"/>
-              <a:t>9/14/2014</a:t>
+              <a:t>9/17/2014</a:t>
             </a:fld>
             <a:endParaRPr lang="en-US"/>
           </a:p>
@@ -2581,7 +2581,7 @@
           <a:p>
             <a:fld id="{B7A56448-5D1E-439A-B006-075676760B93}" type="datetimeFigureOut">
               <a:rPr lang="en-US" smtClean="0"/>
-              <a:t>9/14/2014</a:t>
+              <a:t>9/17/2014</a:t>
             </a:fld>
             <a:endParaRPr lang="en-US"/>
           </a:p>
@@ -4293,7 +4293,7 @@
           <a:graphicData uri="http://schemas.openxmlformats.org/presentationml/2006/ole">
             <mc:AlternateContent xmlns:mc="http://schemas.openxmlformats.org/markup-compatibility/2006">
               <mc:Choice xmlns:v="urn:schemas-microsoft-com:vml" Requires="v">
-                <p:oleObj spid="_x0000_s1029" name="Visio" r:id="rId4" imgW="5429129" imgH="2762341" progId="Visio.Drawing.11">
+                <p:oleObj spid="_x0000_s1030" name="Visio" r:id="rId4" imgW="5429129" imgH="2762341" progId="Visio.Drawing.11">
                   <p:embed/>
                 </p:oleObj>
               </mc:Choice>
@@ -4391,8 +4391,48 @@
           <a:lstStyle/>
           <a:p>
             <a:r>
+              <a:rPr lang="en-US" b="1" dirty="0" err="1" smtClean="0"/>
+              <a:t>Đảm</a:t>
+            </a:r>
+            <a:r>
               <a:rPr lang="en-US" b="1" dirty="0" smtClean="0"/>
-              <a:t>Unit Test</a:t>
+              <a:t> </a:t>
+            </a:r>
+            <a:r>
+              <a:rPr lang="en-US" b="1" dirty="0" err="1" smtClean="0"/>
+              <a:t>bảo</a:t>
+            </a:r>
+            <a:r>
+              <a:rPr lang="en-US" b="1" dirty="0" smtClean="0"/>
+              <a:t> </a:t>
+            </a:r>
+            <a:r>
+              <a:rPr lang="en-US" b="1" dirty="0" err="1" smtClean="0"/>
+              <a:t>chất</a:t>
+            </a:r>
+            <a:r>
+              <a:rPr lang="en-US" b="1" dirty="0" smtClean="0"/>
+              <a:t> </a:t>
+            </a:r>
+            <a:r>
+              <a:rPr lang="en-US" b="1" dirty="0" err="1" smtClean="0"/>
+              <a:t>lượng</a:t>
+            </a:r>
+            <a:r>
+              <a:rPr lang="en-US" b="1" dirty="0" smtClean="0"/>
+              <a:t> </a:t>
+            </a:r>
+            <a:r>
+              <a:rPr lang="en-US" b="1" dirty="0" err="1" smtClean="0"/>
+              <a:t>sản</a:t>
+            </a:r>
+            <a:r>
+              <a:rPr lang="en-US" b="1" dirty="0" smtClean="0"/>
+              <a:t> </a:t>
+            </a:r>
+            <a:r>
+              <a:rPr lang="en-US" b="1" smtClean="0"/>
+              <a:t>phẩm</a:t>
             </a:r>
             <a:endParaRPr lang="vi-VN" b="1" dirty="0"/>
           </a:p>
